--- a/assets/images/Images.pptx
+++ b/assets/images/Images.pptx
@@ -3329,6 +3329,423 @@
           <a:chExt cx="0" cy="0"/>
         </a:xfrm>
       </p:grpSpPr>
+      <p:pic>
+        <p:nvPicPr>
+          <p:cNvPr id="1026" name="Picture 2" descr="Server- und Rechenzentrumslösungen – Kingston Technology">
+            <a:extLst>
+              <a:ext uri="{FF2B5EF4-FFF2-40B4-BE49-F238E27FC236}">
+                <a16:creationId xmlns:a16="http://schemas.microsoft.com/office/drawing/2014/main" id="{A6CAE863-6BD5-4140-82F0-75D7C3B62829}"/>
+              </a:ext>
+            </a:extLst>
+          </p:cNvPr>
+          <p:cNvPicPr>
+            <a:picLocks noChangeAspect="1" noChangeArrowheads="1"/>
+          </p:cNvPicPr>
+          <p:nvPr/>
+        </p:nvPicPr>
+        <p:blipFill>
+          <a:blip r:embed="rId2">
+            <a:extLst>
+              <a:ext uri="{28A0092B-C50C-407E-A947-70E740481C1C}">
+                <a14:useLocalDpi xmlns:a14="http://schemas.microsoft.com/office/drawing/2010/main" val="0"/>
+              </a:ext>
+            </a:extLst>
+          </a:blip>
+          <a:srcRect/>
+          <a:stretch>
+            <a:fillRect/>
+          </a:stretch>
+        </p:blipFill>
+        <p:spPr bwMode="auto">
+          <a:xfrm>
+            <a:off x="7298827" y="1778000"/>
+            <a:ext cx="4384051" cy="2561468"/>
+          </a:xfrm>
+          <a:prstGeom prst="rect">
+            <a:avLst/>
+          </a:prstGeom>
+          <a:noFill/>
+          <a:extLst>
+            <a:ext uri="{909E8E84-426E-40DD-AFC4-6F175D3DCCD1}">
+              <a14:hiddenFill xmlns:a14="http://schemas.microsoft.com/office/drawing/2010/main">
+                <a:solidFill>
+                  <a:srgbClr val="FFFFFF"/>
+                </a:solidFill>
+              </a14:hiddenFill>
+            </a:ext>
+          </a:extLst>
+        </p:spPr>
+      </p:pic>
+      <p:pic>
+        <p:nvPicPr>
+          <p:cNvPr id="1028" name="Picture 4" descr="Google – Wikipedia">
+            <a:extLst>
+              <a:ext uri="{FF2B5EF4-FFF2-40B4-BE49-F238E27FC236}">
+                <a16:creationId xmlns:a16="http://schemas.microsoft.com/office/drawing/2014/main" id="{AF9C3875-2596-4040-9642-2C12234215E4}"/>
+              </a:ext>
+            </a:extLst>
+          </p:cNvPr>
+          <p:cNvPicPr>
+            <a:picLocks noChangeAspect="1" noChangeArrowheads="1"/>
+          </p:cNvPicPr>
+          <p:nvPr/>
+        </p:nvPicPr>
+        <p:blipFill>
+          <a:blip r:embed="rId3">
+            <a:extLst>
+              <a:ext uri="{28A0092B-C50C-407E-A947-70E740481C1C}">
+                <a14:useLocalDpi xmlns:a14="http://schemas.microsoft.com/office/drawing/2010/main" val="0"/>
+              </a:ext>
+            </a:extLst>
+          </a:blip>
+          <a:srcRect/>
+          <a:stretch>
+            <a:fillRect/>
+          </a:stretch>
+        </p:blipFill>
+        <p:spPr bwMode="auto">
+          <a:xfrm>
+            <a:off x="7311119" y="3199176"/>
+            <a:ext cx="4371759" cy="1478885"/>
+          </a:xfrm>
+          <a:prstGeom prst="rect">
+            <a:avLst/>
+          </a:prstGeom>
+          <a:noFill/>
+          <a:extLst>
+            <a:ext uri="{909E8E84-426E-40DD-AFC4-6F175D3DCCD1}">
+              <a14:hiddenFill xmlns:a14="http://schemas.microsoft.com/office/drawing/2010/main">
+                <a:solidFill>
+                  <a:srgbClr val="FFFFFF"/>
+                </a:solidFill>
+              </a14:hiddenFill>
+            </a:ext>
+          </a:extLst>
+        </p:spPr>
+      </p:pic>
+      <p:pic>
+        <p:nvPicPr>
+          <p:cNvPr id="1030" name="Picture 6">
+            <a:extLst>
+              <a:ext uri="{FF2B5EF4-FFF2-40B4-BE49-F238E27FC236}">
+                <a16:creationId xmlns:a16="http://schemas.microsoft.com/office/drawing/2014/main" id="{BBCF14A1-C0A7-FA43-A62D-15C641B6A96D}"/>
+              </a:ext>
+            </a:extLst>
+          </p:cNvPr>
+          <p:cNvPicPr>
+            <a:picLocks noChangeAspect="1" noChangeArrowheads="1"/>
+          </p:cNvPicPr>
+          <p:nvPr/>
+        </p:nvPicPr>
+        <p:blipFill>
+          <a:blip r:embed="rId4">
+            <a:extLst>
+              <a:ext uri="{28A0092B-C50C-407E-A947-70E740481C1C}">
+                <a14:useLocalDpi xmlns:a14="http://schemas.microsoft.com/office/drawing/2010/main" val="0"/>
+              </a:ext>
+            </a:extLst>
+          </a:blip>
+          <a:srcRect/>
+          <a:stretch>
+            <a:fillRect/>
+          </a:stretch>
+        </p:blipFill>
+        <p:spPr bwMode="auto">
+          <a:xfrm>
+            <a:off x="694926" y="2248198"/>
+            <a:ext cx="2755820" cy="1621071"/>
+          </a:xfrm>
+          <a:prstGeom prst="rect">
+            <a:avLst/>
+          </a:prstGeom>
+          <a:noFill/>
+          <a:extLst>
+            <a:ext uri="{909E8E84-426E-40DD-AFC4-6F175D3DCCD1}">
+              <a14:hiddenFill xmlns:a14="http://schemas.microsoft.com/office/drawing/2010/main">
+                <a:solidFill>
+                  <a:srgbClr val="FFFFFF"/>
+                </a:solidFill>
+              </a14:hiddenFill>
+            </a:ext>
+          </a:extLst>
+        </p:spPr>
+      </p:pic>
+      <p:cxnSp>
+        <p:nvCxnSpPr>
+          <p:cNvPr id="5" name="Straight Arrow Connector 4">
+            <a:extLst>
+              <a:ext uri="{FF2B5EF4-FFF2-40B4-BE49-F238E27FC236}">
+                <a16:creationId xmlns:a16="http://schemas.microsoft.com/office/drawing/2014/main" id="{6525DC05-F862-0442-8D5A-FB009808F893}"/>
+              </a:ext>
+            </a:extLst>
+          </p:cNvPr>
+          <p:cNvCxnSpPr/>
+          <p:nvPr/>
+        </p:nvCxnSpPr>
+        <p:spPr>
+          <a:xfrm>
+            <a:off x="3622876" y="2446797"/>
+            <a:ext cx="3449256" cy="0"/>
+          </a:xfrm>
+          <a:prstGeom prst="straightConnector1">
+            <a:avLst/>
+          </a:prstGeom>
+          <a:ln w="38100">
+            <a:solidFill>
+              <a:schemeClr val="tx1">
+                <a:lumMod val="75000"/>
+                <a:lumOff val="25000"/>
+              </a:schemeClr>
+            </a:solidFill>
+            <a:tailEnd type="triangle"/>
+          </a:ln>
+        </p:spPr>
+        <p:style>
+          <a:lnRef idx="1">
+            <a:schemeClr val="accent1"/>
+          </a:lnRef>
+          <a:fillRef idx="0">
+            <a:schemeClr val="accent1"/>
+          </a:fillRef>
+          <a:effectRef idx="0">
+            <a:schemeClr val="accent1"/>
+          </a:effectRef>
+          <a:fontRef idx="minor">
+            <a:schemeClr val="tx1"/>
+          </a:fontRef>
+        </p:style>
+      </p:cxnSp>
+      <p:sp>
+        <p:nvSpPr>
+          <p:cNvPr id="6" name="TextBox 5">
+            <a:extLst>
+              <a:ext uri="{FF2B5EF4-FFF2-40B4-BE49-F238E27FC236}">
+                <a16:creationId xmlns:a16="http://schemas.microsoft.com/office/drawing/2014/main" id="{9DC1E0A3-7DF2-5E4D-85A0-46E24376F79B}"/>
+              </a:ext>
+            </a:extLst>
+          </p:cNvPr>
+          <p:cNvSpPr txBox="1"/>
+          <p:nvPr/>
+        </p:nvSpPr>
+        <p:spPr>
+          <a:xfrm>
+            <a:off x="3345844" y="2101947"/>
+            <a:ext cx="3951723" cy="253916"/>
+          </a:xfrm>
+          <a:prstGeom prst="rect">
+            <a:avLst/>
+          </a:prstGeom>
+          <a:noFill/>
+        </p:spPr>
+        <p:txBody>
+          <a:bodyPr wrap="none" rtlCol="0">
+            <a:spAutoFit/>
+          </a:bodyPr>
+          <a:lstStyle/>
+          <a:p>
+            <a:r>
+              <a:rPr lang="en-GB" sz="1000" dirty="0">
+                <a:latin typeface="Courier New" panose="02070309020205020404" pitchFamily="49" charset="0"/>
+                <a:cs typeface="Courier New" panose="02070309020205020404" pitchFamily="49" charset="0"/>
+              </a:rPr>
+              <a:t>$ curl -s -o /dev/null -v http://</a:t>
+            </a:r>
+            <a:r>
+              <a:rPr lang="en-GB" sz="1000" dirty="0" err="1">
+                <a:latin typeface="Courier New" panose="02070309020205020404" pitchFamily="49" charset="0"/>
+                <a:cs typeface="Courier New" panose="02070309020205020404" pitchFamily="49" charset="0"/>
+              </a:rPr>
+              <a:t>www.google.com</a:t>
+            </a:r>
+            <a:endParaRPr lang="en-GB" sz="1000" dirty="0">
+              <a:latin typeface="Courier New" panose="02070309020205020404" pitchFamily="49" charset="0"/>
+              <a:cs typeface="Courier New" panose="02070309020205020404" pitchFamily="49" charset="0"/>
+            </a:endParaRPr>
+          </a:p>
+        </p:txBody>
+      </p:sp>
+      <p:sp>
+        <p:nvSpPr>
+          <p:cNvPr id="11" name="TextBox 10">
+            <a:extLst>
+              <a:ext uri="{FF2B5EF4-FFF2-40B4-BE49-F238E27FC236}">
+                <a16:creationId xmlns:a16="http://schemas.microsoft.com/office/drawing/2014/main" id="{6D4A9F4E-8880-CF4F-85EC-A733B5179752}"/>
+              </a:ext>
+            </a:extLst>
+          </p:cNvPr>
+          <p:cNvSpPr txBox="1"/>
+          <p:nvPr/>
+        </p:nvSpPr>
+        <p:spPr>
+          <a:xfrm>
+            <a:off x="3121646" y="4229395"/>
+            <a:ext cx="5493812" cy="1477328"/>
+          </a:xfrm>
+          <a:prstGeom prst="rect">
+            <a:avLst/>
+          </a:prstGeom>
+          <a:noFill/>
+        </p:spPr>
+        <p:txBody>
+          <a:bodyPr wrap="none" rtlCol="0">
+            <a:spAutoFit/>
+          </a:bodyPr>
+          <a:lstStyle/>
+          <a:p>
+            <a:r>
+              <a:rPr lang="en-GB" sz="1000" dirty="0">
+                <a:latin typeface="Courier New" panose="02070309020205020404" pitchFamily="49" charset="0"/>
+                <a:cs typeface="Courier New" panose="02070309020205020404" pitchFamily="49" charset="0"/>
+              </a:rPr>
+              <a:t>*   Trying 2a00:1450:4001:801::2004...</a:t>
+            </a:r>
+          </a:p>
+          <a:p>
+            <a:r>
+              <a:rPr lang="en-GB" sz="1000" dirty="0">
+                <a:latin typeface="Courier New" panose="02070309020205020404" pitchFamily="49" charset="0"/>
+                <a:cs typeface="Courier New" panose="02070309020205020404" pitchFamily="49" charset="0"/>
+              </a:rPr>
+              <a:t>* TCP_NODELAY set</a:t>
+            </a:r>
+          </a:p>
+          <a:p>
+            <a:r>
+              <a:rPr lang="en-GB" sz="1000" dirty="0">
+                <a:latin typeface="Courier New" panose="02070309020205020404" pitchFamily="49" charset="0"/>
+                <a:cs typeface="Courier New" panose="02070309020205020404" pitchFamily="49" charset="0"/>
+              </a:rPr>
+              <a:t>* Connected to </a:t>
+            </a:r>
+            <a:r>
+              <a:rPr lang="en-GB" sz="1000" dirty="0" err="1">
+                <a:latin typeface="Courier New" panose="02070309020205020404" pitchFamily="49" charset="0"/>
+                <a:cs typeface="Courier New" panose="02070309020205020404" pitchFamily="49" charset="0"/>
+              </a:rPr>
+              <a:t>www.google.com</a:t>
+            </a:r>
+            <a:r>
+              <a:rPr lang="en-GB" sz="1000" dirty="0">
+                <a:latin typeface="Courier New" panose="02070309020205020404" pitchFamily="49" charset="0"/>
+                <a:cs typeface="Courier New" panose="02070309020205020404" pitchFamily="49" charset="0"/>
+              </a:rPr>
+              <a:t> (2a00:1450:4001:801::2004) port 80 (#0)</a:t>
+            </a:r>
+          </a:p>
+          <a:p>
+            <a:r>
+              <a:rPr lang="en-GB" sz="1000" dirty="0">
+                <a:latin typeface="Courier New" panose="02070309020205020404" pitchFamily="49" charset="0"/>
+                <a:cs typeface="Courier New" panose="02070309020205020404" pitchFamily="49" charset="0"/>
+              </a:rPr>
+              <a:t>&gt; GET / HTTP/1.1</a:t>
+            </a:r>
+          </a:p>
+          <a:p>
+            <a:r>
+              <a:rPr lang="en-GB" sz="1000" dirty="0">
+                <a:latin typeface="Courier New" panose="02070309020205020404" pitchFamily="49" charset="0"/>
+                <a:cs typeface="Courier New" panose="02070309020205020404" pitchFamily="49" charset="0"/>
+              </a:rPr>
+              <a:t>&gt; Host: </a:t>
+            </a:r>
+            <a:r>
+              <a:rPr lang="en-GB" sz="1000" dirty="0" err="1">
+                <a:latin typeface="Courier New" panose="02070309020205020404" pitchFamily="49" charset="0"/>
+                <a:cs typeface="Courier New" panose="02070309020205020404" pitchFamily="49" charset="0"/>
+              </a:rPr>
+              <a:t>www.google.com</a:t>
+            </a:r>
+            <a:endParaRPr lang="en-GB" sz="1000" dirty="0">
+              <a:latin typeface="Courier New" panose="02070309020205020404" pitchFamily="49" charset="0"/>
+              <a:cs typeface="Courier New" panose="02070309020205020404" pitchFamily="49" charset="0"/>
+            </a:endParaRPr>
+          </a:p>
+          <a:p>
+            <a:r>
+              <a:rPr lang="en-GB" sz="1000" dirty="0">
+                <a:latin typeface="Courier New" panose="02070309020205020404" pitchFamily="49" charset="0"/>
+                <a:cs typeface="Courier New" panose="02070309020205020404" pitchFamily="49" charset="0"/>
+              </a:rPr>
+              <a:t>&gt; User-Agent: curl/7.64.1</a:t>
+            </a:r>
+          </a:p>
+          <a:p>
+            <a:r>
+              <a:rPr lang="en-GB" sz="1000" dirty="0">
+                <a:latin typeface="Courier New" panose="02070309020205020404" pitchFamily="49" charset="0"/>
+                <a:cs typeface="Courier New" panose="02070309020205020404" pitchFamily="49" charset="0"/>
+              </a:rPr>
+              <a:t>&gt; Accept: */*</a:t>
+            </a:r>
+          </a:p>
+          <a:p>
+            <a:r>
+              <a:rPr lang="en-GB" sz="1000" dirty="0">
+                <a:latin typeface="Courier New" panose="02070309020205020404" pitchFamily="49" charset="0"/>
+                <a:cs typeface="Courier New" panose="02070309020205020404" pitchFamily="49" charset="0"/>
+              </a:rPr>
+              <a:t>&gt;</a:t>
+            </a:r>
+          </a:p>
+          <a:p>
+            <a:r>
+              <a:rPr lang="en-GB" sz="1000" dirty="0">
+                <a:latin typeface="Courier New" panose="02070309020205020404" pitchFamily="49" charset="0"/>
+                <a:cs typeface="Courier New" panose="02070309020205020404" pitchFamily="49" charset="0"/>
+              </a:rPr>
+              <a:t>…</a:t>
+            </a:r>
+          </a:p>
+        </p:txBody>
+      </p:sp>
+      <p:cxnSp>
+        <p:nvCxnSpPr>
+          <p:cNvPr id="12" name="Straight Arrow Connector 11">
+            <a:extLst>
+              <a:ext uri="{FF2B5EF4-FFF2-40B4-BE49-F238E27FC236}">
+                <a16:creationId xmlns:a16="http://schemas.microsoft.com/office/drawing/2014/main" id="{A735F1D1-1167-BA45-81B4-316D0F0CC496}"/>
+              </a:ext>
+            </a:extLst>
+          </p:cNvPr>
+          <p:cNvCxnSpPr>
+            <a:cxnSpLocks/>
+          </p:cNvCxnSpPr>
+          <p:nvPr/>
+        </p:nvCxnSpPr>
+        <p:spPr>
+          <a:xfrm flipH="1">
+            <a:off x="3583688" y="3560545"/>
+            <a:ext cx="3449255" cy="0"/>
+          </a:xfrm>
+          <a:prstGeom prst="straightConnector1">
+            <a:avLst/>
+          </a:prstGeom>
+          <a:ln w="38100">
+            <a:solidFill>
+              <a:schemeClr val="tx1">
+                <a:lumMod val="75000"/>
+                <a:lumOff val="25000"/>
+              </a:schemeClr>
+            </a:solidFill>
+            <a:tailEnd type="triangle"/>
+          </a:ln>
+        </p:spPr>
+        <p:style>
+          <a:lnRef idx="1">
+            <a:schemeClr val="accent1"/>
+          </a:lnRef>
+          <a:fillRef idx="0">
+            <a:schemeClr val="accent1"/>
+          </a:fillRef>
+          <a:effectRef idx="0">
+            <a:schemeClr val="accent1"/>
+          </a:effectRef>
+          <a:fontRef idx="minor">
+            <a:schemeClr val="tx1"/>
+          </a:fontRef>
+        </p:style>
+      </p:cxnSp>
     </p:spTree>
     <p:extLst>
       <p:ext uri="{BB962C8B-B14F-4D97-AF65-F5344CB8AC3E}">

--- a/assets/images/Images.pptx
+++ b/assets/images/Images.pptx
@@ -9,6 +9,7 @@
     <p:sldId id="256" r:id="rId3"/>
     <p:sldId id="257" r:id="rId4"/>
     <p:sldId id="258" r:id="rId5"/>
+    <p:sldId id="260" r:id="rId6"/>
   </p:sldIdLst>
   <p:sldSz cx="12192000" cy="6858000"/>
   <p:notesSz cx="6858000" cy="9144000"/>
@@ -108,6 +109,23 @@
     </a:lvl9pPr>
   </p:defaultTextStyle>
   <p:extLst>
+    <p:ext uri="{521415D9-36F7-43E2-AB2F-B90AF26B5E84}">
+      <p14:sectionLst xmlns:p14="http://schemas.microsoft.com/office/powerpoint/2010/main">
+        <p14:section name="Default Section" id="{CA177789-6DB9-E742-B5CE-422A2667597D}">
+          <p14:sldIdLst>
+            <p14:sldId id="259"/>
+            <p14:sldId id="256"/>
+            <p14:sldId id="257"/>
+            <p14:sldId id="258"/>
+          </p14:sldIdLst>
+        </p14:section>
+        <p14:section name="Primer - Demo - Contcat Us" id="{CD463FAA-F783-204C-8F4A-ACCF9AB96981}">
+          <p14:sldIdLst>
+            <p14:sldId id="260"/>
+          </p14:sldIdLst>
+        </p14:section>
+      </p14:sectionLst>
+    </p:ext>
     <p:ext uri="{EFAFB233-063F-42B5-8137-9DF3F51BA10A}">
       <p15:sldGuideLst xmlns:p15="http://schemas.microsoft.com/office/powerpoint/2012/main"/>
     </p:ext>
@@ -262,7 +280,7 @@
           <a:p>
             <a:fld id="{4410B838-6512-4C44-80A6-882B4E57F739}" type="datetimeFigureOut">
               <a:rPr lang="en-GB" smtClean="0"/>
-              <a:t>12/06/2020</a:t>
+              <a:t>14/06/2020</a:t>
             </a:fld>
             <a:endParaRPr lang="en-GB"/>
           </a:p>
@@ -460,7 +478,7 @@
           <a:p>
             <a:fld id="{4410B838-6512-4C44-80A6-882B4E57F739}" type="datetimeFigureOut">
               <a:rPr lang="en-GB" smtClean="0"/>
-              <a:t>12/06/2020</a:t>
+              <a:t>14/06/2020</a:t>
             </a:fld>
             <a:endParaRPr lang="en-GB"/>
           </a:p>
@@ -668,7 +686,7 @@
           <a:p>
             <a:fld id="{4410B838-6512-4C44-80A6-882B4E57F739}" type="datetimeFigureOut">
               <a:rPr lang="en-GB" smtClean="0"/>
-              <a:t>12/06/2020</a:t>
+              <a:t>14/06/2020</a:t>
             </a:fld>
             <a:endParaRPr lang="en-GB"/>
           </a:p>
@@ -866,7 +884,7 @@
           <a:p>
             <a:fld id="{4410B838-6512-4C44-80A6-882B4E57F739}" type="datetimeFigureOut">
               <a:rPr lang="en-GB" smtClean="0"/>
-              <a:t>12/06/2020</a:t>
+              <a:t>14/06/2020</a:t>
             </a:fld>
             <a:endParaRPr lang="en-GB"/>
           </a:p>
@@ -1141,7 +1159,7 @@
           <a:p>
             <a:fld id="{4410B838-6512-4C44-80A6-882B4E57F739}" type="datetimeFigureOut">
               <a:rPr lang="en-GB" smtClean="0"/>
-              <a:t>12/06/2020</a:t>
+              <a:t>14/06/2020</a:t>
             </a:fld>
             <a:endParaRPr lang="en-GB"/>
           </a:p>
@@ -1406,7 +1424,7 @@
           <a:p>
             <a:fld id="{4410B838-6512-4C44-80A6-882B4E57F739}" type="datetimeFigureOut">
               <a:rPr lang="en-GB" smtClean="0"/>
-              <a:t>12/06/2020</a:t>
+              <a:t>14/06/2020</a:t>
             </a:fld>
             <a:endParaRPr lang="en-GB"/>
           </a:p>
@@ -1818,7 +1836,7 @@
           <a:p>
             <a:fld id="{4410B838-6512-4C44-80A6-882B4E57F739}" type="datetimeFigureOut">
               <a:rPr lang="en-GB" smtClean="0"/>
-              <a:t>12/06/2020</a:t>
+              <a:t>14/06/2020</a:t>
             </a:fld>
             <a:endParaRPr lang="en-GB"/>
           </a:p>
@@ -1959,7 +1977,7 @@
           <a:p>
             <a:fld id="{4410B838-6512-4C44-80A6-882B4E57F739}" type="datetimeFigureOut">
               <a:rPr lang="en-GB" smtClean="0"/>
-              <a:t>12/06/2020</a:t>
+              <a:t>14/06/2020</a:t>
             </a:fld>
             <a:endParaRPr lang="en-GB"/>
           </a:p>
@@ -2072,7 +2090,7 @@
           <a:p>
             <a:fld id="{4410B838-6512-4C44-80A6-882B4E57F739}" type="datetimeFigureOut">
               <a:rPr lang="en-GB" smtClean="0"/>
-              <a:t>12/06/2020</a:t>
+              <a:t>14/06/2020</a:t>
             </a:fld>
             <a:endParaRPr lang="en-GB"/>
           </a:p>
@@ -2383,7 +2401,7 @@
           <a:p>
             <a:fld id="{4410B838-6512-4C44-80A6-882B4E57F739}" type="datetimeFigureOut">
               <a:rPr lang="en-GB" smtClean="0"/>
-              <a:t>12/06/2020</a:t>
+              <a:t>14/06/2020</a:t>
             </a:fld>
             <a:endParaRPr lang="en-GB"/>
           </a:p>
@@ -2671,7 +2689,7 @@
           <a:p>
             <a:fld id="{4410B838-6512-4C44-80A6-882B4E57F739}" type="datetimeFigureOut">
               <a:rPr lang="en-GB" smtClean="0"/>
-              <a:t>12/06/2020</a:t>
+              <a:t>14/06/2020</a:t>
             </a:fld>
             <a:endParaRPr lang="en-GB"/>
           </a:p>
@@ -2912,7 +2930,7 @@
           <a:p>
             <a:fld id="{4410B838-6512-4C44-80A6-882B4E57F739}" type="datetimeFigureOut">
               <a:rPr lang="en-GB" smtClean="0"/>
-              <a:t>12/06/2020</a:t>
+              <a:t>14/06/2020</a:t>
             </a:fld>
             <a:endParaRPr lang="en-GB"/>
           </a:p>
@@ -7369,6 +7387,840 @@
 </p:sld>
 </file>
 
+<file path=ppt/slides/slide5.xml><?xml version="1.0" encoding="utf-8"?>
+<p:sld xmlns:a="http://schemas.openxmlformats.org/drawingml/2006/main" xmlns:r="http://schemas.openxmlformats.org/officeDocument/2006/relationships" xmlns:p="http://schemas.openxmlformats.org/presentationml/2006/main">
+  <p:cSld>
+    <p:spTree>
+      <p:nvGrpSpPr>
+        <p:cNvPr id="1" name=""/>
+        <p:cNvGrpSpPr/>
+        <p:nvPr/>
+      </p:nvGrpSpPr>
+      <p:grpSpPr>
+        <a:xfrm>
+          <a:off x="0" y="0"/>
+          <a:ext cx="0" cy="0"/>
+          <a:chOff x="0" y="0"/>
+          <a:chExt cx="0" cy="0"/>
+        </a:xfrm>
+      </p:grpSpPr>
+      <p:pic>
+        <p:nvPicPr>
+          <p:cNvPr id="1026" name="Picture 2" descr="Files And Folders, Csv, Comma Separated Values, Csv File ...">
+            <a:extLst>
+              <a:ext uri="{FF2B5EF4-FFF2-40B4-BE49-F238E27FC236}">
+                <a16:creationId xmlns:a16="http://schemas.microsoft.com/office/drawing/2014/main" id="{1AF7294B-7DBD-6649-BCDE-D01C025A47ED}"/>
+              </a:ext>
+            </a:extLst>
+          </p:cNvPr>
+          <p:cNvPicPr>
+            <a:picLocks noChangeAspect="1" noChangeArrowheads="1"/>
+          </p:cNvPicPr>
+          <p:nvPr/>
+        </p:nvPicPr>
+        <p:blipFill>
+          <a:blip r:embed="rId2">
+            <a:extLst>
+              <a:ext uri="{28A0092B-C50C-407E-A947-70E740481C1C}">
+                <a14:useLocalDpi xmlns:a14="http://schemas.microsoft.com/office/drawing/2010/main" val="0"/>
+              </a:ext>
+            </a:extLst>
+          </a:blip>
+          <a:srcRect/>
+          <a:stretch>
+            <a:fillRect/>
+          </a:stretch>
+        </p:blipFill>
+        <p:spPr bwMode="auto">
+          <a:xfrm>
+            <a:off x="9731075" y="671379"/>
+            <a:ext cx="1559560" cy="1559560"/>
+          </a:xfrm>
+          <a:prstGeom prst="rect">
+            <a:avLst/>
+          </a:prstGeom>
+          <a:noFill/>
+          <a:extLst>
+            <a:ext uri="{909E8E84-426E-40DD-AFC4-6F175D3DCCD1}">
+              <a14:hiddenFill xmlns:a14="http://schemas.microsoft.com/office/drawing/2010/main">
+                <a:solidFill>
+                  <a:srgbClr val="FFFFFF"/>
+                </a:solidFill>
+              </a14:hiddenFill>
+            </a:ext>
+          </a:extLst>
+        </p:spPr>
+      </p:pic>
+      <p:sp>
+        <p:nvSpPr>
+          <p:cNvPr id="4" name="Rectangle 3">
+            <a:extLst>
+              <a:ext uri="{FF2B5EF4-FFF2-40B4-BE49-F238E27FC236}">
+                <a16:creationId xmlns:a16="http://schemas.microsoft.com/office/drawing/2014/main" id="{EF3F1165-72B7-E94E-9C13-4BF99BC1DA2F}"/>
+              </a:ext>
+            </a:extLst>
+          </p:cNvPr>
+          <p:cNvSpPr/>
+          <p:nvPr/>
+        </p:nvSpPr>
+        <p:spPr>
+          <a:xfrm>
+            <a:off x="7581116" y="671379"/>
+            <a:ext cx="1543050" cy="1559560"/>
+          </a:xfrm>
+          <a:prstGeom prst="rect">
+            <a:avLst/>
+          </a:prstGeom>
+        </p:spPr>
+        <p:style>
+          <a:lnRef idx="2">
+            <a:schemeClr val="accent1">
+              <a:shade val="50000"/>
+            </a:schemeClr>
+          </a:lnRef>
+          <a:fillRef idx="1">
+            <a:schemeClr val="accent1"/>
+          </a:fillRef>
+          <a:effectRef idx="0">
+            <a:schemeClr val="accent1"/>
+          </a:effectRef>
+          <a:fontRef idx="minor">
+            <a:schemeClr val="lt1"/>
+          </a:fontRef>
+        </p:style>
+        <p:txBody>
+          <a:bodyPr rtlCol="0" anchor="ctr"/>
+          <a:lstStyle/>
+          <a:p>
+            <a:pPr algn="ctr"/>
+            <a:r>
+              <a:rPr lang="en-GB" dirty="0"/>
+              <a:t>Service</a:t>
+            </a:r>
+          </a:p>
+        </p:txBody>
+      </p:sp>
+      <p:sp>
+        <p:nvSpPr>
+          <p:cNvPr id="6" name="Rectangle 5">
+            <a:extLst>
+              <a:ext uri="{FF2B5EF4-FFF2-40B4-BE49-F238E27FC236}">
+                <a16:creationId xmlns:a16="http://schemas.microsoft.com/office/drawing/2014/main" id="{272CD65E-60D8-A74B-8507-B059CF328F82}"/>
+              </a:ext>
+            </a:extLst>
+          </p:cNvPr>
+          <p:cNvSpPr/>
+          <p:nvPr/>
+        </p:nvSpPr>
+        <p:spPr>
+          <a:xfrm>
+            <a:off x="5324475" y="671379"/>
+            <a:ext cx="1543050" cy="1559560"/>
+          </a:xfrm>
+          <a:prstGeom prst="rect">
+            <a:avLst/>
+          </a:prstGeom>
+        </p:spPr>
+        <p:style>
+          <a:lnRef idx="2">
+            <a:schemeClr val="accent1">
+              <a:shade val="50000"/>
+            </a:schemeClr>
+          </a:lnRef>
+          <a:fillRef idx="1">
+            <a:schemeClr val="accent1"/>
+          </a:fillRef>
+          <a:effectRef idx="0">
+            <a:schemeClr val="accent1"/>
+          </a:effectRef>
+          <a:fontRef idx="minor">
+            <a:schemeClr val="lt1"/>
+          </a:fontRef>
+        </p:style>
+        <p:txBody>
+          <a:bodyPr rtlCol="0" anchor="ctr"/>
+          <a:lstStyle/>
+          <a:p>
+            <a:pPr algn="ctr"/>
+            <a:r>
+              <a:rPr lang="en-GB" dirty="0"/>
+              <a:t>Controller</a:t>
+            </a:r>
+          </a:p>
+        </p:txBody>
+      </p:sp>
+      <p:sp>
+        <p:nvSpPr>
+          <p:cNvPr id="7" name="Rectangle 6">
+            <a:extLst>
+              <a:ext uri="{FF2B5EF4-FFF2-40B4-BE49-F238E27FC236}">
+                <a16:creationId xmlns:a16="http://schemas.microsoft.com/office/drawing/2014/main" id="{BA352B75-F667-B940-AE22-BC91B0A0FDD1}"/>
+              </a:ext>
+            </a:extLst>
+          </p:cNvPr>
+          <p:cNvSpPr/>
+          <p:nvPr/>
+        </p:nvSpPr>
+        <p:spPr>
+          <a:xfrm>
+            <a:off x="981973" y="671379"/>
+            <a:ext cx="1543050" cy="1559560"/>
+          </a:xfrm>
+          <a:prstGeom prst="rect">
+            <a:avLst/>
+          </a:prstGeom>
+        </p:spPr>
+        <p:style>
+          <a:lnRef idx="2">
+            <a:schemeClr val="accent1">
+              <a:shade val="50000"/>
+            </a:schemeClr>
+          </a:lnRef>
+          <a:fillRef idx="1">
+            <a:schemeClr val="accent1"/>
+          </a:fillRef>
+          <a:effectRef idx="0">
+            <a:schemeClr val="accent1"/>
+          </a:effectRef>
+          <a:fontRef idx="minor">
+            <a:schemeClr val="lt1"/>
+          </a:fontRef>
+        </p:style>
+        <p:txBody>
+          <a:bodyPr rtlCol="0" anchor="ctr"/>
+          <a:lstStyle/>
+          <a:p>
+            <a:pPr algn="ctr"/>
+            <a:r>
+              <a:rPr lang="en-GB" dirty="0"/>
+              <a:t>Consumer</a:t>
+            </a:r>
+          </a:p>
+        </p:txBody>
+      </p:sp>
+      <p:cxnSp>
+        <p:nvCxnSpPr>
+          <p:cNvPr id="14" name="Straight Arrow Connector 13">
+            <a:extLst>
+              <a:ext uri="{FF2B5EF4-FFF2-40B4-BE49-F238E27FC236}">
+                <a16:creationId xmlns:a16="http://schemas.microsoft.com/office/drawing/2014/main" id="{4B43E974-66BA-0049-98F8-EB14DF95A56C}"/>
+              </a:ext>
+            </a:extLst>
+          </p:cNvPr>
+          <p:cNvCxnSpPr>
+            <a:cxnSpLocks/>
+          </p:cNvCxnSpPr>
+          <p:nvPr/>
+        </p:nvCxnSpPr>
+        <p:spPr>
+          <a:xfrm>
+            <a:off x="6092416" y="3385017"/>
+            <a:ext cx="2247676" cy="0"/>
+          </a:xfrm>
+          <a:prstGeom prst="straightConnector1">
+            <a:avLst/>
+          </a:prstGeom>
+          <a:ln w="38100">
+            <a:solidFill>
+              <a:schemeClr val="tx1">
+                <a:lumMod val="75000"/>
+                <a:lumOff val="25000"/>
+              </a:schemeClr>
+            </a:solidFill>
+            <a:tailEnd type="triangle"/>
+          </a:ln>
+        </p:spPr>
+        <p:style>
+          <a:lnRef idx="1">
+            <a:schemeClr val="accent1"/>
+          </a:lnRef>
+          <a:fillRef idx="0">
+            <a:schemeClr val="accent1"/>
+          </a:fillRef>
+          <a:effectRef idx="0">
+            <a:schemeClr val="accent1"/>
+          </a:effectRef>
+          <a:fontRef idx="minor">
+            <a:schemeClr val="tx1"/>
+          </a:fontRef>
+        </p:style>
+      </p:cxnSp>
+      <p:cxnSp>
+        <p:nvCxnSpPr>
+          <p:cNvPr id="17" name="Straight Arrow Connector 16">
+            <a:extLst>
+              <a:ext uri="{FF2B5EF4-FFF2-40B4-BE49-F238E27FC236}">
+                <a16:creationId xmlns:a16="http://schemas.microsoft.com/office/drawing/2014/main" id="{B588B670-9224-EF43-8A03-FB1D08885F64}"/>
+              </a:ext>
+            </a:extLst>
+          </p:cNvPr>
+          <p:cNvCxnSpPr>
+            <a:cxnSpLocks/>
+          </p:cNvCxnSpPr>
+          <p:nvPr/>
+        </p:nvCxnSpPr>
+        <p:spPr>
+          <a:xfrm>
+            <a:off x="1753498" y="2822762"/>
+            <a:ext cx="4338918" cy="0"/>
+          </a:xfrm>
+          <a:prstGeom prst="straightConnector1">
+            <a:avLst/>
+          </a:prstGeom>
+          <a:ln w="38100">
+            <a:solidFill>
+              <a:schemeClr val="tx1">
+                <a:lumMod val="75000"/>
+                <a:lumOff val="25000"/>
+              </a:schemeClr>
+            </a:solidFill>
+            <a:tailEnd type="triangle"/>
+          </a:ln>
+        </p:spPr>
+        <p:style>
+          <a:lnRef idx="1">
+            <a:schemeClr val="accent1"/>
+          </a:lnRef>
+          <a:fillRef idx="0">
+            <a:schemeClr val="accent1"/>
+          </a:fillRef>
+          <a:effectRef idx="0">
+            <a:schemeClr val="accent1"/>
+          </a:effectRef>
+          <a:fontRef idx="minor">
+            <a:schemeClr val="tx1"/>
+          </a:fontRef>
+        </p:style>
+      </p:cxnSp>
+      <p:cxnSp>
+        <p:nvCxnSpPr>
+          <p:cNvPr id="20" name="Straight Arrow Connector 19">
+            <a:extLst>
+              <a:ext uri="{FF2B5EF4-FFF2-40B4-BE49-F238E27FC236}">
+                <a16:creationId xmlns:a16="http://schemas.microsoft.com/office/drawing/2014/main" id="{D2704C89-B40A-B645-81DE-1273B01F5CB0}"/>
+              </a:ext>
+            </a:extLst>
+          </p:cNvPr>
+          <p:cNvCxnSpPr>
+            <a:cxnSpLocks/>
+          </p:cNvCxnSpPr>
+          <p:nvPr/>
+        </p:nvCxnSpPr>
+        <p:spPr>
+          <a:xfrm flipV="1">
+            <a:off x="6092416" y="4509527"/>
+            <a:ext cx="2247676" cy="10086"/>
+          </a:xfrm>
+          <a:prstGeom prst="straightConnector1">
+            <a:avLst/>
+          </a:prstGeom>
+          <a:ln w="38100">
+            <a:solidFill>
+              <a:schemeClr val="tx1">
+                <a:lumMod val="75000"/>
+                <a:lumOff val="25000"/>
+              </a:schemeClr>
+            </a:solidFill>
+            <a:headEnd type="triangle" w="med" len="med"/>
+            <a:tailEnd type="none" w="med" len="med"/>
+          </a:ln>
+        </p:spPr>
+        <p:style>
+          <a:lnRef idx="1">
+            <a:schemeClr val="accent1"/>
+          </a:lnRef>
+          <a:fillRef idx="0">
+            <a:schemeClr val="accent1"/>
+          </a:fillRef>
+          <a:effectRef idx="0">
+            <a:schemeClr val="accent1"/>
+          </a:effectRef>
+          <a:fontRef idx="minor">
+            <a:schemeClr val="tx1"/>
+          </a:fontRef>
+        </p:style>
+      </p:cxnSp>
+      <p:cxnSp>
+        <p:nvCxnSpPr>
+          <p:cNvPr id="21" name="Straight Arrow Connector 20">
+            <a:extLst>
+              <a:ext uri="{FF2B5EF4-FFF2-40B4-BE49-F238E27FC236}">
+                <a16:creationId xmlns:a16="http://schemas.microsoft.com/office/drawing/2014/main" id="{AFA9AEDD-747A-B24B-9BDF-6D31D299F265}"/>
+              </a:ext>
+            </a:extLst>
+          </p:cNvPr>
+          <p:cNvCxnSpPr>
+            <a:cxnSpLocks/>
+          </p:cNvCxnSpPr>
+          <p:nvPr/>
+        </p:nvCxnSpPr>
+        <p:spPr>
+          <a:xfrm>
+            <a:off x="1753498" y="5081868"/>
+            <a:ext cx="4338918" cy="0"/>
+          </a:xfrm>
+          <a:prstGeom prst="straightConnector1">
+            <a:avLst/>
+          </a:prstGeom>
+          <a:ln w="38100">
+            <a:solidFill>
+              <a:schemeClr val="tx1">
+                <a:lumMod val="75000"/>
+                <a:lumOff val="25000"/>
+              </a:schemeClr>
+            </a:solidFill>
+            <a:headEnd type="triangle" w="med" len="med"/>
+            <a:tailEnd type="none" w="med" len="med"/>
+          </a:ln>
+        </p:spPr>
+        <p:style>
+          <a:lnRef idx="1">
+            <a:schemeClr val="accent1"/>
+          </a:lnRef>
+          <a:fillRef idx="0">
+            <a:schemeClr val="accent1"/>
+          </a:fillRef>
+          <a:effectRef idx="0">
+            <a:schemeClr val="accent1"/>
+          </a:effectRef>
+          <a:fontRef idx="minor">
+            <a:schemeClr val="tx1"/>
+          </a:fontRef>
+        </p:style>
+      </p:cxnSp>
+      <p:cxnSp>
+        <p:nvCxnSpPr>
+          <p:cNvPr id="25" name="Straight Connector 24">
+            <a:extLst>
+              <a:ext uri="{FF2B5EF4-FFF2-40B4-BE49-F238E27FC236}">
+                <a16:creationId xmlns:a16="http://schemas.microsoft.com/office/drawing/2014/main" id="{636C1109-C8EA-F145-95E4-33419C383409}"/>
+              </a:ext>
+            </a:extLst>
+          </p:cNvPr>
+          <p:cNvCxnSpPr>
+            <a:stCxn id="7" idx="2"/>
+          </p:cNvCxnSpPr>
+          <p:nvPr/>
+        </p:nvCxnSpPr>
+        <p:spPr>
+          <a:xfrm>
+            <a:off x="1753498" y="2230939"/>
+            <a:ext cx="0" cy="4376049"/>
+          </a:xfrm>
+          <a:prstGeom prst="line">
+            <a:avLst/>
+          </a:prstGeom>
+          <a:ln>
+            <a:solidFill>
+              <a:schemeClr val="tx1">
+                <a:lumMod val="75000"/>
+                <a:lumOff val="25000"/>
+              </a:schemeClr>
+            </a:solidFill>
+            <a:prstDash val="dash"/>
+          </a:ln>
+        </p:spPr>
+        <p:style>
+          <a:lnRef idx="1">
+            <a:schemeClr val="accent1"/>
+          </a:lnRef>
+          <a:fillRef idx="0">
+            <a:schemeClr val="accent1"/>
+          </a:fillRef>
+          <a:effectRef idx="0">
+            <a:schemeClr val="accent1"/>
+          </a:effectRef>
+          <a:fontRef idx="minor">
+            <a:schemeClr val="tx1"/>
+          </a:fontRef>
+        </p:style>
+      </p:cxnSp>
+      <p:cxnSp>
+        <p:nvCxnSpPr>
+          <p:cNvPr id="27" name="Straight Connector 26">
+            <a:extLst>
+              <a:ext uri="{FF2B5EF4-FFF2-40B4-BE49-F238E27FC236}">
+                <a16:creationId xmlns:a16="http://schemas.microsoft.com/office/drawing/2014/main" id="{4B8C9714-96A1-984F-A326-9AD9BA5469DD}"/>
+              </a:ext>
+            </a:extLst>
+          </p:cNvPr>
+          <p:cNvCxnSpPr/>
+          <p:nvPr/>
+        </p:nvCxnSpPr>
+        <p:spPr>
+          <a:xfrm>
+            <a:off x="6092416" y="2230939"/>
+            <a:ext cx="0" cy="4376049"/>
+          </a:xfrm>
+          <a:prstGeom prst="line">
+            <a:avLst/>
+          </a:prstGeom>
+          <a:ln>
+            <a:solidFill>
+              <a:schemeClr val="tx1">
+                <a:lumMod val="75000"/>
+                <a:lumOff val="25000"/>
+              </a:schemeClr>
+            </a:solidFill>
+            <a:prstDash val="dash"/>
+          </a:ln>
+        </p:spPr>
+        <p:style>
+          <a:lnRef idx="1">
+            <a:schemeClr val="accent1"/>
+          </a:lnRef>
+          <a:fillRef idx="0">
+            <a:schemeClr val="accent1"/>
+          </a:fillRef>
+          <a:effectRef idx="0">
+            <a:schemeClr val="accent1"/>
+          </a:effectRef>
+          <a:fontRef idx="minor">
+            <a:schemeClr val="tx1"/>
+          </a:fontRef>
+        </p:style>
+      </p:cxnSp>
+      <p:cxnSp>
+        <p:nvCxnSpPr>
+          <p:cNvPr id="28" name="Straight Connector 27">
+            <a:extLst>
+              <a:ext uri="{FF2B5EF4-FFF2-40B4-BE49-F238E27FC236}">
+                <a16:creationId xmlns:a16="http://schemas.microsoft.com/office/drawing/2014/main" id="{7E5D961D-D21D-494E-8542-9B33A81E64D1}"/>
+              </a:ext>
+            </a:extLst>
+          </p:cNvPr>
+          <p:cNvCxnSpPr/>
+          <p:nvPr/>
+        </p:nvCxnSpPr>
+        <p:spPr>
+          <a:xfrm>
+            <a:off x="8340092" y="2220854"/>
+            <a:ext cx="0" cy="4376049"/>
+          </a:xfrm>
+          <a:prstGeom prst="line">
+            <a:avLst/>
+          </a:prstGeom>
+          <a:ln>
+            <a:solidFill>
+              <a:schemeClr val="tx1">
+                <a:lumMod val="75000"/>
+                <a:lumOff val="25000"/>
+              </a:schemeClr>
+            </a:solidFill>
+            <a:prstDash val="dash"/>
+          </a:ln>
+        </p:spPr>
+        <p:style>
+          <a:lnRef idx="1">
+            <a:schemeClr val="accent1"/>
+          </a:lnRef>
+          <a:fillRef idx="0">
+            <a:schemeClr val="accent1"/>
+          </a:fillRef>
+          <a:effectRef idx="0">
+            <a:schemeClr val="accent1"/>
+          </a:effectRef>
+          <a:fontRef idx="minor">
+            <a:schemeClr val="tx1"/>
+          </a:fontRef>
+        </p:style>
+      </p:cxnSp>
+      <p:cxnSp>
+        <p:nvCxnSpPr>
+          <p:cNvPr id="29" name="Straight Connector 28">
+            <a:extLst>
+              <a:ext uri="{FF2B5EF4-FFF2-40B4-BE49-F238E27FC236}">
+                <a16:creationId xmlns:a16="http://schemas.microsoft.com/office/drawing/2014/main" id="{BBF495CB-F741-5E4E-B22C-CE8ABBCA5B22}"/>
+              </a:ext>
+            </a:extLst>
+          </p:cNvPr>
+          <p:cNvCxnSpPr/>
+          <p:nvPr/>
+        </p:nvCxnSpPr>
+        <p:spPr>
+          <a:xfrm>
+            <a:off x="10522735" y="2220853"/>
+            <a:ext cx="0" cy="4376049"/>
+          </a:xfrm>
+          <a:prstGeom prst="line">
+            <a:avLst/>
+          </a:prstGeom>
+          <a:ln>
+            <a:solidFill>
+              <a:schemeClr val="tx1">
+                <a:lumMod val="75000"/>
+                <a:lumOff val="25000"/>
+              </a:schemeClr>
+            </a:solidFill>
+            <a:prstDash val="dash"/>
+          </a:ln>
+        </p:spPr>
+        <p:style>
+          <a:lnRef idx="1">
+            <a:schemeClr val="accent1"/>
+          </a:lnRef>
+          <a:fillRef idx="0">
+            <a:schemeClr val="accent1"/>
+          </a:fillRef>
+          <a:effectRef idx="0">
+            <a:schemeClr val="accent1"/>
+          </a:effectRef>
+          <a:fontRef idx="minor">
+            <a:schemeClr val="tx1"/>
+          </a:fontRef>
+        </p:style>
+      </p:cxnSp>
+      <p:cxnSp>
+        <p:nvCxnSpPr>
+          <p:cNvPr id="32" name="Straight Arrow Connector 31">
+            <a:extLst>
+              <a:ext uri="{FF2B5EF4-FFF2-40B4-BE49-F238E27FC236}">
+                <a16:creationId xmlns:a16="http://schemas.microsoft.com/office/drawing/2014/main" id="{71050B98-9C89-D44C-9E6F-5AA685CE2612}"/>
+              </a:ext>
+            </a:extLst>
+          </p:cNvPr>
+          <p:cNvCxnSpPr>
+            <a:cxnSpLocks/>
+          </p:cNvCxnSpPr>
+          <p:nvPr/>
+        </p:nvCxnSpPr>
+        <p:spPr>
+          <a:xfrm>
+            <a:off x="8352641" y="3947272"/>
+            <a:ext cx="2170094" cy="0"/>
+          </a:xfrm>
+          <a:prstGeom prst="straightConnector1">
+            <a:avLst/>
+          </a:prstGeom>
+          <a:ln w="38100">
+            <a:solidFill>
+              <a:schemeClr val="tx1">
+                <a:lumMod val="75000"/>
+                <a:lumOff val="25000"/>
+              </a:schemeClr>
+            </a:solidFill>
+            <a:headEnd type="triangle" w="med" len="med"/>
+            <a:tailEnd type="none" w="med" len="med"/>
+          </a:ln>
+        </p:spPr>
+        <p:style>
+          <a:lnRef idx="1">
+            <a:schemeClr val="accent1"/>
+          </a:lnRef>
+          <a:fillRef idx="0">
+            <a:schemeClr val="accent1"/>
+          </a:fillRef>
+          <a:effectRef idx="0">
+            <a:schemeClr val="accent1"/>
+          </a:effectRef>
+          <a:fontRef idx="minor">
+            <a:schemeClr val="tx1"/>
+          </a:fontRef>
+        </p:style>
+      </p:cxnSp>
+      <p:sp>
+        <p:nvSpPr>
+          <p:cNvPr id="35" name="TextBox 34">
+            <a:extLst>
+              <a:ext uri="{FF2B5EF4-FFF2-40B4-BE49-F238E27FC236}">
+                <a16:creationId xmlns:a16="http://schemas.microsoft.com/office/drawing/2014/main" id="{CEC51F1D-9450-F14C-960E-BD408EC040CC}"/>
+              </a:ext>
+            </a:extLst>
+          </p:cNvPr>
+          <p:cNvSpPr txBox="1"/>
+          <p:nvPr/>
+        </p:nvSpPr>
+        <p:spPr>
+          <a:xfrm>
+            <a:off x="3003474" y="2453430"/>
+            <a:ext cx="1838965" cy="369332"/>
+          </a:xfrm>
+          <a:prstGeom prst="rect">
+            <a:avLst/>
+          </a:prstGeom>
+          <a:noFill/>
+        </p:spPr>
+        <p:txBody>
+          <a:bodyPr wrap="none" rtlCol="0">
+            <a:spAutoFit/>
+          </a:bodyPr>
+          <a:lstStyle/>
+          <a:p>
+            <a:r>
+              <a:rPr lang="en-GB" dirty="0">
+                <a:latin typeface="Courier New" panose="02070309020205020404" pitchFamily="49" charset="0"/>
+                <a:cs typeface="Courier New" panose="02070309020205020404" pitchFamily="49" charset="0"/>
+              </a:rPr>
+              <a:t>GET /offices</a:t>
+            </a:r>
+          </a:p>
+        </p:txBody>
+      </p:sp>
+      <p:sp>
+        <p:nvSpPr>
+          <p:cNvPr id="37" name="TextBox 36">
+            <a:extLst>
+              <a:ext uri="{FF2B5EF4-FFF2-40B4-BE49-F238E27FC236}">
+                <a16:creationId xmlns:a16="http://schemas.microsoft.com/office/drawing/2014/main" id="{4FEF8783-5E3C-3744-81EB-1056F68841B6}"/>
+              </a:ext>
+            </a:extLst>
+          </p:cNvPr>
+          <p:cNvSpPr txBox="1"/>
+          <p:nvPr/>
+        </p:nvSpPr>
+        <p:spPr>
+          <a:xfrm>
+            <a:off x="6296772" y="3015685"/>
+            <a:ext cx="1838965" cy="369332"/>
+          </a:xfrm>
+          <a:prstGeom prst="rect">
+            <a:avLst/>
+          </a:prstGeom>
+          <a:noFill/>
+        </p:spPr>
+        <p:txBody>
+          <a:bodyPr wrap="none" rtlCol="0">
+            <a:spAutoFit/>
+          </a:bodyPr>
+          <a:lstStyle/>
+          <a:p>
+            <a:r>
+              <a:rPr lang="en-GB" dirty="0">
+                <a:latin typeface="Courier New" panose="02070309020205020404" pitchFamily="49" charset="0"/>
+                <a:cs typeface="Courier New" panose="02070309020205020404" pitchFamily="49" charset="0"/>
+              </a:rPr>
+              <a:t>Call Service</a:t>
+            </a:r>
+          </a:p>
+        </p:txBody>
+      </p:sp>
+      <p:sp>
+        <p:nvSpPr>
+          <p:cNvPr id="38" name="TextBox 37">
+            <a:extLst>
+              <a:ext uri="{FF2B5EF4-FFF2-40B4-BE49-F238E27FC236}">
+                <a16:creationId xmlns:a16="http://schemas.microsoft.com/office/drawing/2014/main" id="{D4BA6221-FE03-5541-A39F-65E467120028}"/>
+              </a:ext>
+            </a:extLst>
+          </p:cNvPr>
+          <p:cNvSpPr txBox="1"/>
+          <p:nvPr/>
+        </p:nvSpPr>
+        <p:spPr>
+          <a:xfrm>
+            <a:off x="8701515" y="3577940"/>
+            <a:ext cx="1425390" cy="369332"/>
+          </a:xfrm>
+          <a:prstGeom prst="rect">
+            <a:avLst/>
+          </a:prstGeom>
+          <a:noFill/>
+        </p:spPr>
+        <p:txBody>
+          <a:bodyPr wrap="none" rtlCol="0">
+            <a:spAutoFit/>
+          </a:bodyPr>
+          <a:lstStyle/>
+          <a:p>
+            <a:r>
+              <a:rPr lang="en-GB" dirty="0">
+                <a:latin typeface="Courier New" panose="02070309020205020404" pitchFamily="49" charset="0"/>
+                <a:cs typeface="Courier New" panose="02070309020205020404" pitchFamily="49" charset="0"/>
+              </a:rPr>
+              <a:t>Read File</a:t>
+            </a:r>
+          </a:p>
+        </p:txBody>
+      </p:sp>
+      <p:sp>
+        <p:nvSpPr>
+          <p:cNvPr id="39" name="TextBox 38">
+            <a:extLst>
+              <a:ext uri="{FF2B5EF4-FFF2-40B4-BE49-F238E27FC236}">
+                <a16:creationId xmlns:a16="http://schemas.microsoft.com/office/drawing/2014/main" id="{8BC43D35-1A82-F14B-B3E7-B7236D3D8187}"/>
+              </a:ext>
+            </a:extLst>
+          </p:cNvPr>
+          <p:cNvSpPr txBox="1"/>
+          <p:nvPr/>
+        </p:nvSpPr>
+        <p:spPr>
+          <a:xfrm>
+            <a:off x="6160378" y="4169763"/>
+            <a:ext cx="2114681" cy="369332"/>
+          </a:xfrm>
+          <a:prstGeom prst="rect">
+            <a:avLst/>
+          </a:prstGeom>
+          <a:noFill/>
+        </p:spPr>
+        <p:txBody>
+          <a:bodyPr wrap="none" rtlCol="0">
+            <a:spAutoFit/>
+          </a:bodyPr>
+          <a:lstStyle/>
+          <a:p>
+            <a:r>
+              <a:rPr lang="en-GB" dirty="0">
+                <a:latin typeface="Courier New" panose="02070309020205020404" pitchFamily="49" charset="0"/>
+                <a:cs typeface="Courier New" panose="02070309020205020404" pitchFamily="49" charset="0"/>
+              </a:rPr>
+              <a:t>Return Offices</a:t>
+            </a:r>
+          </a:p>
+        </p:txBody>
+      </p:sp>
+      <p:sp>
+        <p:nvSpPr>
+          <p:cNvPr id="40" name="TextBox 39">
+            <a:extLst>
+              <a:ext uri="{FF2B5EF4-FFF2-40B4-BE49-F238E27FC236}">
+                <a16:creationId xmlns:a16="http://schemas.microsoft.com/office/drawing/2014/main" id="{274849DF-FDAE-E447-A17E-80E539C4522B}"/>
+              </a:ext>
+            </a:extLst>
+          </p:cNvPr>
+          <p:cNvSpPr txBox="1"/>
+          <p:nvPr/>
+        </p:nvSpPr>
+        <p:spPr>
+          <a:xfrm>
+            <a:off x="2512475" y="4712535"/>
+            <a:ext cx="3079689" cy="369332"/>
+          </a:xfrm>
+          <a:prstGeom prst="rect">
+            <a:avLst/>
+          </a:prstGeom>
+          <a:noFill/>
+        </p:spPr>
+        <p:txBody>
+          <a:bodyPr wrap="none" rtlCol="0">
+            <a:spAutoFit/>
+          </a:bodyPr>
+          <a:lstStyle/>
+          <a:p>
+            <a:r>
+              <a:rPr lang="en-GB" dirty="0">
+                <a:latin typeface="Courier New" panose="02070309020205020404" pitchFamily="49" charset="0"/>
+                <a:cs typeface="Courier New" panose="02070309020205020404" pitchFamily="49" charset="0"/>
+              </a:rPr>
+              <a:t>Return Offices (JSON)</a:t>
+            </a:r>
+          </a:p>
+        </p:txBody>
+      </p:sp>
+    </p:spTree>
+    <p:extLst>
+      <p:ext uri="{BB962C8B-B14F-4D97-AF65-F5344CB8AC3E}">
+        <p14:creationId xmlns:p14="http://schemas.microsoft.com/office/powerpoint/2010/main" val="1891040498"/>
+      </p:ext>
+    </p:extLst>
+  </p:cSld>
+  <p:clrMapOvr>
+    <a:masterClrMapping/>
+  </p:clrMapOvr>
+</p:sld>
+</file>
+
 <file path=ppt/theme/theme1.xml><?xml version="1.0" encoding="utf-8"?>
 <a:theme xmlns:a="http://schemas.openxmlformats.org/drawingml/2006/main" name="Office Theme">
   <a:themeElements>

--- a/assets/images/Images.pptx
+++ b/assets/images/Images.pptx
@@ -9,7 +9,8 @@
     <p:sldId id="256" r:id="rId3"/>
     <p:sldId id="257" r:id="rId4"/>
     <p:sldId id="258" r:id="rId5"/>
-    <p:sldId id="260" r:id="rId6"/>
+    <p:sldId id="261" r:id="rId6"/>
+    <p:sldId id="260" r:id="rId7"/>
   </p:sldIdLst>
   <p:sldSz cx="12192000" cy="6858000"/>
   <p:notesSz cx="6858000" cy="9144000"/>
@@ -111,12 +112,17 @@
   <p:extLst>
     <p:ext uri="{521415D9-36F7-43E2-AB2F-B90AF26B5E84}">
       <p14:sectionLst xmlns:p14="http://schemas.microsoft.com/office/powerpoint/2010/main">
-        <p14:section name="Default Section" id="{CA177789-6DB9-E742-B5CE-422A2667597D}">
+        <p14:section name="Primer - Evolution" id="{F3E5239C-7E35-C646-818F-DF1E6C6DA2E0}">
           <p14:sldIdLst>
             <p14:sldId id="259"/>
             <p14:sldId id="256"/>
             <p14:sldId id="257"/>
             <p14:sldId id="258"/>
+          </p14:sldIdLst>
+        </p14:section>
+        <p14:section name="Primer - Spring" id="{6AB911CF-6EF7-A84D-816B-30D597BDBE5B}">
+          <p14:sldIdLst>
+            <p14:sldId id="261"/>
           </p14:sldIdLst>
         </p14:section>
         <p14:section name="Primer - Demo - Contcat Us" id="{CD463FAA-F783-204C-8F4A-ACCF9AB96981}">
@@ -280,7 +286,7 @@
           <a:p>
             <a:fld id="{4410B838-6512-4C44-80A6-882B4E57F739}" type="datetimeFigureOut">
               <a:rPr lang="en-GB" smtClean="0"/>
-              <a:t>14/06/2020</a:t>
+              <a:t>15/06/2020</a:t>
             </a:fld>
             <a:endParaRPr lang="en-GB"/>
           </a:p>
@@ -478,7 +484,7 @@
           <a:p>
             <a:fld id="{4410B838-6512-4C44-80A6-882B4E57F739}" type="datetimeFigureOut">
               <a:rPr lang="en-GB" smtClean="0"/>
-              <a:t>14/06/2020</a:t>
+              <a:t>15/06/2020</a:t>
             </a:fld>
             <a:endParaRPr lang="en-GB"/>
           </a:p>
@@ -686,7 +692,7 @@
           <a:p>
             <a:fld id="{4410B838-6512-4C44-80A6-882B4E57F739}" type="datetimeFigureOut">
               <a:rPr lang="en-GB" smtClean="0"/>
-              <a:t>14/06/2020</a:t>
+              <a:t>15/06/2020</a:t>
             </a:fld>
             <a:endParaRPr lang="en-GB"/>
           </a:p>
@@ -884,7 +890,7 @@
           <a:p>
             <a:fld id="{4410B838-6512-4C44-80A6-882B4E57F739}" type="datetimeFigureOut">
               <a:rPr lang="en-GB" smtClean="0"/>
-              <a:t>14/06/2020</a:t>
+              <a:t>15/06/2020</a:t>
             </a:fld>
             <a:endParaRPr lang="en-GB"/>
           </a:p>
@@ -1159,7 +1165,7 @@
           <a:p>
             <a:fld id="{4410B838-6512-4C44-80A6-882B4E57F739}" type="datetimeFigureOut">
               <a:rPr lang="en-GB" smtClean="0"/>
-              <a:t>14/06/2020</a:t>
+              <a:t>15/06/2020</a:t>
             </a:fld>
             <a:endParaRPr lang="en-GB"/>
           </a:p>
@@ -1424,7 +1430,7 @@
           <a:p>
             <a:fld id="{4410B838-6512-4C44-80A6-882B4E57F739}" type="datetimeFigureOut">
               <a:rPr lang="en-GB" smtClean="0"/>
-              <a:t>14/06/2020</a:t>
+              <a:t>15/06/2020</a:t>
             </a:fld>
             <a:endParaRPr lang="en-GB"/>
           </a:p>
@@ -1836,7 +1842,7 @@
           <a:p>
             <a:fld id="{4410B838-6512-4C44-80A6-882B4E57F739}" type="datetimeFigureOut">
               <a:rPr lang="en-GB" smtClean="0"/>
-              <a:t>14/06/2020</a:t>
+              <a:t>15/06/2020</a:t>
             </a:fld>
             <a:endParaRPr lang="en-GB"/>
           </a:p>
@@ -1977,7 +1983,7 @@
           <a:p>
             <a:fld id="{4410B838-6512-4C44-80A6-882B4E57F739}" type="datetimeFigureOut">
               <a:rPr lang="en-GB" smtClean="0"/>
-              <a:t>14/06/2020</a:t>
+              <a:t>15/06/2020</a:t>
             </a:fld>
             <a:endParaRPr lang="en-GB"/>
           </a:p>
@@ -2090,7 +2096,7 @@
           <a:p>
             <a:fld id="{4410B838-6512-4C44-80A6-882B4E57F739}" type="datetimeFigureOut">
               <a:rPr lang="en-GB" smtClean="0"/>
-              <a:t>14/06/2020</a:t>
+              <a:t>15/06/2020</a:t>
             </a:fld>
             <a:endParaRPr lang="en-GB"/>
           </a:p>
@@ -2401,7 +2407,7 @@
           <a:p>
             <a:fld id="{4410B838-6512-4C44-80A6-882B4E57F739}" type="datetimeFigureOut">
               <a:rPr lang="en-GB" smtClean="0"/>
-              <a:t>14/06/2020</a:t>
+              <a:t>15/06/2020</a:t>
             </a:fld>
             <a:endParaRPr lang="en-GB"/>
           </a:p>
@@ -2689,7 +2695,7 @@
           <a:p>
             <a:fld id="{4410B838-6512-4C44-80A6-882B4E57F739}" type="datetimeFigureOut">
               <a:rPr lang="en-GB" smtClean="0"/>
-              <a:t>14/06/2020</a:t>
+              <a:t>15/06/2020</a:t>
             </a:fld>
             <a:endParaRPr lang="en-GB"/>
           </a:p>
@@ -2930,7 +2936,7 @@
           <a:p>
             <a:fld id="{4410B838-6512-4C44-80A6-882B4E57F739}" type="datetimeFigureOut">
               <a:rPr lang="en-GB" smtClean="0"/>
-              <a:t>14/06/2020</a:t>
+              <a:t>15/06/2020</a:t>
             </a:fld>
             <a:endParaRPr lang="en-GB"/>
           </a:p>
@@ -7404,6 +7410,218 @@
           <a:chExt cx="0" cy="0"/>
         </a:xfrm>
       </p:grpSpPr>
+      <p:sp>
+        <p:nvSpPr>
+          <p:cNvPr id="4" name="Rectangle 3">
+            <a:extLst>
+              <a:ext uri="{FF2B5EF4-FFF2-40B4-BE49-F238E27FC236}">
+                <a16:creationId xmlns:a16="http://schemas.microsoft.com/office/drawing/2014/main" id="{4D3C1D8B-FCE1-E841-9C87-60B79071EE61}"/>
+              </a:ext>
+            </a:extLst>
+          </p:cNvPr>
+          <p:cNvSpPr/>
+          <p:nvPr/>
+        </p:nvSpPr>
+        <p:spPr>
+          <a:xfrm>
+            <a:off x="2859741" y="663389"/>
+            <a:ext cx="2160000" cy="2160000"/>
+          </a:xfrm>
+          <a:prstGeom prst="rect">
+            <a:avLst/>
+          </a:prstGeom>
+          <a:solidFill>
+            <a:schemeClr val="accent2">
+              <a:lumMod val="75000"/>
+            </a:schemeClr>
+          </a:solidFill>
+          <a:ln>
+            <a:solidFill>
+              <a:schemeClr val="tx1">
+                <a:lumMod val="75000"/>
+                <a:lumOff val="25000"/>
+              </a:schemeClr>
+            </a:solidFill>
+          </a:ln>
+        </p:spPr>
+        <p:style>
+          <a:lnRef idx="2">
+            <a:schemeClr val="accent1">
+              <a:shade val="50000"/>
+            </a:schemeClr>
+          </a:lnRef>
+          <a:fillRef idx="1">
+            <a:schemeClr val="accent1"/>
+          </a:fillRef>
+          <a:effectRef idx="0">
+            <a:schemeClr val="accent1"/>
+          </a:effectRef>
+          <a:fontRef idx="minor">
+            <a:schemeClr val="lt1"/>
+          </a:fontRef>
+        </p:style>
+        <p:txBody>
+          <a:bodyPr rtlCol="0" anchor="ctr"/>
+          <a:lstStyle/>
+          <a:p>
+            <a:pPr algn="ctr"/>
+            <a:r>
+              <a:rPr lang="en-GB" dirty="0"/>
+              <a:t>Starter</a:t>
+            </a:r>
+          </a:p>
+        </p:txBody>
+      </p:sp>
+      <p:sp>
+        <p:nvSpPr>
+          <p:cNvPr id="5" name="Rectangle 4">
+            <a:extLst>
+              <a:ext uri="{FF2B5EF4-FFF2-40B4-BE49-F238E27FC236}">
+                <a16:creationId xmlns:a16="http://schemas.microsoft.com/office/drawing/2014/main" id="{113EBD60-04BD-C040-B054-3E2B909A5754}"/>
+              </a:ext>
+            </a:extLst>
+          </p:cNvPr>
+          <p:cNvSpPr/>
+          <p:nvPr/>
+        </p:nvSpPr>
+        <p:spPr>
+          <a:xfrm>
+            <a:off x="1197034" y="3783107"/>
+            <a:ext cx="2160000" cy="2160000"/>
+          </a:xfrm>
+          <a:prstGeom prst="rect">
+            <a:avLst/>
+          </a:prstGeom>
+          <a:solidFill>
+            <a:schemeClr val="accent6">
+              <a:lumMod val="75000"/>
+            </a:schemeClr>
+          </a:solidFill>
+          <a:ln>
+            <a:solidFill>
+              <a:schemeClr val="tx1">
+                <a:lumMod val="75000"/>
+                <a:lumOff val="25000"/>
+              </a:schemeClr>
+            </a:solidFill>
+          </a:ln>
+        </p:spPr>
+        <p:style>
+          <a:lnRef idx="2">
+            <a:schemeClr val="accent1">
+              <a:shade val="50000"/>
+            </a:schemeClr>
+          </a:lnRef>
+          <a:fillRef idx="1">
+            <a:schemeClr val="accent1"/>
+          </a:fillRef>
+          <a:effectRef idx="0">
+            <a:schemeClr val="accent1"/>
+          </a:effectRef>
+          <a:fontRef idx="minor">
+            <a:schemeClr val="lt1"/>
+          </a:fontRef>
+        </p:style>
+        <p:txBody>
+          <a:bodyPr rtlCol="0" anchor="ctr"/>
+          <a:lstStyle/>
+          <a:p>
+            <a:pPr algn="ctr"/>
+            <a:r>
+              <a:rPr lang="en-GB" dirty="0" err="1"/>
+              <a:t>AutoConfigure</a:t>
+            </a:r>
+            <a:endParaRPr lang="en-GB" dirty="0"/>
+          </a:p>
+        </p:txBody>
+      </p:sp>
+      <p:sp>
+        <p:nvSpPr>
+          <p:cNvPr id="6" name="Rectangle 5">
+            <a:extLst>
+              <a:ext uri="{FF2B5EF4-FFF2-40B4-BE49-F238E27FC236}">
+                <a16:creationId xmlns:a16="http://schemas.microsoft.com/office/drawing/2014/main" id="{92A880C2-7957-7F45-B656-94FC83934130}"/>
+              </a:ext>
+            </a:extLst>
+          </p:cNvPr>
+          <p:cNvSpPr/>
+          <p:nvPr/>
+        </p:nvSpPr>
+        <p:spPr>
+          <a:xfrm>
+            <a:off x="6280023" y="2622424"/>
+            <a:ext cx="2160000" cy="2160000"/>
+          </a:xfrm>
+          <a:prstGeom prst="rect">
+            <a:avLst/>
+          </a:prstGeom>
+          <a:ln>
+            <a:solidFill>
+              <a:schemeClr val="tx1">
+                <a:lumMod val="75000"/>
+                <a:lumOff val="25000"/>
+              </a:schemeClr>
+            </a:solidFill>
+          </a:ln>
+        </p:spPr>
+        <p:style>
+          <a:lnRef idx="2">
+            <a:schemeClr val="accent1">
+              <a:shade val="50000"/>
+            </a:schemeClr>
+          </a:lnRef>
+          <a:fillRef idx="1">
+            <a:schemeClr val="accent1"/>
+          </a:fillRef>
+          <a:effectRef idx="0">
+            <a:schemeClr val="accent1"/>
+          </a:effectRef>
+          <a:fontRef idx="minor">
+            <a:schemeClr val="lt1"/>
+          </a:fontRef>
+        </p:style>
+        <p:txBody>
+          <a:bodyPr rtlCol="0" anchor="ctr"/>
+          <a:lstStyle/>
+          <a:p>
+            <a:pPr algn="ctr"/>
+            <a:r>
+              <a:rPr lang="en-GB" dirty="0"/>
+              <a:t>Project</a:t>
+            </a:r>
+          </a:p>
+        </p:txBody>
+      </p:sp>
+    </p:spTree>
+    <p:extLst>
+      <p:ext uri="{BB962C8B-B14F-4D97-AF65-F5344CB8AC3E}">
+        <p14:creationId xmlns:p14="http://schemas.microsoft.com/office/powerpoint/2010/main" val="3547645397"/>
+      </p:ext>
+    </p:extLst>
+  </p:cSld>
+  <p:clrMapOvr>
+    <a:masterClrMapping/>
+  </p:clrMapOvr>
+</p:sld>
+</file>
+
+<file path=ppt/slides/slide6.xml><?xml version="1.0" encoding="utf-8"?>
+<p:sld xmlns:a="http://schemas.openxmlformats.org/drawingml/2006/main" xmlns:r="http://schemas.openxmlformats.org/officeDocument/2006/relationships" xmlns:p="http://schemas.openxmlformats.org/presentationml/2006/main">
+  <p:cSld>
+    <p:spTree>
+      <p:nvGrpSpPr>
+        <p:cNvPr id="1" name=""/>
+        <p:cNvGrpSpPr/>
+        <p:nvPr/>
+      </p:nvGrpSpPr>
+      <p:grpSpPr>
+        <a:xfrm>
+          <a:off x="0" y="0"/>
+          <a:ext cx="0" cy="0"/>
+          <a:chOff x="0" y="0"/>
+          <a:chExt cx="0" cy="0"/>
+        </a:xfrm>
+      </p:grpSpPr>
       <p:pic>
         <p:nvPicPr>
           <p:cNvPr id="1026" name="Picture 2" descr="Files And Folders, Csv, Comma Separated Values, Csv File ...">

--- a/assets/images/Images.pptx
+++ b/assets/images/Images.pptx
@@ -10,7 +10,8 @@
     <p:sldId id="257" r:id="rId4"/>
     <p:sldId id="258" r:id="rId5"/>
     <p:sldId id="261" r:id="rId6"/>
-    <p:sldId id="260" r:id="rId7"/>
+    <p:sldId id="262" r:id="rId7"/>
+    <p:sldId id="260" r:id="rId8"/>
   </p:sldIdLst>
   <p:sldSz cx="12192000" cy="6858000"/>
   <p:notesSz cx="6858000" cy="9144000"/>
@@ -123,6 +124,7 @@
         <p14:section name="Primer - Spring" id="{6AB911CF-6EF7-A84D-816B-30D597BDBE5B}">
           <p14:sldIdLst>
             <p14:sldId id="261"/>
+            <p14:sldId id="262"/>
           </p14:sldIdLst>
         </p14:section>
         <p14:section name="Primer - Demo - Contcat Us" id="{CD463FAA-F783-204C-8F4A-ACCF9AB96981}">
@@ -7412,10 +7414,10 @@
       </p:grpSpPr>
       <p:sp>
         <p:nvSpPr>
-          <p:cNvPr id="4" name="Rectangle 3">
-            <a:extLst>
-              <a:ext uri="{FF2B5EF4-FFF2-40B4-BE49-F238E27FC236}">
-                <a16:creationId xmlns:a16="http://schemas.microsoft.com/office/drawing/2014/main" id="{4D3C1D8B-FCE1-E841-9C87-60B79071EE61}"/>
+          <p:cNvPr id="6" name="Rectangle 5">
+            <a:extLst>
+              <a:ext uri="{FF2B5EF4-FFF2-40B4-BE49-F238E27FC236}">
+                <a16:creationId xmlns:a16="http://schemas.microsoft.com/office/drawing/2014/main" id="{92A880C2-7957-7F45-B656-94FC83934130}"/>
               </a:ext>
             </a:extLst>
           </p:cNvPr>
@@ -7424,7 +7426,269 @@
         </p:nvSpPr>
         <p:spPr>
           <a:xfrm>
-            <a:off x="2859741" y="663389"/>
+            <a:off x="8044395" y="996077"/>
+            <a:ext cx="2160000" cy="2160000"/>
+          </a:xfrm>
+          <a:prstGeom prst="rect">
+            <a:avLst/>
+          </a:prstGeom>
+          <a:ln>
+            <a:solidFill>
+              <a:schemeClr val="tx1">
+                <a:lumMod val="75000"/>
+                <a:lumOff val="25000"/>
+              </a:schemeClr>
+            </a:solidFill>
+          </a:ln>
+        </p:spPr>
+        <p:style>
+          <a:lnRef idx="2">
+            <a:schemeClr val="accent1">
+              <a:shade val="50000"/>
+            </a:schemeClr>
+          </a:lnRef>
+          <a:fillRef idx="1">
+            <a:schemeClr val="accent1"/>
+          </a:fillRef>
+          <a:effectRef idx="0">
+            <a:schemeClr val="accent1"/>
+          </a:effectRef>
+          <a:fontRef idx="minor">
+            <a:schemeClr val="lt1"/>
+          </a:fontRef>
+        </p:style>
+        <p:txBody>
+          <a:bodyPr rtlCol="0" anchor="ctr"/>
+          <a:lstStyle/>
+          <a:p>
+            <a:pPr algn="ctr"/>
+            <a:r>
+              <a:rPr lang="en-GB" dirty="0"/>
+              <a:t>Dependency</a:t>
+            </a:r>
+          </a:p>
+        </p:txBody>
+      </p:sp>
+      <p:cxnSp>
+        <p:nvCxnSpPr>
+          <p:cNvPr id="3" name="Straight Arrow Connector 2">
+            <a:extLst>
+              <a:ext uri="{FF2B5EF4-FFF2-40B4-BE49-F238E27FC236}">
+                <a16:creationId xmlns:a16="http://schemas.microsoft.com/office/drawing/2014/main" id="{7B37A0D8-A495-CF4D-895E-E6A77944AB73}"/>
+              </a:ext>
+            </a:extLst>
+          </p:cNvPr>
+          <p:cNvCxnSpPr>
+            <a:cxnSpLocks/>
+          </p:cNvCxnSpPr>
+          <p:nvPr/>
+        </p:nvCxnSpPr>
+        <p:spPr>
+          <a:xfrm flipH="1" flipV="1">
+            <a:off x="5122394" y="2893324"/>
+            <a:ext cx="1524001" cy="1730690"/>
+          </a:xfrm>
+          <a:prstGeom prst="straightConnector1">
+            <a:avLst/>
+          </a:prstGeom>
+          <a:ln w="38100">
+            <a:solidFill>
+              <a:schemeClr val="tx1">
+                <a:lumMod val="75000"/>
+                <a:lumOff val="25000"/>
+              </a:schemeClr>
+            </a:solidFill>
+            <a:tailEnd type="triangle"/>
+          </a:ln>
+        </p:spPr>
+        <p:style>
+          <a:lnRef idx="1">
+            <a:schemeClr val="accent1"/>
+          </a:lnRef>
+          <a:fillRef idx="0">
+            <a:schemeClr val="accent1"/>
+          </a:fillRef>
+          <a:effectRef idx="0">
+            <a:schemeClr val="accent1"/>
+          </a:effectRef>
+          <a:fontRef idx="minor">
+            <a:schemeClr val="tx1"/>
+          </a:fontRef>
+        </p:style>
+      </p:cxnSp>
+      <p:cxnSp>
+        <p:nvCxnSpPr>
+          <p:cNvPr id="7" name="Straight Arrow Connector 6">
+            <a:extLst>
+              <a:ext uri="{FF2B5EF4-FFF2-40B4-BE49-F238E27FC236}">
+                <a16:creationId xmlns:a16="http://schemas.microsoft.com/office/drawing/2014/main" id="{2021425D-C943-1E47-9F5A-4A96C0389D53}"/>
+              </a:ext>
+            </a:extLst>
+          </p:cNvPr>
+          <p:cNvCxnSpPr>
+            <a:cxnSpLocks/>
+            <a:stCxn id="5" idx="3"/>
+            <a:endCxn id="6" idx="1"/>
+          </p:cNvCxnSpPr>
+          <p:nvPr/>
+        </p:nvCxnSpPr>
+        <p:spPr>
+          <a:xfrm>
+            <a:off x="5884395" y="1783130"/>
+            <a:ext cx="2160000" cy="292947"/>
+          </a:xfrm>
+          <a:prstGeom prst="straightConnector1">
+            <a:avLst/>
+          </a:prstGeom>
+          <a:ln w="38100">
+            <a:solidFill>
+              <a:schemeClr val="tx1">
+                <a:lumMod val="75000"/>
+                <a:lumOff val="25000"/>
+              </a:schemeClr>
+            </a:solidFill>
+            <a:tailEnd type="triangle"/>
+          </a:ln>
+        </p:spPr>
+        <p:style>
+          <a:lnRef idx="1">
+            <a:schemeClr val="accent1"/>
+          </a:lnRef>
+          <a:fillRef idx="0">
+            <a:schemeClr val="accent1"/>
+          </a:fillRef>
+          <a:effectRef idx="0">
+            <a:schemeClr val="accent1"/>
+          </a:effectRef>
+          <a:fontRef idx="minor">
+            <a:schemeClr val="tx1"/>
+          </a:fontRef>
+        </p:style>
+      </p:cxnSp>
+      <p:cxnSp>
+        <p:nvCxnSpPr>
+          <p:cNvPr id="12" name="Straight Arrow Connector 11">
+            <a:extLst>
+              <a:ext uri="{FF2B5EF4-FFF2-40B4-BE49-F238E27FC236}">
+                <a16:creationId xmlns:a16="http://schemas.microsoft.com/office/drawing/2014/main" id="{475D285A-CEDF-D945-9D86-CC5B8C4C3D3A}"/>
+              </a:ext>
+            </a:extLst>
+          </p:cNvPr>
+          <p:cNvCxnSpPr>
+            <a:cxnSpLocks/>
+          </p:cNvCxnSpPr>
+          <p:nvPr/>
+        </p:nvCxnSpPr>
+        <p:spPr>
+          <a:xfrm flipV="1">
+            <a:off x="7261412" y="3156077"/>
+            <a:ext cx="1129553" cy="1625848"/>
+          </a:xfrm>
+          <a:prstGeom prst="straightConnector1">
+            <a:avLst/>
+          </a:prstGeom>
+          <a:ln w="38100">
+            <a:solidFill>
+              <a:schemeClr val="tx1">
+                <a:lumMod val="75000"/>
+                <a:lumOff val="25000"/>
+              </a:schemeClr>
+            </a:solidFill>
+            <a:tailEnd type="triangle"/>
+          </a:ln>
+        </p:spPr>
+        <p:style>
+          <a:lnRef idx="1">
+            <a:schemeClr val="accent1"/>
+          </a:lnRef>
+          <a:fillRef idx="0">
+            <a:schemeClr val="accent1"/>
+          </a:fillRef>
+          <a:effectRef idx="0">
+            <a:schemeClr val="accent1"/>
+          </a:effectRef>
+          <a:fontRef idx="minor">
+            <a:schemeClr val="tx1"/>
+          </a:fontRef>
+        </p:style>
+      </p:cxnSp>
+      <p:sp>
+        <p:nvSpPr>
+          <p:cNvPr id="5" name="Rectangle 4">
+            <a:extLst>
+              <a:ext uri="{FF2B5EF4-FFF2-40B4-BE49-F238E27FC236}">
+                <a16:creationId xmlns:a16="http://schemas.microsoft.com/office/drawing/2014/main" id="{113EBD60-04BD-C040-B054-3E2B909A5754}"/>
+              </a:ext>
+            </a:extLst>
+          </p:cNvPr>
+          <p:cNvSpPr/>
+          <p:nvPr/>
+        </p:nvSpPr>
+        <p:spPr>
+          <a:xfrm>
+            <a:off x="3724395" y="703130"/>
+            <a:ext cx="2160000" cy="2160000"/>
+          </a:xfrm>
+          <a:prstGeom prst="rect">
+            <a:avLst/>
+          </a:prstGeom>
+          <a:solidFill>
+            <a:schemeClr val="accent6">
+              <a:lumMod val="75000"/>
+            </a:schemeClr>
+          </a:solidFill>
+          <a:ln>
+            <a:solidFill>
+              <a:schemeClr val="tx1">
+                <a:lumMod val="75000"/>
+                <a:lumOff val="25000"/>
+              </a:schemeClr>
+            </a:solidFill>
+          </a:ln>
+        </p:spPr>
+        <p:style>
+          <a:lnRef idx="2">
+            <a:schemeClr val="accent1">
+              <a:shade val="50000"/>
+            </a:schemeClr>
+          </a:lnRef>
+          <a:fillRef idx="1">
+            <a:schemeClr val="accent1"/>
+          </a:fillRef>
+          <a:effectRef idx="0">
+            <a:schemeClr val="accent1"/>
+          </a:effectRef>
+          <a:fontRef idx="minor">
+            <a:schemeClr val="lt1"/>
+          </a:fontRef>
+        </p:style>
+        <p:txBody>
+          <a:bodyPr rtlCol="0" anchor="ctr"/>
+          <a:lstStyle/>
+          <a:p>
+            <a:pPr algn="ctr"/>
+            <a:r>
+              <a:rPr lang="en-GB" dirty="0"/>
+              <a:t>Autoconfigure</a:t>
+            </a:r>
+          </a:p>
+        </p:txBody>
+      </p:sp>
+      <p:sp>
+        <p:nvSpPr>
+          <p:cNvPr id="4" name="Rectangle 3">
+            <a:extLst>
+              <a:ext uri="{FF2B5EF4-FFF2-40B4-BE49-F238E27FC236}">
+                <a16:creationId xmlns:a16="http://schemas.microsoft.com/office/drawing/2014/main" id="{4D3C1D8B-FCE1-E841-9C87-60B79071EE61}"/>
+              </a:ext>
+            </a:extLst>
+          </p:cNvPr>
+          <p:cNvSpPr/>
+          <p:nvPr/>
+        </p:nvSpPr>
+        <p:spPr>
+          <a:xfrm>
+            <a:off x="5884395" y="3815415"/>
             <a:ext cx="2160000" cy="2160000"/>
           </a:xfrm>
           <a:prstGeom prst="rect">
@@ -7474,10 +7738,10 @@
       </p:sp>
       <p:sp>
         <p:nvSpPr>
-          <p:cNvPr id="5" name="Rectangle 4">
-            <a:extLst>
-              <a:ext uri="{FF2B5EF4-FFF2-40B4-BE49-F238E27FC236}">
-                <a16:creationId xmlns:a16="http://schemas.microsoft.com/office/drawing/2014/main" id="{113EBD60-04BD-C040-B054-3E2B909A5754}"/>
+          <p:cNvPr id="23" name="Rectangle 22">
+            <a:extLst>
+              <a:ext uri="{FF2B5EF4-FFF2-40B4-BE49-F238E27FC236}">
+                <a16:creationId xmlns:a16="http://schemas.microsoft.com/office/drawing/2014/main" id="{530ACC0F-328C-3F4C-9547-A3FD220F91A5}"/>
               </a:ext>
             </a:extLst>
           </p:cNvPr>
@@ -7486,8 +7750,333 @@
         </p:nvSpPr>
         <p:spPr>
           <a:xfrm>
-            <a:off x="1197034" y="3783107"/>
+            <a:off x="396811" y="3815415"/>
             <a:ext cx="2160000" cy="2160000"/>
+          </a:xfrm>
+          <a:prstGeom prst="rect">
+            <a:avLst/>
+          </a:prstGeom>
+          <a:solidFill>
+            <a:schemeClr val="bg1"/>
+          </a:solidFill>
+          <a:ln>
+            <a:solidFill>
+              <a:schemeClr val="tx1">
+                <a:lumMod val="75000"/>
+                <a:lumOff val="25000"/>
+              </a:schemeClr>
+            </a:solidFill>
+            <a:prstDash val="dash"/>
+          </a:ln>
+        </p:spPr>
+        <p:style>
+          <a:lnRef idx="2">
+            <a:schemeClr val="accent1">
+              <a:shade val="50000"/>
+            </a:schemeClr>
+          </a:lnRef>
+          <a:fillRef idx="1">
+            <a:schemeClr val="accent1"/>
+          </a:fillRef>
+          <a:effectRef idx="0">
+            <a:schemeClr val="accent1"/>
+          </a:effectRef>
+          <a:fontRef idx="minor">
+            <a:schemeClr val="lt1"/>
+          </a:fontRef>
+        </p:style>
+        <p:txBody>
+          <a:bodyPr rtlCol="0" anchor="ctr"/>
+          <a:lstStyle/>
+          <a:p>
+            <a:pPr algn="ctr"/>
+            <a:r>
+              <a:rPr lang="en-GB" sz="1200" dirty="0">
+                <a:solidFill>
+                  <a:schemeClr val="tx1">
+                    <a:lumMod val="75000"/>
+                    <a:lumOff val="25000"/>
+                  </a:schemeClr>
+                </a:solidFill>
+                <a:latin typeface="Courier New" panose="02070309020205020404" pitchFamily="49" charset="0"/>
+                <a:cs typeface="Courier New" panose="02070309020205020404" pitchFamily="49" charset="0"/>
+              </a:rPr>
+              <a:t>spring-boot-starter</a:t>
+            </a:r>
+          </a:p>
+        </p:txBody>
+      </p:sp>
+      <p:cxnSp>
+        <p:nvCxnSpPr>
+          <p:cNvPr id="24" name="Straight Arrow Connector 23">
+            <a:extLst>
+              <a:ext uri="{FF2B5EF4-FFF2-40B4-BE49-F238E27FC236}">
+                <a16:creationId xmlns:a16="http://schemas.microsoft.com/office/drawing/2014/main" id="{CF153B01-21BA-854F-B014-8B1D8FC60E95}"/>
+              </a:ext>
+            </a:extLst>
+          </p:cNvPr>
+          <p:cNvCxnSpPr>
+            <a:cxnSpLocks/>
+            <a:stCxn id="4" idx="1"/>
+            <a:endCxn id="23" idx="3"/>
+          </p:cNvCxnSpPr>
+          <p:nvPr/>
+        </p:nvCxnSpPr>
+        <p:spPr>
+          <a:xfrm flipH="1">
+            <a:off x="2556811" y="4895415"/>
+            <a:ext cx="3327584" cy="0"/>
+          </a:xfrm>
+          <a:prstGeom prst="straightConnector1">
+            <a:avLst/>
+          </a:prstGeom>
+          <a:ln w="38100">
+            <a:solidFill>
+              <a:schemeClr val="tx1">
+                <a:lumMod val="75000"/>
+                <a:lumOff val="25000"/>
+              </a:schemeClr>
+            </a:solidFill>
+            <a:tailEnd type="triangle"/>
+          </a:ln>
+        </p:spPr>
+        <p:style>
+          <a:lnRef idx="1">
+            <a:schemeClr val="accent1"/>
+          </a:lnRef>
+          <a:fillRef idx="0">
+            <a:schemeClr val="accent1"/>
+          </a:fillRef>
+          <a:effectRef idx="0">
+            <a:schemeClr val="accent1"/>
+          </a:effectRef>
+          <a:fontRef idx="minor">
+            <a:schemeClr val="tx1"/>
+          </a:fontRef>
+        </p:style>
+      </p:cxnSp>
+      <p:sp>
+        <p:nvSpPr>
+          <p:cNvPr id="27" name="Rectangle 26">
+            <a:extLst>
+              <a:ext uri="{FF2B5EF4-FFF2-40B4-BE49-F238E27FC236}">
+                <a16:creationId xmlns:a16="http://schemas.microsoft.com/office/drawing/2014/main" id="{085E45CC-A3CE-E040-974F-86404914320D}"/>
+              </a:ext>
+            </a:extLst>
+          </p:cNvPr>
+          <p:cNvSpPr/>
+          <p:nvPr/>
+        </p:nvSpPr>
+        <p:spPr>
+          <a:xfrm>
+            <a:off x="396811" y="703130"/>
+            <a:ext cx="2160000" cy="2160000"/>
+          </a:xfrm>
+          <a:prstGeom prst="rect">
+            <a:avLst/>
+          </a:prstGeom>
+          <a:solidFill>
+            <a:schemeClr val="bg1"/>
+          </a:solidFill>
+          <a:ln>
+            <a:solidFill>
+              <a:schemeClr val="tx1">
+                <a:lumMod val="75000"/>
+                <a:lumOff val="25000"/>
+              </a:schemeClr>
+            </a:solidFill>
+            <a:prstDash val="dash"/>
+          </a:ln>
+        </p:spPr>
+        <p:style>
+          <a:lnRef idx="2">
+            <a:schemeClr val="accent1">
+              <a:shade val="50000"/>
+            </a:schemeClr>
+          </a:lnRef>
+          <a:fillRef idx="1">
+            <a:schemeClr val="accent1"/>
+          </a:fillRef>
+          <a:effectRef idx="0">
+            <a:schemeClr val="accent1"/>
+          </a:effectRef>
+          <a:fontRef idx="minor">
+            <a:schemeClr val="lt1"/>
+          </a:fontRef>
+        </p:style>
+        <p:txBody>
+          <a:bodyPr rtlCol="0" anchor="ctr"/>
+          <a:lstStyle/>
+          <a:p>
+            <a:pPr algn="ctr"/>
+            <a:r>
+              <a:rPr lang="en-GB" sz="1200" dirty="0">
+                <a:solidFill>
+                  <a:schemeClr val="tx1">
+                    <a:lumMod val="75000"/>
+                    <a:lumOff val="25000"/>
+                  </a:schemeClr>
+                </a:solidFill>
+                <a:latin typeface="Courier New" panose="02070309020205020404" pitchFamily="49" charset="0"/>
+                <a:cs typeface="Courier New" panose="02070309020205020404" pitchFamily="49" charset="0"/>
+              </a:rPr>
+              <a:t>spring-boot-autoconfigure</a:t>
+            </a:r>
+          </a:p>
+        </p:txBody>
+      </p:sp>
+      <p:cxnSp>
+        <p:nvCxnSpPr>
+          <p:cNvPr id="41" name="Straight Arrow Connector 40">
+            <a:extLst>
+              <a:ext uri="{FF2B5EF4-FFF2-40B4-BE49-F238E27FC236}">
+                <a16:creationId xmlns:a16="http://schemas.microsoft.com/office/drawing/2014/main" id="{F87F6E50-0AF8-E64E-865C-6295F362C57D}"/>
+              </a:ext>
+            </a:extLst>
+          </p:cNvPr>
+          <p:cNvCxnSpPr>
+            <a:cxnSpLocks/>
+            <a:stCxn id="5" idx="1"/>
+            <a:endCxn id="27" idx="3"/>
+          </p:cNvCxnSpPr>
+          <p:nvPr/>
+        </p:nvCxnSpPr>
+        <p:spPr>
+          <a:xfrm flipH="1">
+            <a:off x="2556811" y="1783130"/>
+            <a:ext cx="1167584" cy="0"/>
+          </a:xfrm>
+          <a:prstGeom prst="straightConnector1">
+            <a:avLst/>
+          </a:prstGeom>
+          <a:ln w="38100">
+            <a:solidFill>
+              <a:schemeClr val="tx1">
+                <a:lumMod val="75000"/>
+                <a:lumOff val="25000"/>
+              </a:schemeClr>
+            </a:solidFill>
+            <a:tailEnd type="triangle"/>
+          </a:ln>
+        </p:spPr>
+        <p:style>
+          <a:lnRef idx="1">
+            <a:schemeClr val="accent1"/>
+          </a:lnRef>
+          <a:fillRef idx="0">
+            <a:schemeClr val="accent1"/>
+          </a:fillRef>
+          <a:effectRef idx="0">
+            <a:schemeClr val="accent1"/>
+          </a:effectRef>
+          <a:fontRef idx="minor">
+            <a:schemeClr val="tx1"/>
+          </a:fontRef>
+        </p:style>
+      </p:cxnSp>
+    </p:spTree>
+    <p:extLst>
+      <p:ext uri="{BB962C8B-B14F-4D97-AF65-F5344CB8AC3E}">
+        <p14:creationId xmlns:p14="http://schemas.microsoft.com/office/powerpoint/2010/main" val="3547645397"/>
+      </p:ext>
+    </p:extLst>
+  </p:cSld>
+  <p:clrMapOvr>
+    <a:masterClrMapping/>
+  </p:clrMapOvr>
+</p:sld>
+</file>
+
+<file path=ppt/slides/slide6.xml><?xml version="1.0" encoding="utf-8"?>
+<p:sld xmlns:a="http://schemas.openxmlformats.org/drawingml/2006/main" xmlns:r="http://schemas.openxmlformats.org/officeDocument/2006/relationships" xmlns:p="http://schemas.openxmlformats.org/presentationml/2006/main">
+  <p:cSld>
+    <p:spTree>
+      <p:nvGrpSpPr>
+        <p:cNvPr id="1" name=""/>
+        <p:cNvGrpSpPr/>
+        <p:nvPr/>
+      </p:nvGrpSpPr>
+      <p:grpSpPr>
+        <a:xfrm>
+          <a:off x="0" y="0"/>
+          <a:ext cx="0" cy="0"/>
+          <a:chOff x="0" y="0"/>
+          <a:chExt cx="0" cy="0"/>
+        </a:xfrm>
+      </p:grpSpPr>
+      <p:sp>
+        <p:nvSpPr>
+          <p:cNvPr id="4" name="Rectangle 3">
+            <a:extLst>
+              <a:ext uri="{FF2B5EF4-FFF2-40B4-BE49-F238E27FC236}">
+                <a16:creationId xmlns:a16="http://schemas.microsoft.com/office/drawing/2014/main" id="{9918B765-531F-F34A-BE72-2094C2BEFD39}"/>
+              </a:ext>
+            </a:extLst>
+          </p:cNvPr>
+          <p:cNvSpPr/>
+          <p:nvPr/>
+        </p:nvSpPr>
+        <p:spPr>
+          <a:xfrm>
+            <a:off x="514041" y="1865653"/>
+            <a:ext cx="1574735" cy="2160000"/>
+          </a:xfrm>
+          <a:prstGeom prst="rect">
+            <a:avLst/>
+          </a:prstGeom>
+          <a:ln>
+            <a:solidFill>
+              <a:schemeClr val="tx1">
+                <a:lumMod val="75000"/>
+                <a:lumOff val="25000"/>
+              </a:schemeClr>
+            </a:solidFill>
+          </a:ln>
+        </p:spPr>
+        <p:style>
+          <a:lnRef idx="2">
+            <a:schemeClr val="accent1">
+              <a:shade val="50000"/>
+            </a:schemeClr>
+          </a:lnRef>
+          <a:fillRef idx="1">
+            <a:schemeClr val="accent1"/>
+          </a:fillRef>
+          <a:effectRef idx="0">
+            <a:schemeClr val="accent1"/>
+          </a:effectRef>
+          <a:fontRef idx="minor">
+            <a:schemeClr val="lt1"/>
+          </a:fontRef>
+        </p:style>
+        <p:txBody>
+          <a:bodyPr rtlCol="0" anchor="ctr"/>
+          <a:lstStyle/>
+          <a:p>
+            <a:pPr algn="ctr"/>
+            <a:r>
+              <a:rPr lang="en-GB" dirty="0"/>
+              <a:t>Dependency</a:t>
+            </a:r>
+          </a:p>
+        </p:txBody>
+      </p:sp>
+      <p:sp>
+        <p:nvSpPr>
+          <p:cNvPr id="5" name="Rectangle 4">
+            <a:extLst>
+              <a:ext uri="{FF2B5EF4-FFF2-40B4-BE49-F238E27FC236}">
+                <a16:creationId xmlns:a16="http://schemas.microsoft.com/office/drawing/2014/main" id="{F7C03817-DAD7-B546-B492-4FBB61CA4AA7}"/>
+              </a:ext>
+            </a:extLst>
+          </p:cNvPr>
+          <p:cNvSpPr/>
+          <p:nvPr/>
+        </p:nvSpPr>
+        <p:spPr>
+          <a:xfrm>
+            <a:off x="2659325" y="1865653"/>
+            <a:ext cx="1574735" cy="2160000"/>
           </a:xfrm>
           <a:prstGeom prst="rect">
             <a:avLst/>
@@ -7528,10 +8117,9 @@
           <a:p>
             <a:pPr algn="ctr"/>
             <a:r>
-              <a:rPr lang="en-GB" dirty="0" err="1"/>
-              <a:t>AutoConfigure</a:t>
-            </a:r>
-            <a:endParaRPr lang="en-GB" dirty="0"/>
+              <a:rPr lang="en-GB" dirty="0"/>
+              <a:t>Configuration</a:t>
+            </a:r>
           </a:p>
         </p:txBody>
       </p:sp>
@@ -7540,7 +8128,7 @@
           <p:cNvPr id="6" name="Rectangle 5">
             <a:extLst>
               <a:ext uri="{FF2B5EF4-FFF2-40B4-BE49-F238E27FC236}">
-                <a16:creationId xmlns:a16="http://schemas.microsoft.com/office/drawing/2014/main" id="{92A880C2-7957-7F45-B656-94FC83934130}"/>
+                <a16:creationId xmlns:a16="http://schemas.microsoft.com/office/drawing/2014/main" id="{D544B28B-F377-8B4E-A6AC-208761C26968}"/>
               </a:ext>
             </a:extLst>
           </p:cNvPr>
@@ -7549,8 +8137,8 @@
         </p:nvSpPr>
         <p:spPr>
           <a:xfrm>
-            <a:off x="6280023" y="2622424"/>
-            <a:ext cx="2160000" cy="2160000"/>
+            <a:off x="6024282" y="1865653"/>
+            <a:ext cx="2967318" cy="2160000"/>
           </a:xfrm>
           <a:prstGeom prst="rect">
             <a:avLst/>
@@ -7584,18 +8172,357 @@
           <a:bodyPr rtlCol="0" anchor="ctr"/>
           <a:lstStyle/>
           <a:p>
+            <a:r>
+              <a:rPr lang="en-GB" dirty="0"/>
+              <a:t>Dependency</a:t>
+            </a:r>
+          </a:p>
+          <a:p>
+            <a:r>
+              <a:rPr lang="en-GB" sz="1600" dirty="0"/>
+              <a:t>     (starter)</a:t>
+            </a:r>
+          </a:p>
+        </p:txBody>
+      </p:sp>
+      <p:sp>
+        <p:nvSpPr>
+          <p:cNvPr id="7" name="Rectangle 6">
+            <a:extLst>
+              <a:ext uri="{FF2B5EF4-FFF2-40B4-BE49-F238E27FC236}">
+                <a16:creationId xmlns:a16="http://schemas.microsoft.com/office/drawing/2014/main" id="{439BEA60-C67D-E94F-8781-5A4901C064D6}"/>
+              </a:ext>
+            </a:extLst>
+          </p:cNvPr>
+          <p:cNvSpPr/>
+          <p:nvPr/>
+        </p:nvSpPr>
+        <p:spPr>
+          <a:xfrm>
+            <a:off x="7440706" y="1941356"/>
+            <a:ext cx="1443317" cy="2008594"/>
+          </a:xfrm>
+          <a:prstGeom prst="rect">
+            <a:avLst/>
+          </a:prstGeom>
+          <a:solidFill>
+            <a:schemeClr val="accent6">
+              <a:lumMod val="75000"/>
+            </a:schemeClr>
+          </a:solidFill>
+          <a:ln>
+            <a:solidFill>
+              <a:schemeClr val="tx1">
+                <a:lumMod val="75000"/>
+                <a:lumOff val="25000"/>
+              </a:schemeClr>
+            </a:solidFill>
+          </a:ln>
+        </p:spPr>
+        <p:style>
+          <a:lnRef idx="2">
+            <a:schemeClr val="accent1">
+              <a:shade val="50000"/>
+            </a:schemeClr>
+          </a:lnRef>
+          <a:fillRef idx="1">
+            <a:schemeClr val="accent1"/>
+          </a:fillRef>
+          <a:effectRef idx="0">
+            <a:schemeClr val="accent1"/>
+          </a:effectRef>
+          <a:fontRef idx="minor">
+            <a:schemeClr val="lt1"/>
+          </a:fontRef>
+        </p:style>
+        <p:txBody>
+          <a:bodyPr rtlCol="0" anchor="ctr"/>
+          <a:lstStyle/>
+          <a:p>
             <a:pPr algn="ctr"/>
             <a:r>
+              <a:rPr lang="en-GB" sz="1600" dirty="0"/>
+              <a:t>Configuration</a:t>
+            </a:r>
+          </a:p>
+        </p:txBody>
+      </p:sp>
+      <p:sp>
+        <p:nvSpPr>
+          <p:cNvPr id="8" name="TextBox 7">
+            <a:extLst>
+              <a:ext uri="{FF2B5EF4-FFF2-40B4-BE49-F238E27FC236}">
+                <a16:creationId xmlns:a16="http://schemas.microsoft.com/office/drawing/2014/main" id="{08810DD2-5292-4E4A-9D7D-65A9762D4C81}"/>
+              </a:ext>
+            </a:extLst>
+          </p:cNvPr>
+          <p:cNvSpPr txBox="1"/>
+          <p:nvPr/>
+        </p:nvSpPr>
+        <p:spPr>
+          <a:xfrm>
+            <a:off x="2224010" y="2760987"/>
+            <a:ext cx="300082" cy="369332"/>
+          </a:xfrm>
+          <a:prstGeom prst="rect">
+            <a:avLst/>
+          </a:prstGeom>
+          <a:noFill/>
+        </p:spPr>
+        <p:txBody>
+          <a:bodyPr wrap="none" rtlCol="0">
+            <a:spAutoFit/>
+          </a:bodyPr>
+          <a:lstStyle/>
+          <a:p>
+            <a:r>
               <a:rPr lang="en-GB" dirty="0"/>
-              <a:t>Project</a:t>
-            </a:r>
+              <a:t>+</a:t>
+            </a:r>
+          </a:p>
+        </p:txBody>
+      </p:sp>
+      <p:sp>
+        <p:nvSpPr>
+          <p:cNvPr id="9" name="TextBox 8">
+            <a:extLst>
+              <a:ext uri="{FF2B5EF4-FFF2-40B4-BE49-F238E27FC236}">
+                <a16:creationId xmlns:a16="http://schemas.microsoft.com/office/drawing/2014/main" id="{3330114E-9FAC-FD4B-80FE-64E6CDA2E379}"/>
+              </a:ext>
+            </a:extLst>
+          </p:cNvPr>
+          <p:cNvSpPr txBox="1"/>
+          <p:nvPr/>
+        </p:nvSpPr>
+        <p:spPr>
+          <a:xfrm>
+            <a:off x="1321519" y="1147482"/>
+            <a:ext cx="2105063" cy="369332"/>
+          </a:xfrm>
+          <a:prstGeom prst="rect">
+            <a:avLst/>
+          </a:prstGeom>
+          <a:noFill/>
+        </p:spPr>
+        <p:txBody>
+          <a:bodyPr wrap="none" rtlCol="0">
+            <a:spAutoFit/>
+          </a:bodyPr>
+          <a:lstStyle/>
+          <a:p>
+            <a:r>
+              <a:rPr lang="en-GB" dirty="0"/>
+              <a:t>Without Spring Boot</a:t>
+            </a:r>
+          </a:p>
+        </p:txBody>
+      </p:sp>
+      <p:sp>
+        <p:nvSpPr>
+          <p:cNvPr id="10" name="TextBox 9">
+            <a:extLst>
+              <a:ext uri="{FF2B5EF4-FFF2-40B4-BE49-F238E27FC236}">
+                <a16:creationId xmlns:a16="http://schemas.microsoft.com/office/drawing/2014/main" id="{F09511B7-1271-1D43-BE74-8B9C5572BC8A}"/>
+              </a:ext>
+            </a:extLst>
+          </p:cNvPr>
+          <p:cNvSpPr txBox="1"/>
+          <p:nvPr/>
+        </p:nvSpPr>
+        <p:spPr>
+          <a:xfrm>
+            <a:off x="6548474" y="1147482"/>
+            <a:ext cx="1784463" cy="369332"/>
+          </a:xfrm>
+          <a:prstGeom prst="rect">
+            <a:avLst/>
+          </a:prstGeom>
+          <a:noFill/>
+        </p:spPr>
+        <p:txBody>
+          <a:bodyPr wrap="none" rtlCol="0">
+            <a:spAutoFit/>
+          </a:bodyPr>
+          <a:lstStyle/>
+          <a:p>
+            <a:r>
+              <a:rPr lang="en-GB" dirty="0"/>
+              <a:t>With Spring Boot</a:t>
+            </a:r>
+          </a:p>
+        </p:txBody>
+      </p:sp>
+      <p:sp>
+        <p:nvSpPr>
+          <p:cNvPr id="11" name="TextBox 10">
+            <a:extLst>
+              <a:ext uri="{FF2B5EF4-FFF2-40B4-BE49-F238E27FC236}">
+                <a16:creationId xmlns:a16="http://schemas.microsoft.com/office/drawing/2014/main" id="{61708DBC-2B95-B84E-B812-54A1C164A60C}"/>
+              </a:ext>
+            </a:extLst>
+          </p:cNvPr>
+          <p:cNvSpPr txBox="1"/>
+          <p:nvPr/>
+        </p:nvSpPr>
+        <p:spPr>
+          <a:xfrm>
+            <a:off x="6024282" y="4215066"/>
+            <a:ext cx="2967318" cy="646331"/>
+          </a:xfrm>
+          <a:prstGeom prst="rect">
+            <a:avLst/>
+          </a:prstGeom>
+          <a:noFill/>
+        </p:spPr>
+        <p:txBody>
+          <a:bodyPr wrap="square" rtlCol="0">
+            <a:spAutoFit/>
+          </a:bodyPr>
+          <a:lstStyle/>
+          <a:p>
+            <a:pPr algn="ctr"/>
+            <a:r>
+              <a:rPr lang="en-GB" dirty="0"/>
+              <a:t>Use the starter that comes with the configuration</a:t>
+            </a:r>
+          </a:p>
+        </p:txBody>
+      </p:sp>
+      <p:sp>
+        <p:nvSpPr>
+          <p:cNvPr id="12" name="TextBox 11">
+            <a:extLst>
+              <a:ext uri="{FF2B5EF4-FFF2-40B4-BE49-F238E27FC236}">
+                <a16:creationId xmlns:a16="http://schemas.microsoft.com/office/drawing/2014/main" id="{4C1B9B9C-922B-4643-A09C-291F5BB28CBE}"/>
+              </a:ext>
+            </a:extLst>
+          </p:cNvPr>
+          <p:cNvSpPr txBox="1"/>
+          <p:nvPr/>
+        </p:nvSpPr>
+        <p:spPr>
+          <a:xfrm>
+            <a:off x="514040" y="4215066"/>
+            <a:ext cx="1574735" cy="646331"/>
+          </a:xfrm>
+          <a:prstGeom prst="rect">
+            <a:avLst/>
+          </a:prstGeom>
+          <a:noFill/>
+        </p:spPr>
+        <p:txBody>
+          <a:bodyPr wrap="square" rtlCol="0">
+            <a:spAutoFit/>
+          </a:bodyPr>
+          <a:lstStyle/>
+          <a:p>
+            <a:pPr algn="ctr"/>
+            <a:r>
+              <a:rPr lang="en-GB" dirty="0"/>
+              <a:t>Use the dependency</a:t>
+            </a:r>
+          </a:p>
+        </p:txBody>
+      </p:sp>
+      <p:sp>
+        <p:nvSpPr>
+          <p:cNvPr id="13" name="TextBox 12">
+            <a:extLst>
+              <a:ext uri="{FF2B5EF4-FFF2-40B4-BE49-F238E27FC236}">
+                <a16:creationId xmlns:a16="http://schemas.microsoft.com/office/drawing/2014/main" id="{28CF89F3-C56A-0C4E-B881-DC6F4FB52558}"/>
+              </a:ext>
+            </a:extLst>
+          </p:cNvPr>
+          <p:cNvSpPr txBox="1"/>
+          <p:nvPr/>
+        </p:nvSpPr>
+        <p:spPr>
+          <a:xfrm>
+            <a:off x="2639214" y="4215066"/>
+            <a:ext cx="1574735" cy="646331"/>
+          </a:xfrm>
+          <a:prstGeom prst="rect">
+            <a:avLst/>
+          </a:prstGeom>
+          <a:noFill/>
+        </p:spPr>
+        <p:txBody>
+          <a:bodyPr wrap="square" rtlCol="0">
+            <a:spAutoFit/>
+          </a:bodyPr>
+          <a:lstStyle/>
+          <a:p>
+            <a:pPr algn="ctr"/>
+            <a:r>
+              <a:rPr lang="en-GB" dirty="0"/>
+              <a:t>Configure the dependency</a:t>
+            </a:r>
+          </a:p>
+        </p:txBody>
+      </p:sp>
+      <p:sp>
+        <p:nvSpPr>
+          <p:cNvPr id="26" name="Striped Right Arrow 25">
+            <a:extLst>
+              <a:ext uri="{FF2B5EF4-FFF2-40B4-BE49-F238E27FC236}">
+                <a16:creationId xmlns:a16="http://schemas.microsoft.com/office/drawing/2014/main" id="{43EFFDCB-5FF2-3441-B245-0FE059169AAB}"/>
+              </a:ext>
+            </a:extLst>
+          </p:cNvPr>
+          <p:cNvSpPr/>
+          <p:nvPr/>
+        </p:nvSpPr>
+        <p:spPr>
+          <a:xfrm>
+            <a:off x="4369293" y="3325906"/>
+            <a:ext cx="2963836" cy="466165"/>
+          </a:xfrm>
+          <a:prstGeom prst="stripedRightArrow">
+            <a:avLst/>
+          </a:prstGeom>
+          <a:solidFill>
+            <a:schemeClr val="accent3">
+              <a:lumMod val="75000"/>
+            </a:schemeClr>
+          </a:solidFill>
+          <a:ln>
+            <a:solidFill>
+              <a:schemeClr val="tx1">
+                <a:lumMod val="75000"/>
+                <a:lumOff val="25000"/>
+              </a:schemeClr>
+            </a:solidFill>
+          </a:ln>
+        </p:spPr>
+        <p:style>
+          <a:lnRef idx="2">
+            <a:schemeClr val="accent1">
+              <a:shade val="50000"/>
+            </a:schemeClr>
+          </a:lnRef>
+          <a:fillRef idx="1">
+            <a:schemeClr val="accent1"/>
+          </a:fillRef>
+          <a:effectRef idx="0">
+            <a:schemeClr val="accent1"/>
+          </a:effectRef>
+          <a:fontRef idx="minor">
+            <a:schemeClr val="lt1"/>
+          </a:fontRef>
+        </p:style>
+        <p:txBody>
+          <a:bodyPr rtlCol="0" anchor="ctr"/>
+          <a:lstStyle/>
+          <a:p>
+            <a:pPr algn="ctr"/>
+            <a:endParaRPr lang="en-GB"/>
           </a:p>
         </p:txBody>
       </p:sp>
     </p:spTree>
     <p:extLst>
       <p:ext uri="{BB962C8B-B14F-4D97-AF65-F5344CB8AC3E}">
-        <p14:creationId xmlns:p14="http://schemas.microsoft.com/office/powerpoint/2010/main" val="3547645397"/>
+        <p14:creationId xmlns:p14="http://schemas.microsoft.com/office/powerpoint/2010/main" val="3925340515"/>
       </p:ext>
     </p:extLst>
   </p:cSld>
@@ -7605,7 +8532,7 @@
 </p:sld>
 </file>
 
-<file path=ppt/slides/slide6.xml><?xml version="1.0" encoding="utf-8"?>
+<file path=ppt/slides/slide7.xml><?xml version="1.0" encoding="utf-8"?>
 <p:sld xmlns:a="http://schemas.openxmlformats.org/drawingml/2006/main" xmlns:r="http://schemas.openxmlformats.org/officeDocument/2006/relationships" xmlns:p="http://schemas.openxmlformats.org/presentationml/2006/main">
   <p:cSld>
     <p:spTree>

--- a/assets/images/Images.pptx
+++ b/assets/images/Images.pptx
@@ -9,9 +9,10 @@
     <p:sldId id="256" r:id="rId3"/>
     <p:sldId id="257" r:id="rId4"/>
     <p:sldId id="258" r:id="rId5"/>
-    <p:sldId id="261" r:id="rId6"/>
-    <p:sldId id="262" r:id="rId7"/>
-    <p:sldId id="260" r:id="rId8"/>
+    <p:sldId id="263" r:id="rId6"/>
+    <p:sldId id="261" r:id="rId7"/>
+    <p:sldId id="262" r:id="rId8"/>
+    <p:sldId id="260" r:id="rId9"/>
   </p:sldIdLst>
   <p:sldSz cx="12192000" cy="6858000"/>
   <p:notesSz cx="6858000" cy="9144000"/>
@@ -123,6 +124,7 @@
         </p14:section>
         <p14:section name="Primer - Spring" id="{6AB911CF-6EF7-A84D-816B-30D597BDBE5B}">
           <p14:sldIdLst>
+            <p14:sldId id="263"/>
             <p14:sldId id="261"/>
             <p14:sldId id="262"/>
           </p14:sldIdLst>
@@ -7412,12 +7414,290 @@
           <a:chExt cx="0" cy="0"/>
         </a:xfrm>
       </p:grpSpPr>
-      <p:sp>
-        <p:nvSpPr>
-          <p:cNvPr id="6" name="Rectangle 5">
-            <a:extLst>
-              <a:ext uri="{FF2B5EF4-FFF2-40B4-BE49-F238E27FC236}">
-                <a16:creationId xmlns:a16="http://schemas.microsoft.com/office/drawing/2014/main" id="{92A880C2-7957-7F45-B656-94FC83934130}"/>
+      <p:cxnSp>
+        <p:nvCxnSpPr>
+          <p:cNvPr id="13" name="Straight Connector 12">
+            <a:extLst>
+              <a:ext uri="{FF2B5EF4-FFF2-40B4-BE49-F238E27FC236}">
+                <a16:creationId xmlns:a16="http://schemas.microsoft.com/office/drawing/2014/main" id="{3DFE1B8B-F805-A94A-BB87-1DB68C8B5BEE}"/>
+              </a:ext>
+            </a:extLst>
+          </p:cNvPr>
+          <p:cNvCxnSpPr/>
+          <p:nvPr/>
+        </p:nvCxnSpPr>
+        <p:spPr>
+          <a:xfrm>
+            <a:off x="5315039" y="1623109"/>
+            <a:ext cx="1345737" cy="1514040"/>
+          </a:xfrm>
+          <a:prstGeom prst="line">
+            <a:avLst/>
+          </a:prstGeom>
+          <a:ln w="12700">
+            <a:solidFill>
+              <a:schemeClr val="tx1">
+                <a:lumMod val="75000"/>
+                <a:lumOff val="25000"/>
+              </a:schemeClr>
+            </a:solidFill>
+            <a:prstDash val="dash"/>
+          </a:ln>
+        </p:spPr>
+        <p:style>
+          <a:lnRef idx="1">
+            <a:schemeClr val="accent1"/>
+          </a:lnRef>
+          <a:fillRef idx="0">
+            <a:schemeClr val="accent1"/>
+          </a:fillRef>
+          <a:effectRef idx="0">
+            <a:schemeClr val="accent1"/>
+          </a:effectRef>
+          <a:fontRef idx="minor">
+            <a:schemeClr val="tx1"/>
+          </a:fontRef>
+        </p:style>
+      </p:cxnSp>
+      <p:cxnSp>
+        <p:nvCxnSpPr>
+          <p:cNvPr id="14" name="Straight Connector 13">
+            <a:extLst>
+              <a:ext uri="{FF2B5EF4-FFF2-40B4-BE49-F238E27FC236}">
+                <a16:creationId xmlns:a16="http://schemas.microsoft.com/office/drawing/2014/main" id="{EAD07A2C-4A18-4349-B5AA-E5745E6FF439}"/>
+              </a:ext>
+            </a:extLst>
+          </p:cNvPr>
+          <p:cNvCxnSpPr>
+            <a:cxnSpLocks/>
+          </p:cNvCxnSpPr>
+          <p:nvPr/>
+        </p:nvCxnSpPr>
+        <p:spPr>
+          <a:xfrm flipV="1">
+            <a:off x="5315039" y="3289549"/>
+            <a:ext cx="1498137" cy="1775510"/>
+          </a:xfrm>
+          <a:prstGeom prst="line">
+            <a:avLst/>
+          </a:prstGeom>
+          <a:ln w="12700">
+            <a:solidFill>
+              <a:schemeClr val="tx1">
+                <a:lumMod val="75000"/>
+                <a:lumOff val="25000"/>
+              </a:schemeClr>
+            </a:solidFill>
+            <a:prstDash val="dash"/>
+          </a:ln>
+        </p:spPr>
+        <p:style>
+          <a:lnRef idx="1">
+            <a:schemeClr val="accent1"/>
+          </a:lnRef>
+          <a:fillRef idx="0">
+            <a:schemeClr val="accent1"/>
+          </a:fillRef>
+          <a:effectRef idx="0">
+            <a:schemeClr val="accent1"/>
+          </a:effectRef>
+          <a:fontRef idx="minor">
+            <a:schemeClr val="tx1"/>
+          </a:fontRef>
+        </p:style>
+      </p:cxnSp>
+      <p:cxnSp>
+        <p:nvCxnSpPr>
+          <p:cNvPr id="16" name="Straight Connector 15">
+            <a:extLst>
+              <a:ext uri="{FF2B5EF4-FFF2-40B4-BE49-F238E27FC236}">
+                <a16:creationId xmlns:a16="http://schemas.microsoft.com/office/drawing/2014/main" id="{FFD7224C-0FFD-C748-ACFF-BF22A05B0DF2}"/>
+              </a:ext>
+            </a:extLst>
+          </p:cNvPr>
+          <p:cNvCxnSpPr>
+            <a:cxnSpLocks/>
+          </p:cNvCxnSpPr>
+          <p:nvPr/>
+        </p:nvCxnSpPr>
+        <p:spPr>
+          <a:xfrm flipV="1">
+            <a:off x="7124189" y="1431359"/>
+            <a:ext cx="1498137" cy="1775510"/>
+          </a:xfrm>
+          <a:prstGeom prst="line">
+            <a:avLst/>
+          </a:prstGeom>
+          <a:ln w="12700">
+            <a:solidFill>
+              <a:schemeClr val="tx1">
+                <a:lumMod val="75000"/>
+                <a:lumOff val="25000"/>
+              </a:schemeClr>
+            </a:solidFill>
+            <a:prstDash val="dash"/>
+          </a:ln>
+        </p:spPr>
+        <p:style>
+          <a:lnRef idx="1">
+            <a:schemeClr val="accent1"/>
+          </a:lnRef>
+          <a:fillRef idx="0">
+            <a:schemeClr val="accent1"/>
+          </a:fillRef>
+          <a:effectRef idx="0">
+            <a:schemeClr val="accent1"/>
+          </a:effectRef>
+          <a:fontRef idx="minor">
+            <a:schemeClr val="tx1"/>
+          </a:fontRef>
+        </p:style>
+      </p:cxnSp>
+      <p:cxnSp>
+        <p:nvCxnSpPr>
+          <p:cNvPr id="17" name="Straight Connector 16">
+            <a:extLst>
+              <a:ext uri="{FF2B5EF4-FFF2-40B4-BE49-F238E27FC236}">
+                <a16:creationId xmlns:a16="http://schemas.microsoft.com/office/drawing/2014/main" id="{30300CF9-A696-C94A-A87D-B516C694CE52}"/>
+              </a:ext>
+            </a:extLst>
+          </p:cNvPr>
+          <p:cNvCxnSpPr/>
+          <p:nvPr/>
+        </p:nvCxnSpPr>
+        <p:spPr>
+          <a:xfrm>
+            <a:off x="7031951" y="3206869"/>
+            <a:ext cx="1345737" cy="1514040"/>
+          </a:xfrm>
+          <a:prstGeom prst="line">
+            <a:avLst/>
+          </a:prstGeom>
+          <a:ln w="12700">
+            <a:solidFill>
+              <a:schemeClr val="tx1">
+                <a:lumMod val="75000"/>
+                <a:lumOff val="25000"/>
+              </a:schemeClr>
+            </a:solidFill>
+            <a:prstDash val="dash"/>
+          </a:ln>
+        </p:spPr>
+        <p:style>
+          <a:lnRef idx="1">
+            <a:schemeClr val="accent1"/>
+          </a:lnRef>
+          <a:fillRef idx="0">
+            <a:schemeClr val="accent1"/>
+          </a:fillRef>
+          <a:effectRef idx="0">
+            <a:schemeClr val="accent1"/>
+          </a:effectRef>
+          <a:fontRef idx="minor">
+            <a:schemeClr val="tx1"/>
+          </a:fontRef>
+        </p:style>
+      </p:cxnSp>
+      <p:cxnSp>
+        <p:nvCxnSpPr>
+          <p:cNvPr id="18" name="Straight Connector 17">
+            <a:extLst>
+              <a:ext uri="{FF2B5EF4-FFF2-40B4-BE49-F238E27FC236}">
+                <a16:creationId xmlns:a16="http://schemas.microsoft.com/office/drawing/2014/main" id="{559EA5F5-A5FE-8346-BC02-5C25685C2E1C}"/>
+              </a:ext>
+            </a:extLst>
+          </p:cNvPr>
+          <p:cNvCxnSpPr>
+            <a:cxnSpLocks/>
+          </p:cNvCxnSpPr>
+          <p:nvPr/>
+        </p:nvCxnSpPr>
+        <p:spPr>
+          <a:xfrm flipV="1">
+            <a:off x="9326745" y="2741956"/>
+            <a:ext cx="1498137" cy="1775510"/>
+          </a:xfrm>
+          <a:prstGeom prst="line">
+            <a:avLst/>
+          </a:prstGeom>
+          <a:ln w="12700">
+            <a:solidFill>
+              <a:schemeClr val="tx1">
+                <a:lumMod val="75000"/>
+                <a:lumOff val="25000"/>
+              </a:schemeClr>
+            </a:solidFill>
+            <a:prstDash val="dash"/>
+          </a:ln>
+        </p:spPr>
+        <p:style>
+          <a:lnRef idx="1">
+            <a:schemeClr val="accent1"/>
+          </a:lnRef>
+          <a:fillRef idx="0">
+            <a:schemeClr val="accent1"/>
+          </a:fillRef>
+          <a:effectRef idx="0">
+            <a:schemeClr val="accent1"/>
+          </a:effectRef>
+          <a:fontRef idx="minor">
+            <a:schemeClr val="tx1"/>
+          </a:fontRef>
+        </p:style>
+      </p:cxnSp>
+      <p:cxnSp>
+        <p:nvCxnSpPr>
+          <p:cNvPr id="19" name="Straight Connector 18">
+            <a:extLst>
+              <a:ext uri="{FF2B5EF4-FFF2-40B4-BE49-F238E27FC236}">
+                <a16:creationId xmlns:a16="http://schemas.microsoft.com/office/drawing/2014/main" id="{97E8C2DB-6F7A-3A49-BAAE-463BEC5BA7E7}"/>
+              </a:ext>
+            </a:extLst>
+          </p:cNvPr>
+          <p:cNvCxnSpPr>
+            <a:cxnSpLocks/>
+          </p:cNvCxnSpPr>
+          <p:nvPr/>
+        </p:nvCxnSpPr>
+        <p:spPr>
+          <a:xfrm>
+            <a:off x="9305891" y="1549027"/>
+            <a:ext cx="1518991" cy="1192929"/>
+          </a:xfrm>
+          <a:prstGeom prst="line">
+            <a:avLst/>
+          </a:prstGeom>
+          <a:ln w="12700">
+            <a:solidFill>
+              <a:schemeClr val="tx1">
+                <a:lumMod val="75000"/>
+                <a:lumOff val="25000"/>
+              </a:schemeClr>
+            </a:solidFill>
+            <a:prstDash val="dash"/>
+          </a:ln>
+        </p:spPr>
+        <p:style>
+          <a:lnRef idx="1">
+            <a:schemeClr val="accent1"/>
+          </a:lnRef>
+          <a:fillRef idx="0">
+            <a:schemeClr val="accent1"/>
+          </a:fillRef>
+          <a:effectRef idx="0">
+            <a:schemeClr val="accent1"/>
+          </a:effectRef>
+          <a:fontRef idx="minor">
+            <a:schemeClr val="tx1"/>
+          </a:fontRef>
+        </p:style>
+      </p:cxnSp>
+      <p:sp>
+        <p:nvSpPr>
+          <p:cNvPr id="5" name="Rectangle 4">
+            <a:extLst>
+              <a:ext uri="{FF2B5EF4-FFF2-40B4-BE49-F238E27FC236}">
+                <a16:creationId xmlns:a16="http://schemas.microsoft.com/office/drawing/2014/main" id="{7B0F4593-25DA-0A4D-95D5-70EA7927941D}"/>
               </a:ext>
             </a:extLst>
           </p:cNvPr>
@@ -7426,8 +7706,8 @@
         </p:nvSpPr>
         <p:spPr>
           <a:xfrm>
-            <a:off x="8044395" y="996077"/>
-            <a:ext cx="2160000" cy="2160000"/>
+            <a:off x="7583453" y="1130548"/>
+            <a:ext cx="1847418" cy="985123"/>
           </a:xfrm>
           <a:prstGeom prst="rect">
             <a:avLst/>
@@ -7464,160 +7744,17 @@
             <a:pPr algn="ctr"/>
             <a:r>
               <a:rPr lang="en-GB" dirty="0"/>
-              <a:t>Dependency</a:t>
-            </a:r>
-          </a:p>
-        </p:txBody>
-      </p:sp>
-      <p:cxnSp>
-        <p:nvCxnSpPr>
-          <p:cNvPr id="3" name="Straight Arrow Connector 2">
-            <a:extLst>
-              <a:ext uri="{FF2B5EF4-FFF2-40B4-BE49-F238E27FC236}">
-                <a16:creationId xmlns:a16="http://schemas.microsoft.com/office/drawing/2014/main" id="{7B37A0D8-A495-CF4D-895E-E6A77944AB73}"/>
-              </a:ext>
-            </a:extLst>
-          </p:cNvPr>
-          <p:cNvCxnSpPr>
-            <a:cxnSpLocks/>
-          </p:cNvCxnSpPr>
-          <p:nvPr/>
-        </p:nvCxnSpPr>
-        <p:spPr>
-          <a:xfrm flipH="1" flipV="1">
-            <a:off x="5122394" y="2893324"/>
-            <a:ext cx="1524001" cy="1730690"/>
-          </a:xfrm>
-          <a:prstGeom prst="straightConnector1">
-            <a:avLst/>
-          </a:prstGeom>
-          <a:ln w="38100">
-            <a:solidFill>
-              <a:schemeClr val="tx1">
-                <a:lumMod val="75000"/>
-                <a:lumOff val="25000"/>
-              </a:schemeClr>
-            </a:solidFill>
-            <a:tailEnd type="triangle"/>
-          </a:ln>
-        </p:spPr>
-        <p:style>
-          <a:lnRef idx="1">
-            <a:schemeClr val="accent1"/>
-          </a:lnRef>
-          <a:fillRef idx="0">
-            <a:schemeClr val="accent1"/>
-          </a:fillRef>
-          <a:effectRef idx="0">
-            <a:schemeClr val="accent1"/>
-          </a:effectRef>
-          <a:fontRef idx="minor">
-            <a:schemeClr val="tx1"/>
-          </a:fontRef>
-        </p:style>
-      </p:cxnSp>
-      <p:cxnSp>
-        <p:nvCxnSpPr>
-          <p:cNvPr id="7" name="Straight Arrow Connector 6">
-            <a:extLst>
-              <a:ext uri="{FF2B5EF4-FFF2-40B4-BE49-F238E27FC236}">
-                <a16:creationId xmlns:a16="http://schemas.microsoft.com/office/drawing/2014/main" id="{2021425D-C943-1E47-9F5A-4A96C0389D53}"/>
-              </a:ext>
-            </a:extLst>
-          </p:cNvPr>
-          <p:cNvCxnSpPr>
-            <a:cxnSpLocks/>
-            <a:stCxn id="5" idx="3"/>
-            <a:endCxn id="6" idx="1"/>
-          </p:cNvCxnSpPr>
-          <p:nvPr/>
-        </p:nvCxnSpPr>
-        <p:spPr>
-          <a:xfrm>
-            <a:off x="5884395" y="1783130"/>
-            <a:ext cx="2160000" cy="292947"/>
-          </a:xfrm>
-          <a:prstGeom prst="straightConnector1">
-            <a:avLst/>
-          </a:prstGeom>
-          <a:ln w="38100">
-            <a:solidFill>
-              <a:schemeClr val="tx1">
-                <a:lumMod val="75000"/>
-                <a:lumOff val="25000"/>
-              </a:schemeClr>
-            </a:solidFill>
-            <a:tailEnd type="triangle"/>
-          </a:ln>
-        </p:spPr>
-        <p:style>
-          <a:lnRef idx="1">
-            <a:schemeClr val="accent1"/>
-          </a:lnRef>
-          <a:fillRef idx="0">
-            <a:schemeClr val="accent1"/>
-          </a:fillRef>
-          <a:effectRef idx="0">
-            <a:schemeClr val="accent1"/>
-          </a:effectRef>
-          <a:fontRef idx="minor">
-            <a:schemeClr val="tx1"/>
-          </a:fontRef>
-        </p:style>
-      </p:cxnSp>
-      <p:cxnSp>
-        <p:nvCxnSpPr>
-          <p:cNvPr id="12" name="Straight Arrow Connector 11">
-            <a:extLst>
-              <a:ext uri="{FF2B5EF4-FFF2-40B4-BE49-F238E27FC236}">
-                <a16:creationId xmlns:a16="http://schemas.microsoft.com/office/drawing/2014/main" id="{475D285A-CEDF-D945-9D86-CC5B8C4C3D3A}"/>
-              </a:ext>
-            </a:extLst>
-          </p:cNvPr>
-          <p:cNvCxnSpPr>
-            <a:cxnSpLocks/>
-          </p:cNvCxnSpPr>
-          <p:nvPr/>
-        </p:nvCxnSpPr>
-        <p:spPr>
-          <a:xfrm flipV="1">
-            <a:off x="7261412" y="3156077"/>
-            <a:ext cx="1129553" cy="1625848"/>
-          </a:xfrm>
-          <a:prstGeom prst="straightConnector1">
-            <a:avLst/>
-          </a:prstGeom>
-          <a:ln w="38100">
-            <a:solidFill>
-              <a:schemeClr val="tx1">
-                <a:lumMod val="75000"/>
-                <a:lumOff val="25000"/>
-              </a:schemeClr>
-            </a:solidFill>
-            <a:tailEnd type="triangle"/>
-          </a:ln>
-        </p:spPr>
-        <p:style>
-          <a:lnRef idx="1">
-            <a:schemeClr val="accent1"/>
-          </a:lnRef>
-          <a:fillRef idx="0">
-            <a:schemeClr val="accent1"/>
-          </a:fillRef>
-          <a:effectRef idx="0">
-            <a:schemeClr val="accent1"/>
-          </a:effectRef>
-          <a:fontRef idx="minor">
-            <a:schemeClr val="tx1"/>
-          </a:fontRef>
-        </p:style>
-      </p:cxnSp>
-      <p:sp>
-        <p:nvSpPr>
-          <p:cNvPr id="5" name="Rectangle 4">
-            <a:extLst>
-              <a:ext uri="{FF2B5EF4-FFF2-40B4-BE49-F238E27FC236}">
-                <a16:creationId xmlns:a16="http://schemas.microsoft.com/office/drawing/2014/main" id="{113EBD60-04BD-C040-B054-3E2B909A5754}"/>
+              <a:t>Repository</a:t>
+            </a:r>
+          </a:p>
+        </p:txBody>
+      </p:sp>
+      <p:sp>
+        <p:nvSpPr>
+          <p:cNvPr id="7" name="Can 6">
+            <a:extLst>
+              <a:ext uri="{FF2B5EF4-FFF2-40B4-BE49-F238E27FC236}">
+                <a16:creationId xmlns:a16="http://schemas.microsoft.com/office/drawing/2014/main" id="{9FDE0297-0FC7-994C-8C4E-874B946E415A}"/>
               </a:ext>
             </a:extLst>
           </p:cNvPr>
@@ -7626,14 +7763,14 @@
         </p:nvSpPr>
         <p:spPr>
           <a:xfrm>
-            <a:off x="3724395" y="703130"/>
-            <a:ext cx="2160000" cy="2160000"/>
-          </a:xfrm>
-          <a:prstGeom prst="rect">
+            <a:off x="10354235" y="1954306"/>
+            <a:ext cx="941294" cy="1380565"/>
+          </a:xfrm>
+          <a:prstGeom prst="can">
             <a:avLst/>
           </a:prstGeom>
           <a:solidFill>
-            <a:schemeClr val="accent6">
+            <a:schemeClr val="accent3">
               <a:lumMod val="75000"/>
             </a:schemeClr>
           </a:solidFill>
@@ -7667,19 +7804,16 @@
           <a:lstStyle/>
           <a:p>
             <a:pPr algn="ctr"/>
-            <a:r>
-              <a:rPr lang="en-GB" dirty="0"/>
-              <a:t>Autoconfigure</a:t>
-            </a:r>
-          </a:p>
-        </p:txBody>
-      </p:sp>
-      <p:sp>
-        <p:nvSpPr>
-          <p:cNvPr id="4" name="Rectangle 3">
-            <a:extLst>
-              <a:ext uri="{FF2B5EF4-FFF2-40B4-BE49-F238E27FC236}">
-                <a16:creationId xmlns:a16="http://schemas.microsoft.com/office/drawing/2014/main" id="{4D3C1D8B-FCE1-E841-9C87-60B79071EE61}"/>
+            <a:endParaRPr lang="en-GB"/>
+          </a:p>
+        </p:txBody>
+      </p:sp>
+      <p:sp>
+        <p:nvSpPr>
+          <p:cNvPr id="8" name="Rectangle 7">
+            <a:extLst>
+              <a:ext uri="{FF2B5EF4-FFF2-40B4-BE49-F238E27FC236}">
+                <a16:creationId xmlns:a16="http://schemas.microsoft.com/office/drawing/2014/main" id="{5EC1BB8E-324D-B04F-8741-9CA8CEF7C4C9}"/>
               </a:ext>
             </a:extLst>
           </p:cNvPr>
@@ -7688,17 +7822,12 @@
         </p:nvSpPr>
         <p:spPr>
           <a:xfrm>
-            <a:off x="5884395" y="3815415"/>
-            <a:ext cx="2160000" cy="2160000"/>
+            <a:off x="5857402" y="2644588"/>
+            <a:ext cx="1847418" cy="985123"/>
           </a:xfrm>
           <a:prstGeom prst="rect">
             <a:avLst/>
           </a:prstGeom>
-          <a:solidFill>
-            <a:schemeClr val="accent2">
-              <a:lumMod val="75000"/>
-            </a:schemeClr>
-          </a:solidFill>
           <a:ln>
             <a:solidFill>
               <a:schemeClr val="tx1">
@@ -7731,17 +7860,17 @@
             <a:pPr algn="ctr"/>
             <a:r>
               <a:rPr lang="en-GB" dirty="0"/>
-              <a:t>Starter</a:t>
-            </a:r>
-          </a:p>
-        </p:txBody>
-      </p:sp>
-      <p:sp>
-        <p:nvSpPr>
-          <p:cNvPr id="23" name="Rectangle 22">
-            <a:extLst>
-              <a:ext uri="{FF2B5EF4-FFF2-40B4-BE49-F238E27FC236}">
-                <a16:creationId xmlns:a16="http://schemas.microsoft.com/office/drawing/2014/main" id="{530ACC0F-328C-3F4C-9547-A3FD220F91A5}"/>
+              <a:t>Service</a:t>
+            </a:r>
+          </a:p>
+        </p:txBody>
+      </p:sp>
+      <p:sp>
+        <p:nvSpPr>
+          <p:cNvPr id="9" name="Rectangle 8">
+            <a:extLst>
+              <a:ext uri="{FF2B5EF4-FFF2-40B4-BE49-F238E27FC236}">
+                <a16:creationId xmlns:a16="http://schemas.microsoft.com/office/drawing/2014/main" id="{FE18565D-90DF-2542-918F-8FFCE174D801}"/>
               </a:ext>
             </a:extLst>
           </p:cNvPr>
@@ -7750,15 +7879,12 @@
         </p:nvSpPr>
         <p:spPr>
           <a:xfrm>
-            <a:off x="396811" y="3815415"/>
-            <a:ext cx="2160000" cy="2160000"/>
+            <a:off x="4391330" y="4494309"/>
+            <a:ext cx="1847418" cy="985123"/>
           </a:xfrm>
           <a:prstGeom prst="rect">
             <a:avLst/>
           </a:prstGeom>
-          <a:solidFill>
-            <a:schemeClr val="bg1"/>
-          </a:solidFill>
           <a:ln>
             <a:solidFill>
               <a:schemeClr val="tx1">
@@ -7766,7 +7892,6 @@
                 <a:lumOff val="25000"/>
               </a:schemeClr>
             </a:solidFill>
-            <a:prstDash val="dash"/>
           </a:ln>
         </p:spPr>
         <p:style>
@@ -7791,76 +7916,18 @@
           <a:p>
             <a:pPr algn="ctr"/>
             <a:r>
-              <a:rPr lang="en-GB" sz="1200" dirty="0">
-                <a:solidFill>
-                  <a:schemeClr val="tx1">
-                    <a:lumMod val="75000"/>
-                    <a:lumOff val="25000"/>
-                  </a:schemeClr>
-                </a:solidFill>
-                <a:latin typeface="Courier New" panose="02070309020205020404" pitchFamily="49" charset="0"/>
-                <a:cs typeface="Courier New" panose="02070309020205020404" pitchFamily="49" charset="0"/>
-              </a:rPr>
-              <a:t>spring-boot-starter</a:t>
-            </a:r>
-          </a:p>
-        </p:txBody>
-      </p:sp>
-      <p:cxnSp>
-        <p:nvCxnSpPr>
-          <p:cNvPr id="24" name="Straight Arrow Connector 23">
-            <a:extLst>
-              <a:ext uri="{FF2B5EF4-FFF2-40B4-BE49-F238E27FC236}">
-                <a16:creationId xmlns:a16="http://schemas.microsoft.com/office/drawing/2014/main" id="{CF153B01-21BA-854F-B014-8B1D8FC60E95}"/>
-              </a:ext>
-            </a:extLst>
-          </p:cNvPr>
-          <p:cNvCxnSpPr>
-            <a:cxnSpLocks/>
-            <a:stCxn id="4" idx="1"/>
-            <a:endCxn id="23" idx="3"/>
-          </p:cNvCxnSpPr>
-          <p:nvPr/>
-        </p:nvCxnSpPr>
-        <p:spPr>
-          <a:xfrm flipH="1">
-            <a:off x="2556811" y="4895415"/>
-            <a:ext cx="3327584" cy="0"/>
-          </a:xfrm>
-          <a:prstGeom prst="straightConnector1">
-            <a:avLst/>
-          </a:prstGeom>
-          <a:ln w="38100">
-            <a:solidFill>
-              <a:schemeClr val="tx1">
-                <a:lumMod val="75000"/>
-                <a:lumOff val="25000"/>
-              </a:schemeClr>
-            </a:solidFill>
-            <a:tailEnd type="triangle"/>
-          </a:ln>
-        </p:spPr>
-        <p:style>
-          <a:lnRef idx="1">
-            <a:schemeClr val="accent1"/>
-          </a:lnRef>
-          <a:fillRef idx="0">
-            <a:schemeClr val="accent1"/>
-          </a:fillRef>
-          <a:effectRef idx="0">
-            <a:schemeClr val="accent1"/>
-          </a:effectRef>
-          <a:fontRef idx="minor">
-            <a:schemeClr val="tx1"/>
-          </a:fontRef>
-        </p:style>
-      </p:cxnSp>
-      <p:sp>
-        <p:nvSpPr>
-          <p:cNvPr id="27" name="Rectangle 26">
-            <a:extLst>
-              <a:ext uri="{FF2B5EF4-FFF2-40B4-BE49-F238E27FC236}">
-                <a16:creationId xmlns:a16="http://schemas.microsoft.com/office/drawing/2014/main" id="{085E45CC-A3CE-E040-974F-86404914320D}"/>
+              <a:rPr lang="en-GB" dirty="0"/>
+              <a:t>REST Controller</a:t>
+            </a:r>
+          </a:p>
+        </p:txBody>
+      </p:sp>
+      <p:sp>
+        <p:nvSpPr>
+          <p:cNvPr id="10" name="Rectangle 9">
+            <a:extLst>
+              <a:ext uri="{FF2B5EF4-FFF2-40B4-BE49-F238E27FC236}">
+                <a16:creationId xmlns:a16="http://schemas.microsoft.com/office/drawing/2014/main" id="{36FAAF24-9A8F-7D44-8838-331A7C8D3D12}"/>
               </a:ext>
             </a:extLst>
           </p:cNvPr>
@@ -7869,15 +7936,12 @@
         </p:nvSpPr>
         <p:spPr>
           <a:xfrm>
-            <a:off x="396811" y="703130"/>
-            <a:ext cx="2160000" cy="2160000"/>
+            <a:off x="3920337" y="886006"/>
+            <a:ext cx="1847418" cy="985123"/>
           </a:xfrm>
           <a:prstGeom prst="rect">
             <a:avLst/>
           </a:prstGeom>
-          <a:solidFill>
-            <a:schemeClr val="bg1"/>
-          </a:solidFill>
           <a:ln>
             <a:solidFill>
               <a:schemeClr val="tx1">
@@ -7885,7 +7949,6 @@
                 <a:lumOff val="25000"/>
               </a:schemeClr>
             </a:solidFill>
-            <a:prstDash val="dash"/>
           </a:ln>
         </p:spPr>
         <p:style>
@@ -7910,74 +7973,73 @@
           <a:p>
             <a:pPr algn="ctr"/>
             <a:r>
-              <a:rPr lang="en-GB" sz="1200" dirty="0">
-                <a:solidFill>
-                  <a:schemeClr val="tx1">
-                    <a:lumMod val="75000"/>
-                    <a:lumOff val="25000"/>
-                  </a:schemeClr>
-                </a:solidFill>
-                <a:latin typeface="Courier New" panose="02070309020205020404" pitchFamily="49" charset="0"/>
-                <a:cs typeface="Courier New" panose="02070309020205020404" pitchFamily="49" charset="0"/>
-              </a:rPr>
-              <a:t>spring-boot-autoconfigure</a:t>
-            </a:r>
-          </a:p>
-        </p:txBody>
-      </p:sp>
-      <p:cxnSp>
-        <p:nvCxnSpPr>
-          <p:cNvPr id="41" name="Straight Arrow Connector 40">
-            <a:extLst>
-              <a:ext uri="{FF2B5EF4-FFF2-40B4-BE49-F238E27FC236}">
-                <a16:creationId xmlns:a16="http://schemas.microsoft.com/office/drawing/2014/main" id="{F87F6E50-0AF8-E64E-865C-6295F362C57D}"/>
-              </a:ext>
-            </a:extLst>
-          </p:cNvPr>
-          <p:cNvCxnSpPr>
-            <a:cxnSpLocks/>
-            <a:stCxn id="5" idx="1"/>
-            <a:endCxn id="27" idx="3"/>
-          </p:cNvCxnSpPr>
+              <a:rPr lang="en-GB" dirty="0"/>
+              <a:t>REST Controller</a:t>
+            </a:r>
+          </a:p>
+        </p:txBody>
+      </p:sp>
+      <p:sp>
+        <p:nvSpPr>
+          <p:cNvPr id="11" name="Rectangle 10">
+            <a:extLst>
+              <a:ext uri="{FF2B5EF4-FFF2-40B4-BE49-F238E27FC236}">
+                <a16:creationId xmlns:a16="http://schemas.microsoft.com/office/drawing/2014/main" id="{78ADE880-9311-264E-BBD2-415E4CA41F95}"/>
+              </a:ext>
+            </a:extLst>
+          </p:cNvPr>
+          <p:cNvSpPr/>
           <p:nvPr/>
-        </p:nvCxnSpPr>
-        <p:spPr>
-          <a:xfrm flipH="1">
-            <a:off x="2556811" y="1783130"/>
-            <a:ext cx="1167584" cy="0"/>
-          </a:xfrm>
-          <a:prstGeom prst="straightConnector1">
+        </p:nvSpPr>
+        <p:spPr>
+          <a:xfrm>
+            <a:off x="8085477" y="3913094"/>
+            <a:ext cx="1847418" cy="985123"/>
+          </a:xfrm>
+          <a:prstGeom prst="rect">
             <a:avLst/>
           </a:prstGeom>
-          <a:ln w="38100">
+          <a:ln>
             <a:solidFill>
               <a:schemeClr val="tx1">
                 <a:lumMod val="75000"/>
                 <a:lumOff val="25000"/>
               </a:schemeClr>
             </a:solidFill>
-            <a:tailEnd type="triangle"/>
           </a:ln>
         </p:spPr>
         <p:style>
-          <a:lnRef idx="1">
-            <a:schemeClr val="accent1"/>
+          <a:lnRef idx="2">
+            <a:schemeClr val="accent1">
+              <a:shade val="50000"/>
+            </a:schemeClr>
           </a:lnRef>
-          <a:fillRef idx="0">
+          <a:fillRef idx="1">
             <a:schemeClr val="accent1"/>
           </a:fillRef>
           <a:effectRef idx="0">
             <a:schemeClr val="accent1"/>
           </a:effectRef>
           <a:fontRef idx="minor">
-            <a:schemeClr val="tx1"/>
+            <a:schemeClr val="lt1"/>
           </a:fontRef>
         </p:style>
-      </p:cxnSp>
+        <p:txBody>
+          <a:bodyPr rtlCol="0" anchor="ctr"/>
+          <a:lstStyle/>
+          <a:p>
+            <a:pPr algn="ctr"/>
+            <a:r>
+              <a:rPr lang="en-GB" dirty="0"/>
+              <a:t>Repository</a:t>
+            </a:r>
+          </a:p>
+        </p:txBody>
+      </p:sp>
     </p:spTree>
     <p:extLst>
       <p:ext uri="{BB962C8B-B14F-4D97-AF65-F5344CB8AC3E}">
-        <p14:creationId xmlns:p14="http://schemas.microsoft.com/office/powerpoint/2010/main" val="3547645397"/>
+        <p14:creationId xmlns:p14="http://schemas.microsoft.com/office/powerpoint/2010/main" val="1967732723"/>
       </p:ext>
     </p:extLst>
   </p:cSld>
@@ -8006,10 +8068,10 @@
       </p:grpSpPr>
       <p:sp>
         <p:nvSpPr>
-          <p:cNvPr id="4" name="Rectangle 3">
-            <a:extLst>
-              <a:ext uri="{FF2B5EF4-FFF2-40B4-BE49-F238E27FC236}">
-                <a16:creationId xmlns:a16="http://schemas.microsoft.com/office/drawing/2014/main" id="{9918B765-531F-F34A-BE72-2094C2BEFD39}"/>
+          <p:cNvPr id="6" name="Rectangle 5">
+            <a:extLst>
+              <a:ext uri="{FF2B5EF4-FFF2-40B4-BE49-F238E27FC236}">
+                <a16:creationId xmlns:a16="http://schemas.microsoft.com/office/drawing/2014/main" id="{92A880C2-7957-7F45-B656-94FC83934130}"/>
               </a:ext>
             </a:extLst>
           </p:cNvPr>
@@ -8018,8 +8080,8 @@
         </p:nvSpPr>
         <p:spPr>
           <a:xfrm>
-            <a:off x="514041" y="1865653"/>
-            <a:ext cx="1574735" cy="2160000"/>
+            <a:off x="8044395" y="996077"/>
+            <a:ext cx="2160000" cy="2160000"/>
           </a:xfrm>
           <a:prstGeom prst="rect">
             <a:avLst/>
@@ -8061,12 +8123,155 @@
           </a:p>
         </p:txBody>
       </p:sp>
+      <p:cxnSp>
+        <p:nvCxnSpPr>
+          <p:cNvPr id="3" name="Straight Arrow Connector 2">
+            <a:extLst>
+              <a:ext uri="{FF2B5EF4-FFF2-40B4-BE49-F238E27FC236}">
+                <a16:creationId xmlns:a16="http://schemas.microsoft.com/office/drawing/2014/main" id="{7B37A0D8-A495-CF4D-895E-E6A77944AB73}"/>
+              </a:ext>
+            </a:extLst>
+          </p:cNvPr>
+          <p:cNvCxnSpPr>
+            <a:cxnSpLocks/>
+          </p:cNvCxnSpPr>
+          <p:nvPr/>
+        </p:nvCxnSpPr>
+        <p:spPr>
+          <a:xfrm flipH="1" flipV="1">
+            <a:off x="5122394" y="2893324"/>
+            <a:ext cx="1524001" cy="1730690"/>
+          </a:xfrm>
+          <a:prstGeom prst="straightConnector1">
+            <a:avLst/>
+          </a:prstGeom>
+          <a:ln w="38100">
+            <a:solidFill>
+              <a:schemeClr val="tx1">
+                <a:lumMod val="75000"/>
+                <a:lumOff val="25000"/>
+              </a:schemeClr>
+            </a:solidFill>
+            <a:tailEnd type="triangle"/>
+          </a:ln>
+        </p:spPr>
+        <p:style>
+          <a:lnRef idx="1">
+            <a:schemeClr val="accent1"/>
+          </a:lnRef>
+          <a:fillRef idx="0">
+            <a:schemeClr val="accent1"/>
+          </a:fillRef>
+          <a:effectRef idx="0">
+            <a:schemeClr val="accent1"/>
+          </a:effectRef>
+          <a:fontRef idx="minor">
+            <a:schemeClr val="tx1"/>
+          </a:fontRef>
+        </p:style>
+      </p:cxnSp>
+      <p:cxnSp>
+        <p:nvCxnSpPr>
+          <p:cNvPr id="7" name="Straight Arrow Connector 6">
+            <a:extLst>
+              <a:ext uri="{FF2B5EF4-FFF2-40B4-BE49-F238E27FC236}">
+                <a16:creationId xmlns:a16="http://schemas.microsoft.com/office/drawing/2014/main" id="{2021425D-C943-1E47-9F5A-4A96C0389D53}"/>
+              </a:ext>
+            </a:extLst>
+          </p:cNvPr>
+          <p:cNvCxnSpPr>
+            <a:cxnSpLocks/>
+            <a:stCxn id="5" idx="3"/>
+            <a:endCxn id="6" idx="1"/>
+          </p:cNvCxnSpPr>
+          <p:nvPr/>
+        </p:nvCxnSpPr>
+        <p:spPr>
+          <a:xfrm>
+            <a:off x="5884395" y="1783130"/>
+            <a:ext cx="2160000" cy="292947"/>
+          </a:xfrm>
+          <a:prstGeom prst="straightConnector1">
+            <a:avLst/>
+          </a:prstGeom>
+          <a:ln w="38100">
+            <a:solidFill>
+              <a:schemeClr val="tx1">
+                <a:lumMod val="75000"/>
+                <a:lumOff val="25000"/>
+              </a:schemeClr>
+            </a:solidFill>
+            <a:tailEnd type="triangle"/>
+          </a:ln>
+        </p:spPr>
+        <p:style>
+          <a:lnRef idx="1">
+            <a:schemeClr val="accent1"/>
+          </a:lnRef>
+          <a:fillRef idx="0">
+            <a:schemeClr val="accent1"/>
+          </a:fillRef>
+          <a:effectRef idx="0">
+            <a:schemeClr val="accent1"/>
+          </a:effectRef>
+          <a:fontRef idx="minor">
+            <a:schemeClr val="tx1"/>
+          </a:fontRef>
+        </p:style>
+      </p:cxnSp>
+      <p:cxnSp>
+        <p:nvCxnSpPr>
+          <p:cNvPr id="12" name="Straight Arrow Connector 11">
+            <a:extLst>
+              <a:ext uri="{FF2B5EF4-FFF2-40B4-BE49-F238E27FC236}">
+                <a16:creationId xmlns:a16="http://schemas.microsoft.com/office/drawing/2014/main" id="{475D285A-CEDF-D945-9D86-CC5B8C4C3D3A}"/>
+              </a:ext>
+            </a:extLst>
+          </p:cNvPr>
+          <p:cNvCxnSpPr>
+            <a:cxnSpLocks/>
+          </p:cNvCxnSpPr>
+          <p:nvPr/>
+        </p:nvCxnSpPr>
+        <p:spPr>
+          <a:xfrm flipV="1">
+            <a:off x="7261412" y="3156077"/>
+            <a:ext cx="1129553" cy="1625848"/>
+          </a:xfrm>
+          <a:prstGeom prst="straightConnector1">
+            <a:avLst/>
+          </a:prstGeom>
+          <a:ln w="38100">
+            <a:solidFill>
+              <a:schemeClr val="tx1">
+                <a:lumMod val="75000"/>
+                <a:lumOff val="25000"/>
+              </a:schemeClr>
+            </a:solidFill>
+            <a:tailEnd type="triangle"/>
+          </a:ln>
+        </p:spPr>
+        <p:style>
+          <a:lnRef idx="1">
+            <a:schemeClr val="accent1"/>
+          </a:lnRef>
+          <a:fillRef idx="0">
+            <a:schemeClr val="accent1"/>
+          </a:fillRef>
+          <a:effectRef idx="0">
+            <a:schemeClr val="accent1"/>
+          </a:effectRef>
+          <a:fontRef idx="minor">
+            <a:schemeClr val="tx1"/>
+          </a:fontRef>
+        </p:style>
+      </p:cxnSp>
       <p:sp>
         <p:nvSpPr>
           <p:cNvPr id="5" name="Rectangle 4">
             <a:extLst>
               <a:ext uri="{FF2B5EF4-FFF2-40B4-BE49-F238E27FC236}">
-                <a16:creationId xmlns:a16="http://schemas.microsoft.com/office/drawing/2014/main" id="{F7C03817-DAD7-B546-B492-4FBB61CA4AA7}"/>
+                <a16:creationId xmlns:a16="http://schemas.microsoft.com/office/drawing/2014/main" id="{113EBD60-04BD-C040-B054-3E2B909A5754}"/>
               </a:ext>
             </a:extLst>
           </p:cNvPr>
@@ -8075,8 +8280,8 @@
         </p:nvSpPr>
         <p:spPr>
           <a:xfrm>
-            <a:off x="2659325" y="1865653"/>
-            <a:ext cx="1574735" cy="2160000"/>
+            <a:off x="3724395" y="703130"/>
+            <a:ext cx="2160000" cy="2160000"/>
           </a:xfrm>
           <a:prstGeom prst="rect">
             <a:avLst/>
@@ -8118,17 +8323,17 @@
             <a:pPr algn="ctr"/>
             <a:r>
               <a:rPr lang="en-GB" dirty="0"/>
-              <a:t>Configuration</a:t>
-            </a:r>
-          </a:p>
-        </p:txBody>
-      </p:sp>
-      <p:sp>
-        <p:nvSpPr>
-          <p:cNvPr id="6" name="Rectangle 5">
-            <a:extLst>
-              <a:ext uri="{FF2B5EF4-FFF2-40B4-BE49-F238E27FC236}">
-                <a16:creationId xmlns:a16="http://schemas.microsoft.com/office/drawing/2014/main" id="{D544B28B-F377-8B4E-A6AC-208761C26968}"/>
+              <a:t>Autoconfigure</a:t>
+            </a:r>
+          </a:p>
+        </p:txBody>
+      </p:sp>
+      <p:sp>
+        <p:nvSpPr>
+          <p:cNvPr id="4" name="Rectangle 3">
+            <a:extLst>
+              <a:ext uri="{FF2B5EF4-FFF2-40B4-BE49-F238E27FC236}">
+                <a16:creationId xmlns:a16="http://schemas.microsoft.com/office/drawing/2014/main" id="{4D3C1D8B-FCE1-E841-9C87-60B79071EE61}"/>
               </a:ext>
             </a:extLst>
           </p:cNvPr>
@@ -8137,8 +8342,338 @@
         </p:nvSpPr>
         <p:spPr>
           <a:xfrm>
-            <a:off x="6024282" y="1865653"/>
-            <a:ext cx="2967318" cy="2160000"/>
+            <a:off x="5884395" y="3815415"/>
+            <a:ext cx="2160000" cy="2160000"/>
+          </a:xfrm>
+          <a:prstGeom prst="rect">
+            <a:avLst/>
+          </a:prstGeom>
+          <a:solidFill>
+            <a:schemeClr val="accent2">
+              <a:lumMod val="75000"/>
+            </a:schemeClr>
+          </a:solidFill>
+          <a:ln>
+            <a:solidFill>
+              <a:schemeClr val="tx1">
+                <a:lumMod val="75000"/>
+                <a:lumOff val="25000"/>
+              </a:schemeClr>
+            </a:solidFill>
+          </a:ln>
+        </p:spPr>
+        <p:style>
+          <a:lnRef idx="2">
+            <a:schemeClr val="accent1">
+              <a:shade val="50000"/>
+            </a:schemeClr>
+          </a:lnRef>
+          <a:fillRef idx="1">
+            <a:schemeClr val="accent1"/>
+          </a:fillRef>
+          <a:effectRef idx="0">
+            <a:schemeClr val="accent1"/>
+          </a:effectRef>
+          <a:fontRef idx="minor">
+            <a:schemeClr val="lt1"/>
+          </a:fontRef>
+        </p:style>
+        <p:txBody>
+          <a:bodyPr rtlCol="0" anchor="ctr"/>
+          <a:lstStyle/>
+          <a:p>
+            <a:pPr algn="ctr"/>
+            <a:r>
+              <a:rPr lang="en-GB" dirty="0"/>
+              <a:t>Starter</a:t>
+            </a:r>
+          </a:p>
+        </p:txBody>
+      </p:sp>
+      <p:sp>
+        <p:nvSpPr>
+          <p:cNvPr id="23" name="Rectangle 22">
+            <a:extLst>
+              <a:ext uri="{FF2B5EF4-FFF2-40B4-BE49-F238E27FC236}">
+                <a16:creationId xmlns:a16="http://schemas.microsoft.com/office/drawing/2014/main" id="{530ACC0F-328C-3F4C-9547-A3FD220F91A5}"/>
+              </a:ext>
+            </a:extLst>
+          </p:cNvPr>
+          <p:cNvSpPr/>
+          <p:nvPr/>
+        </p:nvSpPr>
+        <p:spPr>
+          <a:xfrm>
+            <a:off x="396811" y="3815415"/>
+            <a:ext cx="2160000" cy="2160000"/>
+          </a:xfrm>
+          <a:prstGeom prst="rect">
+            <a:avLst/>
+          </a:prstGeom>
+          <a:solidFill>
+            <a:schemeClr val="bg1"/>
+          </a:solidFill>
+          <a:ln>
+            <a:solidFill>
+              <a:schemeClr val="tx1">
+                <a:lumMod val="75000"/>
+                <a:lumOff val="25000"/>
+              </a:schemeClr>
+            </a:solidFill>
+            <a:prstDash val="dash"/>
+          </a:ln>
+        </p:spPr>
+        <p:style>
+          <a:lnRef idx="2">
+            <a:schemeClr val="accent1">
+              <a:shade val="50000"/>
+            </a:schemeClr>
+          </a:lnRef>
+          <a:fillRef idx="1">
+            <a:schemeClr val="accent1"/>
+          </a:fillRef>
+          <a:effectRef idx="0">
+            <a:schemeClr val="accent1"/>
+          </a:effectRef>
+          <a:fontRef idx="minor">
+            <a:schemeClr val="lt1"/>
+          </a:fontRef>
+        </p:style>
+        <p:txBody>
+          <a:bodyPr rtlCol="0" anchor="ctr"/>
+          <a:lstStyle/>
+          <a:p>
+            <a:pPr algn="ctr"/>
+            <a:r>
+              <a:rPr lang="en-GB" sz="1200" dirty="0">
+                <a:solidFill>
+                  <a:schemeClr val="tx1">
+                    <a:lumMod val="75000"/>
+                    <a:lumOff val="25000"/>
+                  </a:schemeClr>
+                </a:solidFill>
+                <a:latin typeface="Courier New" panose="02070309020205020404" pitchFamily="49" charset="0"/>
+                <a:cs typeface="Courier New" panose="02070309020205020404" pitchFamily="49" charset="0"/>
+              </a:rPr>
+              <a:t>spring-boot-starter</a:t>
+            </a:r>
+          </a:p>
+        </p:txBody>
+      </p:sp>
+      <p:cxnSp>
+        <p:nvCxnSpPr>
+          <p:cNvPr id="24" name="Straight Arrow Connector 23">
+            <a:extLst>
+              <a:ext uri="{FF2B5EF4-FFF2-40B4-BE49-F238E27FC236}">
+                <a16:creationId xmlns:a16="http://schemas.microsoft.com/office/drawing/2014/main" id="{CF153B01-21BA-854F-B014-8B1D8FC60E95}"/>
+              </a:ext>
+            </a:extLst>
+          </p:cNvPr>
+          <p:cNvCxnSpPr>
+            <a:cxnSpLocks/>
+            <a:stCxn id="4" idx="1"/>
+            <a:endCxn id="23" idx="3"/>
+          </p:cNvCxnSpPr>
+          <p:nvPr/>
+        </p:nvCxnSpPr>
+        <p:spPr>
+          <a:xfrm flipH="1">
+            <a:off x="2556811" y="4895415"/>
+            <a:ext cx="3327584" cy="0"/>
+          </a:xfrm>
+          <a:prstGeom prst="straightConnector1">
+            <a:avLst/>
+          </a:prstGeom>
+          <a:ln w="38100">
+            <a:solidFill>
+              <a:schemeClr val="tx1">
+                <a:lumMod val="75000"/>
+                <a:lumOff val="25000"/>
+              </a:schemeClr>
+            </a:solidFill>
+            <a:tailEnd type="triangle"/>
+          </a:ln>
+        </p:spPr>
+        <p:style>
+          <a:lnRef idx="1">
+            <a:schemeClr val="accent1"/>
+          </a:lnRef>
+          <a:fillRef idx="0">
+            <a:schemeClr val="accent1"/>
+          </a:fillRef>
+          <a:effectRef idx="0">
+            <a:schemeClr val="accent1"/>
+          </a:effectRef>
+          <a:fontRef idx="minor">
+            <a:schemeClr val="tx1"/>
+          </a:fontRef>
+        </p:style>
+      </p:cxnSp>
+      <p:sp>
+        <p:nvSpPr>
+          <p:cNvPr id="27" name="Rectangle 26">
+            <a:extLst>
+              <a:ext uri="{FF2B5EF4-FFF2-40B4-BE49-F238E27FC236}">
+                <a16:creationId xmlns:a16="http://schemas.microsoft.com/office/drawing/2014/main" id="{085E45CC-A3CE-E040-974F-86404914320D}"/>
+              </a:ext>
+            </a:extLst>
+          </p:cNvPr>
+          <p:cNvSpPr/>
+          <p:nvPr/>
+        </p:nvSpPr>
+        <p:spPr>
+          <a:xfrm>
+            <a:off x="396811" y="703130"/>
+            <a:ext cx="2160000" cy="2160000"/>
+          </a:xfrm>
+          <a:prstGeom prst="rect">
+            <a:avLst/>
+          </a:prstGeom>
+          <a:solidFill>
+            <a:schemeClr val="bg1"/>
+          </a:solidFill>
+          <a:ln>
+            <a:solidFill>
+              <a:schemeClr val="tx1">
+                <a:lumMod val="75000"/>
+                <a:lumOff val="25000"/>
+              </a:schemeClr>
+            </a:solidFill>
+            <a:prstDash val="dash"/>
+          </a:ln>
+        </p:spPr>
+        <p:style>
+          <a:lnRef idx="2">
+            <a:schemeClr val="accent1">
+              <a:shade val="50000"/>
+            </a:schemeClr>
+          </a:lnRef>
+          <a:fillRef idx="1">
+            <a:schemeClr val="accent1"/>
+          </a:fillRef>
+          <a:effectRef idx="0">
+            <a:schemeClr val="accent1"/>
+          </a:effectRef>
+          <a:fontRef idx="minor">
+            <a:schemeClr val="lt1"/>
+          </a:fontRef>
+        </p:style>
+        <p:txBody>
+          <a:bodyPr rtlCol="0" anchor="ctr"/>
+          <a:lstStyle/>
+          <a:p>
+            <a:pPr algn="ctr"/>
+            <a:r>
+              <a:rPr lang="en-GB" sz="1200" dirty="0">
+                <a:solidFill>
+                  <a:schemeClr val="tx1">
+                    <a:lumMod val="75000"/>
+                    <a:lumOff val="25000"/>
+                  </a:schemeClr>
+                </a:solidFill>
+                <a:latin typeface="Courier New" panose="02070309020205020404" pitchFamily="49" charset="0"/>
+                <a:cs typeface="Courier New" panose="02070309020205020404" pitchFamily="49" charset="0"/>
+              </a:rPr>
+              <a:t>spring-boot-autoconfigure</a:t>
+            </a:r>
+          </a:p>
+        </p:txBody>
+      </p:sp>
+      <p:cxnSp>
+        <p:nvCxnSpPr>
+          <p:cNvPr id="41" name="Straight Arrow Connector 40">
+            <a:extLst>
+              <a:ext uri="{FF2B5EF4-FFF2-40B4-BE49-F238E27FC236}">
+                <a16:creationId xmlns:a16="http://schemas.microsoft.com/office/drawing/2014/main" id="{F87F6E50-0AF8-E64E-865C-6295F362C57D}"/>
+              </a:ext>
+            </a:extLst>
+          </p:cNvPr>
+          <p:cNvCxnSpPr>
+            <a:cxnSpLocks/>
+            <a:stCxn id="5" idx="1"/>
+            <a:endCxn id="27" idx="3"/>
+          </p:cNvCxnSpPr>
+          <p:nvPr/>
+        </p:nvCxnSpPr>
+        <p:spPr>
+          <a:xfrm flipH="1">
+            <a:off x="2556811" y="1783130"/>
+            <a:ext cx="1167584" cy="0"/>
+          </a:xfrm>
+          <a:prstGeom prst="straightConnector1">
+            <a:avLst/>
+          </a:prstGeom>
+          <a:ln w="38100">
+            <a:solidFill>
+              <a:schemeClr val="tx1">
+                <a:lumMod val="75000"/>
+                <a:lumOff val="25000"/>
+              </a:schemeClr>
+            </a:solidFill>
+            <a:tailEnd type="triangle"/>
+          </a:ln>
+        </p:spPr>
+        <p:style>
+          <a:lnRef idx="1">
+            <a:schemeClr val="accent1"/>
+          </a:lnRef>
+          <a:fillRef idx="0">
+            <a:schemeClr val="accent1"/>
+          </a:fillRef>
+          <a:effectRef idx="0">
+            <a:schemeClr val="accent1"/>
+          </a:effectRef>
+          <a:fontRef idx="minor">
+            <a:schemeClr val="tx1"/>
+          </a:fontRef>
+        </p:style>
+      </p:cxnSp>
+    </p:spTree>
+    <p:extLst>
+      <p:ext uri="{BB962C8B-B14F-4D97-AF65-F5344CB8AC3E}">
+        <p14:creationId xmlns:p14="http://schemas.microsoft.com/office/powerpoint/2010/main" val="3547645397"/>
+      </p:ext>
+    </p:extLst>
+  </p:cSld>
+  <p:clrMapOvr>
+    <a:masterClrMapping/>
+  </p:clrMapOvr>
+</p:sld>
+</file>
+
+<file path=ppt/slides/slide7.xml><?xml version="1.0" encoding="utf-8"?>
+<p:sld xmlns:a="http://schemas.openxmlformats.org/drawingml/2006/main" xmlns:r="http://schemas.openxmlformats.org/officeDocument/2006/relationships" xmlns:p="http://schemas.openxmlformats.org/presentationml/2006/main">
+  <p:cSld>
+    <p:spTree>
+      <p:nvGrpSpPr>
+        <p:cNvPr id="1" name=""/>
+        <p:cNvGrpSpPr/>
+        <p:nvPr/>
+      </p:nvGrpSpPr>
+      <p:grpSpPr>
+        <a:xfrm>
+          <a:off x="0" y="0"/>
+          <a:ext cx="0" cy="0"/>
+          <a:chOff x="0" y="0"/>
+          <a:chExt cx="0" cy="0"/>
+        </a:xfrm>
+      </p:grpSpPr>
+      <p:sp>
+        <p:nvSpPr>
+          <p:cNvPr id="4" name="Rectangle 3">
+            <a:extLst>
+              <a:ext uri="{FF2B5EF4-FFF2-40B4-BE49-F238E27FC236}">
+                <a16:creationId xmlns:a16="http://schemas.microsoft.com/office/drawing/2014/main" id="{9918B765-531F-F34A-BE72-2094C2BEFD39}"/>
+              </a:ext>
+            </a:extLst>
+          </p:cNvPr>
+          <p:cNvSpPr/>
+          <p:nvPr/>
+        </p:nvSpPr>
+        <p:spPr>
+          <a:xfrm>
+            <a:off x="514041" y="1865653"/>
+            <a:ext cx="1574735" cy="2160000"/>
           </a:xfrm>
           <a:prstGeom prst="rect">
             <a:avLst/>
@@ -8172,25 +8707,20 @@
           <a:bodyPr rtlCol="0" anchor="ctr"/>
           <a:lstStyle/>
           <a:p>
+            <a:pPr algn="ctr"/>
             <a:r>
               <a:rPr lang="en-GB" dirty="0"/>
               <a:t>Dependency</a:t>
             </a:r>
           </a:p>
-          <a:p>
-            <a:r>
-              <a:rPr lang="en-GB" sz="1600" dirty="0"/>
-              <a:t>     (starter)</a:t>
-            </a:r>
-          </a:p>
-        </p:txBody>
-      </p:sp>
-      <p:sp>
-        <p:nvSpPr>
-          <p:cNvPr id="7" name="Rectangle 6">
-            <a:extLst>
-              <a:ext uri="{FF2B5EF4-FFF2-40B4-BE49-F238E27FC236}">
-                <a16:creationId xmlns:a16="http://schemas.microsoft.com/office/drawing/2014/main" id="{439BEA60-C67D-E94F-8781-5A4901C064D6}"/>
+        </p:txBody>
+      </p:sp>
+      <p:sp>
+        <p:nvSpPr>
+          <p:cNvPr id="5" name="Rectangle 4">
+            <a:extLst>
+              <a:ext uri="{FF2B5EF4-FFF2-40B4-BE49-F238E27FC236}">
+                <a16:creationId xmlns:a16="http://schemas.microsoft.com/office/drawing/2014/main" id="{F7C03817-DAD7-B546-B492-4FBB61CA4AA7}"/>
               </a:ext>
             </a:extLst>
           </p:cNvPr>
@@ -8199,8 +8729,8 @@
         </p:nvSpPr>
         <p:spPr>
           <a:xfrm>
-            <a:off x="7440706" y="1941356"/>
-            <a:ext cx="1443317" cy="2008594"/>
+            <a:off x="2659325" y="1865653"/>
+            <a:ext cx="1574735" cy="2160000"/>
           </a:xfrm>
           <a:prstGeom prst="rect">
             <a:avLst/>
@@ -8241,6 +8771,130 @@
           <a:p>
             <a:pPr algn="ctr"/>
             <a:r>
+              <a:rPr lang="en-GB" dirty="0"/>
+              <a:t>Configuration</a:t>
+            </a:r>
+          </a:p>
+        </p:txBody>
+      </p:sp>
+      <p:sp>
+        <p:nvSpPr>
+          <p:cNvPr id="6" name="Rectangle 5">
+            <a:extLst>
+              <a:ext uri="{FF2B5EF4-FFF2-40B4-BE49-F238E27FC236}">
+                <a16:creationId xmlns:a16="http://schemas.microsoft.com/office/drawing/2014/main" id="{D544B28B-F377-8B4E-A6AC-208761C26968}"/>
+              </a:ext>
+            </a:extLst>
+          </p:cNvPr>
+          <p:cNvSpPr/>
+          <p:nvPr/>
+        </p:nvSpPr>
+        <p:spPr>
+          <a:xfrm>
+            <a:off x="6024282" y="1865653"/>
+            <a:ext cx="2967318" cy="2160000"/>
+          </a:xfrm>
+          <a:prstGeom prst="rect">
+            <a:avLst/>
+          </a:prstGeom>
+          <a:ln>
+            <a:solidFill>
+              <a:schemeClr val="tx1">
+                <a:lumMod val="75000"/>
+                <a:lumOff val="25000"/>
+              </a:schemeClr>
+            </a:solidFill>
+          </a:ln>
+        </p:spPr>
+        <p:style>
+          <a:lnRef idx="2">
+            <a:schemeClr val="accent1">
+              <a:shade val="50000"/>
+            </a:schemeClr>
+          </a:lnRef>
+          <a:fillRef idx="1">
+            <a:schemeClr val="accent1"/>
+          </a:fillRef>
+          <a:effectRef idx="0">
+            <a:schemeClr val="accent1"/>
+          </a:effectRef>
+          <a:fontRef idx="minor">
+            <a:schemeClr val="lt1"/>
+          </a:fontRef>
+        </p:style>
+        <p:txBody>
+          <a:bodyPr rtlCol="0" anchor="ctr"/>
+          <a:lstStyle/>
+          <a:p>
+            <a:r>
+              <a:rPr lang="en-GB" dirty="0"/>
+              <a:t>Dependency</a:t>
+            </a:r>
+          </a:p>
+          <a:p>
+            <a:r>
+              <a:rPr lang="en-GB" sz="1600" dirty="0"/>
+              <a:t>     (starter)</a:t>
+            </a:r>
+          </a:p>
+        </p:txBody>
+      </p:sp>
+      <p:sp>
+        <p:nvSpPr>
+          <p:cNvPr id="7" name="Rectangle 6">
+            <a:extLst>
+              <a:ext uri="{FF2B5EF4-FFF2-40B4-BE49-F238E27FC236}">
+                <a16:creationId xmlns:a16="http://schemas.microsoft.com/office/drawing/2014/main" id="{439BEA60-C67D-E94F-8781-5A4901C064D6}"/>
+              </a:ext>
+            </a:extLst>
+          </p:cNvPr>
+          <p:cNvSpPr/>
+          <p:nvPr/>
+        </p:nvSpPr>
+        <p:spPr>
+          <a:xfrm>
+            <a:off x="7440706" y="1941356"/>
+            <a:ext cx="1443317" cy="2008594"/>
+          </a:xfrm>
+          <a:prstGeom prst="rect">
+            <a:avLst/>
+          </a:prstGeom>
+          <a:solidFill>
+            <a:schemeClr val="accent6">
+              <a:lumMod val="75000"/>
+            </a:schemeClr>
+          </a:solidFill>
+          <a:ln>
+            <a:solidFill>
+              <a:schemeClr val="tx1">
+                <a:lumMod val="75000"/>
+                <a:lumOff val="25000"/>
+              </a:schemeClr>
+            </a:solidFill>
+          </a:ln>
+        </p:spPr>
+        <p:style>
+          <a:lnRef idx="2">
+            <a:schemeClr val="accent1">
+              <a:shade val="50000"/>
+            </a:schemeClr>
+          </a:lnRef>
+          <a:fillRef idx="1">
+            <a:schemeClr val="accent1"/>
+          </a:fillRef>
+          <a:effectRef idx="0">
+            <a:schemeClr val="accent1"/>
+          </a:effectRef>
+          <a:fontRef idx="minor">
+            <a:schemeClr val="lt1"/>
+          </a:fontRef>
+        </p:style>
+        <p:txBody>
+          <a:bodyPr rtlCol="0" anchor="ctr"/>
+          <a:lstStyle/>
+          <a:p>
+            <a:pPr algn="ctr"/>
+            <a:r>
               <a:rPr lang="en-GB" sz="1600" dirty="0"/>
               <a:t>Configuration</a:t>
             </a:r>
@@ -8532,7 +9186,7 @@
 </p:sld>
 </file>
 
-<file path=ppt/slides/slide7.xml><?xml version="1.0" encoding="utf-8"?>
+<file path=ppt/slides/slide8.xml><?xml version="1.0" encoding="utf-8"?>
 <p:sld xmlns:a="http://schemas.openxmlformats.org/drawingml/2006/main" xmlns:r="http://schemas.openxmlformats.org/officeDocument/2006/relationships" xmlns:p="http://schemas.openxmlformats.org/presentationml/2006/main">
   <p:cSld>
     <p:spTree>

--- a/assets/images/Images.pptx
+++ b/assets/images/Images.pptx
@@ -13,6 +13,8 @@
     <p:sldId id="261" r:id="rId7"/>
     <p:sldId id="262" r:id="rId8"/>
     <p:sldId id="260" r:id="rId9"/>
+    <p:sldId id="264" r:id="rId10"/>
+    <p:sldId id="265" r:id="rId11"/>
   </p:sldIdLst>
   <p:sldSz cx="12192000" cy="6858000"/>
   <p:notesSz cx="6858000" cy="9144000"/>
@@ -134,6 +136,12 @@
             <p14:sldId id="260"/>
           </p14:sldIdLst>
         </p14:section>
+        <p14:section name="Data" id="{E7EB7E05-2F3C-334D-9548-F89F4A5D9D23}">
+          <p14:sldIdLst>
+            <p14:sldId id="264"/>
+            <p14:sldId id="265"/>
+          </p14:sldIdLst>
+        </p14:section>
       </p14:sectionLst>
     </p:ext>
     <p:ext uri="{EFAFB233-063F-42B5-8137-9DF3F51BA10A}">
@@ -290,7 +298,7 @@
           <a:p>
             <a:fld id="{4410B838-6512-4C44-80A6-882B4E57F739}" type="datetimeFigureOut">
               <a:rPr lang="en-GB" smtClean="0"/>
-              <a:t>15/06/2020</a:t>
+              <a:t>16/06/2020</a:t>
             </a:fld>
             <a:endParaRPr lang="en-GB"/>
           </a:p>
@@ -488,7 +496,7 @@
           <a:p>
             <a:fld id="{4410B838-6512-4C44-80A6-882B4E57F739}" type="datetimeFigureOut">
               <a:rPr lang="en-GB" smtClean="0"/>
-              <a:t>15/06/2020</a:t>
+              <a:t>16/06/2020</a:t>
             </a:fld>
             <a:endParaRPr lang="en-GB"/>
           </a:p>
@@ -696,7 +704,7 @@
           <a:p>
             <a:fld id="{4410B838-6512-4C44-80A6-882B4E57F739}" type="datetimeFigureOut">
               <a:rPr lang="en-GB" smtClean="0"/>
-              <a:t>15/06/2020</a:t>
+              <a:t>16/06/2020</a:t>
             </a:fld>
             <a:endParaRPr lang="en-GB"/>
           </a:p>
@@ -894,7 +902,7 @@
           <a:p>
             <a:fld id="{4410B838-6512-4C44-80A6-882B4E57F739}" type="datetimeFigureOut">
               <a:rPr lang="en-GB" smtClean="0"/>
-              <a:t>15/06/2020</a:t>
+              <a:t>16/06/2020</a:t>
             </a:fld>
             <a:endParaRPr lang="en-GB"/>
           </a:p>
@@ -1169,7 +1177,7 @@
           <a:p>
             <a:fld id="{4410B838-6512-4C44-80A6-882B4E57F739}" type="datetimeFigureOut">
               <a:rPr lang="en-GB" smtClean="0"/>
-              <a:t>15/06/2020</a:t>
+              <a:t>16/06/2020</a:t>
             </a:fld>
             <a:endParaRPr lang="en-GB"/>
           </a:p>
@@ -1434,7 +1442,7 @@
           <a:p>
             <a:fld id="{4410B838-6512-4C44-80A6-882B4E57F739}" type="datetimeFigureOut">
               <a:rPr lang="en-GB" smtClean="0"/>
-              <a:t>15/06/2020</a:t>
+              <a:t>16/06/2020</a:t>
             </a:fld>
             <a:endParaRPr lang="en-GB"/>
           </a:p>
@@ -1846,7 +1854,7 @@
           <a:p>
             <a:fld id="{4410B838-6512-4C44-80A6-882B4E57F739}" type="datetimeFigureOut">
               <a:rPr lang="en-GB" smtClean="0"/>
-              <a:t>15/06/2020</a:t>
+              <a:t>16/06/2020</a:t>
             </a:fld>
             <a:endParaRPr lang="en-GB"/>
           </a:p>
@@ -1987,7 +1995,7 @@
           <a:p>
             <a:fld id="{4410B838-6512-4C44-80A6-882B4E57F739}" type="datetimeFigureOut">
               <a:rPr lang="en-GB" smtClean="0"/>
-              <a:t>15/06/2020</a:t>
+              <a:t>16/06/2020</a:t>
             </a:fld>
             <a:endParaRPr lang="en-GB"/>
           </a:p>
@@ -2100,7 +2108,7 @@
           <a:p>
             <a:fld id="{4410B838-6512-4C44-80A6-882B4E57F739}" type="datetimeFigureOut">
               <a:rPr lang="en-GB" smtClean="0"/>
-              <a:t>15/06/2020</a:t>
+              <a:t>16/06/2020</a:t>
             </a:fld>
             <a:endParaRPr lang="en-GB"/>
           </a:p>
@@ -2411,7 +2419,7 @@
           <a:p>
             <a:fld id="{4410B838-6512-4C44-80A6-882B4E57F739}" type="datetimeFigureOut">
               <a:rPr lang="en-GB" smtClean="0"/>
-              <a:t>15/06/2020</a:t>
+              <a:t>16/06/2020</a:t>
             </a:fld>
             <a:endParaRPr lang="en-GB"/>
           </a:p>
@@ -2699,7 +2707,7 @@
           <a:p>
             <a:fld id="{4410B838-6512-4C44-80A6-882B4E57F739}" type="datetimeFigureOut">
               <a:rPr lang="en-GB" smtClean="0"/>
-              <a:t>15/06/2020</a:t>
+              <a:t>16/06/2020</a:t>
             </a:fld>
             <a:endParaRPr lang="en-GB"/>
           </a:p>
@@ -2940,7 +2948,7 @@
           <a:p>
             <a:fld id="{4410B838-6512-4C44-80A6-882B4E57F739}" type="datetimeFigureOut">
               <a:rPr lang="en-GB" smtClean="0"/>
-              <a:t>15/06/2020</a:t>
+              <a:t>16/06/2020</a:t>
             </a:fld>
             <a:endParaRPr lang="en-GB"/>
           </a:p>
@@ -3787,6 +3795,309 @@
 </p:sld>
 </file>
 
+<file path=ppt/slides/slide10.xml><?xml version="1.0" encoding="utf-8"?>
+<p:sld xmlns:a="http://schemas.openxmlformats.org/drawingml/2006/main" xmlns:r="http://schemas.openxmlformats.org/officeDocument/2006/relationships" xmlns:p="http://schemas.openxmlformats.org/presentationml/2006/main">
+  <p:cSld>
+    <p:spTree>
+      <p:nvGrpSpPr>
+        <p:cNvPr id="1" name=""/>
+        <p:cNvGrpSpPr/>
+        <p:nvPr/>
+      </p:nvGrpSpPr>
+      <p:grpSpPr>
+        <a:xfrm>
+          <a:off x="0" y="0"/>
+          <a:ext cx="0" cy="0"/>
+          <a:chOff x="0" y="0"/>
+          <a:chExt cx="0" cy="0"/>
+        </a:xfrm>
+      </p:grpSpPr>
+      <p:sp>
+        <p:nvSpPr>
+          <p:cNvPr id="4" name="Rectangle 3">
+            <a:extLst>
+              <a:ext uri="{FF2B5EF4-FFF2-40B4-BE49-F238E27FC236}">
+                <a16:creationId xmlns:a16="http://schemas.microsoft.com/office/drawing/2014/main" id="{488ACDDF-0B95-BC40-A098-5879C7A642C0}"/>
+              </a:ext>
+            </a:extLst>
+          </p:cNvPr>
+          <p:cNvSpPr/>
+          <p:nvPr/>
+        </p:nvSpPr>
+        <p:spPr>
+          <a:xfrm>
+            <a:off x="5016000" y="511983"/>
+            <a:ext cx="2160000" cy="2160000"/>
+          </a:xfrm>
+          <a:prstGeom prst="rect">
+            <a:avLst/>
+          </a:prstGeom>
+          <a:ln>
+            <a:solidFill>
+              <a:schemeClr val="tx1">
+                <a:lumMod val="75000"/>
+                <a:lumOff val="25000"/>
+              </a:schemeClr>
+            </a:solidFill>
+          </a:ln>
+        </p:spPr>
+        <p:style>
+          <a:lnRef idx="2">
+            <a:schemeClr val="accent1">
+              <a:shade val="50000"/>
+            </a:schemeClr>
+          </a:lnRef>
+          <a:fillRef idx="1">
+            <a:schemeClr val="accent1"/>
+          </a:fillRef>
+          <a:effectRef idx="0">
+            <a:schemeClr val="accent1"/>
+          </a:effectRef>
+          <a:fontRef idx="minor">
+            <a:schemeClr val="lt1"/>
+          </a:fontRef>
+        </p:style>
+        <p:txBody>
+          <a:bodyPr rtlCol="0" anchor="ctr"/>
+          <a:lstStyle/>
+          <a:p>
+            <a:pPr algn="ctr"/>
+            <a:r>
+              <a:rPr lang="en-GB" dirty="0"/>
+              <a:t>CSV</a:t>
+            </a:r>
+          </a:p>
+        </p:txBody>
+      </p:sp>
+      <p:sp>
+        <p:nvSpPr>
+          <p:cNvPr id="5" name="Rectangle 4">
+            <a:extLst>
+              <a:ext uri="{FF2B5EF4-FFF2-40B4-BE49-F238E27FC236}">
+                <a16:creationId xmlns:a16="http://schemas.microsoft.com/office/drawing/2014/main" id="{90F1BAB2-4500-0142-B1EC-A8B808474114}"/>
+              </a:ext>
+            </a:extLst>
+          </p:cNvPr>
+          <p:cNvSpPr/>
+          <p:nvPr/>
+        </p:nvSpPr>
+        <p:spPr>
+          <a:xfrm>
+            <a:off x="5016000" y="3936501"/>
+            <a:ext cx="2160000" cy="2160000"/>
+          </a:xfrm>
+          <a:prstGeom prst="rect">
+            <a:avLst/>
+          </a:prstGeom>
+          <a:ln>
+            <a:solidFill>
+              <a:schemeClr val="tx1">
+                <a:lumMod val="75000"/>
+                <a:lumOff val="25000"/>
+              </a:schemeClr>
+            </a:solidFill>
+          </a:ln>
+        </p:spPr>
+        <p:style>
+          <a:lnRef idx="2">
+            <a:schemeClr val="accent1">
+              <a:shade val="50000"/>
+            </a:schemeClr>
+          </a:lnRef>
+          <a:fillRef idx="1">
+            <a:schemeClr val="accent1"/>
+          </a:fillRef>
+          <a:effectRef idx="0">
+            <a:schemeClr val="accent1"/>
+          </a:effectRef>
+          <a:fontRef idx="minor">
+            <a:schemeClr val="lt1"/>
+          </a:fontRef>
+        </p:style>
+        <p:txBody>
+          <a:bodyPr rtlCol="0" anchor="ctr"/>
+          <a:lstStyle/>
+          <a:p>
+            <a:pPr algn="ctr"/>
+            <a:r>
+              <a:rPr lang="en-GB" dirty="0"/>
+              <a:t>JPA</a:t>
+            </a:r>
+          </a:p>
+        </p:txBody>
+      </p:sp>
+      <p:sp>
+        <p:nvSpPr>
+          <p:cNvPr id="6" name="Rectangle 5">
+            <a:extLst>
+              <a:ext uri="{FF2B5EF4-FFF2-40B4-BE49-F238E27FC236}">
+                <a16:creationId xmlns:a16="http://schemas.microsoft.com/office/drawing/2014/main" id="{49825D81-0BB9-4D40-8072-78AEAE0585C1}"/>
+              </a:ext>
+            </a:extLst>
+          </p:cNvPr>
+          <p:cNvSpPr/>
+          <p:nvPr/>
+        </p:nvSpPr>
+        <p:spPr>
+          <a:xfrm>
+            <a:off x="1330325" y="2349000"/>
+            <a:ext cx="2160000" cy="2160000"/>
+          </a:xfrm>
+          <a:prstGeom prst="rect">
+            <a:avLst/>
+          </a:prstGeom>
+          <a:solidFill>
+            <a:schemeClr val="accent2">
+              <a:lumMod val="75000"/>
+            </a:schemeClr>
+          </a:solidFill>
+          <a:ln>
+            <a:solidFill>
+              <a:schemeClr val="tx1">
+                <a:lumMod val="75000"/>
+                <a:lumOff val="25000"/>
+              </a:schemeClr>
+            </a:solidFill>
+          </a:ln>
+        </p:spPr>
+        <p:style>
+          <a:lnRef idx="2">
+            <a:schemeClr val="accent1">
+              <a:shade val="50000"/>
+            </a:schemeClr>
+          </a:lnRef>
+          <a:fillRef idx="1">
+            <a:schemeClr val="accent1"/>
+          </a:fillRef>
+          <a:effectRef idx="0">
+            <a:schemeClr val="accent1"/>
+          </a:effectRef>
+          <a:fontRef idx="minor">
+            <a:schemeClr val="lt1"/>
+          </a:fontRef>
+        </p:style>
+        <p:txBody>
+          <a:bodyPr rtlCol="0" anchor="ctr"/>
+          <a:lstStyle/>
+          <a:p>
+            <a:pPr algn="ctr"/>
+            <a:r>
+              <a:rPr lang="en-GB" dirty="0"/>
+              <a:t>Contact Us Service</a:t>
+            </a:r>
+          </a:p>
+        </p:txBody>
+      </p:sp>
+      <p:cxnSp>
+        <p:nvCxnSpPr>
+          <p:cNvPr id="8" name="Straight Arrow Connector 7">
+            <a:extLst>
+              <a:ext uri="{FF2B5EF4-FFF2-40B4-BE49-F238E27FC236}">
+                <a16:creationId xmlns:a16="http://schemas.microsoft.com/office/drawing/2014/main" id="{DA0812E0-07FC-1247-9BA5-F252108BAD37}"/>
+              </a:ext>
+            </a:extLst>
+          </p:cNvPr>
+          <p:cNvCxnSpPr>
+            <a:stCxn id="4" idx="1"/>
+            <a:endCxn id="6" idx="3"/>
+          </p:cNvCxnSpPr>
+          <p:nvPr/>
+        </p:nvCxnSpPr>
+        <p:spPr>
+          <a:xfrm flipH="1">
+            <a:off x="3490325" y="1591983"/>
+            <a:ext cx="1525675" cy="1837017"/>
+          </a:xfrm>
+          <a:prstGeom prst="straightConnector1">
+            <a:avLst/>
+          </a:prstGeom>
+          <a:ln w="38100">
+            <a:solidFill>
+              <a:schemeClr val="tx1">
+                <a:lumMod val="75000"/>
+                <a:lumOff val="25000"/>
+              </a:schemeClr>
+            </a:solidFill>
+            <a:tailEnd type="triangle"/>
+          </a:ln>
+        </p:spPr>
+        <p:style>
+          <a:lnRef idx="1">
+            <a:schemeClr val="accent1"/>
+          </a:lnRef>
+          <a:fillRef idx="0">
+            <a:schemeClr val="accent1"/>
+          </a:fillRef>
+          <a:effectRef idx="0">
+            <a:schemeClr val="accent1"/>
+          </a:effectRef>
+          <a:fontRef idx="minor">
+            <a:schemeClr val="tx1"/>
+          </a:fontRef>
+        </p:style>
+      </p:cxnSp>
+      <p:cxnSp>
+        <p:nvCxnSpPr>
+          <p:cNvPr id="9" name="Straight Arrow Connector 8">
+            <a:extLst>
+              <a:ext uri="{FF2B5EF4-FFF2-40B4-BE49-F238E27FC236}">
+                <a16:creationId xmlns:a16="http://schemas.microsoft.com/office/drawing/2014/main" id="{6599BDEE-EBB4-344E-BB81-B89C7D4936F2}"/>
+              </a:ext>
+            </a:extLst>
+          </p:cNvPr>
+          <p:cNvCxnSpPr>
+            <a:cxnSpLocks/>
+            <a:stCxn id="5" idx="1"/>
+            <a:endCxn id="6" idx="3"/>
+          </p:cNvCxnSpPr>
+          <p:nvPr/>
+        </p:nvCxnSpPr>
+        <p:spPr>
+          <a:xfrm flipH="1" flipV="1">
+            <a:off x="3490325" y="3429000"/>
+            <a:ext cx="1525675" cy="1587501"/>
+          </a:xfrm>
+          <a:prstGeom prst="straightConnector1">
+            <a:avLst/>
+          </a:prstGeom>
+          <a:ln w="38100">
+            <a:solidFill>
+              <a:schemeClr val="tx1">
+                <a:lumMod val="75000"/>
+                <a:lumOff val="25000"/>
+              </a:schemeClr>
+            </a:solidFill>
+            <a:tailEnd type="triangle"/>
+          </a:ln>
+        </p:spPr>
+        <p:style>
+          <a:lnRef idx="1">
+            <a:schemeClr val="accent1"/>
+          </a:lnRef>
+          <a:fillRef idx="0">
+            <a:schemeClr val="accent1"/>
+          </a:fillRef>
+          <a:effectRef idx="0">
+            <a:schemeClr val="accent1"/>
+          </a:effectRef>
+          <a:fontRef idx="minor">
+            <a:schemeClr val="tx1"/>
+          </a:fontRef>
+        </p:style>
+      </p:cxnSp>
+    </p:spTree>
+    <p:extLst>
+      <p:ext uri="{BB962C8B-B14F-4D97-AF65-F5344CB8AC3E}">
+        <p14:creationId xmlns:p14="http://schemas.microsoft.com/office/powerpoint/2010/main" val="3377501442"/>
+      </p:ext>
+    </p:extLst>
+  </p:cSld>
+  <p:clrMapOvr>
+    <a:masterClrMapping/>
+  </p:clrMapOvr>
+</p:sld>
+</file>
+
 <file path=ppt/slides/slide2.xml><?xml version="1.0" encoding="utf-8"?>
 <p:sld xmlns:a="http://schemas.openxmlformats.org/drawingml/2006/main" xmlns:r="http://schemas.openxmlformats.org/officeDocument/2006/relationships" xmlns:p="http://schemas.openxmlformats.org/presentationml/2006/main">
   <p:cSld>
@@ -10011,6 +10322,212 @@
     <p:extLst>
       <p:ext uri="{BB962C8B-B14F-4D97-AF65-F5344CB8AC3E}">
         <p14:creationId xmlns:p14="http://schemas.microsoft.com/office/powerpoint/2010/main" val="1891040498"/>
+      </p:ext>
+    </p:extLst>
+  </p:cSld>
+  <p:clrMapOvr>
+    <a:masterClrMapping/>
+  </p:clrMapOvr>
+</p:sld>
+</file>
+
+<file path=ppt/slides/slide9.xml><?xml version="1.0" encoding="utf-8"?>
+<p:sld xmlns:a="http://schemas.openxmlformats.org/drawingml/2006/main" xmlns:r="http://schemas.openxmlformats.org/officeDocument/2006/relationships" xmlns:p="http://schemas.openxmlformats.org/presentationml/2006/main">
+  <p:cSld>
+    <p:spTree>
+      <p:nvGrpSpPr>
+        <p:cNvPr id="1" name=""/>
+        <p:cNvGrpSpPr/>
+        <p:nvPr/>
+      </p:nvGrpSpPr>
+      <p:grpSpPr>
+        <a:xfrm>
+          <a:off x="0" y="0"/>
+          <a:ext cx="0" cy="0"/>
+          <a:chOff x="0" y="0"/>
+          <a:chExt cx="0" cy="0"/>
+        </a:xfrm>
+      </p:grpSpPr>
+      <p:pic>
+        <p:nvPicPr>
+          <p:cNvPr id="6" name="Picture 5">
+            <a:extLst>
+              <a:ext uri="{FF2B5EF4-FFF2-40B4-BE49-F238E27FC236}">
+                <a16:creationId xmlns:a16="http://schemas.microsoft.com/office/drawing/2014/main" id="{BB82F38A-DEB8-0D49-9831-4AC22BF07A74}"/>
+              </a:ext>
+            </a:extLst>
+          </p:cNvPr>
+          <p:cNvPicPr>
+            <a:picLocks noChangeAspect="1"/>
+          </p:cNvPicPr>
+          <p:nvPr/>
+        </p:nvPicPr>
+        <p:blipFill rotWithShape="1">
+          <a:blip r:embed="rId2"/>
+          <a:srcRect t="11242" r="12892" b="2499"/>
+          <a:stretch/>
+        </p:blipFill>
+        <p:spPr>
+          <a:xfrm>
+            <a:off x="643191" y="3841376"/>
+            <a:ext cx="10620260" cy="1994055"/>
+          </a:xfrm>
+          <a:prstGeom prst="rect">
+            <a:avLst/>
+          </a:prstGeom>
+        </p:spPr>
+      </p:pic>
+      <p:pic>
+        <p:nvPicPr>
+          <p:cNvPr id="8" name="Picture 7">
+            <a:extLst>
+              <a:ext uri="{FF2B5EF4-FFF2-40B4-BE49-F238E27FC236}">
+                <a16:creationId xmlns:a16="http://schemas.microsoft.com/office/drawing/2014/main" id="{FF04C07C-5622-5147-916C-16C5DA823114}"/>
+              </a:ext>
+            </a:extLst>
+          </p:cNvPr>
+          <p:cNvPicPr>
+            <a:picLocks noChangeAspect="1"/>
+          </p:cNvPicPr>
+          <p:nvPr/>
+        </p:nvPicPr>
+        <p:blipFill rotWithShape="1">
+          <a:blip r:embed="rId3"/>
+          <a:srcRect t="6759" r="12892" b="16698"/>
+          <a:stretch/>
+        </p:blipFill>
+        <p:spPr>
+          <a:xfrm>
+            <a:off x="643191" y="786949"/>
+            <a:ext cx="10620260" cy="1994054"/>
+          </a:xfrm>
+          <a:prstGeom prst="rect">
+            <a:avLst/>
+          </a:prstGeom>
+        </p:spPr>
+      </p:pic>
+      <p:cxnSp>
+        <p:nvCxnSpPr>
+          <p:cNvPr id="10" name="Straight Connector 9">
+            <a:extLst>
+              <a:ext uri="{FF2B5EF4-FFF2-40B4-BE49-F238E27FC236}">
+                <a16:creationId xmlns:a16="http://schemas.microsoft.com/office/drawing/2014/main" id="{C02FD2EA-891F-D04B-8C06-612AC8F202CF}"/>
+              </a:ext>
+            </a:extLst>
+          </p:cNvPr>
+          <p:cNvCxnSpPr/>
+          <p:nvPr/>
+        </p:nvCxnSpPr>
+        <p:spPr>
+          <a:xfrm flipH="1">
+            <a:off x="906840" y="4812967"/>
+            <a:ext cx="2941503" cy="0"/>
+          </a:xfrm>
+          <a:prstGeom prst="line">
+            <a:avLst/>
+          </a:prstGeom>
+          <a:ln w="28575">
+            <a:solidFill>
+              <a:srgbClr val="FF0000"/>
+            </a:solidFill>
+          </a:ln>
+        </p:spPr>
+        <p:style>
+          <a:lnRef idx="1">
+            <a:schemeClr val="accent1"/>
+          </a:lnRef>
+          <a:fillRef idx="0">
+            <a:schemeClr val="accent1"/>
+          </a:fillRef>
+          <a:effectRef idx="0">
+            <a:schemeClr val="accent1"/>
+          </a:effectRef>
+          <a:fontRef idx="minor">
+            <a:schemeClr val="tx1"/>
+          </a:fontRef>
+        </p:style>
+      </p:cxnSp>
+      <p:cxnSp>
+        <p:nvCxnSpPr>
+          <p:cNvPr id="12" name="Straight Arrow Connector 11">
+            <a:extLst>
+              <a:ext uri="{FF2B5EF4-FFF2-40B4-BE49-F238E27FC236}">
+                <a16:creationId xmlns:a16="http://schemas.microsoft.com/office/drawing/2014/main" id="{480E8E74-909F-1149-AF4D-6EE21A29140C}"/>
+              </a:ext>
+            </a:extLst>
+          </p:cNvPr>
+          <p:cNvCxnSpPr/>
+          <p:nvPr/>
+        </p:nvCxnSpPr>
+        <p:spPr>
+          <a:xfrm>
+            <a:off x="3783106" y="1918447"/>
+            <a:ext cx="0" cy="2841811"/>
+          </a:xfrm>
+          <a:prstGeom prst="straightConnector1">
+            <a:avLst/>
+          </a:prstGeom>
+          <a:ln>
+            <a:solidFill>
+              <a:srgbClr val="FF0000"/>
+            </a:solidFill>
+            <a:tailEnd type="triangle"/>
+          </a:ln>
+        </p:spPr>
+        <p:style>
+          <a:lnRef idx="1">
+            <a:schemeClr val="accent1"/>
+          </a:lnRef>
+          <a:fillRef idx="0">
+            <a:schemeClr val="accent1"/>
+          </a:fillRef>
+          <a:effectRef idx="0">
+            <a:schemeClr val="accent1"/>
+          </a:effectRef>
+          <a:fontRef idx="minor">
+            <a:schemeClr val="tx1"/>
+          </a:fontRef>
+        </p:style>
+      </p:cxnSp>
+      <p:sp>
+        <p:nvSpPr>
+          <p:cNvPr id="13" name="TextBox 12">
+            <a:extLst>
+              <a:ext uri="{FF2B5EF4-FFF2-40B4-BE49-F238E27FC236}">
+                <a16:creationId xmlns:a16="http://schemas.microsoft.com/office/drawing/2014/main" id="{5E38D1F7-CF64-DB4A-9213-63BF8FB5615E}"/>
+              </a:ext>
+            </a:extLst>
+          </p:cNvPr>
+          <p:cNvSpPr txBox="1"/>
+          <p:nvPr/>
+        </p:nvSpPr>
+        <p:spPr>
+          <a:xfrm>
+            <a:off x="3963411" y="3154686"/>
+            <a:ext cx="5287153" cy="369332"/>
+          </a:xfrm>
+          <a:prstGeom prst="rect">
+            <a:avLst/>
+          </a:prstGeom>
+          <a:noFill/>
+        </p:spPr>
+        <p:txBody>
+          <a:bodyPr wrap="none" rtlCol="0">
+            <a:spAutoFit/>
+          </a:bodyPr>
+          <a:lstStyle/>
+          <a:p>
+            <a:r>
+              <a:rPr lang="en-GB" dirty="0"/>
+              <a:t>Flyway is only added when the dependency is present</a:t>
+            </a:r>
+          </a:p>
+        </p:txBody>
+      </p:sp>
+    </p:spTree>
+    <p:extLst>
+      <p:ext uri="{BB962C8B-B14F-4D97-AF65-F5344CB8AC3E}">
+        <p14:creationId xmlns:p14="http://schemas.microsoft.com/office/powerpoint/2010/main" val="1728117138"/>
       </p:ext>
     </p:extLst>
   </p:cSld>

--- a/assets/images/Images.pptx
+++ b/assets/images/Images.pptx
@@ -13,8 +13,9 @@
     <p:sldId id="261" r:id="rId7"/>
     <p:sldId id="262" r:id="rId8"/>
     <p:sldId id="260" r:id="rId9"/>
-    <p:sldId id="264" r:id="rId10"/>
-    <p:sldId id="265" r:id="rId11"/>
+    <p:sldId id="266" r:id="rId10"/>
+    <p:sldId id="264" r:id="rId11"/>
+    <p:sldId id="265" r:id="rId12"/>
   </p:sldIdLst>
   <p:sldSz cx="12192000" cy="6858000"/>
   <p:notesSz cx="6858000" cy="9144000"/>
@@ -138,6 +139,7 @@
         </p14:section>
         <p14:section name="Data" id="{E7EB7E05-2F3C-334D-9548-F89F4A5D9D23}">
           <p14:sldIdLst>
+            <p14:sldId id="266"/>
             <p14:sldId id="264"/>
             <p14:sldId id="265"/>
           </p14:sldIdLst>
@@ -298,7 +300,7 @@
           <a:p>
             <a:fld id="{4410B838-6512-4C44-80A6-882B4E57F739}" type="datetimeFigureOut">
               <a:rPr lang="en-GB" smtClean="0"/>
-              <a:t>16/06/2020</a:t>
+              <a:t>17/06/2020</a:t>
             </a:fld>
             <a:endParaRPr lang="en-GB"/>
           </a:p>
@@ -496,7 +498,7 @@
           <a:p>
             <a:fld id="{4410B838-6512-4C44-80A6-882B4E57F739}" type="datetimeFigureOut">
               <a:rPr lang="en-GB" smtClean="0"/>
-              <a:t>16/06/2020</a:t>
+              <a:t>17/06/2020</a:t>
             </a:fld>
             <a:endParaRPr lang="en-GB"/>
           </a:p>
@@ -704,7 +706,7 @@
           <a:p>
             <a:fld id="{4410B838-6512-4C44-80A6-882B4E57F739}" type="datetimeFigureOut">
               <a:rPr lang="en-GB" smtClean="0"/>
-              <a:t>16/06/2020</a:t>
+              <a:t>17/06/2020</a:t>
             </a:fld>
             <a:endParaRPr lang="en-GB"/>
           </a:p>
@@ -902,7 +904,7 @@
           <a:p>
             <a:fld id="{4410B838-6512-4C44-80A6-882B4E57F739}" type="datetimeFigureOut">
               <a:rPr lang="en-GB" smtClean="0"/>
-              <a:t>16/06/2020</a:t>
+              <a:t>17/06/2020</a:t>
             </a:fld>
             <a:endParaRPr lang="en-GB"/>
           </a:p>
@@ -1177,7 +1179,7 @@
           <a:p>
             <a:fld id="{4410B838-6512-4C44-80A6-882B4E57F739}" type="datetimeFigureOut">
               <a:rPr lang="en-GB" smtClean="0"/>
-              <a:t>16/06/2020</a:t>
+              <a:t>17/06/2020</a:t>
             </a:fld>
             <a:endParaRPr lang="en-GB"/>
           </a:p>
@@ -1442,7 +1444,7 @@
           <a:p>
             <a:fld id="{4410B838-6512-4C44-80A6-882B4E57F739}" type="datetimeFigureOut">
               <a:rPr lang="en-GB" smtClean="0"/>
-              <a:t>16/06/2020</a:t>
+              <a:t>17/06/2020</a:t>
             </a:fld>
             <a:endParaRPr lang="en-GB"/>
           </a:p>
@@ -1854,7 +1856,7 @@
           <a:p>
             <a:fld id="{4410B838-6512-4C44-80A6-882B4E57F739}" type="datetimeFigureOut">
               <a:rPr lang="en-GB" smtClean="0"/>
-              <a:t>16/06/2020</a:t>
+              <a:t>17/06/2020</a:t>
             </a:fld>
             <a:endParaRPr lang="en-GB"/>
           </a:p>
@@ -1995,7 +1997,7 @@
           <a:p>
             <a:fld id="{4410B838-6512-4C44-80A6-882B4E57F739}" type="datetimeFigureOut">
               <a:rPr lang="en-GB" smtClean="0"/>
-              <a:t>16/06/2020</a:t>
+              <a:t>17/06/2020</a:t>
             </a:fld>
             <a:endParaRPr lang="en-GB"/>
           </a:p>
@@ -2108,7 +2110,7 @@
           <a:p>
             <a:fld id="{4410B838-6512-4C44-80A6-882B4E57F739}" type="datetimeFigureOut">
               <a:rPr lang="en-GB" smtClean="0"/>
-              <a:t>16/06/2020</a:t>
+              <a:t>17/06/2020</a:t>
             </a:fld>
             <a:endParaRPr lang="en-GB"/>
           </a:p>
@@ -2419,7 +2421,7 @@
           <a:p>
             <a:fld id="{4410B838-6512-4C44-80A6-882B4E57F739}" type="datetimeFigureOut">
               <a:rPr lang="en-GB" smtClean="0"/>
-              <a:t>16/06/2020</a:t>
+              <a:t>17/06/2020</a:t>
             </a:fld>
             <a:endParaRPr lang="en-GB"/>
           </a:p>
@@ -2707,7 +2709,7 @@
           <a:p>
             <a:fld id="{4410B838-6512-4C44-80A6-882B4E57F739}" type="datetimeFigureOut">
               <a:rPr lang="en-GB" smtClean="0"/>
-              <a:t>16/06/2020</a:t>
+              <a:t>17/06/2020</a:t>
             </a:fld>
             <a:endParaRPr lang="en-GB"/>
           </a:p>
@@ -2948,7 +2950,7 @@
           <a:p>
             <a:fld id="{4410B838-6512-4C44-80A6-882B4E57F739}" type="datetimeFigureOut">
               <a:rPr lang="en-GB" smtClean="0"/>
-              <a:t>16/06/2020</a:t>
+              <a:t>17/06/2020</a:t>
             </a:fld>
             <a:endParaRPr lang="en-GB"/>
           </a:p>
@@ -3584,19 +3586,8 @@
                 <a:latin typeface="Courier New" panose="02070309020205020404" pitchFamily="49" charset="0"/>
                 <a:cs typeface="Courier New" panose="02070309020205020404" pitchFamily="49" charset="0"/>
               </a:rPr>
-              <a:t>$ curl -s -o /dev/null -v http://</a:t>
-            </a:r>
-            <a:r>
-              <a:rPr lang="en-GB" sz="1000" dirty="0" err="1">
-                <a:latin typeface="Courier New" panose="02070309020205020404" pitchFamily="49" charset="0"/>
-                <a:cs typeface="Courier New" panose="02070309020205020404" pitchFamily="49" charset="0"/>
-              </a:rPr>
-              <a:t>www.google.com</a:t>
-            </a:r>
-            <a:endParaRPr lang="en-GB" sz="1000" dirty="0">
-              <a:latin typeface="Courier New" panose="02070309020205020404" pitchFamily="49" charset="0"/>
-              <a:cs typeface="Courier New" panose="02070309020205020404" pitchFamily="49" charset="0"/>
-            </a:endParaRPr>
+              <a:t>$ curl -s -o /dev/null -v http://www.google.com</a:t>
+            </a:r>
           </a:p>
         </p:txBody>
       </p:sp>
@@ -3651,21 +3642,7 @@
                 <a:latin typeface="Courier New" panose="02070309020205020404" pitchFamily="49" charset="0"/>
                 <a:cs typeface="Courier New" panose="02070309020205020404" pitchFamily="49" charset="0"/>
               </a:rPr>
-              <a:t>* Connected to </a:t>
-            </a:r>
-            <a:r>
-              <a:rPr lang="en-GB" sz="1000" dirty="0" err="1">
-                <a:latin typeface="Courier New" panose="02070309020205020404" pitchFamily="49" charset="0"/>
-                <a:cs typeface="Courier New" panose="02070309020205020404" pitchFamily="49" charset="0"/>
-              </a:rPr>
-              <a:t>www.google.com</a:t>
-            </a:r>
-            <a:r>
-              <a:rPr lang="en-GB" sz="1000" dirty="0">
-                <a:latin typeface="Courier New" panose="02070309020205020404" pitchFamily="49" charset="0"/>
-                <a:cs typeface="Courier New" panose="02070309020205020404" pitchFamily="49" charset="0"/>
-              </a:rPr>
-              <a:t> (2a00:1450:4001:801::2004) port 80 (#0)</a:t>
+              <a:t>* Connected to www.google.com (2a00:1450:4001:801::2004) port 80 (#0)</a:t>
             </a:r>
           </a:p>
           <a:p>
@@ -3683,19 +3660,8 @@
                 <a:latin typeface="Courier New" panose="02070309020205020404" pitchFamily="49" charset="0"/>
                 <a:cs typeface="Courier New" panose="02070309020205020404" pitchFamily="49" charset="0"/>
               </a:rPr>
-              <a:t>&gt; Host: </a:t>
-            </a:r>
-            <a:r>
-              <a:rPr lang="en-GB" sz="1000" dirty="0" err="1">
-                <a:latin typeface="Courier New" panose="02070309020205020404" pitchFamily="49" charset="0"/>
-                <a:cs typeface="Courier New" panose="02070309020205020404" pitchFamily="49" charset="0"/>
-              </a:rPr>
-              <a:t>www.google.com</a:t>
-            </a:r>
-            <a:endParaRPr lang="en-GB" sz="1000" dirty="0">
-              <a:latin typeface="Courier New" panose="02070309020205020404" pitchFamily="49" charset="0"/>
-              <a:cs typeface="Courier New" panose="02070309020205020404" pitchFamily="49" charset="0"/>
-            </a:endParaRPr>
+              <a:t>&gt; Host: www.google.com</a:t>
+            </a:r>
           </a:p>
           <a:p>
             <a:r>
@@ -3796,6 +3762,212 @@
 </file>
 
 <file path=ppt/slides/slide10.xml><?xml version="1.0" encoding="utf-8"?>
+<p:sld xmlns:a="http://schemas.openxmlformats.org/drawingml/2006/main" xmlns:r="http://schemas.openxmlformats.org/officeDocument/2006/relationships" xmlns:p="http://schemas.openxmlformats.org/presentationml/2006/main">
+  <p:cSld>
+    <p:spTree>
+      <p:nvGrpSpPr>
+        <p:cNvPr id="1" name=""/>
+        <p:cNvGrpSpPr/>
+        <p:nvPr/>
+      </p:nvGrpSpPr>
+      <p:grpSpPr>
+        <a:xfrm>
+          <a:off x="0" y="0"/>
+          <a:ext cx="0" cy="0"/>
+          <a:chOff x="0" y="0"/>
+          <a:chExt cx="0" cy="0"/>
+        </a:xfrm>
+      </p:grpSpPr>
+      <p:pic>
+        <p:nvPicPr>
+          <p:cNvPr id="6" name="Picture 5">
+            <a:extLst>
+              <a:ext uri="{FF2B5EF4-FFF2-40B4-BE49-F238E27FC236}">
+                <a16:creationId xmlns:a16="http://schemas.microsoft.com/office/drawing/2014/main" id="{BB82F38A-DEB8-0D49-9831-4AC22BF07A74}"/>
+              </a:ext>
+            </a:extLst>
+          </p:cNvPr>
+          <p:cNvPicPr>
+            <a:picLocks noChangeAspect="1"/>
+          </p:cNvPicPr>
+          <p:nvPr/>
+        </p:nvPicPr>
+        <p:blipFill rotWithShape="1">
+          <a:blip r:embed="rId2"/>
+          <a:srcRect t="11242" r="12892" b="2499"/>
+          <a:stretch/>
+        </p:blipFill>
+        <p:spPr>
+          <a:xfrm>
+            <a:off x="643191" y="3841376"/>
+            <a:ext cx="10620260" cy="1994055"/>
+          </a:xfrm>
+          <a:prstGeom prst="rect">
+            <a:avLst/>
+          </a:prstGeom>
+        </p:spPr>
+      </p:pic>
+      <p:pic>
+        <p:nvPicPr>
+          <p:cNvPr id="8" name="Picture 7">
+            <a:extLst>
+              <a:ext uri="{FF2B5EF4-FFF2-40B4-BE49-F238E27FC236}">
+                <a16:creationId xmlns:a16="http://schemas.microsoft.com/office/drawing/2014/main" id="{FF04C07C-5622-5147-916C-16C5DA823114}"/>
+              </a:ext>
+            </a:extLst>
+          </p:cNvPr>
+          <p:cNvPicPr>
+            <a:picLocks noChangeAspect="1"/>
+          </p:cNvPicPr>
+          <p:nvPr/>
+        </p:nvPicPr>
+        <p:blipFill rotWithShape="1">
+          <a:blip r:embed="rId3"/>
+          <a:srcRect t="6759" r="12892" b="16698"/>
+          <a:stretch/>
+        </p:blipFill>
+        <p:spPr>
+          <a:xfrm>
+            <a:off x="643191" y="786949"/>
+            <a:ext cx="10620260" cy="1994054"/>
+          </a:xfrm>
+          <a:prstGeom prst="rect">
+            <a:avLst/>
+          </a:prstGeom>
+        </p:spPr>
+      </p:pic>
+      <p:cxnSp>
+        <p:nvCxnSpPr>
+          <p:cNvPr id="10" name="Straight Connector 9">
+            <a:extLst>
+              <a:ext uri="{FF2B5EF4-FFF2-40B4-BE49-F238E27FC236}">
+                <a16:creationId xmlns:a16="http://schemas.microsoft.com/office/drawing/2014/main" id="{C02FD2EA-891F-D04B-8C06-612AC8F202CF}"/>
+              </a:ext>
+            </a:extLst>
+          </p:cNvPr>
+          <p:cNvCxnSpPr/>
+          <p:nvPr/>
+        </p:nvCxnSpPr>
+        <p:spPr>
+          <a:xfrm flipH="1">
+            <a:off x="906840" y="4812967"/>
+            <a:ext cx="2941503" cy="0"/>
+          </a:xfrm>
+          <a:prstGeom prst="line">
+            <a:avLst/>
+          </a:prstGeom>
+          <a:ln w="28575">
+            <a:solidFill>
+              <a:srgbClr val="FF0000"/>
+            </a:solidFill>
+          </a:ln>
+        </p:spPr>
+        <p:style>
+          <a:lnRef idx="1">
+            <a:schemeClr val="accent1"/>
+          </a:lnRef>
+          <a:fillRef idx="0">
+            <a:schemeClr val="accent1"/>
+          </a:fillRef>
+          <a:effectRef idx="0">
+            <a:schemeClr val="accent1"/>
+          </a:effectRef>
+          <a:fontRef idx="minor">
+            <a:schemeClr val="tx1"/>
+          </a:fontRef>
+        </p:style>
+      </p:cxnSp>
+      <p:cxnSp>
+        <p:nvCxnSpPr>
+          <p:cNvPr id="12" name="Straight Arrow Connector 11">
+            <a:extLst>
+              <a:ext uri="{FF2B5EF4-FFF2-40B4-BE49-F238E27FC236}">
+                <a16:creationId xmlns:a16="http://schemas.microsoft.com/office/drawing/2014/main" id="{480E8E74-909F-1149-AF4D-6EE21A29140C}"/>
+              </a:ext>
+            </a:extLst>
+          </p:cNvPr>
+          <p:cNvCxnSpPr/>
+          <p:nvPr/>
+        </p:nvCxnSpPr>
+        <p:spPr>
+          <a:xfrm>
+            <a:off x="3783106" y="1918447"/>
+            <a:ext cx="0" cy="2841811"/>
+          </a:xfrm>
+          <a:prstGeom prst="straightConnector1">
+            <a:avLst/>
+          </a:prstGeom>
+          <a:ln>
+            <a:solidFill>
+              <a:srgbClr val="FF0000"/>
+            </a:solidFill>
+            <a:tailEnd type="triangle"/>
+          </a:ln>
+        </p:spPr>
+        <p:style>
+          <a:lnRef idx="1">
+            <a:schemeClr val="accent1"/>
+          </a:lnRef>
+          <a:fillRef idx="0">
+            <a:schemeClr val="accent1"/>
+          </a:fillRef>
+          <a:effectRef idx="0">
+            <a:schemeClr val="accent1"/>
+          </a:effectRef>
+          <a:fontRef idx="minor">
+            <a:schemeClr val="tx1"/>
+          </a:fontRef>
+        </p:style>
+      </p:cxnSp>
+      <p:sp>
+        <p:nvSpPr>
+          <p:cNvPr id="13" name="TextBox 12">
+            <a:extLst>
+              <a:ext uri="{FF2B5EF4-FFF2-40B4-BE49-F238E27FC236}">
+                <a16:creationId xmlns:a16="http://schemas.microsoft.com/office/drawing/2014/main" id="{5E38D1F7-CF64-DB4A-9213-63BF8FB5615E}"/>
+              </a:ext>
+            </a:extLst>
+          </p:cNvPr>
+          <p:cNvSpPr txBox="1"/>
+          <p:nvPr/>
+        </p:nvSpPr>
+        <p:spPr>
+          <a:xfrm>
+            <a:off x="3963411" y="3154686"/>
+            <a:ext cx="5287153" cy="369332"/>
+          </a:xfrm>
+          <a:prstGeom prst="rect">
+            <a:avLst/>
+          </a:prstGeom>
+          <a:noFill/>
+        </p:spPr>
+        <p:txBody>
+          <a:bodyPr wrap="none" rtlCol="0">
+            <a:spAutoFit/>
+          </a:bodyPr>
+          <a:lstStyle/>
+          <a:p>
+            <a:r>
+              <a:rPr lang="en-GB" dirty="0"/>
+              <a:t>Flyway is only added when the dependency is present</a:t>
+            </a:r>
+          </a:p>
+        </p:txBody>
+      </p:sp>
+    </p:spTree>
+    <p:extLst>
+      <p:ext uri="{BB962C8B-B14F-4D97-AF65-F5344CB8AC3E}">
+        <p14:creationId xmlns:p14="http://schemas.microsoft.com/office/powerpoint/2010/main" val="1728117138"/>
+      </p:ext>
+    </p:extLst>
+  </p:cSld>
+  <p:clrMapOvr>
+    <a:masterClrMapping/>
+  </p:clrMapOvr>
+</p:sld>
+</file>
+
+<file path=ppt/slides/slide11.xml><?xml version="1.0" encoding="utf-8"?>
 <p:sld xmlns:a="http://schemas.openxmlformats.org/drawingml/2006/main" xmlns:r="http://schemas.openxmlformats.org/officeDocument/2006/relationships" xmlns:p="http://schemas.openxmlformats.org/presentationml/2006/main">
   <p:cSld>
     <p:spTree>
@@ -10348,87 +10520,32 @@
           <a:chExt cx="0" cy="0"/>
         </a:xfrm>
       </p:grpSpPr>
-      <p:pic>
-        <p:nvPicPr>
-          <p:cNvPr id="6" name="Picture 5">
-            <a:extLst>
-              <a:ext uri="{FF2B5EF4-FFF2-40B4-BE49-F238E27FC236}">
-                <a16:creationId xmlns:a16="http://schemas.microsoft.com/office/drawing/2014/main" id="{BB82F38A-DEB8-0D49-9831-4AC22BF07A74}"/>
-              </a:ext>
-            </a:extLst>
-          </p:cNvPr>
-          <p:cNvPicPr>
-            <a:picLocks noChangeAspect="1"/>
-          </p:cNvPicPr>
+      <p:sp>
+        <p:nvSpPr>
+          <p:cNvPr id="4" name="Left Brace 3">
+            <a:extLst>
+              <a:ext uri="{FF2B5EF4-FFF2-40B4-BE49-F238E27FC236}">
+                <a16:creationId xmlns:a16="http://schemas.microsoft.com/office/drawing/2014/main" id="{B0DF68B5-8548-994E-B850-8B9FC715EB82}"/>
+              </a:ext>
+            </a:extLst>
+          </p:cNvPr>
+          <p:cNvSpPr/>
           <p:nvPr/>
-        </p:nvPicPr>
-        <p:blipFill rotWithShape="1">
-          <a:blip r:embed="rId2"/>
-          <a:srcRect t="11242" r="12892" b="2499"/>
-          <a:stretch/>
-        </p:blipFill>
-        <p:spPr>
-          <a:xfrm>
-            <a:off x="643191" y="3841376"/>
-            <a:ext cx="10620260" cy="1994055"/>
-          </a:xfrm>
-          <a:prstGeom prst="rect">
+        </p:nvSpPr>
+        <p:spPr>
+          <a:xfrm rot="5400000">
+            <a:off x="6037878" y="-3601569"/>
+            <a:ext cx="533400" cy="10372164"/>
+          </a:xfrm>
+          <a:prstGeom prst="leftBrace">
             <a:avLst/>
           </a:prstGeom>
-        </p:spPr>
-      </p:pic>
-      <p:pic>
-        <p:nvPicPr>
-          <p:cNvPr id="8" name="Picture 7">
-            <a:extLst>
-              <a:ext uri="{FF2B5EF4-FFF2-40B4-BE49-F238E27FC236}">
-                <a16:creationId xmlns:a16="http://schemas.microsoft.com/office/drawing/2014/main" id="{FF04C07C-5622-5147-916C-16C5DA823114}"/>
-              </a:ext>
-            </a:extLst>
-          </p:cNvPr>
-          <p:cNvPicPr>
-            <a:picLocks noChangeAspect="1"/>
-          </p:cNvPicPr>
-          <p:nvPr/>
-        </p:nvPicPr>
-        <p:blipFill rotWithShape="1">
-          <a:blip r:embed="rId3"/>
-          <a:srcRect t="6759" r="12892" b="16698"/>
-          <a:stretch/>
-        </p:blipFill>
-        <p:spPr>
-          <a:xfrm>
-            <a:off x="643191" y="786949"/>
-            <a:ext cx="10620260" cy="1994054"/>
-          </a:xfrm>
-          <a:prstGeom prst="rect">
-            <a:avLst/>
-          </a:prstGeom>
-        </p:spPr>
-      </p:pic>
-      <p:cxnSp>
-        <p:nvCxnSpPr>
-          <p:cNvPr id="10" name="Straight Connector 9">
-            <a:extLst>
-              <a:ext uri="{FF2B5EF4-FFF2-40B4-BE49-F238E27FC236}">
-                <a16:creationId xmlns:a16="http://schemas.microsoft.com/office/drawing/2014/main" id="{C02FD2EA-891F-D04B-8C06-612AC8F202CF}"/>
-              </a:ext>
-            </a:extLst>
-          </p:cNvPr>
-          <p:cNvCxnSpPr/>
-          <p:nvPr/>
-        </p:nvCxnSpPr>
-        <p:spPr>
-          <a:xfrm flipH="1">
-            <a:off x="906840" y="4812967"/>
-            <a:ext cx="2941503" cy="0"/>
-          </a:xfrm>
-          <a:prstGeom prst="line">
-            <a:avLst/>
-          </a:prstGeom>
-          <a:ln w="28575">
+          <a:ln w="38100">
             <a:solidFill>
-              <a:srgbClr val="FF0000"/>
+              <a:schemeClr val="tx1">
+                <a:lumMod val="75000"/>
+                <a:lumOff val="25000"/>
+              </a:schemeClr>
             </a:solidFill>
           </a:ln>
         </p:spPr>
@@ -10446,55 +10563,810 @@
             <a:schemeClr val="tx1"/>
           </a:fontRef>
         </p:style>
-      </p:cxnSp>
-      <p:cxnSp>
-        <p:nvCxnSpPr>
-          <p:cNvPr id="12" name="Straight Arrow Connector 11">
-            <a:extLst>
-              <a:ext uri="{FF2B5EF4-FFF2-40B4-BE49-F238E27FC236}">
-                <a16:creationId xmlns:a16="http://schemas.microsoft.com/office/drawing/2014/main" id="{480E8E74-909F-1149-AF4D-6EE21A29140C}"/>
-              </a:ext>
-            </a:extLst>
-          </p:cNvPr>
-          <p:cNvCxnSpPr/>
+        <p:txBody>
+          <a:bodyPr rtlCol="0" anchor="ctr"/>
+          <a:lstStyle/>
+          <a:p>
+            <a:pPr algn="ctr"/>
+            <a:endParaRPr lang="en-GB"/>
+          </a:p>
+        </p:txBody>
+      </p:sp>
+      <p:grpSp>
+        <p:nvGrpSpPr>
+          <p:cNvPr id="21" name="Group 20">
+            <a:extLst>
+              <a:ext uri="{FF2B5EF4-FFF2-40B4-BE49-F238E27FC236}">
+                <a16:creationId xmlns:a16="http://schemas.microsoft.com/office/drawing/2014/main" id="{E26BEDF3-3964-6041-9E3A-344C2F79796C}"/>
+              </a:ext>
+            </a:extLst>
+          </p:cNvPr>
+          <p:cNvGrpSpPr/>
           <p:nvPr/>
-        </p:nvCxnSpPr>
-        <p:spPr>
-          <a:xfrm>
-            <a:off x="3783106" y="1918447"/>
-            <a:ext cx="0" cy="2841811"/>
-          </a:xfrm>
-          <a:prstGeom prst="straightConnector1">
-            <a:avLst/>
-          </a:prstGeom>
-          <a:ln>
-            <a:solidFill>
-              <a:srgbClr val="FF0000"/>
-            </a:solidFill>
-            <a:tailEnd type="triangle"/>
-          </a:ln>
-        </p:spPr>
-        <p:style>
-          <a:lnRef idx="1">
-            <a:schemeClr val="accent1"/>
-          </a:lnRef>
-          <a:fillRef idx="0">
-            <a:schemeClr val="accent1"/>
-          </a:fillRef>
-          <a:effectRef idx="0">
-            <a:schemeClr val="accent1"/>
-          </a:effectRef>
-          <a:fontRef idx="minor">
-            <a:schemeClr val="tx1"/>
-          </a:fontRef>
-        </p:style>
-      </p:cxnSp>
-      <p:sp>
-        <p:nvSpPr>
-          <p:cNvPr id="13" name="TextBox 12">
-            <a:extLst>
-              <a:ext uri="{FF2B5EF4-FFF2-40B4-BE49-F238E27FC236}">
-                <a16:creationId xmlns:a16="http://schemas.microsoft.com/office/drawing/2014/main" id="{5E38D1F7-CF64-DB4A-9213-63BF8FB5615E}"/>
+        </p:nvGrpSpPr>
+        <p:grpSpPr>
+          <a:xfrm>
+            <a:off x="1240502" y="1851213"/>
+            <a:ext cx="10128153" cy="3155575"/>
+            <a:chOff x="1174376" y="1851213"/>
+            <a:chExt cx="10128153" cy="3155575"/>
+          </a:xfrm>
+        </p:grpSpPr>
+        <p:sp>
+          <p:nvSpPr>
+            <p:cNvPr id="5" name="Rectangle 4">
+              <a:extLst>
+                <a:ext uri="{FF2B5EF4-FFF2-40B4-BE49-F238E27FC236}">
+                  <a16:creationId xmlns:a16="http://schemas.microsoft.com/office/drawing/2014/main" id="{992A223D-6A85-DF41-AA06-B2CFABE471EC}"/>
+                </a:ext>
+              </a:extLst>
+            </p:cNvPr>
+            <p:cNvSpPr/>
+            <p:nvPr/>
+          </p:nvSpPr>
+          <p:spPr>
+            <a:xfrm rot="5400000">
+              <a:off x="-98612" y="3124201"/>
+              <a:ext cx="3146612" cy="600636"/>
+            </a:xfrm>
+            <a:prstGeom prst="rect">
+              <a:avLst/>
+            </a:prstGeom>
+          </p:spPr>
+          <p:style>
+            <a:lnRef idx="2">
+              <a:schemeClr val="accent1">
+                <a:shade val="50000"/>
+              </a:schemeClr>
+            </a:lnRef>
+            <a:fillRef idx="1">
+              <a:schemeClr val="accent1"/>
+            </a:fillRef>
+            <a:effectRef idx="0">
+              <a:schemeClr val="accent1"/>
+            </a:effectRef>
+            <a:fontRef idx="minor">
+              <a:schemeClr val="lt1"/>
+            </a:fontRef>
+          </p:style>
+          <p:txBody>
+            <a:bodyPr rtlCol="0" anchor="ctr"/>
+            <a:lstStyle/>
+            <a:p>
+              <a:r>
+                <a:rPr lang="en-GB" dirty="0"/>
+                <a:t>Spring Data JDBC</a:t>
+              </a:r>
+            </a:p>
+          </p:txBody>
+        </p:sp>
+        <p:sp>
+          <p:nvSpPr>
+            <p:cNvPr id="6" name="Rectangle 5">
+              <a:extLst>
+                <a:ext uri="{FF2B5EF4-FFF2-40B4-BE49-F238E27FC236}">
+                  <a16:creationId xmlns:a16="http://schemas.microsoft.com/office/drawing/2014/main" id="{6F3BB54A-972A-E74A-A39D-29B45C9B435C}"/>
+                </a:ext>
+              </a:extLst>
+            </p:cNvPr>
+            <p:cNvSpPr/>
+            <p:nvPr/>
+          </p:nvSpPr>
+          <p:spPr>
+            <a:xfrm rot="5400000">
+              <a:off x="634274" y="3126957"/>
+              <a:ext cx="3146612" cy="600636"/>
+            </a:xfrm>
+            <a:prstGeom prst="rect">
+              <a:avLst/>
+            </a:prstGeom>
+          </p:spPr>
+          <p:style>
+            <a:lnRef idx="2">
+              <a:schemeClr val="accent1">
+                <a:shade val="50000"/>
+              </a:schemeClr>
+            </a:lnRef>
+            <a:fillRef idx="1">
+              <a:schemeClr val="accent1"/>
+            </a:fillRef>
+            <a:effectRef idx="0">
+              <a:schemeClr val="accent1"/>
+            </a:effectRef>
+            <a:fontRef idx="minor">
+              <a:schemeClr val="lt1"/>
+            </a:fontRef>
+          </p:style>
+          <p:txBody>
+            <a:bodyPr rtlCol="0" anchor="ctr"/>
+            <a:lstStyle/>
+            <a:p>
+              <a:r>
+                <a:rPr lang="en-GB" dirty="0"/>
+                <a:t>Spring Data JPA</a:t>
+              </a:r>
+            </a:p>
+          </p:txBody>
+        </p:sp>
+        <p:sp>
+          <p:nvSpPr>
+            <p:cNvPr id="7" name="Rectangle 6">
+              <a:extLst>
+                <a:ext uri="{FF2B5EF4-FFF2-40B4-BE49-F238E27FC236}">
+                  <a16:creationId xmlns:a16="http://schemas.microsoft.com/office/drawing/2014/main" id="{A27B2560-719A-E249-9867-A5A68DB63975}"/>
+                </a:ext>
+              </a:extLst>
+            </p:cNvPr>
+            <p:cNvSpPr/>
+            <p:nvPr/>
+          </p:nvSpPr>
+          <p:spPr>
+            <a:xfrm rot="5400000">
+              <a:off x="1367160" y="3127646"/>
+              <a:ext cx="3146612" cy="600636"/>
+            </a:xfrm>
+            <a:prstGeom prst="rect">
+              <a:avLst/>
+            </a:prstGeom>
+          </p:spPr>
+          <p:style>
+            <a:lnRef idx="2">
+              <a:schemeClr val="accent1">
+                <a:shade val="50000"/>
+              </a:schemeClr>
+            </a:lnRef>
+            <a:fillRef idx="1">
+              <a:schemeClr val="accent1"/>
+            </a:fillRef>
+            <a:effectRef idx="0">
+              <a:schemeClr val="accent1"/>
+            </a:effectRef>
+            <a:fontRef idx="minor">
+              <a:schemeClr val="lt1"/>
+            </a:fontRef>
+          </p:style>
+          <p:txBody>
+            <a:bodyPr rtlCol="0" anchor="ctr"/>
+            <a:lstStyle/>
+            <a:p>
+              <a:r>
+                <a:rPr lang="en-GB" dirty="0"/>
+                <a:t>Spring Data </a:t>
+              </a:r>
+              <a:r>
+                <a:rPr lang="en-US" dirty="0"/>
+                <a:t>MongoDB</a:t>
+              </a:r>
+              <a:r>
+                <a:rPr lang="en-DE" dirty="0"/>
+                <a:t> </a:t>
+              </a:r>
+              <a:endParaRPr lang="en-GB" dirty="0"/>
+            </a:p>
+          </p:txBody>
+        </p:sp>
+        <p:sp>
+          <p:nvSpPr>
+            <p:cNvPr id="8" name="Rectangle 7">
+              <a:extLst>
+                <a:ext uri="{FF2B5EF4-FFF2-40B4-BE49-F238E27FC236}">
+                  <a16:creationId xmlns:a16="http://schemas.microsoft.com/office/drawing/2014/main" id="{C2BD7ABC-79FB-D549-AC1F-BBA00AE8A0ED}"/>
+                </a:ext>
+              </a:extLst>
+            </p:cNvPr>
+            <p:cNvSpPr/>
+            <p:nvPr/>
+          </p:nvSpPr>
+          <p:spPr>
+            <a:xfrm rot="5400000">
+              <a:off x="2100046" y="3128335"/>
+              <a:ext cx="3146612" cy="600636"/>
+            </a:xfrm>
+            <a:prstGeom prst="rect">
+              <a:avLst/>
+            </a:prstGeom>
+          </p:spPr>
+          <p:style>
+            <a:lnRef idx="2">
+              <a:schemeClr val="accent1">
+                <a:shade val="50000"/>
+              </a:schemeClr>
+            </a:lnRef>
+            <a:fillRef idx="1">
+              <a:schemeClr val="accent1"/>
+            </a:fillRef>
+            <a:effectRef idx="0">
+              <a:schemeClr val="accent1"/>
+            </a:effectRef>
+            <a:fontRef idx="minor">
+              <a:schemeClr val="lt1"/>
+            </a:fontRef>
+          </p:style>
+          <p:txBody>
+            <a:bodyPr rtlCol="0" anchor="ctr"/>
+            <a:lstStyle/>
+            <a:p>
+              <a:r>
+                <a:rPr lang="en-GB" dirty="0"/>
+                <a:t>Spring Data </a:t>
+              </a:r>
+              <a:r>
+                <a:rPr lang="en-US" dirty="0"/>
+                <a:t>Redis</a:t>
+              </a:r>
+              <a:r>
+                <a:rPr lang="en-DE" dirty="0"/>
+                <a:t> </a:t>
+              </a:r>
+              <a:endParaRPr lang="en-GB" dirty="0"/>
+            </a:p>
+          </p:txBody>
+        </p:sp>
+        <p:sp>
+          <p:nvSpPr>
+            <p:cNvPr id="9" name="Rectangle 8">
+              <a:extLst>
+                <a:ext uri="{FF2B5EF4-FFF2-40B4-BE49-F238E27FC236}">
+                  <a16:creationId xmlns:a16="http://schemas.microsoft.com/office/drawing/2014/main" id="{FFEE6771-753F-B746-B532-40E08991BE39}"/>
+                </a:ext>
+              </a:extLst>
+            </p:cNvPr>
+            <p:cNvSpPr/>
+            <p:nvPr/>
+          </p:nvSpPr>
+          <p:spPr>
+            <a:xfrm rot="5400000">
+              <a:off x="2832932" y="3129024"/>
+              <a:ext cx="3146612" cy="600636"/>
+            </a:xfrm>
+            <a:prstGeom prst="rect">
+              <a:avLst/>
+            </a:prstGeom>
+          </p:spPr>
+          <p:style>
+            <a:lnRef idx="2">
+              <a:schemeClr val="accent1">
+                <a:shade val="50000"/>
+              </a:schemeClr>
+            </a:lnRef>
+            <a:fillRef idx="1">
+              <a:schemeClr val="accent1"/>
+            </a:fillRef>
+            <a:effectRef idx="0">
+              <a:schemeClr val="accent1"/>
+            </a:effectRef>
+            <a:fontRef idx="minor">
+              <a:schemeClr val="lt1"/>
+            </a:fontRef>
+          </p:style>
+          <p:txBody>
+            <a:bodyPr rtlCol="0" anchor="ctr"/>
+            <a:lstStyle/>
+            <a:p>
+              <a:r>
+                <a:rPr lang="en-GB" dirty="0"/>
+                <a:t>Spring Data </a:t>
+              </a:r>
+              <a:r>
+                <a:rPr lang="en-US" dirty="0"/>
+                <a:t>R2DBC</a:t>
+              </a:r>
+              <a:r>
+                <a:rPr lang="en-DE" dirty="0"/>
+                <a:t> </a:t>
+              </a:r>
+              <a:endParaRPr lang="en-GB" dirty="0"/>
+            </a:p>
+          </p:txBody>
+        </p:sp>
+        <p:sp>
+          <p:nvSpPr>
+            <p:cNvPr id="10" name="Rectangle 9">
+              <a:extLst>
+                <a:ext uri="{FF2B5EF4-FFF2-40B4-BE49-F238E27FC236}">
+                  <a16:creationId xmlns:a16="http://schemas.microsoft.com/office/drawing/2014/main" id="{63D5CEB3-B017-F34E-A3A9-BC20685A63A0}"/>
+                </a:ext>
+              </a:extLst>
+            </p:cNvPr>
+            <p:cNvSpPr/>
+            <p:nvPr/>
+          </p:nvSpPr>
+          <p:spPr>
+            <a:xfrm rot="5400000">
+              <a:off x="3565818" y="3129713"/>
+              <a:ext cx="3146612" cy="600636"/>
+            </a:xfrm>
+            <a:prstGeom prst="rect">
+              <a:avLst/>
+            </a:prstGeom>
+          </p:spPr>
+          <p:style>
+            <a:lnRef idx="2">
+              <a:schemeClr val="accent1">
+                <a:shade val="50000"/>
+              </a:schemeClr>
+            </a:lnRef>
+            <a:fillRef idx="1">
+              <a:schemeClr val="accent1"/>
+            </a:fillRef>
+            <a:effectRef idx="0">
+              <a:schemeClr val="accent1"/>
+            </a:effectRef>
+            <a:fontRef idx="minor">
+              <a:schemeClr val="lt1"/>
+            </a:fontRef>
+          </p:style>
+          <p:txBody>
+            <a:bodyPr rtlCol="0" anchor="ctr"/>
+            <a:lstStyle/>
+            <a:p>
+              <a:r>
+                <a:rPr lang="en-GB" dirty="0"/>
+                <a:t>Spring Data </a:t>
+              </a:r>
+              <a:r>
+                <a:rPr lang="en-US" dirty="0"/>
+                <a:t>REST</a:t>
+              </a:r>
+              <a:r>
+                <a:rPr lang="en-DE" dirty="0"/>
+                <a:t> </a:t>
+              </a:r>
+              <a:endParaRPr lang="en-GB" dirty="0"/>
+            </a:p>
+          </p:txBody>
+        </p:sp>
+        <p:sp>
+          <p:nvSpPr>
+            <p:cNvPr id="11" name="Rectangle 10">
+              <a:extLst>
+                <a:ext uri="{FF2B5EF4-FFF2-40B4-BE49-F238E27FC236}">
+                  <a16:creationId xmlns:a16="http://schemas.microsoft.com/office/drawing/2014/main" id="{EC58C01B-E886-1046-A656-BB0C7F01F3BF}"/>
+                </a:ext>
+              </a:extLst>
+            </p:cNvPr>
+            <p:cNvSpPr/>
+            <p:nvPr/>
+          </p:nvSpPr>
+          <p:spPr>
+            <a:xfrm rot="5400000">
+              <a:off x="4298704" y="3130402"/>
+              <a:ext cx="3146612" cy="600636"/>
+            </a:xfrm>
+            <a:prstGeom prst="rect">
+              <a:avLst/>
+            </a:prstGeom>
+          </p:spPr>
+          <p:style>
+            <a:lnRef idx="2">
+              <a:schemeClr val="accent1">
+                <a:shade val="50000"/>
+              </a:schemeClr>
+            </a:lnRef>
+            <a:fillRef idx="1">
+              <a:schemeClr val="accent1"/>
+            </a:fillRef>
+            <a:effectRef idx="0">
+              <a:schemeClr val="accent1"/>
+            </a:effectRef>
+            <a:fontRef idx="minor">
+              <a:schemeClr val="lt1"/>
+            </a:fontRef>
+          </p:style>
+          <p:txBody>
+            <a:bodyPr rtlCol="0" anchor="ctr"/>
+            <a:lstStyle/>
+            <a:p>
+              <a:r>
+                <a:rPr lang="en-GB" dirty="0"/>
+                <a:t>Spring Data </a:t>
+              </a:r>
+              <a:r>
+                <a:rPr lang="en-US" dirty="0"/>
+                <a:t>Apache Cassandra</a:t>
+              </a:r>
+              <a:endParaRPr lang="en-GB" dirty="0"/>
+            </a:p>
+          </p:txBody>
+        </p:sp>
+        <p:sp>
+          <p:nvSpPr>
+            <p:cNvPr id="12" name="Rectangle 11">
+              <a:extLst>
+                <a:ext uri="{FF2B5EF4-FFF2-40B4-BE49-F238E27FC236}">
+                  <a16:creationId xmlns:a16="http://schemas.microsoft.com/office/drawing/2014/main" id="{35777B07-8ECB-534B-8344-0320906FE71F}"/>
+                </a:ext>
+              </a:extLst>
+            </p:cNvPr>
+            <p:cNvSpPr/>
+            <p:nvPr/>
+          </p:nvSpPr>
+          <p:spPr>
+            <a:xfrm rot="5400000">
+              <a:off x="5031590" y="3131091"/>
+              <a:ext cx="3146612" cy="600636"/>
+            </a:xfrm>
+            <a:prstGeom prst="rect">
+              <a:avLst/>
+            </a:prstGeom>
+          </p:spPr>
+          <p:style>
+            <a:lnRef idx="2">
+              <a:schemeClr val="accent1">
+                <a:shade val="50000"/>
+              </a:schemeClr>
+            </a:lnRef>
+            <a:fillRef idx="1">
+              <a:schemeClr val="accent1"/>
+            </a:fillRef>
+            <a:effectRef idx="0">
+              <a:schemeClr val="accent1"/>
+            </a:effectRef>
+            <a:fontRef idx="minor">
+              <a:schemeClr val="lt1"/>
+            </a:fontRef>
+          </p:style>
+          <p:txBody>
+            <a:bodyPr rtlCol="0" anchor="ctr"/>
+            <a:lstStyle/>
+            <a:p>
+              <a:r>
+                <a:rPr lang="en-GB" dirty="0"/>
+                <a:t>Spring Data </a:t>
+              </a:r>
+              <a:r>
+                <a:rPr lang="en-US" dirty="0"/>
+                <a:t>Apache Geode</a:t>
+              </a:r>
+              <a:r>
+                <a:rPr lang="en-DE" dirty="0"/>
+                <a:t> </a:t>
+              </a:r>
+              <a:endParaRPr lang="en-GB" dirty="0"/>
+            </a:p>
+          </p:txBody>
+        </p:sp>
+        <p:sp>
+          <p:nvSpPr>
+            <p:cNvPr id="13" name="Rectangle 12">
+              <a:extLst>
+                <a:ext uri="{FF2B5EF4-FFF2-40B4-BE49-F238E27FC236}">
+                  <a16:creationId xmlns:a16="http://schemas.microsoft.com/office/drawing/2014/main" id="{9C5FECFE-BA2C-2D42-B80A-5FA4E49AA065}"/>
+                </a:ext>
+              </a:extLst>
+            </p:cNvPr>
+            <p:cNvSpPr/>
+            <p:nvPr/>
+          </p:nvSpPr>
+          <p:spPr>
+            <a:xfrm rot="5400000">
+              <a:off x="5764476" y="3131780"/>
+              <a:ext cx="3146612" cy="600636"/>
+            </a:xfrm>
+            <a:prstGeom prst="rect">
+              <a:avLst/>
+            </a:prstGeom>
+          </p:spPr>
+          <p:style>
+            <a:lnRef idx="2">
+              <a:schemeClr val="accent1">
+                <a:shade val="50000"/>
+              </a:schemeClr>
+            </a:lnRef>
+            <a:fillRef idx="1">
+              <a:schemeClr val="accent1"/>
+            </a:fillRef>
+            <a:effectRef idx="0">
+              <a:schemeClr val="accent1"/>
+            </a:effectRef>
+            <a:fontRef idx="minor">
+              <a:schemeClr val="lt1"/>
+            </a:fontRef>
+          </p:style>
+          <p:txBody>
+            <a:bodyPr rtlCol="0" anchor="ctr"/>
+            <a:lstStyle/>
+            <a:p>
+              <a:r>
+                <a:rPr lang="en-GB" dirty="0"/>
+                <a:t>Spring Data </a:t>
+              </a:r>
+              <a:r>
+                <a:rPr lang="en-US" dirty="0"/>
+                <a:t>Apache Solr</a:t>
+              </a:r>
+              <a:r>
+                <a:rPr lang="en-DE" dirty="0"/>
+                <a:t> </a:t>
+              </a:r>
+              <a:endParaRPr lang="en-GB" dirty="0"/>
+            </a:p>
+          </p:txBody>
+        </p:sp>
+        <p:sp>
+          <p:nvSpPr>
+            <p:cNvPr id="14" name="Rectangle 13">
+              <a:extLst>
+                <a:ext uri="{FF2B5EF4-FFF2-40B4-BE49-F238E27FC236}">
+                  <a16:creationId xmlns:a16="http://schemas.microsoft.com/office/drawing/2014/main" id="{AC885B70-0FC3-C14D-853E-231EB7A8C282}"/>
+                </a:ext>
+              </a:extLst>
+            </p:cNvPr>
+            <p:cNvSpPr/>
+            <p:nvPr/>
+          </p:nvSpPr>
+          <p:spPr>
+            <a:xfrm rot="5400000">
+              <a:off x="6497362" y="3124890"/>
+              <a:ext cx="3146612" cy="600636"/>
+            </a:xfrm>
+            <a:prstGeom prst="rect">
+              <a:avLst/>
+            </a:prstGeom>
+          </p:spPr>
+          <p:style>
+            <a:lnRef idx="2">
+              <a:schemeClr val="accent1">
+                <a:shade val="50000"/>
+              </a:schemeClr>
+            </a:lnRef>
+            <a:fillRef idx="1">
+              <a:schemeClr val="accent1"/>
+            </a:fillRef>
+            <a:effectRef idx="0">
+              <a:schemeClr val="accent1"/>
+            </a:effectRef>
+            <a:fontRef idx="minor">
+              <a:schemeClr val="lt1"/>
+            </a:fontRef>
+          </p:style>
+          <p:txBody>
+            <a:bodyPr rtlCol="0" anchor="ctr"/>
+            <a:lstStyle/>
+            <a:p>
+              <a:r>
+                <a:rPr lang="en-GB" dirty="0"/>
+                <a:t>Spring Data </a:t>
+              </a:r>
+              <a:r>
+                <a:rPr lang="en-US" dirty="0"/>
+                <a:t>Pivotal GemFire</a:t>
+              </a:r>
+              <a:r>
+                <a:rPr lang="en-DE" dirty="0"/>
+                <a:t> </a:t>
+              </a:r>
+              <a:endParaRPr lang="en-GB" dirty="0"/>
+            </a:p>
+          </p:txBody>
+        </p:sp>
+        <p:sp>
+          <p:nvSpPr>
+            <p:cNvPr id="15" name="Rectangle 14">
+              <a:extLst>
+                <a:ext uri="{FF2B5EF4-FFF2-40B4-BE49-F238E27FC236}">
+                  <a16:creationId xmlns:a16="http://schemas.microsoft.com/office/drawing/2014/main" id="{DED03243-2A65-FC4A-87B2-078AF9E7F81A}"/>
+                </a:ext>
+              </a:extLst>
+            </p:cNvPr>
+            <p:cNvSpPr/>
+            <p:nvPr/>
+          </p:nvSpPr>
+          <p:spPr>
+            <a:xfrm rot="5400000">
+              <a:off x="7230248" y="3132469"/>
+              <a:ext cx="3146612" cy="600636"/>
+            </a:xfrm>
+            <a:prstGeom prst="rect">
+              <a:avLst/>
+            </a:prstGeom>
+          </p:spPr>
+          <p:style>
+            <a:lnRef idx="2">
+              <a:schemeClr val="accent1">
+                <a:shade val="50000"/>
+              </a:schemeClr>
+            </a:lnRef>
+            <a:fillRef idx="1">
+              <a:schemeClr val="accent1"/>
+            </a:fillRef>
+            <a:effectRef idx="0">
+              <a:schemeClr val="accent1"/>
+            </a:effectRef>
+            <a:fontRef idx="minor">
+              <a:schemeClr val="lt1"/>
+            </a:fontRef>
+          </p:style>
+          <p:txBody>
+            <a:bodyPr rtlCol="0" anchor="ctr"/>
+            <a:lstStyle/>
+            <a:p>
+              <a:r>
+                <a:rPr lang="en-GB" dirty="0"/>
+                <a:t>Spring Data </a:t>
+              </a:r>
+              <a:r>
+                <a:rPr lang="en-US" dirty="0"/>
+                <a:t>Couchbase</a:t>
+              </a:r>
+              <a:endParaRPr lang="en-GB" dirty="0"/>
+            </a:p>
+          </p:txBody>
+        </p:sp>
+        <p:sp>
+          <p:nvSpPr>
+            <p:cNvPr id="16" name="Rectangle 15">
+              <a:extLst>
+                <a:ext uri="{FF2B5EF4-FFF2-40B4-BE49-F238E27FC236}">
+                  <a16:creationId xmlns:a16="http://schemas.microsoft.com/office/drawing/2014/main" id="{F0B8F35A-616B-D14C-8697-8AFDDC1E12A8}"/>
+                </a:ext>
+              </a:extLst>
+            </p:cNvPr>
+            <p:cNvSpPr/>
+            <p:nvPr/>
+          </p:nvSpPr>
+          <p:spPr>
+            <a:xfrm rot="5400000">
+              <a:off x="7963134" y="3125579"/>
+              <a:ext cx="3146612" cy="600636"/>
+            </a:xfrm>
+            <a:prstGeom prst="rect">
+              <a:avLst/>
+            </a:prstGeom>
+          </p:spPr>
+          <p:style>
+            <a:lnRef idx="2">
+              <a:schemeClr val="accent1">
+                <a:shade val="50000"/>
+              </a:schemeClr>
+            </a:lnRef>
+            <a:fillRef idx="1">
+              <a:schemeClr val="accent1"/>
+            </a:fillRef>
+            <a:effectRef idx="0">
+              <a:schemeClr val="accent1"/>
+            </a:effectRef>
+            <a:fontRef idx="minor">
+              <a:schemeClr val="lt1"/>
+            </a:fontRef>
+          </p:style>
+          <p:txBody>
+            <a:bodyPr rtlCol="0" anchor="ctr"/>
+            <a:lstStyle/>
+            <a:p>
+              <a:r>
+                <a:rPr lang="en-GB" dirty="0"/>
+                <a:t>Spring Data </a:t>
+              </a:r>
+              <a:r>
+                <a:rPr lang="en-US" dirty="0"/>
+                <a:t>Elasticsearch</a:t>
+              </a:r>
+              <a:endParaRPr lang="en-GB" dirty="0"/>
+            </a:p>
+          </p:txBody>
+        </p:sp>
+        <p:sp>
+          <p:nvSpPr>
+            <p:cNvPr id="17" name="Rectangle 16">
+              <a:extLst>
+                <a:ext uri="{FF2B5EF4-FFF2-40B4-BE49-F238E27FC236}">
+                  <a16:creationId xmlns:a16="http://schemas.microsoft.com/office/drawing/2014/main" id="{559D0BBC-AFB1-5A4C-9795-E5EE9D37B8F8}"/>
+                </a:ext>
+              </a:extLst>
+            </p:cNvPr>
+            <p:cNvSpPr/>
+            <p:nvPr/>
+          </p:nvSpPr>
+          <p:spPr>
+            <a:xfrm rot="5400000">
+              <a:off x="8696024" y="3133164"/>
+              <a:ext cx="3146612" cy="600636"/>
+            </a:xfrm>
+            <a:prstGeom prst="rect">
+              <a:avLst/>
+            </a:prstGeom>
+          </p:spPr>
+          <p:style>
+            <a:lnRef idx="2">
+              <a:schemeClr val="accent1">
+                <a:shade val="50000"/>
+              </a:schemeClr>
+            </a:lnRef>
+            <a:fillRef idx="1">
+              <a:schemeClr val="accent1"/>
+            </a:fillRef>
+            <a:effectRef idx="0">
+              <a:schemeClr val="accent1"/>
+            </a:effectRef>
+            <a:fontRef idx="minor">
+              <a:schemeClr val="lt1"/>
+            </a:fontRef>
+          </p:style>
+          <p:txBody>
+            <a:bodyPr rtlCol="0" anchor="ctr"/>
+            <a:lstStyle/>
+            <a:p>
+              <a:r>
+                <a:rPr lang="en-GB" dirty="0"/>
+                <a:t>Spring Data </a:t>
+              </a:r>
+              <a:r>
+                <a:rPr lang="en-US" dirty="0"/>
+                <a:t>Envers</a:t>
+              </a:r>
+              <a:r>
+                <a:rPr lang="en-DE" dirty="0"/>
+                <a:t> </a:t>
+              </a:r>
+              <a:endParaRPr lang="en-GB" dirty="0"/>
+            </a:p>
+          </p:txBody>
+        </p:sp>
+        <p:sp>
+          <p:nvSpPr>
+            <p:cNvPr id="19" name="Rectangle 18">
+              <a:extLst>
+                <a:ext uri="{FF2B5EF4-FFF2-40B4-BE49-F238E27FC236}">
+                  <a16:creationId xmlns:a16="http://schemas.microsoft.com/office/drawing/2014/main" id="{66FBB0F1-FB54-2A46-BD20-E7B264FB7FD2}"/>
+                </a:ext>
+              </a:extLst>
+            </p:cNvPr>
+            <p:cNvSpPr/>
+            <p:nvPr/>
+          </p:nvSpPr>
+          <p:spPr>
+            <a:xfrm rot="5400000">
+              <a:off x="9428905" y="3126268"/>
+              <a:ext cx="3146612" cy="600636"/>
+            </a:xfrm>
+            <a:prstGeom prst="rect">
+              <a:avLst/>
+            </a:prstGeom>
+          </p:spPr>
+          <p:style>
+            <a:lnRef idx="2">
+              <a:schemeClr val="accent1">
+                <a:shade val="50000"/>
+              </a:schemeClr>
+            </a:lnRef>
+            <a:fillRef idx="1">
+              <a:schemeClr val="accent1"/>
+            </a:fillRef>
+            <a:effectRef idx="0">
+              <a:schemeClr val="accent1"/>
+            </a:effectRef>
+            <a:fontRef idx="minor">
+              <a:schemeClr val="lt1"/>
+            </a:fontRef>
+          </p:style>
+          <p:txBody>
+            <a:bodyPr rtlCol="0" anchor="ctr"/>
+            <a:lstStyle/>
+            <a:p>
+              <a:r>
+                <a:rPr lang="en-GB" dirty="0"/>
+                <a:t>Spring Data </a:t>
+              </a:r>
+              <a:r>
+                <a:rPr lang="en-US" dirty="0"/>
+                <a:t>Neo4J</a:t>
+              </a:r>
+              <a:r>
+                <a:rPr lang="en-DE" dirty="0"/>
+                <a:t> </a:t>
+              </a:r>
+              <a:endParaRPr lang="en-GB" dirty="0"/>
+            </a:p>
+          </p:txBody>
+        </p:sp>
+      </p:grpSp>
+      <p:sp>
+        <p:nvSpPr>
+          <p:cNvPr id="22" name="TextBox 21">
+            <a:extLst>
+              <a:ext uri="{FF2B5EF4-FFF2-40B4-BE49-F238E27FC236}">
+                <a16:creationId xmlns:a16="http://schemas.microsoft.com/office/drawing/2014/main" id="{928509C4-DF93-7A4C-8B6E-1F08339FB6AC}"/>
               </a:ext>
             </a:extLst>
           </p:cNvPr>
@@ -10503,8 +11375,8 @@
         </p:nvSpPr>
         <p:spPr>
           <a:xfrm>
-            <a:off x="3963411" y="3154686"/>
-            <a:ext cx="5287153" cy="369332"/>
+            <a:off x="5668213" y="939518"/>
+            <a:ext cx="1264962" cy="369332"/>
           </a:xfrm>
           <a:prstGeom prst="rect">
             <a:avLst/>
@@ -10519,7 +11391,7 @@
           <a:p>
             <a:r>
               <a:rPr lang="en-GB" dirty="0"/>
-              <a:t>Flyway is only added when the dependency is present</a:t>
+              <a:t>Spring Data</a:t>
             </a:r>
           </a:p>
         </p:txBody>
@@ -10527,7 +11399,7 @@
     </p:spTree>
     <p:extLst>
       <p:ext uri="{BB962C8B-B14F-4D97-AF65-F5344CB8AC3E}">
-        <p14:creationId xmlns:p14="http://schemas.microsoft.com/office/powerpoint/2010/main" val="1728117138"/>
+        <p14:creationId xmlns:p14="http://schemas.microsoft.com/office/powerpoint/2010/main" val="3779633253"/>
       </p:ext>
     </p:extLst>
   </p:cSld>

--- a/assets/images/Images.pptx
+++ b/assets/images/Images.pptx
@@ -4,6 +4,9 @@
   <p:sldMasterIdLst>
     <p:sldMasterId id="2147483648" r:id="rId1"/>
   </p:sldMasterIdLst>
+  <p:notesMasterIdLst>
+    <p:notesMasterId r:id="rId14"/>
+  </p:notesMasterIdLst>
   <p:sldIdLst>
     <p:sldId id="259" r:id="rId2"/>
     <p:sldId id="256" r:id="rId3"/>
@@ -12,10 +15,11 @@
     <p:sldId id="263" r:id="rId6"/>
     <p:sldId id="261" r:id="rId7"/>
     <p:sldId id="262" r:id="rId8"/>
-    <p:sldId id="260" r:id="rId9"/>
-    <p:sldId id="266" r:id="rId10"/>
-    <p:sldId id="264" r:id="rId11"/>
-    <p:sldId id="265" r:id="rId12"/>
+    <p:sldId id="267" r:id="rId9"/>
+    <p:sldId id="260" r:id="rId10"/>
+    <p:sldId id="266" r:id="rId11"/>
+    <p:sldId id="264" r:id="rId12"/>
+    <p:sldId id="265" r:id="rId13"/>
   </p:sldIdLst>
   <p:sldSz cx="12192000" cy="6858000"/>
   <p:notesSz cx="6858000" cy="9144000"/>
@@ -130,6 +134,7 @@
             <p14:sldId id="263"/>
             <p14:sldId id="261"/>
             <p14:sldId id="262"/>
+            <p14:sldId id="267"/>
           </p14:sldIdLst>
         </p14:section>
         <p14:section name="Primer - Demo - Contcat Us" id="{CD463FAA-F783-204C-8F4A-ACCF9AB96981}">
@@ -151,6 +156,439 @@
     </p:ext>
   </p:extLst>
 </p:presentation>
+</file>
+
+<file path=ppt/notesMasters/notesMaster1.xml><?xml version="1.0" encoding="utf-8"?>
+<p:notesMaster xmlns:a="http://schemas.openxmlformats.org/drawingml/2006/main" xmlns:r="http://schemas.openxmlformats.org/officeDocument/2006/relationships" xmlns:p="http://schemas.openxmlformats.org/presentationml/2006/main">
+  <p:cSld>
+    <p:bg>
+      <p:bgRef idx="1001">
+        <a:schemeClr val="bg1"/>
+      </p:bgRef>
+    </p:bg>
+    <p:spTree>
+      <p:nvGrpSpPr>
+        <p:cNvPr id="1" name=""/>
+        <p:cNvGrpSpPr/>
+        <p:nvPr/>
+      </p:nvGrpSpPr>
+      <p:grpSpPr>
+        <a:xfrm>
+          <a:off x="0" y="0"/>
+          <a:ext cx="0" cy="0"/>
+          <a:chOff x="0" y="0"/>
+          <a:chExt cx="0" cy="0"/>
+        </a:xfrm>
+      </p:grpSpPr>
+      <p:sp>
+        <p:nvSpPr>
+          <p:cNvPr id="2" name="Header Placeholder 1"/>
+          <p:cNvSpPr>
+            <a:spLocks noGrp="1"/>
+          </p:cNvSpPr>
+          <p:nvPr>
+            <p:ph type="hdr" sz="quarter"/>
+          </p:nvPr>
+        </p:nvSpPr>
+        <p:spPr>
+          <a:xfrm>
+            <a:off x="0" y="0"/>
+            <a:ext cx="2971800" cy="458788"/>
+          </a:xfrm>
+          <a:prstGeom prst="rect">
+            <a:avLst/>
+          </a:prstGeom>
+        </p:spPr>
+        <p:txBody>
+          <a:bodyPr vert="horz" lIns="91440" tIns="45720" rIns="91440" bIns="45720" rtlCol="0"/>
+          <a:lstStyle>
+            <a:lvl1pPr algn="l">
+              <a:defRPr sz="1200"/>
+            </a:lvl1pPr>
+          </a:lstStyle>
+          <a:p>
+            <a:endParaRPr lang="en-GB"/>
+          </a:p>
+        </p:txBody>
+      </p:sp>
+      <p:sp>
+        <p:nvSpPr>
+          <p:cNvPr id="3" name="Date Placeholder 2"/>
+          <p:cNvSpPr>
+            <a:spLocks noGrp="1"/>
+          </p:cNvSpPr>
+          <p:nvPr>
+            <p:ph type="dt" idx="1"/>
+          </p:nvPr>
+        </p:nvSpPr>
+        <p:spPr>
+          <a:xfrm>
+            <a:off x="3884613" y="0"/>
+            <a:ext cx="2971800" cy="458788"/>
+          </a:xfrm>
+          <a:prstGeom prst="rect">
+            <a:avLst/>
+          </a:prstGeom>
+        </p:spPr>
+        <p:txBody>
+          <a:bodyPr vert="horz" lIns="91440" tIns="45720" rIns="91440" bIns="45720" rtlCol="0"/>
+          <a:lstStyle>
+            <a:lvl1pPr algn="r">
+              <a:defRPr sz="1200"/>
+            </a:lvl1pPr>
+          </a:lstStyle>
+          <a:p>
+            <a:fld id="{3410FFEA-700C-D44B-9142-6365EAF8EACA}" type="datetimeFigureOut">
+              <a:rPr lang="en-GB" smtClean="0"/>
+              <a:t>18/06/2020</a:t>
+            </a:fld>
+            <a:endParaRPr lang="en-GB"/>
+          </a:p>
+        </p:txBody>
+      </p:sp>
+      <p:sp>
+        <p:nvSpPr>
+          <p:cNvPr id="4" name="Slide Image Placeholder 3"/>
+          <p:cNvSpPr>
+            <a:spLocks noGrp="1" noRot="1" noChangeAspect="1"/>
+          </p:cNvSpPr>
+          <p:nvPr>
+            <p:ph type="sldImg" idx="2"/>
+          </p:nvPr>
+        </p:nvSpPr>
+        <p:spPr>
+          <a:xfrm>
+            <a:off x="685800" y="1143000"/>
+            <a:ext cx="5486400" cy="3086100"/>
+          </a:xfrm>
+          <a:prstGeom prst="rect">
+            <a:avLst/>
+          </a:prstGeom>
+          <a:noFill/>
+          <a:ln w="12700">
+            <a:solidFill>
+              <a:prstClr val="black"/>
+            </a:solidFill>
+          </a:ln>
+        </p:spPr>
+        <p:txBody>
+          <a:bodyPr vert="horz" lIns="91440" tIns="45720" rIns="91440" bIns="45720" rtlCol="0" anchor="ctr"/>
+          <a:lstStyle/>
+          <a:p>
+            <a:endParaRPr lang="en-GB"/>
+          </a:p>
+        </p:txBody>
+      </p:sp>
+      <p:sp>
+        <p:nvSpPr>
+          <p:cNvPr id="5" name="Notes Placeholder 4"/>
+          <p:cNvSpPr>
+            <a:spLocks noGrp="1"/>
+          </p:cNvSpPr>
+          <p:nvPr>
+            <p:ph type="body" sz="quarter" idx="3"/>
+          </p:nvPr>
+        </p:nvSpPr>
+        <p:spPr>
+          <a:xfrm>
+            <a:off x="685800" y="4400550"/>
+            <a:ext cx="5486400" cy="3600450"/>
+          </a:xfrm>
+          <a:prstGeom prst="rect">
+            <a:avLst/>
+          </a:prstGeom>
+        </p:spPr>
+        <p:txBody>
+          <a:bodyPr vert="horz" lIns="91440" tIns="45720" rIns="91440" bIns="45720" rtlCol="0"/>
+          <a:lstStyle/>
+          <a:p>
+            <a:pPr lvl="0"/>
+            <a:r>
+              <a:rPr lang="en-GB"/>
+              <a:t>Click to edit Master text styles</a:t>
+            </a:r>
+          </a:p>
+          <a:p>
+            <a:pPr lvl="1"/>
+            <a:r>
+              <a:rPr lang="en-GB"/>
+              <a:t>Second level</a:t>
+            </a:r>
+          </a:p>
+          <a:p>
+            <a:pPr lvl="2"/>
+            <a:r>
+              <a:rPr lang="en-GB"/>
+              <a:t>Third level</a:t>
+            </a:r>
+          </a:p>
+          <a:p>
+            <a:pPr lvl="3"/>
+            <a:r>
+              <a:rPr lang="en-GB"/>
+              <a:t>Fourth level</a:t>
+            </a:r>
+          </a:p>
+          <a:p>
+            <a:pPr lvl="4"/>
+            <a:r>
+              <a:rPr lang="en-GB"/>
+              <a:t>Fifth level</a:t>
+            </a:r>
+          </a:p>
+        </p:txBody>
+      </p:sp>
+      <p:sp>
+        <p:nvSpPr>
+          <p:cNvPr id="6" name="Footer Placeholder 5"/>
+          <p:cNvSpPr>
+            <a:spLocks noGrp="1"/>
+          </p:cNvSpPr>
+          <p:nvPr>
+            <p:ph type="ftr" sz="quarter" idx="4"/>
+          </p:nvPr>
+        </p:nvSpPr>
+        <p:spPr>
+          <a:xfrm>
+            <a:off x="0" y="8685213"/>
+            <a:ext cx="2971800" cy="458787"/>
+          </a:xfrm>
+          <a:prstGeom prst="rect">
+            <a:avLst/>
+          </a:prstGeom>
+        </p:spPr>
+        <p:txBody>
+          <a:bodyPr vert="horz" lIns="91440" tIns="45720" rIns="91440" bIns="45720" rtlCol="0" anchor="b"/>
+          <a:lstStyle>
+            <a:lvl1pPr algn="l">
+              <a:defRPr sz="1200"/>
+            </a:lvl1pPr>
+          </a:lstStyle>
+          <a:p>
+            <a:endParaRPr lang="en-GB"/>
+          </a:p>
+        </p:txBody>
+      </p:sp>
+      <p:sp>
+        <p:nvSpPr>
+          <p:cNvPr id="7" name="Slide Number Placeholder 6"/>
+          <p:cNvSpPr>
+            <a:spLocks noGrp="1"/>
+          </p:cNvSpPr>
+          <p:nvPr>
+            <p:ph type="sldNum" sz="quarter" idx="5"/>
+          </p:nvPr>
+        </p:nvSpPr>
+        <p:spPr>
+          <a:xfrm>
+            <a:off x="3884613" y="8685213"/>
+            <a:ext cx="2971800" cy="458787"/>
+          </a:xfrm>
+          <a:prstGeom prst="rect">
+            <a:avLst/>
+          </a:prstGeom>
+        </p:spPr>
+        <p:txBody>
+          <a:bodyPr vert="horz" lIns="91440" tIns="45720" rIns="91440" bIns="45720" rtlCol="0" anchor="b"/>
+          <a:lstStyle>
+            <a:lvl1pPr algn="r">
+              <a:defRPr sz="1200"/>
+            </a:lvl1pPr>
+          </a:lstStyle>
+          <a:p>
+            <a:fld id="{25B5921E-9FDA-3740-8DFC-301B16572643}" type="slidenum">
+              <a:rPr lang="en-GB" smtClean="0"/>
+              <a:t>‹#›</a:t>
+            </a:fld>
+            <a:endParaRPr lang="en-GB"/>
+          </a:p>
+        </p:txBody>
+      </p:sp>
+    </p:spTree>
+    <p:extLst>
+      <p:ext uri="{BB962C8B-B14F-4D97-AF65-F5344CB8AC3E}">
+        <p14:creationId xmlns:p14="http://schemas.microsoft.com/office/powerpoint/2010/main" val="4257284845"/>
+      </p:ext>
+    </p:extLst>
+  </p:cSld>
+  <p:clrMap bg1="lt1" tx1="dk1" bg2="lt2" tx2="dk2" accent1="accent1" accent2="accent2" accent3="accent3" accent4="accent4" accent5="accent5" accent6="accent6" hlink="hlink" folHlink="folHlink"/>
+  <p:notesStyle>
+    <a:lvl1pPr marL="0" algn="l" defTabSz="914400" rtl="0" eaLnBrk="1" latinLnBrk="0" hangingPunct="1">
+      <a:defRPr sz="1200" kern="1200">
+        <a:solidFill>
+          <a:schemeClr val="tx1"/>
+        </a:solidFill>
+        <a:latin typeface="+mn-lt"/>
+        <a:ea typeface="+mn-ea"/>
+        <a:cs typeface="+mn-cs"/>
+      </a:defRPr>
+    </a:lvl1pPr>
+    <a:lvl2pPr marL="457200" algn="l" defTabSz="914400" rtl="0" eaLnBrk="1" latinLnBrk="0" hangingPunct="1">
+      <a:defRPr sz="1200" kern="1200">
+        <a:solidFill>
+          <a:schemeClr val="tx1"/>
+        </a:solidFill>
+        <a:latin typeface="+mn-lt"/>
+        <a:ea typeface="+mn-ea"/>
+        <a:cs typeface="+mn-cs"/>
+      </a:defRPr>
+    </a:lvl2pPr>
+    <a:lvl3pPr marL="914400" algn="l" defTabSz="914400" rtl="0" eaLnBrk="1" latinLnBrk="0" hangingPunct="1">
+      <a:defRPr sz="1200" kern="1200">
+        <a:solidFill>
+          <a:schemeClr val="tx1"/>
+        </a:solidFill>
+        <a:latin typeface="+mn-lt"/>
+        <a:ea typeface="+mn-ea"/>
+        <a:cs typeface="+mn-cs"/>
+      </a:defRPr>
+    </a:lvl3pPr>
+    <a:lvl4pPr marL="1371600" algn="l" defTabSz="914400" rtl="0" eaLnBrk="1" latinLnBrk="0" hangingPunct="1">
+      <a:defRPr sz="1200" kern="1200">
+        <a:solidFill>
+          <a:schemeClr val="tx1"/>
+        </a:solidFill>
+        <a:latin typeface="+mn-lt"/>
+        <a:ea typeface="+mn-ea"/>
+        <a:cs typeface="+mn-cs"/>
+      </a:defRPr>
+    </a:lvl4pPr>
+    <a:lvl5pPr marL="1828800" algn="l" defTabSz="914400" rtl="0" eaLnBrk="1" latinLnBrk="0" hangingPunct="1">
+      <a:defRPr sz="1200" kern="1200">
+        <a:solidFill>
+          <a:schemeClr val="tx1"/>
+        </a:solidFill>
+        <a:latin typeface="+mn-lt"/>
+        <a:ea typeface="+mn-ea"/>
+        <a:cs typeface="+mn-cs"/>
+      </a:defRPr>
+    </a:lvl5pPr>
+    <a:lvl6pPr marL="2286000" algn="l" defTabSz="914400" rtl="0" eaLnBrk="1" latinLnBrk="0" hangingPunct="1">
+      <a:defRPr sz="1200" kern="1200">
+        <a:solidFill>
+          <a:schemeClr val="tx1"/>
+        </a:solidFill>
+        <a:latin typeface="+mn-lt"/>
+        <a:ea typeface="+mn-ea"/>
+        <a:cs typeface="+mn-cs"/>
+      </a:defRPr>
+    </a:lvl6pPr>
+    <a:lvl7pPr marL="2743200" algn="l" defTabSz="914400" rtl="0" eaLnBrk="1" latinLnBrk="0" hangingPunct="1">
+      <a:defRPr sz="1200" kern="1200">
+        <a:solidFill>
+          <a:schemeClr val="tx1"/>
+        </a:solidFill>
+        <a:latin typeface="+mn-lt"/>
+        <a:ea typeface="+mn-ea"/>
+        <a:cs typeface="+mn-cs"/>
+      </a:defRPr>
+    </a:lvl7pPr>
+    <a:lvl8pPr marL="3200400" algn="l" defTabSz="914400" rtl="0" eaLnBrk="1" latinLnBrk="0" hangingPunct="1">
+      <a:defRPr sz="1200" kern="1200">
+        <a:solidFill>
+          <a:schemeClr val="tx1"/>
+        </a:solidFill>
+        <a:latin typeface="+mn-lt"/>
+        <a:ea typeface="+mn-ea"/>
+        <a:cs typeface="+mn-cs"/>
+      </a:defRPr>
+    </a:lvl8pPr>
+    <a:lvl9pPr marL="3657600" algn="l" defTabSz="914400" rtl="0" eaLnBrk="1" latinLnBrk="0" hangingPunct="1">
+      <a:defRPr sz="1200" kern="1200">
+        <a:solidFill>
+          <a:schemeClr val="tx1"/>
+        </a:solidFill>
+        <a:latin typeface="+mn-lt"/>
+        <a:ea typeface="+mn-ea"/>
+        <a:cs typeface="+mn-cs"/>
+      </a:defRPr>
+    </a:lvl9pPr>
+  </p:notesStyle>
+</p:notesMaster>
+</file>
+
+<file path=ppt/notesSlides/notesSlide1.xml><?xml version="1.0" encoding="utf-8"?>
+<p:notes xmlns:a="http://schemas.openxmlformats.org/drawingml/2006/main" xmlns:r="http://schemas.openxmlformats.org/officeDocument/2006/relationships" xmlns:p="http://schemas.openxmlformats.org/presentationml/2006/main">
+  <p:cSld>
+    <p:spTree>
+      <p:nvGrpSpPr>
+        <p:cNvPr id="1" name=""/>
+        <p:cNvGrpSpPr/>
+        <p:nvPr/>
+      </p:nvGrpSpPr>
+      <p:grpSpPr>
+        <a:xfrm>
+          <a:off x="0" y="0"/>
+          <a:ext cx="0" cy="0"/>
+          <a:chOff x="0" y="0"/>
+          <a:chExt cx="0" cy="0"/>
+        </a:xfrm>
+      </p:grpSpPr>
+      <p:sp>
+        <p:nvSpPr>
+          <p:cNvPr id="2" name="Slide Image Placeholder 1"/>
+          <p:cNvSpPr>
+            <a:spLocks noGrp="1" noRot="1" noChangeAspect="1"/>
+          </p:cNvSpPr>
+          <p:nvPr>
+            <p:ph type="sldImg"/>
+          </p:nvPr>
+        </p:nvSpPr>
+        <p:spPr/>
+      </p:sp>
+      <p:sp>
+        <p:nvSpPr>
+          <p:cNvPr id="3" name="Notes Placeholder 2"/>
+          <p:cNvSpPr>
+            <a:spLocks noGrp="1"/>
+          </p:cNvSpPr>
+          <p:nvPr>
+            <p:ph type="body" idx="1"/>
+          </p:nvPr>
+        </p:nvSpPr>
+        <p:spPr/>
+        <p:txBody>
+          <a:bodyPr/>
+          <a:lstStyle/>
+          <a:p>
+            <a:endParaRPr lang="en-GB" dirty="0"/>
+          </a:p>
+        </p:txBody>
+      </p:sp>
+      <p:sp>
+        <p:nvSpPr>
+          <p:cNvPr id="4" name="Slide Number Placeholder 3"/>
+          <p:cNvSpPr>
+            <a:spLocks noGrp="1"/>
+          </p:cNvSpPr>
+          <p:nvPr>
+            <p:ph type="sldNum" sz="quarter" idx="5"/>
+          </p:nvPr>
+        </p:nvSpPr>
+        <p:spPr/>
+        <p:txBody>
+          <a:bodyPr/>
+          <a:lstStyle/>
+          <a:p>
+            <a:fld id="{25B5921E-9FDA-3740-8DFC-301B16572643}" type="slidenum">
+              <a:rPr lang="en-GB" smtClean="0"/>
+              <a:t>8</a:t>
+            </a:fld>
+            <a:endParaRPr lang="en-GB"/>
+          </a:p>
+        </p:txBody>
+      </p:sp>
+    </p:spTree>
+    <p:extLst>
+      <p:ext uri="{BB962C8B-B14F-4D97-AF65-F5344CB8AC3E}">
+        <p14:creationId xmlns:p14="http://schemas.microsoft.com/office/powerpoint/2010/main" val="3142324952"/>
+      </p:ext>
+    </p:extLst>
+  </p:cSld>
+  <p:clrMapOvr>
+    <a:masterClrMapping/>
+  </p:clrMapOvr>
+</p:notes>
 </file>
 
 <file path=ppt/slideLayouts/slideLayout1.xml><?xml version="1.0" encoding="utf-8"?>
@@ -300,7 +738,7 @@
           <a:p>
             <a:fld id="{4410B838-6512-4C44-80A6-882B4E57F739}" type="datetimeFigureOut">
               <a:rPr lang="en-GB" smtClean="0"/>
-              <a:t>17/06/2020</a:t>
+              <a:t>18/06/2020</a:t>
             </a:fld>
             <a:endParaRPr lang="en-GB"/>
           </a:p>
@@ -498,7 +936,7 @@
           <a:p>
             <a:fld id="{4410B838-6512-4C44-80A6-882B4E57F739}" type="datetimeFigureOut">
               <a:rPr lang="en-GB" smtClean="0"/>
-              <a:t>17/06/2020</a:t>
+              <a:t>18/06/2020</a:t>
             </a:fld>
             <a:endParaRPr lang="en-GB"/>
           </a:p>
@@ -706,7 +1144,7 @@
           <a:p>
             <a:fld id="{4410B838-6512-4C44-80A6-882B4E57F739}" type="datetimeFigureOut">
               <a:rPr lang="en-GB" smtClean="0"/>
-              <a:t>17/06/2020</a:t>
+              <a:t>18/06/2020</a:t>
             </a:fld>
             <a:endParaRPr lang="en-GB"/>
           </a:p>
@@ -904,7 +1342,7 @@
           <a:p>
             <a:fld id="{4410B838-6512-4C44-80A6-882B4E57F739}" type="datetimeFigureOut">
               <a:rPr lang="en-GB" smtClean="0"/>
-              <a:t>17/06/2020</a:t>
+              <a:t>18/06/2020</a:t>
             </a:fld>
             <a:endParaRPr lang="en-GB"/>
           </a:p>
@@ -1179,7 +1617,7 @@
           <a:p>
             <a:fld id="{4410B838-6512-4C44-80A6-882B4E57F739}" type="datetimeFigureOut">
               <a:rPr lang="en-GB" smtClean="0"/>
-              <a:t>17/06/2020</a:t>
+              <a:t>18/06/2020</a:t>
             </a:fld>
             <a:endParaRPr lang="en-GB"/>
           </a:p>
@@ -1444,7 +1882,7 @@
           <a:p>
             <a:fld id="{4410B838-6512-4C44-80A6-882B4E57F739}" type="datetimeFigureOut">
               <a:rPr lang="en-GB" smtClean="0"/>
-              <a:t>17/06/2020</a:t>
+              <a:t>18/06/2020</a:t>
             </a:fld>
             <a:endParaRPr lang="en-GB"/>
           </a:p>
@@ -1856,7 +2294,7 @@
           <a:p>
             <a:fld id="{4410B838-6512-4C44-80A6-882B4E57F739}" type="datetimeFigureOut">
               <a:rPr lang="en-GB" smtClean="0"/>
-              <a:t>17/06/2020</a:t>
+              <a:t>18/06/2020</a:t>
             </a:fld>
             <a:endParaRPr lang="en-GB"/>
           </a:p>
@@ -1997,7 +2435,7 @@
           <a:p>
             <a:fld id="{4410B838-6512-4C44-80A6-882B4E57F739}" type="datetimeFigureOut">
               <a:rPr lang="en-GB" smtClean="0"/>
-              <a:t>17/06/2020</a:t>
+              <a:t>18/06/2020</a:t>
             </a:fld>
             <a:endParaRPr lang="en-GB"/>
           </a:p>
@@ -2110,7 +2548,7 @@
           <a:p>
             <a:fld id="{4410B838-6512-4C44-80A6-882B4E57F739}" type="datetimeFigureOut">
               <a:rPr lang="en-GB" smtClean="0"/>
-              <a:t>17/06/2020</a:t>
+              <a:t>18/06/2020</a:t>
             </a:fld>
             <a:endParaRPr lang="en-GB"/>
           </a:p>
@@ -2421,7 +2859,7 @@
           <a:p>
             <a:fld id="{4410B838-6512-4C44-80A6-882B4E57F739}" type="datetimeFigureOut">
               <a:rPr lang="en-GB" smtClean="0"/>
-              <a:t>17/06/2020</a:t>
+              <a:t>18/06/2020</a:t>
             </a:fld>
             <a:endParaRPr lang="en-GB"/>
           </a:p>
@@ -2709,7 +3147,7 @@
           <a:p>
             <a:fld id="{4410B838-6512-4C44-80A6-882B4E57F739}" type="datetimeFigureOut">
               <a:rPr lang="en-GB" smtClean="0"/>
-              <a:t>17/06/2020</a:t>
+              <a:t>18/06/2020</a:t>
             </a:fld>
             <a:endParaRPr lang="en-GB"/>
           </a:p>
@@ -2950,7 +3388,7 @@
           <a:p>
             <a:fld id="{4410B838-6512-4C44-80A6-882B4E57F739}" type="datetimeFigureOut">
               <a:rPr lang="en-GB" smtClean="0"/>
-              <a:t>17/06/2020</a:t>
+              <a:t>18/06/2020</a:t>
             </a:fld>
             <a:endParaRPr lang="en-GB"/>
           </a:p>
@@ -3778,6 +4216,912 @@
           <a:chExt cx="0" cy="0"/>
         </a:xfrm>
       </p:grpSpPr>
+      <p:sp>
+        <p:nvSpPr>
+          <p:cNvPr id="4" name="Left Brace 3">
+            <a:extLst>
+              <a:ext uri="{FF2B5EF4-FFF2-40B4-BE49-F238E27FC236}">
+                <a16:creationId xmlns:a16="http://schemas.microsoft.com/office/drawing/2014/main" id="{B0DF68B5-8548-994E-B850-8B9FC715EB82}"/>
+              </a:ext>
+            </a:extLst>
+          </p:cNvPr>
+          <p:cNvSpPr/>
+          <p:nvPr/>
+        </p:nvSpPr>
+        <p:spPr>
+          <a:xfrm rot="5400000">
+            <a:off x="6037878" y="-3601569"/>
+            <a:ext cx="533400" cy="10372164"/>
+          </a:xfrm>
+          <a:prstGeom prst="leftBrace">
+            <a:avLst/>
+          </a:prstGeom>
+          <a:ln w="38100">
+            <a:solidFill>
+              <a:schemeClr val="tx1">
+                <a:lumMod val="75000"/>
+                <a:lumOff val="25000"/>
+              </a:schemeClr>
+            </a:solidFill>
+          </a:ln>
+        </p:spPr>
+        <p:style>
+          <a:lnRef idx="1">
+            <a:schemeClr val="accent1"/>
+          </a:lnRef>
+          <a:fillRef idx="0">
+            <a:schemeClr val="accent1"/>
+          </a:fillRef>
+          <a:effectRef idx="0">
+            <a:schemeClr val="accent1"/>
+          </a:effectRef>
+          <a:fontRef idx="minor">
+            <a:schemeClr val="tx1"/>
+          </a:fontRef>
+        </p:style>
+        <p:txBody>
+          <a:bodyPr rtlCol="0" anchor="ctr"/>
+          <a:lstStyle/>
+          <a:p>
+            <a:pPr algn="ctr"/>
+            <a:endParaRPr lang="en-GB"/>
+          </a:p>
+        </p:txBody>
+      </p:sp>
+      <p:grpSp>
+        <p:nvGrpSpPr>
+          <p:cNvPr id="21" name="Group 20">
+            <a:extLst>
+              <a:ext uri="{FF2B5EF4-FFF2-40B4-BE49-F238E27FC236}">
+                <a16:creationId xmlns:a16="http://schemas.microsoft.com/office/drawing/2014/main" id="{E26BEDF3-3964-6041-9E3A-344C2F79796C}"/>
+              </a:ext>
+            </a:extLst>
+          </p:cNvPr>
+          <p:cNvGrpSpPr/>
+          <p:nvPr/>
+        </p:nvGrpSpPr>
+        <p:grpSpPr>
+          <a:xfrm>
+            <a:off x="1240502" y="1851213"/>
+            <a:ext cx="10128153" cy="3155575"/>
+            <a:chOff x="1174376" y="1851213"/>
+            <a:chExt cx="10128153" cy="3155575"/>
+          </a:xfrm>
+        </p:grpSpPr>
+        <p:sp>
+          <p:nvSpPr>
+            <p:cNvPr id="5" name="Rectangle 4">
+              <a:extLst>
+                <a:ext uri="{FF2B5EF4-FFF2-40B4-BE49-F238E27FC236}">
+                  <a16:creationId xmlns:a16="http://schemas.microsoft.com/office/drawing/2014/main" id="{992A223D-6A85-DF41-AA06-B2CFABE471EC}"/>
+                </a:ext>
+              </a:extLst>
+            </p:cNvPr>
+            <p:cNvSpPr/>
+            <p:nvPr/>
+          </p:nvSpPr>
+          <p:spPr>
+            <a:xfrm rot="5400000">
+              <a:off x="-98612" y="3124201"/>
+              <a:ext cx="3146612" cy="600636"/>
+            </a:xfrm>
+            <a:prstGeom prst="rect">
+              <a:avLst/>
+            </a:prstGeom>
+          </p:spPr>
+          <p:style>
+            <a:lnRef idx="2">
+              <a:schemeClr val="accent1">
+                <a:shade val="50000"/>
+              </a:schemeClr>
+            </a:lnRef>
+            <a:fillRef idx="1">
+              <a:schemeClr val="accent1"/>
+            </a:fillRef>
+            <a:effectRef idx="0">
+              <a:schemeClr val="accent1"/>
+            </a:effectRef>
+            <a:fontRef idx="minor">
+              <a:schemeClr val="lt1"/>
+            </a:fontRef>
+          </p:style>
+          <p:txBody>
+            <a:bodyPr rtlCol="0" anchor="ctr"/>
+            <a:lstStyle/>
+            <a:p>
+              <a:r>
+                <a:rPr lang="en-GB" dirty="0"/>
+                <a:t>Spring Data JDBC</a:t>
+              </a:r>
+            </a:p>
+          </p:txBody>
+        </p:sp>
+        <p:sp>
+          <p:nvSpPr>
+            <p:cNvPr id="6" name="Rectangle 5">
+              <a:extLst>
+                <a:ext uri="{FF2B5EF4-FFF2-40B4-BE49-F238E27FC236}">
+                  <a16:creationId xmlns:a16="http://schemas.microsoft.com/office/drawing/2014/main" id="{6F3BB54A-972A-E74A-A39D-29B45C9B435C}"/>
+                </a:ext>
+              </a:extLst>
+            </p:cNvPr>
+            <p:cNvSpPr/>
+            <p:nvPr/>
+          </p:nvSpPr>
+          <p:spPr>
+            <a:xfrm rot="5400000">
+              <a:off x="634274" y="3126957"/>
+              <a:ext cx="3146612" cy="600636"/>
+            </a:xfrm>
+            <a:prstGeom prst="rect">
+              <a:avLst/>
+            </a:prstGeom>
+          </p:spPr>
+          <p:style>
+            <a:lnRef idx="2">
+              <a:schemeClr val="accent1">
+                <a:shade val="50000"/>
+              </a:schemeClr>
+            </a:lnRef>
+            <a:fillRef idx="1">
+              <a:schemeClr val="accent1"/>
+            </a:fillRef>
+            <a:effectRef idx="0">
+              <a:schemeClr val="accent1"/>
+            </a:effectRef>
+            <a:fontRef idx="minor">
+              <a:schemeClr val="lt1"/>
+            </a:fontRef>
+          </p:style>
+          <p:txBody>
+            <a:bodyPr rtlCol="0" anchor="ctr"/>
+            <a:lstStyle/>
+            <a:p>
+              <a:r>
+                <a:rPr lang="en-GB" dirty="0"/>
+                <a:t>Spring Data JPA</a:t>
+              </a:r>
+            </a:p>
+          </p:txBody>
+        </p:sp>
+        <p:sp>
+          <p:nvSpPr>
+            <p:cNvPr id="7" name="Rectangle 6">
+              <a:extLst>
+                <a:ext uri="{FF2B5EF4-FFF2-40B4-BE49-F238E27FC236}">
+                  <a16:creationId xmlns:a16="http://schemas.microsoft.com/office/drawing/2014/main" id="{A27B2560-719A-E249-9867-A5A68DB63975}"/>
+                </a:ext>
+              </a:extLst>
+            </p:cNvPr>
+            <p:cNvSpPr/>
+            <p:nvPr/>
+          </p:nvSpPr>
+          <p:spPr>
+            <a:xfrm rot="5400000">
+              <a:off x="1367160" y="3127646"/>
+              <a:ext cx="3146612" cy="600636"/>
+            </a:xfrm>
+            <a:prstGeom prst="rect">
+              <a:avLst/>
+            </a:prstGeom>
+          </p:spPr>
+          <p:style>
+            <a:lnRef idx="2">
+              <a:schemeClr val="accent1">
+                <a:shade val="50000"/>
+              </a:schemeClr>
+            </a:lnRef>
+            <a:fillRef idx="1">
+              <a:schemeClr val="accent1"/>
+            </a:fillRef>
+            <a:effectRef idx="0">
+              <a:schemeClr val="accent1"/>
+            </a:effectRef>
+            <a:fontRef idx="minor">
+              <a:schemeClr val="lt1"/>
+            </a:fontRef>
+          </p:style>
+          <p:txBody>
+            <a:bodyPr rtlCol="0" anchor="ctr"/>
+            <a:lstStyle/>
+            <a:p>
+              <a:r>
+                <a:rPr lang="en-GB" dirty="0"/>
+                <a:t>Spring Data </a:t>
+              </a:r>
+              <a:r>
+                <a:rPr lang="en-US" dirty="0"/>
+                <a:t>MongoDB</a:t>
+              </a:r>
+              <a:r>
+                <a:rPr lang="en-DE" dirty="0"/>
+                <a:t> </a:t>
+              </a:r>
+              <a:endParaRPr lang="en-GB" dirty="0"/>
+            </a:p>
+          </p:txBody>
+        </p:sp>
+        <p:sp>
+          <p:nvSpPr>
+            <p:cNvPr id="8" name="Rectangle 7">
+              <a:extLst>
+                <a:ext uri="{FF2B5EF4-FFF2-40B4-BE49-F238E27FC236}">
+                  <a16:creationId xmlns:a16="http://schemas.microsoft.com/office/drawing/2014/main" id="{C2BD7ABC-79FB-D549-AC1F-BBA00AE8A0ED}"/>
+                </a:ext>
+              </a:extLst>
+            </p:cNvPr>
+            <p:cNvSpPr/>
+            <p:nvPr/>
+          </p:nvSpPr>
+          <p:spPr>
+            <a:xfrm rot="5400000">
+              <a:off x="2100046" y="3128335"/>
+              <a:ext cx="3146612" cy="600636"/>
+            </a:xfrm>
+            <a:prstGeom prst="rect">
+              <a:avLst/>
+            </a:prstGeom>
+          </p:spPr>
+          <p:style>
+            <a:lnRef idx="2">
+              <a:schemeClr val="accent1">
+                <a:shade val="50000"/>
+              </a:schemeClr>
+            </a:lnRef>
+            <a:fillRef idx="1">
+              <a:schemeClr val="accent1"/>
+            </a:fillRef>
+            <a:effectRef idx="0">
+              <a:schemeClr val="accent1"/>
+            </a:effectRef>
+            <a:fontRef idx="minor">
+              <a:schemeClr val="lt1"/>
+            </a:fontRef>
+          </p:style>
+          <p:txBody>
+            <a:bodyPr rtlCol="0" anchor="ctr"/>
+            <a:lstStyle/>
+            <a:p>
+              <a:r>
+                <a:rPr lang="en-GB" dirty="0"/>
+                <a:t>Spring Data </a:t>
+              </a:r>
+              <a:r>
+                <a:rPr lang="en-US" dirty="0"/>
+                <a:t>Redis</a:t>
+              </a:r>
+              <a:r>
+                <a:rPr lang="en-DE" dirty="0"/>
+                <a:t> </a:t>
+              </a:r>
+              <a:endParaRPr lang="en-GB" dirty="0"/>
+            </a:p>
+          </p:txBody>
+        </p:sp>
+        <p:sp>
+          <p:nvSpPr>
+            <p:cNvPr id="9" name="Rectangle 8">
+              <a:extLst>
+                <a:ext uri="{FF2B5EF4-FFF2-40B4-BE49-F238E27FC236}">
+                  <a16:creationId xmlns:a16="http://schemas.microsoft.com/office/drawing/2014/main" id="{FFEE6771-753F-B746-B532-40E08991BE39}"/>
+                </a:ext>
+              </a:extLst>
+            </p:cNvPr>
+            <p:cNvSpPr/>
+            <p:nvPr/>
+          </p:nvSpPr>
+          <p:spPr>
+            <a:xfrm rot="5400000">
+              <a:off x="2832932" y="3129024"/>
+              <a:ext cx="3146612" cy="600636"/>
+            </a:xfrm>
+            <a:prstGeom prst="rect">
+              <a:avLst/>
+            </a:prstGeom>
+          </p:spPr>
+          <p:style>
+            <a:lnRef idx="2">
+              <a:schemeClr val="accent1">
+                <a:shade val="50000"/>
+              </a:schemeClr>
+            </a:lnRef>
+            <a:fillRef idx="1">
+              <a:schemeClr val="accent1"/>
+            </a:fillRef>
+            <a:effectRef idx="0">
+              <a:schemeClr val="accent1"/>
+            </a:effectRef>
+            <a:fontRef idx="minor">
+              <a:schemeClr val="lt1"/>
+            </a:fontRef>
+          </p:style>
+          <p:txBody>
+            <a:bodyPr rtlCol="0" anchor="ctr"/>
+            <a:lstStyle/>
+            <a:p>
+              <a:r>
+                <a:rPr lang="en-GB" dirty="0"/>
+                <a:t>Spring Data </a:t>
+              </a:r>
+              <a:r>
+                <a:rPr lang="en-US" dirty="0"/>
+                <a:t>R2DBC</a:t>
+              </a:r>
+              <a:r>
+                <a:rPr lang="en-DE" dirty="0"/>
+                <a:t> </a:t>
+              </a:r>
+              <a:endParaRPr lang="en-GB" dirty="0"/>
+            </a:p>
+          </p:txBody>
+        </p:sp>
+        <p:sp>
+          <p:nvSpPr>
+            <p:cNvPr id="10" name="Rectangle 9">
+              <a:extLst>
+                <a:ext uri="{FF2B5EF4-FFF2-40B4-BE49-F238E27FC236}">
+                  <a16:creationId xmlns:a16="http://schemas.microsoft.com/office/drawing/2014/main" id="{63D5CEB3-B017-F34E-A3A9-BC20685A63A0}"/>
+                </a:ext>
+              </a:extLst>
+            </p:cNvPr>
+            <p:cNvSpPr/>
+            <p:nvPr/>
+          </p:nvSpPr>
+          <p:spPr>
+            <a:xfrm rot="5400000">
+              <a:off x="3565818" y="3129713"/>
+              <a:ext cx="3146612" cy="600636"/>
+            </a:xfrm>
+            <a:prstGeom prst="rect">
+              <a:avLst/>
+            </a:prstGeom>
+          </p:spPr>
+          <p:style>
+            <a:lnRef idx="2">
+              <a:schemeClr val="accent1">
+                <a:shade val="50000"/>
+              </a:schemeClr>
+            </a:lnRef>
+            <a:fillRef idx="1">
+              <a:schemeClr val="accent1"/>
+            </a:fillRef>
+            <a:effectRef idx="0">
+              <a:schemeClr val="accent1"/>
+            </a:effectRef>
+            <a:fontRef idx="minor">
+              <a:schemeClr val="lt1"/>
+            </a:fontRef>
+          </p:style>
+          <p:txBody>
+            <a:bodyPr rtlCol="0" anchor="ctr"/>
+            <a:lstStyle/>
+            <a:p>
+              <a:r>
+                <a:rPr lang="en-GB" dirty="0"/>
+                <a:t>Spring Data </a:t>
+              </a:r>
+              <a:r>
+                <a:rPr lang="en-US" dirty="0"/>
+                <a:t>REST</a:t>
+              </a:r>
+              <a:r>
+                <a:rPr lang="en-DE" dirty="0"/>
+                <a:t> </a:t>
+              </a:r>
+              <a:endParaRPr lang="en-GB" dirty="0"/>
+            </a:p>
+          </p:txBody>
+        </p:sp>
+        <p:sp>
+          <p:nvSpPr>
+            <p:cNvPr id="11" name="Rectangle 10">
+              <a:extLst>
+                <a:ext uri="{FF2B5EF4-FFF2-40B4-BE49-F238E27FC236}">
+                  <a16:creationId xmlns:a16="http://schemas.microsoft.com/office/drawing/2014/main" id="{EC58C01B-E886-1046-A656-BB0C7F01F3BF}"/>
+                </a:ext>
+              </a:extLst>
+            </p:cNvPr>
+            <p:cNvSpPr/>
+            <p:nvPr/>
+          </p:nvSpPr>
+          <p:spPr>
+            <a:xfrm rot="5400000">
+              <a:off x="4298704" y="3130402"/>
+              <a:ext cx="3146612" cy="600636"/>
+            </a:xfrm>
+            <a:prstGeom prst="rect">
+              <a:avLst/>
+            </a:prstGeom>
+          </p:spPr>
+          <p:style>
+            <a:lnRef idx="2">
+              <a:schemeClr val="accent1">
+                <a:shade val="50000"/>
+              </a:schemeClr>
+            </a:lnRef>
+            <a:fillRef idx="1">
+              <a:schemeClr val="accent1"/>
+            </a:fillRef>
+            <a:effectRef idx="0">
+              <a:schemeClr val="accent1"/>
+            </a:effectRef>
+            <a:fontRef idx="minor">
+              <a:schemeClr val="lt1"/>
+            </a:fontRef>
+          </p:style>
+          <p:txBody>
+            <a:bodyPr rtlCol="0" anchor="ctr"/>
+            <a:lstStyle/>
+            <a:p>
+              <a:r>
+                <a:rPr lang="en-GB" dirty="0"/>
+                <a:t>Spring Data </a:t>
+              </a:r>
+              <a:r>
+                <a:rPr lang="en-US" dirty="0"/>
+                <a:t>Apache Cassandra</a:t>
+              </a:r>
+              <a:endParaRPr lang="en-GB" dirty="0"/>
+            </a:p>
+          </p:txBody>
+        </p:sp>
+        <p:sp>
+          <p:nvSpPr>
+            <p:cNvPr id="12" name="Rectangle 11">
+              <a:extLst>
+                <a:ext uri="{FF2B5EF4-FFF2-40B4-BE49-F238E27FC236}">
+                  <a16:creationId xmlns:a16="http://schemas.microsoft.com/office/drawing/2014/main" id="{35777B07-8ECB-534B-8344-0320906FE71F}"/>
+                </a:ext>
+              </a:extLst>
+            </p:cNvPr>
+            <p:cNvSpPr/>
+            <p:nvPr/>
+          </p:nvSpPr>
+          <p:spPr>
+            <a:xfrm rot="5400000">
+              <a:off x="5031590" y="3131091"/>
+              <a:ext cx="3146612" cy="600636"/>
+            </a:xfrm>
+            <a:prstGeom prst="rect">
+              <a:avLst/>
+            </a:prstGeom>
+          </p:spPr>
+          <p:style>
+            <a:lnRef idx="2">
+              <a:schemeClr val="accent1">
+                <a:shade val="50000"/>
+              </a:schemeClr>
+            </a:lnRef>
+            <a:fillRef idx="1">
+              <a:schemeClr val="accent1"/>
+            </a:fillRef>
+            <a:effectRef idx="0">
+              <a:schemeClr val="accent1"/>
+            </a:effectRef>
+            <a:fontRef idx="minor">
+              <a:schemeClr val="lt1"/>
+            </a:fontRef>
+          </p:style>
+          <p:txBody>
+            <a:bodyPr rtlCol="0" anchor="ctr"/>
+            <a:lstStyle/>
+            <a:p>
+              <a:r>
+                <a:rPr lang="en-GB" dirty="0"/>
+                <a:t>Spring Data </a:t>
+              </a:r>
+              <a:r>
+                <a:rPr lang="en-US" dirty="0"/>
+                <a:t>Apache Geode</a:t>
+              </a:r>
+              <a:r>
+                <a:rPr lang="en-DE" dirty="0"/>
+                <a:t> </a:t>
+              </a:r>
+              <a:endParaRPr lang="en-GB" dirty="0"/>
+            </a:p>
+          </p:txBody>
+        </p:sp>
+        <p:sp>
+          <p:nvSpPr>
+            <p:cNvPr id="13" name="Rectangle 12">
+              <a:extLst>
+                <a:ext uri="{FF2B5EF4-FFF2-40B4-BE49-F238E27FC236}">
+                  <a16:creationId xmlns:a16="http://schemas.microsoft.com/office/drawing/2014/main" id="{9C5FECFE-BA2C-2D42-B80A-5FA4E49AA065}"/>
+                </a:ext>
+              </a:extLst>
+            </p:cNvPr>
+            <p:cNvSpPr/>
+            <p:nvPr/>
+          </p:nvSpPr>
+          <p:spPr>
+            <a:xfrm rot="5400000">
+              <a:off x="5764476" y="3131780"/>
+              <a:ext cx="3146612" cy="600636"/>
+            </a:xfrm>
+            <a:prstGeom prst="rect">
+              <a:avLst/>
+            </a:prstGeom>
+          </p:spPr>
+          <p:style>
+            <a:lnRef idx="2">
+              <a:schemeClr val="accent1">
+                <a:shade val="50000"/>
+              </a:schemeClr>
+            </a:lnRef>
+            <a:fillRef idx="1">
+              <a:schemeClr val="accent1"/>
+            </a:fillRef>
+            <a:effectRef idx="0">
+              <a:schemeClr val="accent1"/>
+            </a:effectRef>
+            <a:fontRef idx="minor">
+              <a:schemeClr val="lt1"/>
+            </a:fontRef>
+          </p:style>
+          <p:txBody>
+            <a:bodyPr rtlCol="0" anchor="ctr"/>
+            <a:lstStyle/>
+            <a:p>
+              <a:r>
+                <a:rPr lang="en-GB" dirty="0"/>
+                <a:t>Spring Data </a:t>
+              </a:r>
+              <a:r>
+                <a:rPr lang="en-US" dirty="0"/>
+                <a:t>Apache Solr</a:t>
+              </a:r>
+              <a:r>
+                <a:rPr lang="en-DE" dirty="0"/>
+                <a:t> </a:t>
+              </a:r>
+              <a:endParaRPr lang="en-GB" dirty="0"/>
+            </a:p>
+          </p:txBody>
+        </p:sp>
+        <p:sp>
+          <p:nvSpPr>
+            <p:cNvPr id="14" name="Rectangle 13">
+              <a:extLst>
+                <a:ext uri="{FF2B5EF4-FFF2-40B4-BE49-F238E27FC236}">
+                  <a16:creationId xmlns:a16="http://schemas.microsoft.com/office/drawing/2014/main" id="{AC885B70-0FC3-C14D-853E-231EB7A8C282}"/>
+                </a:ext>
+              </a:extLst>
+            </p:cNvPr>
+            <p:cNvSpPr/>
+            <p:nvPr/>
+          </p:nvSpPr>
+          <p:spPr>
+            <a:xfrm rot="5400000">
+              <a:off x="6497362" y="3124890"/>
+              <a:ext cx="3146612" cy="600636"/>
+            </a:xfrm>
+            <a:prstGeom prst="rect">
+              <a:avLst/>
+            </a:prstGeom>
+          </p:spPr>
+          <p:style>
+            <a:lnRef idx="2">
+              <a:schemeClr val="accent1">
+                <a:shade val="50000"/>
+              </a:schemeClr>
+            </a:lnRef>
+            <a:fillRef idx="1">
+              <a:schemeClr val="accent1"/>
+            </a:fillRef>
+            <a:effectRef idx="0">
+              <a:schemeClr val="accent1"/>
+            </a:effectRef>
+            <a:fontRef idx="minor">
+              <a:schemeClr val="lt1"/>
+            </a:fontRef>
+          </p:style>
+          <p:txBody>
+            <a:bodyPr rtlCol="0" anchor="ctr"/>
+            <a:lstStyle/>
+            <a:p>
+              <a:r>
+                <a:rPr lang="en-GB" dirty="0"/>
+                <a:t>Spring Data </a:t>
+              </a:r>
+              <a:r>
+                <a:rPr lang="en-US" dirty="0"/>
+                <a:t>Pivotal GemFire</a:t>
+              </a:r>
+              <a:r>
+                <a:rPr lang="en-DE" dirty="0"/>
+                <a:t> </a:t>
+              </a:r>
+              <a:endParaRPr lang="en-GB" dirty="0"/>
+            </a:p>
+          </p:txBody>
+        </p:sp>
+        <p:sp>
+          <p:nvSpPr>
+            <p:cNvPr id="15" name="Rectangle 14">
+              <a:extLst>
+                <a:ext uri="{FF2B5EF4-FFF2-40B4-BE49-F238E27FC236}">
+                  <a16:creationId xmlns:a16="http://schemas.microsoft.com/office/drawing/2014/main" id="{DED03243-2A65-FC4A-87B2-078AF9E7F81A}"/>
+                </a:ext>
+              </a:extLst>
+            </p:cNvPr>
+            <p:cNvSpPr/>
+            <p:nvPr/>
+          </p:nvSpPr>
+          <p:spPr>
+            <a:xfrm rot="5400000">
+              <a:off x="7230248" y="3132469"/>
+              <a:ext cx="3146612" cy="600636"/>
+            </a:xfrm>
+            <a:prstGeom prst="rect">
+              <a:avLst/>
+            </a:prstGeom>
+          </p:spPr>
+          <p:style>
+            <a:lnRef idx="2">
+              <a:schemeClr val="accent1">
+                <a:shade val="50000"/>
+              </a:schemeClr>
+            </a:lnRef>
+            <a:fillRef idx="1">
+              <a:schemeClr val="accent1"/>
+            </a:fillRef>
+            <a:effectRef idx="0">
+              <a:schemeClr val="accent1"/>
+            </a:effectRef>
+            <a:fontRef idx="minor">
+              <a:schemeClr val="lt1"/>
+            </a:fontRef>
+          </p:style>
+          <p:txBody>
+            <a:bodyPr rtlCol="0" anchor="ctr"/>
+            <a:lstStyle/>
+            <a:p>
+              <a:r>
+                <a:rPr lang="en-GB" dirty="0"/>
+                <a:t>Spring Data </a:t>
+              </a:r>
+              <a:r>
+                <a:rPr lang="en-US" dirty="0"/>
+                <a:t>Couchbase</a:t>
+              </a:r>
+              <a:endParaRPr lang="en-GB" dirty="0"/>
+            </a:p>
+          </p:txBody>
+        </p:sp>
+        <p:sp>
+          <p:nvSpPr>
+            <p:cNvPr id="16" name="Rectangle 15">
+              <a:extLst>
+                <a:ext uri="{FF2B5EF4-FFF2-40B4-BE49-F238E27FC236}">
+                  <a16:creationId xmlns:a16="http://schemas.microsoft.com/office/drawing/2014/main" id="{F0B8F35A-616B-D14C-8697-8AFDDC1E12A8}"/>
+                </a:ext>
+              </a:extLst>
+            </p:cNvPr>
+            <p:cNvSpPr/>
+            <p:nvPr/>
+          </p:nvSpPr>
+          <p:spPr>
+            <a:xfrm rot="5400000">
+              <a:off x="7963134" y="3125579"/>
+              <a:ext cx="3146612" cy="600636"/>
+            </a:xfrm>
+            <a:prstGeom prst="rect">
+              <a:avLst/>
+            </a:prstGeom>
+          </p:spPr>
+          <p:style>
+            <a:lnRef idx="2">
+              <a:schemeClr val="accent1">
+                <a:shade val="50000"/>
+              </a:schemeClr>
+            </a:lnRef>
+            <a:fillRef idx="1">
+              <a:schemeClr val="accent1"/>
+            </a:fillRef>
+            <a:effectRef idx="0">
+              <a:schemeClr val="accent1"/>
+            </a:effectRef>
+            <a:fontRef idx="minor">
+              <a:schemeClr val="lt1"/>
+            </a:fontRef>
+          </p:style>
+          <p:txBody>
+            <a:bodyPr rtlCol="0" anchor="ctr"/>
+            <a:lstStyle/>
+            <a:p>
+              <a:r>
+                <a:rPr lang="en-GB" dirty="0"/>
+                <a:t>Spring Data </a:t>
+              </a:r>
+              <a:r>
+                <a:rPr lang="en-US" dirty="0"/>
+                <a:t>Elasticsearch</a:t>
+              </a:r>
+              <a:endParaRPr lang="en-GB" dirty="0"/>
+            </a:p>
+          </p:txBody>
+        </p:sp>
+        <p:sp>
+          <p:nvSpPr>
+            <p:cNvPr id="17" name="Rectangle 16">
+              <a:extLst>
+                <a:ext uri="{FF2B5EF4-FFF2-40B4-BE49-F238E27FC236}">
+                  <a16:creationId xmlns:a16="http://schemas.microsoft.com/office/drawing/2014/main" id="{559D0BBC-AFB1-5A4C-9795-E5EE9D37B8F8}"/>
+                </a:ext>
+              </a:extLst>
+            </p:cNvPr>
+            <p:cNvSpPr/>
+            <p:nvPr/>
+          </p:nvSpPr>
+          <p:spPr>
+            <a:xfrm rot="5400000">
+              <a:off x="8696024" y="3133164"/>
+              <a:ext cx="3146612" cy="600636"/>
+            </a:xfrm>
+            <a:prstGeom prst="rect">
+              <a:avLst/>
+            </a:prstGeom>
+          </p:spPr>
+          <p:style>
+            <a:lnRef idx="2">
+              <a:schemeClr val="accent1">
+                <a:shade val="50000"/>
+              </a:schemeClr>
+            </a:lnRef>
+            <a:fillRef idx="1">
+              <a:schemeClr val="accent1"/>
+            </a:fillRef>
+            <a:effectRef idx="0">
+              <a:schemeClr val="accent1"/>
+            </a:effectRef>
+            <a:fontRef idx="minor">
+              <a:schemeClr val="lt1"/>
+            </a:fontRef>
+          </p:style>
+          <p:txBody>
+            <a:bodyPr rtlCol="0" anchor="ctr"/>
+            <a:lstStyle/>
+            <a:p>
+              <a:r>
+                <a:rPr lang="en-GB" dirty="0"/>
+                <a:t>Spring Data </a:t>
+              </a:r>
+              <a:r>
+                <a:rPr lang="en-US" dirty="0"/>
+                <a:t>Envers</a:t>
+              </a:r>
+              <a:r>
+                <a:rPr lang="en-DE" dirty="0"/>
+                <a:t> </a:t>
+              </a:r>
+              <a:endParaRPr lang="en-GB" dirty="0"/>
+            </a:p>
+          </p:txBody>
+        </p:sp>
+        <p:sp>
+          <p:nvSpPr>
+            <p:cNvPr id="19" name="Rectangle 18">
+              <a:extLst>
+                <a:ext uri="{FF2B5EF4-FFF2-40B4-BE49-F238E27FC236}">
+                  <a16:creationId xmlns:a16="http://schemas.microsoft.com/office/drawing/2014/main" id="{66FBB0F1-FB54-2A46-BD20-E7B264FB7FD2}"/>
+                </a:ext>
+              </a:extLst>
+            </p:cNvPr>
+            <p:cNvSpPr/>
+            <p:nvPr/>
+          </p:nvSpPr>
+          <p:spPr>
+            <a:xfrm rot="5400000">
+              <a:off x="9428905" y="3126268"/>
+              <a:ext cx="3146612" cy="600636"/>
+            </a:xfrm>
+            <a:prstGeom prst="rect">
+              <a:avLst/>
+            </a:prstGeom>
+          </p:spPr>
+          <p:style>
+            <a:lnRef idx="2">
+              <a:schemeClr val="accent1">
+                <a:shade val="50000"/>
+              </a:schemeClr>
+            </a:lnRef>
+            <a:fillRef idx="1">
+              <a:schemeClr val="accent1"/>
+            </a:fillRef>
+            <a:effectRef idx="0">
+              <a:schemeClr val="accent1"/>
+            </a:effectRef>
+            <a:fontRef idx="minor">
+              <a:schemeClr val="lt1"/>
+            </a:fontRef>
+          </p:style>
+          <p:txBody>
+            <a:bodyPr rtlCol="0" anchor="ctr"/>
+            <a:lstStyle/>
+            <a:p>
+              <a:r>
+                <a:rPr lang="en-GB" dirty="0"/>
+                <a:t>Spring Data </a:t>
+              </a:r>
+              <a:r>
+                <a:rPr lang="en-US" dirty="0"/>
+                <a:t>Neo4J</a:t>
+              </a:r>
+              <a:r>
+                <a:rPr lang="en-DE" dirty="0"/>
+                <a:t> </a:t>
+              </a:r>
+              <a:endParaRPr lang="en-GB" dirty="0"/>
+            </a:p>
+          </p:txBody>
+        </p:sp>
+      </p:grpSp>
+      <p:sp>
+        <p:nvSpPr>
+          <p:cNvPr id="22" name="TextBox 21">
+            <a:extLst>
+              <a:ext uri="{FF2B5EF4-FFF2-40B4-BE49-F238E27FC236}">
+                <a16:creationId xmlns:a16="http://schemas.microsoft.com/office/drawing/2014/main" id="{928509C4-DF93-7A4C-8B6E-1F08339FB6AC}"/>
+              </a:ext>
+            </a:extLst>
+          </p:cNvPr>
+          <p:cNvSpPr txBox="1"/>
+          <p:nvPr/>
+        </p:nvSpPr>
+        <p:spPr>
+          <a:xfrm>
+            <a:off x="5668213" y="939518"/>
+            <a:ext cx="1264962" cy="369332"/>
+          </a:xfrm>
+          <a:prstGeom prst="rect">
+            <a:avLst/>
+          </a:prstGeom>
+          <a:noFill/>
+        </p:spPr>
+        <p:txBody>
+          <a:bodyPr wrap="none" rtlCol="0">
+            <a:spAutoFit/>
+          </a:bodyPr>
+          <a:lstStyle/>
+          <a:p>
+            <a:r>
+              <a:rPr lang="en-GB" dirty="0"/>
+              <a:t>Spring Data</a:t>
+            </a:r>
+          </a:p>
+        </p:txBody>
+      </p:sp>
+    </p:spTree>
+    <p:extLst>
+      <p:ext uri="{BB962C8B-B14F-4D97-AF65-F5344CB8AC3E}">
+        <p14:creationId xmlns:p14="http://schemas.microsoft.com/office/powerpoint/2010/main" val="3779633253"/>
+      </p:ext>
+    </p:extLst>
+  </p:cSld>
+  <p:clrMapOvr>
+    <a:masterClrMapping/>
+  </p:clrMapOvr>
+</p:sld>
+</file>
+
+<file path=ppt/slides/slide11.xml><?xml version="1.0" encoding="utf-8"?>
+<p:sld xmlns:a="http://schemas.openxmlformats.org/drawingml/2006/main" xmlns:r="http://schemas.openxmlformats.org/officeDocument/2006/relationships" xmlns:p="http://schemas.openxmlformats.org/presentationml/2006/main">
+  <p:cSld>
+    <p:spTree>
+      <p:nvGrpSpPr>
+        <p:cNvPr id="1" name=""/>
+        <p:cNvGrpSpPr/>
+        <p:nvPr/>
+      </p:nvGrpSpPr>
+      <p:grpSpPr>
+        <a:xfrm>
+          <a:off x="0" y="0"/>
+          <a:ext cx="0" cy="0"/>
+          <a:chOff x="0" y="0"/>
+          <a:chExt cx="0" cy="0"/>
+        </a:xfrm>
+      </p:grpSpPr>
       <p:pic>
         <p:nvPicPr>
           <p:cNvPr id="6" name="Picture 5">
@@ -3967,7 +5311,7 @@
 </p:sld>
 </file>
 
-<file path=ppt/slides/slide11.xml><?xml version="1.0" encoding="utf-8"?>
+<file path=ppt/slides/slide12.xml><?xml version="1.0" encoding="utf-8"?>
 <p:sld xmlns:a="http://schemas.openxmlformats.org/drawingml/2006/main" xmlns:r="http://schemas.openxmlformats.org/officeDocument/2006/relationships" xmlns:p="http://schemas.openxmlformats.org/presentationml/2006/main">
   <p:cSld>
     <p:spTree>
@@ -9672,6 +11016,14 @@
 <file path=ppt/slides/slide8.xml><?xml version="1.0" encoding="utf-8"?>
 <p:sld xmlns:a="http://schemas.openxmlformats.org/drawingml/2006/main" xmlns:r="http://schemas.openxmlformats.org/officeDocument/2006/relationships" xmlns:p="http://schemas.openxmlformats.org/presentationml/2006/main">
   <p:cSld>
+    <p:bg>
+      <p:bgPr>
+        <a:solidFill>
+          <a:schemeClr val="bg1"/>
+        </a:solidFill>
+        <a:effectLst/>
+      </p:bgPr>
+    </p:bg>
     <p:spTree>
       <p:nvGrpSpPr>
         <p:cNvPr id="1" name=""/>
@@ -9686,12 +11038,144 @@
           <a:chExt cx="0" cy="0"/>
         </a:xfrm>
       </p:grpSpPr>
+      <p:sp>
+        <p:nvSpPr>
+          <p:cNvPr id="73" name="Rectangle 72">
+            <a:extLst>
+              <a:ext uri="{FF2B5EF4-FFF2-40B4-BE49-F238E27FC236}">
+                <a16:creationId xmlns:a16="http://schemas.microsoft.com/office/drawing/2014/main" id="{664E23E2-7440-4E36-A67B-0F88C5F7E185}"/>
+              </a:ext>
+              <a:ext uri="{C183D7F6-B498-43B3-948B-1728B52AA6E4}">
+                <adec:decorative xmlns:adec="http://schemas.microsoft.com/office/drawing/2017/decorative" val="1"/>
+              </a:ext>
+            </a:extLst>
+          </p:cNvPr>
+          <p:cNvSpPr>
+            <a:spLocks noGrp="1" noRot="1" noChangeAspect="1" noMove="1" noResize="1" noEditPoints="1" noAdjustHandles="1" noChangeArrowheads="1" noChangeShapeType="1" noTextEdit="1"/>
+          </p:cNvSpPr>
+          <p:nvPr>
+            <p:extLst>
+              <p:ext uri="{386F3935-93C4-4BCD-93E2-E3B085C9AB24}">
+                <p16:designElem xmlns:p16="http://schemas.microsoft.com/office/powerpoint/2015/main" val="1"/>
+              </p:ext>
+            </p:extLst>
+          </p:nvPr>
+        </p:nvSpPr>
+        <p:spPr>
+          <a:xfrm>
+            <a:off x="0" y="0"/>
+            <a:ext cx="12192000" cy="6858000"/>
+          </a:xfrm>
+          <a:prstGeom prst="rect">
+            <a:avLst/>
+          </a:prstGeom>
+          <a:solidFill>
+            <a:schemeClr val="tx1">
+              <a:lumMod val="50000"/>
+              <a:lumOff val="50000"/>
+              <a:alpha val="30000"/>
+            </a:schemeClr>
+          </a:solidFill>
+          <a:ln>
+            <a:noFill/>
+          </a:ln>
+        </p:spPr>
+        <p:style>
+          <a:lnRef idx="2">
+            <a:schemeClr val="accent1">
+              <a:shade val="50000"/>
+            </a:schemeClr>
+          </a:lnRef>
+          <a:fillRef idx="1">
+            <a:schemeClr val="accent1"/>
+          </a:fillRef>
+          <a:effectRef idx="0">
+            <a:schemeClr val="accent1"/>
+          </a:effectRef>
+          <a:fontRef idx="minor">
+            <a:schemeClr val="lt1"/>
+          </a:fontRef>
+        </p:style>
+        <p:txBody>
+          <a:bodyPr rtlCol="0" anchor="ctr"/>
+          <a:lstStyle/>
+          <a:p>
+            <a:pPr algn="ctr"/>
+            <a:endParaRPr lang="en-US"/>
+          </a:p>
+        </p:txBody>
+      </p:sp>
+      <p:sp>
+        <p:nvSpPr>
+          <p:cNvPr id="75" name="Rectangle 74">
+            <a:extLst>
+              <a:ext uri="{FF2B5EF4-FFF2-40B4-BE49-F238E27FC236}">
+                <a16:creationId xmlns:a16="http://schemas.microsoft.com/office/drawing/2014/main" id="{B06949AE-010D-4C18-8AED-7872085ADD57}"/>
+              </a:ext>
+              <a:ext uri="{C183D7F6-B498-43B3-948B-1728B52AA6E4}">
+                <adec:decorative xmlns:adec="http://schemas.microsoft.com/office/drawing/2017/decorative" val="1"/>
+              </a:ext>
+            </a:extLst>
+          </p:cNvPr>
+          <p:cNvSpPr>
+            <a:spLocks noGrp="1" noRot="1" noChangeAspect="1" noMove="1" noResize="1" noEditPoints="1" noAdjustHandles="1" noChangeArrowheads="1" noChangeShapeType="1" noTextEdit="1"/>
+          </p:cNvSpPr>
+          <p:nvPr>
+            <p:extLst>
+              <p:ext uri="{386F3935-93C4-4BCD-93E2-E3B085C9AB24}">
+                <p16:designElem xmlns:p16="http://schemas.microsoft.com/office/powerpoint/2015/main" val="1"/>
+              </p:ext>
+            </p:extLst>
+          </p:nvPr>
+        </p:nvSpPr>
+        <p:spPr>
+          <a:xfrm>
+            <a:off x="477012" y="487090"/>
+            <a:ext cx="5458121" cy="5897880"/>
+          </a:xfrm>
+          <a:prstGeom prst="rect">
+            <a:avLst/>
+          </a:prstGeom>
+          <a:solidFill>
+            <a:srgbClr val="FFFFFF"/>
+          </a:solidFill>
+          <a:ln w="19050">
+            <a:solidFill>
+              <a:srgbClr val="E19316"/>
+            </a:solidFill>
+          </a:ln>
+        </p:spPr>
+        <p:style>
+          <a:lnRef idx="2">
+            <a:schemeClr val="accent1">
+              <a:shade val="50000"/>
+            </a:schemeClr>
+          </a:lnRef>
+          <a:fillRef idx="1">
+            <a:schemeClr val="accent1"/>
+          </a:fillRef>
+          <a:effectRef idx="0">
+            <a:schemeClr val="accent1"/>
+          </a:effectRef>
+          <a:fontRef idx="minor">
+            <a:schemeClr val="lt1"/>
+          </a:fontRef>
+        </p:style>
+        <p:txBody>
+          <a:bodyPr rtlCol="0" anchor="ctr"/>
+          <a:lstStyle/>
+          <a:p>
+            <a:pPr algn="ctr"/>
+            <a:endParaRPr lang="en-US"/>
+          </a:p>
+        </p:txBody>
+      </p:sp>
       <p:pic>
         <p:nvPicPr>
-          <p:cNvPr id="1026" name="Picture 2" descr="Files And Folders, Csv, Comma Separated Values, Csv File ...">
-            <a:extLst>
-              <a:ext uri="{FF2B5EF4-FFF2-40B4-BE49-F238E27FC236}">
-                <a16:creationId xmlns:a16="http://schemas.microsoft.com/office/drawing/2014/main" id="{1AF7294B-7DBD-6649-BCDE-D01C025A47ED}"/>
+          <p:cNvPr id="1026" name="Picture 2" descr="spring_framework">
+            <a:extLst>
+              <a:ext uri="{FF2B5EF4-FFF2-40B4-BE49-F238E27FC236}">
+                <a16:creationId xmlns:a16="http://schemas.microsoft.com/office/drawing/2014/main" id="{E96AF57F-AB65-4F45-A557-BF836A500914}"/>
               </a:ext>
             </a:extLst>
           </p:cNvPr>
@@ -9701,22 +11185,21 @@
           <p:nvPr/>
         </p:nvPicPr>
         <p:blipFill>
-          <a:blip r:embed="rId2">
+          <a:blip r:embed="rId3">
             <a:extLst>
               <a:ext uri="{28A0092B-C50C-407E-A947-70E740481C1C}">
                 <a14:useLocalDpi xmlns:a14="http://schemas.microsoft.com/office/drawing/2010/main" val="0"/>
               </a:ext>
             </a:extLst>
           </a:blip>
-          <a:srcRect/>
           <a:stretch>
             <a:fillRect/>
           </a:stretch>
         </p:blipFill>
         <p:spPr bwMode="auto">
           <a:xfrm>
-            <a:off x="9731075" y="671379"/>
-            <a:ext cx="1559560" cy="1559560"/>
+            <a:off x="641180" y="1730376"/>
+            <a:ext cx="5129784" cy="3411307"/>
           </a:xfrm>
           <a:prstGeom prst="rect">
             <a:avLst/>
@@ -9735,24 +11218,43 @@
       </p:pic>
       <p:sp>
         <p:nvSpPr>
-          <p:cNvPr id="4" name="Rectangle 3">
-            <a:extLst>
-              <a:ext uri="{FF2B5EF4-FFF2-40B4-BE49-F238E27FC236}">
-                <a16:creationId xmlns:a16="http://schemas.microsoft.com/office/drawing/2014/main" id="{EF3F1165-72B7-E94E-9C13-4BF99BC1DA2F}"/>
-              </a:ext>
-            </a:extLst>
-          </p:cNvPr>
-          <p:cNvSpPr/>
-          <p:nvPr/>
-        </p:nvSpPr>
-        <p:spPr>
-          <a:xfrm>
-            <a:off x="7581116" y="671379"/>
-            <a:ext cx="1543050" cy="1559560"/>
+          <p:cNvPr id="1033" name="Rectangle 76">
+            <a:extLst>
+              <a:ext uri="{FF2B5EF4-FFF2-40B4-BE49-F238E27FC236}">
+                <a16:creationId xmlns:a16="http://schemas.microsoft.com/office/drawing/2014/main" id="{FE54AADB-50C7-4293-94C0-27361A32B8CF}"/>
+              </a:ext>
+              <a:ext uri="{C183D7F6-B498-43B3-948B-1728B52AA6E4}">
+                <adec:decorative xmlns:adec="http://schemas.microsoft.com/office/drawing/2017/decorative" val="1"/>
+              </a:ext>
+            </a:extLst>
+          </p:cNvPr>
+          <p:cNvSpPr>
+            <a:spLocks noGrp="1" noRot="1" noChangeAspect="1" noMove="1" noResize="1" noEditPoints="1" noAdjustHandles="1" noChangeArrowheads="1" noChangeShapeType="1" noTextEdit="1"/>
+          </p:cNvSpPr>
+          <p:nvPr>
+            <p:extLst>
+              <p:ext uri="{386F3935-93C4-4BCD-93E2-E3B085C9AB24}">
+                <p16:designElem xmlns:p16="http://schemas.microsoft.com/office/powerpoint/2015/main" val="1"/>
+              </p:ext>
+            </p:extLst>
+          </p:nvPr>
+        </p:nvSpPr>
+        <p:spPr>
+          <a:xfrm>
+            <a:off x="6256866" y="480060"/>
+            <a:ext cx="5458121" cy="5897880"/>
           </a:xfrm>
           <a:prstGeom prst="rect">
             <a:avLst/>
           </a:prstGeom>
+          <a:solidFill>
+            <a:srgbClr val="FFFFFF"/>
+          </a:solidFill>
+          <a:ln w="19050">
+            <a:solidFill>
+              <a:srgbClr val="E19316"/>
+            </a:solidFill>
+          </a:ln>
         </p:spPr>
         <p:style>
           <a:lnRef idx="2">
@@ -9775,725 +11277,60 @@
           <a:lstStyle/>
           <a:p>
             <a:pPr algn="ctr"/>
-            <a:r>
-              <a:rPr lang="en-GB" dirty="0"/>
-              <a:t>Service</a:t>
-            </a:r>
-          </a:p>
-        </p:txBody>
-      </p:sp>
-      <p:sp>
-        <p:nvSpPr>
-          <p:cNvPr id="6" name="Rectangle 5">
-            <a:extLst>
-              <a:ext uri="{FF2B5EF4-FFF2-40B4-BE49-F238E27FC236}">
-                <a16:creationId xmlns:a16="http://schemas.microsoft.com/office/drawing/2014/main" id="{272CD65E-60D8-A74B-8507-B059CF328F82}"/>
-              </a:ext>
-            </a:extLst>
-          </p:cNvPr>
-          <p:cNvSpPr/>
+            <a:endParaRPr lang="en-US"/>
+          </a:p>
+        </p:txBody>
+      </p:sp>
+      <p:pic>
+        <p:nvPicPr>
+          <p:cNvPr id="1028" name="Picture 4" descr="spring_boot2">
+            <a:extLst>
+              <a:ext uri="{FF2B5EF4-FFF2-40B4-BE49-F238E27FC236}">
+                <a16:creationId xmlns:a16="http://schemas.microsoft.com/office/drawing/2014/main" id="{288B669B-F95F-7244-9D65-88B6A18AB37B}"/>
+              </a:ext>
+            </a:extLst>
+          </p:cNvPr>
+          <p:cNvPicPr>
+            <a:picLocks noChangeAspect="1" noChangeArrowheads="1"/>
+          </p:cNvPicPr>
           <p:nvPr/>
-        </p:nvSpPr>
-        <p:spPr>
-          <a:xfrm>
-            <a:off x="5324475" y="671379"/>
-            <a:ext cx="1543050" cy="1559560"/>
-          </a:xfrm>
-          <a:prstGeom prst="rect">
-            <a:avLst/>
-          </a:prstGeom>
-        </p:spPr>
-        <p:style>
-          <a:lnRef idx="2">
-            <a:schemeClr val="accent1">
-              <a:shade val="50000"/>
-            </a:schemeClr>
-          </a:lnRef>
-          <a:fillRef idx="1">
-            <a:schemeClr val="accent1"/>
-          </a:fillRef>
-          <a:effectRef idx="0">
-            <a:schemeClr val="accent1"/>
-          </a:effectRef>
-          <a:fontRef idx="minor">
-            <a:schemeClr val="lt1"/>
-          </a:fontRef>
-        </p:style>
-        <p:txBody>
-          <a:bodyPr rtlCol="0" anchor="ctr"/>
-          <a:lstStyle/>
-          <a:p>
-            <a:pPr algn="ctr"/>
-            <a:r>
-              <a:rPr lang="en-GB" dirty="0"/>
-              <a:t>Controller</a:t>
-            </a:r>
-          </a:p>
-        </p:txBody>
-      </p:sp>
-      <p:sp>
-        <p:nvSpPr>
-          <p:cNvPr id="7" name="Rectangle 6">
-            <a:extLst>
-              <a:ext uri="{FF2B5EF4-FFF2-40B4-BE49-F238E27FC236}">
-                <a16:creationId xmlns:a16="http://schemas.microsoft.com/office/drawing/2014/main" id="{BA352B75-F667-B940-AE22-BC91B0A0FDD1}"/>
-              </a:ext>
-            </a:extLst>
-          </p:cNvPr>
-          <p:cNvSpPr/>
-          <p:nvPr/>
-        </p:nvSpPr>
-        <p:spPr>
-          <a:xfrm>
-            <a:off x="981973" y="671379"/>
-            <a:ext cx="1543050" cy="1559560"/>
-          </a:xfrm>
-          <a:prstGeom prst="rect">
-            <a:avLst/>
-          </a:prstGeom>
-        </p:spPr>
-        <p:style>
-          <a:lnRef idx="2">
-            <a:schemeClr val="accent1">
-              <a:shade val="50000"/>
-            </a:schemeClr>
-          </a:lnRef>
-          <a:fillRef idx="1">
-            <a:schemeClr val="accent1"/>
-          </a:fillRef>
-          <a:effectRef idx="0">
-            <a:schemeClr val="accent1"/>
-          </a:effectRef>
-          <a:fontRef idx="minor">
-            <a:schemeClr val="lt1"/>
-          </a:fontRef>
-        </p:style>
-        <p:txBody>
-          <a:bodyPr rtlCol="0" anchor="ctr"/>
-          <a:lstStyle/>
-          <a:p>
-            <a:pPr algn="ctr"/>
-            <a:r>
-              <a:rPr lang="en-GB" dirty="0"/>
-              <a:t>Consumer</a:t>
-            </a:r>
-          </a:p>
-        </p:txBody>
-      </p:sp>
-      <p:cxnSp>
-        <p:nvCxnSpPr>
-          <p:cNvPr id="14" name="Straight Arrow Connector 13">
-            <a:extLst>
-              <a:ext uri="{FF2B5EF4-FFF2-40B4-BE49-F238E27FC236}">
-                <a16:creationId xmlns:a16="http://schemas.microsoft.com/office/drawing/2014/main" id="{4B43E974-66BA-0049-98F8-EB14DF95A56C}"/>
-              </a:ext>
-            </a:extLst>
-          </p:cNvPr>
-          <p:cNvCxnSpPr>
-            <a:cxnSpLocks/>
-          </p:cNvCxnSpPr>
-          <p:nvPr/>
-        </p:nvCxnSpPr>
-        <p:spPr>
-          <a:xfrm>
-            <a:off x="6092416" y="3385017"/>
-            <a:ext cx="2247676" cy="0"/>
-          </a:xfrm>
-          <a:prstGeom prst="straightConnector1">
-            <a:avLst/>
-          </a:prstGeom>
-          <a:ln w="38100">
-            <a:solidFill>
-              <a:schemeClr val="tx1">
-                <a:lumMod val="75000"/>
-                <a:lumOff val="25000"/>
-              </a:schemeClr>
-            </a:solidFill>
-            <a:tailEnd type="triangle"/>
-          </a:ln>
-        </p:spPr>
-        <p:style>
-          <a:lnRef idx="1">
-            <a:schemeClr val="accent1"/>
-          </a:lnRef>
-          <a:fillRef idx="0">
-            <a:schemeClr val="accent1"/>
-          </a:fillRef>
-          <a:effectRef idx="0">
-            <a:schemeClr val="accent1"/>
-          </a:effectRef>
-          <a:fontRef idx="minor">
-            <a:schemeClr val="tx1"/>
-          </a:fontRef>
-        </p:style>
-      </p:cxnSp>
-      <p:cxnSp>
-        <p:nvCxnSpPr>
-          <p:cNvPr id="17" name="Straight Arrow Connector 16">
-            <a:extLst>
-              <a:ext uri="{FF2B5EF4-FFF2-40B4-BE49-F238E27FC236}">
-                <a16:creationId xmlns:a16="http://schemas.microsoft.com/office/drawing/2014/main" id="{B588B670-9224-EF43-8A03-FB1D08885F64}"/>
-              </a:ext>
-            </a:extLst>
-          </p:cNvPr>
-          <p:cNvCxnSpPr>
-            <a:cxnSpLocks/>
-          </p:cNvCxnSpPr>
-          <p:nvPr/>
-        </p:nvCxnSpPr>
-        <p:spPr>
-          <a:xfrm>
-            <a:off x="1753498" y="2822762"/>
-            <a:ext cx="4338918" cy="0"/>
-          </a:xfrm>
-          <a:prstGeom prst="straightConnector1">
-            <a:avLst/>
-          </a:prstGeom>
-          <a:ln w="38100">
-            <a:solidFill>
-              <a:schemeClr val="tx1">
-                <a:lumMod val="75000"/>
-                <a:lumOff val="25000"/>
-              </a:schemeClr>
-            </a:solidFill>
-            <a:tailEnd type="triangle"/>
-          </a:ln>
-        </p:spPr>
-        <p:style>
-          <a:lnRef idx="1">
-            <a:schemeClr val="accent1"/>
-          </a:lnRef>
-          <a:fillRef idx="0">
-            <a:schemeClr val="accent1"/>
-          </a:fillRef>
-          <a:effectRef idx="0">
-            <a:schemeClr val="accent1"/>
-          </a:effectRef>
-          <a:fontRef idx="minor">
-            <a:schemeClr val="tx1"/>
-          </a:fontRef>
-        </p:style>
-      </p:cxnSp>
-      <p:cxnSp>
-        <p:nvCxnSpPr>
-          <p:cNvPr id="20" name="Straight Arrow Connector 19">
-            <a:extLst>
-              <a:ext uri="{FF2B5EF4-FFF2-40B4-BE49-F238E27FC236}">
-                <a16:creationId xmlns:a16="http://schemas.microsoft.com/office/drawing/2014/main" id="{D2704C89-B40A-B645-81DE-1273B01F5CB0}"/>
-              </a:ext>
-            </a:extLst>
-          </p:cNvPr>
-          <p:cNvCxnSpPr>
-            <a:cxnSpLocks/>
-          </p:cNvCxnSpPr>
-          <p:nvPr/>
-        </p:nvCxnSpPr>
-        <p:spPr>
-          <a:xfrm flipV="1">
-            <a:off x="6092416" y="4509527"/>
-            <a:ext cx="2247676" cy="10086"/>
-          </a:xfrm>
-          <a:prstGeom prst="straightConnector1">
-            <a:avLst/>
-          </a:prstGeom>
-          <a:ln w="38100">
-            <a:solidFill>
-              <a:schemeClr val="tx1">
-                <a:lumMod val="75000"/>
-                <a:lumOff val="25000"/>
-              </a:schemeClr>
-            </a:solidFill>
-            <a:headEnd type="triangle" w="med" len="med"/>
-            <a:tailEnd type="none" w="med" len="med"/>
-          </a:ln>
-        </p:spPr>
-        <p:style>
-          <a:lnRef idx="1">
-            <a:schemeClr val="accent1"/>
-          </a:lnRef>
-          <a:fillRef idx="0">
-            <a:schemeClr val="accent1"/>
-          </a:fillRef>
-          <a:effectRef idx="0">
-            <a:schemeClr val="accent1"/>
-          </a:effectRef>
-          <a:fontRef idx="minor">
-            <a:schemeClr val="tx1"/>
-          </a:fontRef>
-        </p:style>
-      </p:cxnSp>
-      <p:cxnSp>
-        <p:nvCxnSpPr>
-          <p:cNvPr id="21" name="Straight Arrow Connector 20">
-            <a:extLst>
-              <a:ext uri="{FF2B5EF4-FFF2-40B4-BE49-F238E27FC236}">
-                <a16:creationId xmlns:a16="http://schemas.microsoft.com/office/drawing/2014/main" id="{AFA9AEDD-747A-B24B-9BDF-6D31D299F265}"/>
-              </a:ext>
-            </a:extLst>
-          </p:cNvPr>
-          <p:cNvCxnSpPr>
-            <a:cxnSpLocks/>
-          </p:cNvCxnSpPr>
-          <p:nvPr/>
-        </p:nvCxnSpPr>
-        <p:spPr>
-          <a:xfrm>
-            <a:off x="1753498" y="5081868"/>
-            <a:ext cx="4338918" cy="0"/>
-          </a:xfrm>
-          <a:prstGeom prst="straightConnector1">
-            <a:avLst/>
-          </a:prstGeom>
-          <a:ln w="38100">
-            <a:solidFill>
-              <a:schemeClr val="tx1">
-                <a:lumMod val="75000"/>
-                <a:lumOff val="25000"/>
-              </a:schemeClr>
-            </a:solidFill>
-            <a:headEnd type="triangle" w="med" len="med"/>
-            <a:tailEnd type="none" w="med" len="med"/>
-          </a:ln>
-        </p:spPr>
-        <p:style>
-          <a:lnRef idx="1">
-            <a:schemeClr val="accent1"/>
-          </a:lnRef>
-          <a:fillRef idx="0">
-            <a:schemeClr val="accent1"/>
-          </a:fillRef>
-          <a:effectRef idx="0">
-            <a:schemeClr val="accent1"/>
-          </a:effectRef>
-          <a:fontRef idx="minor">
-            <a:schemeClr val="tx1"/>
-          </a:fontRef>
-        </p:style>
-      </p:cxnSp>
-      <p:cxnSp>
-        <p:nvCxnSpPr>
-          <p:cNvPr id="25" name="Straight Connector 24">
-            <a:extLst>
-              <a:ext uri="{FF2B5EF4-FFF2-40B4-BE49-F238E27FC236}">
-                <a16:creationId xmlns:a16="http://schemas.microsoft.com/office/drawing/2014/main" id="{636C1109-C8EA-F145-95E4-33419C383409}"/>
-              </a:ext>
-            </a:extLst>
-          </p:cNvPr>
-          <p:cNvCxnSpPr>
-            <a:stCxn id="7" idx="2"/>
-          </p:cNvCxnSpPr>
-          <p:nvPr/>
-        </p:nvCxnSpPr>
-        <p:spPr>
-          <a:xfrm>
-            <a:off x="1753498" y="2230939"/>
-            <a:ext cx="0" cy="4376049"/>
-          </a:xfrm>
-          <a:prstGeom prst="line">
-            <a:avLst/>
-          </a:prstGeom>
-          <a:ln>
-            <a:solidFill>
-              <a:schemeClr val="tx1">
-                <a:lumMod val="75000"/>
-                <a:lumOff val="25000"/>
-              </a:schemeClr>
-            </a:solidFill>
-            <a:prstDash val="dash"/>
-          </a:ln>
-        </p:spPr>
-        <p:style>
-          <a:lnRef idx="1">
-            <a:schemeClr val="accent1"/>
-          </a:lnRef>
-          <a:fillRef idx="0">
-            <a:schemeClr val="accent1"/>
-          </a:fillRef>
-          <a:effectRef idx="0">
-            <a:schemeClr val="accent1"/>
-          </a:effectRef>
-          <a:fontRef idx="minor">
-            <a:schemeClr val="tx1"/>
-          </a:fontRef>
-        </p:style>
-      </p:cxnSp>
-      <p:cxnSp>
-        <p:nvCxnSpPr>
-          <p:cNvPr id="27" name="Straight Connector 26">
-            <a:extLst>
-              <a:ext uri="{FF2B5EF4-FFF2-40B4-BE49-F238E27FC236}">
-                <a16:creationId xmlns:a16="http://schemas.microsoft.com/office/drawing/2014/main" id="{4B8C9714-96A1-984F-A326-9AD9BA5469DD}"/>
-              </a:ext>
-            </a:extLst>
-          </p:cNvPr>
-          <p:cNvCxnSpPr/>
-          <p:nvPr/>
-        </p:nvCxnSpPr>
-        <p:spPr>
-          <a:xfrm>
-            <a:off x="6092416" y="2230939"/>
-            <a:ext cx="0" cy="4376049"/>
-          </a:xfrm>
-          <a:prstGeom prst="line">
-            <a:avLst/>
-          </a:prstGeom>
-          <a:ln>
-            <a:solidFill>
-              <a:schemeClr val="tx1">
-                <a:lumMod val="75000"/>
-                <a:lumOff val="25000"/>
-              </a:schemeClr>
-            </a:solidFill>
-            <a:prstDash val="dash"/>
-          </a:ln>
-        </p:spPr>
-        <p:style>
-          <a:lnRef idx="1">
-            <a:schemeClr val="accent1"/>
-          </a:lnRef>
-          <a:fillRef idx="0">
-            <a:schemeClr val="accent1"/>
-          </a:fillRef>
-          <a:effectRef idx="0">
-            <a:schemeClr val="accent1"/>
-          </a:effectRef>
-          <a:fontRef idx="minor">
-            <a:schemeClr val="tx1"/>
-          </a:fontRef>
-        </p:style>
-      </p:cxnSp>
-      <p:cxnSp>
-        <p:nvCxnSpPr>
-          <p:cNvPr id="28" name="Straight Connector 27">
-            <a:extLst>
-              <a:ext uri="{FF2B5EF4-FFF2-40B4-BE49-F238E27FC236}">
-                <a16:creationId xmlns:a16="http://schemas.microsoft.com/office/drawing/2014/main" id="{7E5D961D-D21D-494E-8542-9B33A81E64D1}"/>
-              </a:ext>
-            </a:extLst>
-          </p:cNvPr>
-          <p:cNvCxnSpPr/>
-          <p:nvPr/>
-        </p:nvCxnSpPr>
-        <p:spPr>
-          <a:xfrm>
-            <a:off x="8340092" y="2220854"/>
-            <a:ext cx="0" cy="4376049"/>
-          </a:xfrm>
-          <a:prstGeom prst="line">
-            <a:avLst/>
-          </a:prstGeom>
-          <a:ln>
-            <a:solidFill>
-              <a:schemeClr val="tx1">
-                <a:lumMod val="75000"/>
-                <a:lumOff val="25000"/>
-              </a:schemeClr>
-            </a:solidFill>
-            <a:prstDash val="dash"/>
-          </a:ln>
-        </p:spPr>
-        <p:style>
-          <a:lnRef idx="1">
-            <a:schemeClr val="accent1"/>
-          </a:lnRef>
-          <a:fillRef idx="0">
-            <a:schemeClr val="accent1"/>
-          </a:fillRef>
-          <a:effectRef idx="0">
-            <a:schemeClr val="accent1"/>
-          </a:effectRef>
-          <a:fontRef idx="minor">
-            <a:schemeClr val="tx1"/>
-          </a:fontRef>
-        </p:style>
-      </p:cxnSp>
-      <p:cxnSp>
-        <p:nvCxnSpPr>
-          <p:cNvPr id="29" name="Straight Connector 28">
-            <a:extLst>
-              <a:ext uri="{FF2B5EF4-FFF2-40B4-BE49-F238E27FC236}">
-                <a16:creationId xmlns:a16="http://schemas.microsoft.com/office/drawing/2014/main" id="{BBF495CB-F741-5E4E-B22C-CE8ABBCA5B22}"/>
-              </a:ext>
-            </a:extLst>
-          </p:cNvPr>
-          <p:cNvCxnSpPr/>
-          <p:nvPr/>
-        </p:nvCxnSpPr>
-        <p:spPr>
-          <a:xfrm>
-            <a:off x="10522735" y="2220853"/>
-            <a:ext cx="0" cy="4376049"/>
-          </a:xfrm>
-          <a:prstGeom prst="line">
-            <a:avLst/>
-          </a:prstGeom>
-          <a:ln>
-            <a:solidFill>
-              <a:schemeClr val="tx1">
-                <a:lumMod val="75000"/>
-                <a:lumOff val="25000"/>
-              </a:schemeClr>
-            </a:solidFill>
-            <a:prstDash val="dash"/>
-          </a:ln>
-        </p:spPr>
-        <p:style>
-          <a:lnRef idx="1">
-            <a:schemeClr val="accent1"/>
-          </a:lnRef>
-          <a:fillRef idx="0">
-            <a:schemeClr val="accent1"/>
-          </a:fillRef>
-          <a:effectRef idx="0">
-            <a:schemeClr val="accent1"/>
-          </a:effectRef>
-          <a:fontRef idx="minor">
-            <a:schemeClr val="tx1"/>
-          </a:fontRef>
-        </p:style>
-      </p:cxnSp>
-      <p:cxnSp>
-        <p:nvCxnSpPr>
-          <p:cNvPr id="32" name="Straight Arrow Connector 31">
-            <a:extLst>
-              <a:ext uri="{FF2B5EF4-FFF2-40B4-BE49-F238E27FC236}">
-                <a16:creationId xmlns:a16="http://schemas.microsoft.com/office/drawing/2014/main" id="{71050B98-9C89-D44C-9E6F-5AA685CE2612}"/>
-              </a:ext>
-            </a:extLst>
-          </p:cNvPr>
-          <p:cNvCxnSpPr>
-            <a:cxnSpLocks/>
-          </p:cNvCxnSpPr>
-          <p:nvPr/>
-        </p:nvCxnSpPr>
-        <p:spPr>
-          <a:xfrm>
-            <a:off x="8352641" y="3947272"/>
-            <a:ext cx="2170094" cy="0"/>
-          </a:xfrm>
-          <a:prstGeom prst="straightConnector1">
-            <a:avLst/>
-          </a:prstGeom>
-          <a:ln w="38100">
-            <a:solidFill>
-              <a:schemeClr val="tx1">
-                <a:lumMod val="75000"/>
-                <a:lumOff val="25000"/>
-              </a:schemeClr>
-            </a:solidFill>
-            <a:headEnd type="triangle" w="med" len="med"/>
-            <a:tailEnd type="none" w="med" len="med"/>
-          </a:ln>
-        </p:spPr>
-        <p:style>
-          <a:lnRef idx="1">
-            <a:schemeClr val="accent1"/>
-          </a:lnRef>
-          <a:fillRef idx="0">
-            <a:schemeClr val="accent1"/>
-          </a:fillRef>
-          <a:effectRef idx="0">
-            <a:schemeClr val="accent1"/>
-          </a:effectRef>
-          <a:fontRef idx="minor">
-            <a:schemeClr val="tx1"/>
-          </a:fontRef>
-        </p:style>
-      </p:cxnSp>
-      <p:sp>
-        <p:nvSpPr>
-          <p:cNvPr id="35" name="TextBox 34">
-            <a:extLst>
-              <a:ext uri="{FF2B5EF4-FFF2-40B4-BE49-F238E27FC236}">
-                <a16:creationId xmlns:a16="http://schemas.microsoft.com/office/drawing/2014/main" id="{CEC51F1D-9450-F14C-960E-BD408EC040CC}"/>
-              </a:ext>
-            </a:extLst>
-          </p:cNvPr>
-          <p:cNvSpPr txBox="1"/>
-          <p:nvPr/>
-        </p:nvSpPr>
-        <p:spPr>
-          <a:xfrm>
-            <a:off x="3003474" y="2453430"/>
-            <a:ext cx="1838965" cy="369332"/>
+        </p:nvPicPr>
+        <p:blipFill>
+          <a:blip r:embed="rId4">
+            <a:extLst>
+              <a:ext uri="{28A0092B-C50C-407E-A947-70E740481C1C}">
+                <a14:useLocalDpi xmlns:a14="http://schemas.microsoft.com/office/drawing/2010/main" val="0"/>
+              </a:ext>
+            </a:extLst>
+          </a:blip>
+          <a:stretch>
+            <a:fillRect/>
+          </a:stretch>
+        </p:blipFill>
+        <p:spPr bwMode="auto">
+          <a:xfrm>
+            <a:off x="6421034" y="1986248"/>
+            <a:ext cx="5129784" cy="2885504"/>
           </a:xfrm>
           <a:prstGeom prst="rect">
             <a:avLst/>
           </a:prstGeom>
           <a:noFill/>
-        </p:spPr>
-        <p:txBody>
-          <a:bodyPr wrap="none" rtlCol="0">
-            <a:spAutoFit/>
-          </a:bodyPr>
-          <a:lstStyle/>
-          <a:p>
-            <a:r>
-              <a:rPr lang="en-GB" dirty="0">
-                <a:latin typeface="Courier New" panose="02070309020205020404" pitchFamily="49" charset="0"/>
-                <a:cs typeface="Courier New" panose="02070309020205020404" pitchFamily="49" charset="0"/>
-              </a:rPr>
-              <a:t>GET /offices</a:t>
-            </a:r>
-          </a:p>
-        </p:txBody>
-      </p:sp>
-      <p:sp>
-        <p:nvSpPr>
-          <p:cNvPr id="37" name="TextBox 36">
-            <a:extLst>
-              <a:ext uri="{FF2B5EF4-FFF2-40B4-BE49-F238E27FC236}">
-                <a16:creationId xmlns:a16="http://schemas.microsoft.com/office/drawing/2014/main" id="{4FEF8783-5E3C-3744-81EB-1056F68841B6}"/>
-              </a:ext>
-            </a:extLst>
-          </p:cNvPr>
-          <p:cNvSpPr txBox="1"/>
-          <p:nvPr/>
-        </p:nvSpPr>
-        <p:spPr>
-          <a:xfrm>
-            <a:off x="6296772" y="3015685"/>
-            <a:ext cx="1838965" cy="369332"/>
-          </a:xfrm>
-          <a:prstGeom prst="rect">
-            <a:avLst/>
-          </a:prstGeom>
-          <a:noFill/>
-        </p:spPr>
-        <p:txBody>
-          <a:bodyPr wrap="none" rtlCol="0">
-            <a:spAutoFit/>
-          </a:bodyPr>
-          <a:lstStyle/>
-          <a:p>
-            <a:r>
-              <a:rPr lang="en-GB" dirty="0">
-                <a:latin typeface="Courier New" panose="02070309020205020404" pitchFamily="49" charset="0"/>
-                <a:cs typeface="Courier New" panose="02070309020205020404" pitchFamily="49" charset="0"/>
-              </a:rPr>
-              <a:t>Call Service</a:t>
-            </a:r>
-          </a:p>
-        </p:txBody>
-      </p:sp>
-      <p:sp>
-        <p:nvSpPr>
-          <p:cNvPr id="38" name="TextBox 37">
-            <a:extLst>
-              <a:ext uri="{FF2B5EF4-FFF2-40B4-BE49-F238E27FC236}">
-                <a16:creationId xmlns:a16="http://schemas.microsoft.com/office/drawing/2014/main" id="{D4BA6221-FE03-5541-A39F-65E467120028}"/>
-              </a:ext>
-            </a:extLst>
-          </p:cNvPr>
-          <p:cNvSpPr txBox="1"/>
-          <p:nvPr/>
-        </p:nvSpPr>
-        <p:spPr>
-          <a:xfrm>
-            <a:off x="8701515" y="3577940"/>
-            <a:ext cx="1425390" cy="369332"/>
-          </a:xfrm>
-          <a:prstGeom prst="rect">
-            <a:avLst/>
-          </a:prstGeom>
-          <a:noFill/>
-        </p:spPr>
-        <p:txBody>
-          <a:bodyPr wrap="none" rtlCol="0">
-            <a:spAutoFit/>
-          </a:bodyPr>
-          <a:lstStyle/>
-          <a:p>
-            <a:r>
-              <a:rPr lang="en-GB" dirty="0">
-                <a:latin typeface="Courier New" panose="02070309020205020404" pitchFamily="49" charset="0"/>
-                <a:cs typeface="Courier New" panose="02070309020205020404" pitchFamily="49" charset="0"/>
-              </a:rPr>
-              <a:t>Read File</a:t>
-            </a:r>
-          </a:p>
-        </p:txBody>
-      </p:sp>
-      <p:sp>
-        <p:nvSpPr>
-          <p:cNvPr id="39" name="TextBox 38">
-            <a:extLst>
-              <a:ext uri="{FF2B5EF4-FFF2-40B4-BE49-F238E27FC236}">
-                <a16:creationId xmlns:a16="http://schemas.microsoft.com/office/drawing/2014/main" id="{8BC43D35-1A82-F14B-B3E7-B7236D3D8187}"/>
-              </a:ext>
-            </a:extLst>
-          </p:cNvPr>
-          <p:cNvSpPr txBox="1"/>
-          <p:nvPr/>
-        </p:nvSpPr>
-        <p:spPr>
-          <a:xfrm>
-            <a:off x="6160378" y="4169763"/>
-            <a:ext cx="2114681" cy="369332"/>
-          </a:xfrm>
-          <a:prstGeom prst="rect">
-            <a:avLst/>
-          </a:prstGeom>
-          <a:noFill/>
-        </p:spPr>
-        <p:txBody>
-          <a:bodyPr wrap="none" rtlCol="0">
-            <a:spAutoFit/>
-          </a:bodyPr>
-          <a:lstStyle/>
-          <a:p>
-            <a:r>
-              <a:rPr lang="en-GB" dirty="0">
-                <a:latin typeface="Courier New" panose="02070309020205020404" pitchFamily="49" charset="0"/>
-                <a:cs typeface="Courier New" panose="02070309020205020404" pitchFamily="49" charset="0"/>
-              </a:rPr>
-              <a:t>Return Offices</a:t>
-            </a:r>
-          </a:p>
-        </p:txBody>
-      </p:sp>
-      <p:sp>
-        <p:nvSpPr>
-          <p:cNvPr id="40" name="TextBox 39">
-            <a:extLst>
-              <a:ext uri="{FF2B5EF4-FFF2-40B4-BE49-F238E27FC236}">
-                <a16:creationId xmlns:a16="http://schemas.microsoft.com/office/drawing/2014/main" id="{274849DF-FDAE-E447-A17E-80E539C4522B}"/>
-              </a:ext>
-            </a:extLst>
-          </p:cNvPr>
-          <p:cNvSpPr txBox="1"/>
-          <p:nvPr/>
-        </p:nvSpPr>
-        <p:spPr>
-          <a:xfrm>
-            <a:off x="2512475" y="4712535"/>
-            <a:ext cx="3079689" cy="369332"/>
-          </a:xfrm>
-          <a:prstGeom prst="rect">
-            <a:avLst/>
-          </a:prstGeom>
-          <a:noFill/>
-        </p:spPr>
-        <p:txBody>
-          <a:bodyPr wrap="none" rtlCol="0">
-            <a:spAutoFit/>
-          </a:bodyPr>
-          <a:lstStyle/>
-          <a:p>
-            <a:r>
-              <a:rPr lang="en-GB" dirty="0">
-                <a:latin typeface="Courier New" panose="02070309020205020404" pitchFamily="49" charset="0"/>
-                <a:cs typeface="Courier New" panose="02070309020205020404" pitchFamily="49" charset="0"/>
-              </a:rPr>
-              <a:t>Return Offices (JSON)</a:t>
-            </a:r>
-          </a:p>
-        </p:txBody>
-      </p:sp>
+          <a:extLst>
+            <a:ext uri="{909E8E84-426E-40DD-AFC4-6F175D3DCCD1}">
+              <a14:hiddenFill xmlns:a14="http://schemas.microsoft.com/office/drawing/2010/main">
+                <a:solidFill>
+                  <a:srgbClr val="FFFFFF"/>
+                </a:solidFill>
+              </a14:hiddenFill>
+            </a:ext>
+          </a:extLst>
+        </p:spPr>
+      </p:pic>
     </p:spTree>
     <p:extLst>
       <p:ext uri="{BB962C8B-B14F-4D97-AF65-F5344CB8AC3E}">
-        <p14:creationId xmlns:p14="http://schemas.microsoft.com/office/powerpoint/2010/main" val="1891040498"/>
+        <p14:creationId xmlns:p14="http://schemas.microsoft.com/office/powerpoint/2010/main" val="2914432589"/>
       </p:ext>
     </p:extLst>
   </p:cSld>
@@ -10520,12 +11357,59 @@
           <a:chExt cx="0" cy="0"/>
         </a:xfrm>
       </p:grpSpPr>
-      <p:sp>
-        <p:nvSpPr>
-          <p:cNvPr id="4" name="Left Brace 3">
-            <a:extLst>
-              <a:ext uri="{FF2B5EF4-FFF2-40B4-BE49-F238E27FC236}">
-                <a16:creationId xmlns:a16="http://schemas.microsoft.com/office/drawing/2014/main" id="{B0DF68B5-8548-994E-B850-8B9FC715EB82}"/>
+      <p:pic>
+        <p:nvPicPr>
+          <p:cNvPr id="1026" name="Picture 2" descr="Files And Folders, Csv, Comma Separated Values, Csv File ...">
+            <a:extLst>
+              <a:ext uri="{FF2B5EF4-FFF2-40B4-BE49-F238E27FC236}">
+                <a16:creationId xmlns:a16="http://schemas.microsoft.com/office/drawing/2014/main" id="{1AF7294B-7DBD-6649-BCDE-D01C025A47ED}"/>
+              </a:ext>
+            </a:extLst>
+          </p:cNvPr>
+          <p:cNvPicPr>
+            <a:picLocks noChangeAspect="1" noChangeArrowheads="1"/>
+          </p:cNvPicPr>
+          <p:nvPr/>
+        </p:nvPicPr>
+        <p:blipFill>
+          <a:blip r:embed="rId2">
+            <a:extLst>
+              <a:ext uri="{28A0092B-C50C-407E-A947-70E740481C1C}">
+                <a14:useLocalDpi xmlns:a14="http://schemas.microsoft.com/office/drawing/2010/main" val="0"/>
+              </a:ext>
+            </a:extLst>
+          </a:blip>
+          <a:srcRect/>
+          <a:stretch>
+            <a:fillRect/>
+          </a:stretch>
+        </p:blipFill>
+        <p:spPr bwMode="auto">
+          <a:xfrm>
+            <a:off x="9731075" y="671379"/>
+            <a:ext cx="1559560" cy="1559560"/>
+          </a:xfrm>
+          <a:prstGeom prst="rect">
+            <a:avLst/>
+          </a:prstGeom>
+          <a:noFill/>
+          <a:extLst>
+            <a:ext uri="{909E8E84-426E-40DD-AFC4-6F175D3DCCD1}">
+              <a14:hiddenFill xmlns:a14="http://schemas.microsoft.com/office/drawing/2010/main">
+                <a:solidFill>
+                  <a:srgbClr val="FFFFFF"/>
+                </a:solidFill>
+              </a14:hiddenFill>
+            </a:ext>
+          </a:extLst>
+        </p:spPr>
+      </p:pic>
+      <p:sp>
+        <p:nvSpPr>
+          <p:cNvPr id="4" name="Rectangle 3">
+            <a:extLst>
+              <a:ext uri="{FF2B5EF4-FFF2-40B4-BE49-F238E27FC236}">
+                <a16:creationId xmlns:a16="http://schemas.microsoft.com/office/drawing/2014/main" id="{EF3F1165-72B7-E94E-9C13-4BF99BC1DA2F}"/>
               </a:ext>
             </a:extLst>
           </p:cNvPr>
@@ -10533,11 +11417,160 @@
           <p:nvPr/>
         </p:nvSpPr>
         <p:spPr>
-          <a:xfrm rot="5400000">
-            <a:off x="6037878" y="-3601569"/>
-            <a:ext cx="533400" cy="10372164"/>
-          </a:xfrm>
-          <a:prstGeom prst="leftBrace">
+          <a:xfrm>
+            <a:off x="7581116" y="671379"/>
+            <a:ext cx="1543050" cy="1559560"/>
+          </a:xfrm>
+          <a:prstGeom prst="rect">
+            <a:avLst/>
+          </a:prstGeom>
+        </p:spPr>
+        <p:style>
+          <a:lnRef idx="2">
+            <a:schemeClr val="accent1">
+              <a:shade val="50000"/>
+            </a:schemeClr>
+          </a:lnRef>
+          <a:fillRef idx="1">
+            <a:schemeClr val="accent1"/>
+          </a:fillRef>
+          <a:effectRef idx="0">
+            <a:schemeClr val="accent1"/>
+          </a:effectRef>
+          <a:fontRef idx="minor">
+            <a:schemeClr val="lt1"/>
+          </a:fontRef>
+        </p:style>
+        <p:txBody>
+          <a:bodyPr rtlCol="0" anchor="ctr"/>
+          <a:lstStyle/>
+          <a:p>
+            <a:pPr algn="ctr"/>
+            <a:r>
+              <a:rPr lang="en-GB" dirty="0"/>
+              <a:t>Service</a:t>
+            </a:r>
+          </a:p>
+        </p:txBody>
+      </p:sp>
+      <p:sp>
+        <p:nvSpPr>
+          <p:cNvPr id="6" name="Rectangle 5">
+            <a:extLst>
+              <a:ext uri="{FF2B5EF4-FFF2-40B4-BE49-F238E27FC236}">
+                <a16:creationId xmlns:a16="http://schemas.microsoft.com/office/drawing/2014/main" id="{272CD65E-60D8-A74B-8507-B059CF328F82}"/>
+              </a:ext>
+            </a:extLst>
+          </p:cNvPr>
+          <p:cNvSpPr/>
+          <p:nvPr/>
+        </p:nvSpPr>
+        <p:spPr>
+          <a:xfrm>
+            <a:off x="5324475" y="671379"/>
+            <a:ext cx="1543050" cy="1559560"/>
+          </a:xfrm>
+          <a:prstGeom prst="rect">
+            <a:avLst/>
+          </a:prstGeom>
+        </p:spPr>
+        <p:style>
+          <a:lnRef idx="2">
+            <a:schemeClr val="accent1">
+              <a:shade val="50000"/>
+            </a:schemeClr>
+          </a:lnRef>
+          <a:fillRef idx="1">
+            <a:schemeClr val="accent1"/>
+          </a:fillRef>
+          <a:effectRef idx="0">
+            <a:schemeClr val="accent1"/>
+          </a:effectRef>
+          <a:fontRef idx="minor">
+            <a:schemeClr val="lt1"/>
+          </a:fontRef>
+        </p:style>
+        <p:txBody>
+          <a:bodyPr rtlCol="0" anchor="ctr"/>
+          <a:lstStyle/>
+          <a:p>
+            <a:pPr algn="ctr"/>
+            <a:r>
+              <a:rPr lang="en-GB" dirty="0"/>
+              <a:t>Controller</a:t>
+            </a:r>
+          </a:p>
+        </p:txBody>
+      </p:sp>
+      <p:sp>
+        <p:nvSpPr>
+          <p:cNvPr id="7" name="Rectangle 6">
+            <a:extLst>
+              <a:ext uri="{FF2B5EF4-FFF2-40B4-BE49-F238E27FC236}">
+                <a16:creationId xmlns:a16="http://schemas.microsoft.com/office/drawing/2014/main" id="{BA352B75-F667-B940-AE22-BC91B0A0FDD1}"/>
+              </a:ext>
+            </a:extLst>
+          </p:cNvPr>
+          <p:cNvSpPr/>
+          <p:nvPr/>
+        </p:nvSpPr>
+        <p:spPr>
+          <a:xfrm>
+            <a:off x="981973" y="671379"/>
+            <a:ext cx="1543050" cy="1559560"/>
+          </a:xfrm>
+          <a:prstGeom prst="rect">
+            <a:avLst/>
+          </a:prstGeom>
+        </p:spPr>
+        <p:style>
+          <a:lnRef idx="2">
+            <a:schemeClr val="accent1">
+              <a:shade val="50000"/>
+            </a:schemeClr>
+          </a:lnRef>
+          <a:fillRef idx="1">
+            <a:schemeClr val="accent1"/>
+          </a:fillRef>
+          <a:effectRef idx="0">
+            <a:schemeClr val="accent1"/>
+          </a:effectRef>
+          <a:fontRef idx="minor">
+            <a:schemeClr val="lt1"/>
+          </a:fontRef>
+        </p:style>
+        <p:txBody>
+          <a:bodyPr rtlCol="0" anchor="ctr"/>
+          <a:lstStyle/>
+          <a:p>
+            <a:pPr algn="ctr"/>
+            <a:r>
+              <a:rPr lang="en-GB" dirty="0"/>
+              <a:t>Consumer</a:t>
+            </a:r>
+          </a:p>
+        </p:txBody>
+      </p:sp>
+      <p:cxnSp>
+        <p:nvCxnSpPr>
+          <p:cNvPr id="14" name="Straight Arrow Connector 13">
+            <a:extLst>
+              <a:ext uri="{FF2B5EF4-FFF2-40B4-BE49-F238E27FC236}">
+                <a16:creationId xmlns:a16="http://schemas.microsoft.com/office/drawing/2014/main" id="{4B43E974-66BA-0049-98F8-EB14DF95A56C}"/>
+              </a:ext>
+            </a:extLst>
+          </p:cNvPr>
+          <p:cNvCxnSpPr>
+            <a:cxnSpLocks/>
+          </p:cNvCxnSpPr>
+          <p:nvPr/>
+        </p:nvCxnSpPr>
+        <p:spPr>
+          <a:xfrm>
+            <a:off x="6092416" y="3385017"/>
+            <a:ext cx="2247676" cy="0"/>
+          </a:xfrm>
+          <a:prstGeom prst="straightConnector1">
             <a:avLst/>
           </a:prstGeom>
           <a:ln w="38100">
@@ -10547,6 +11580,7 @@
                 <a:lumOff val="25000"/>
               </a:schemeClr>
             </a:solidFill>
+            <a:tailEnd type="triangle"/>
           </a:ln>
         </p:spPr>
         <p:style>
@@ -10563,810 +11597,386 @@
             <a:schemeClr val="tx1"/>
           </a:fontRef>
         </p:style>
-        <p:txBody>
-          <a:bodyPr rtlCol="0" anchor="ctr"/>
-          <a:lstStyle/>
-          <a:p>
-            <a:pPr algn="ctr"/>
-            <a:endParaRPr lang="en-GB"/>
-          </a:p>
-        </p:txBody>
-      </p:sp>
-      <p:grpSp>
-        <p:nvGrpSpPr>
-          <p:cNvPr id="21" name="Group 20">
-            <a:extLst>
-              <a:ext uri="{FF2B5EF4-FFF2-40B4-BE49-F238E27FC236}">
-                <a16:creationId xmlns:a16="http://schemas.microsoft.com/office/drawing/2014/main" id="{E26BEDF3-3964-6041-9E3A-344C2F79796C}"/>
-              </a:ext>
-            </a:extLst>
-          </p:cNvPr>
-          <p:cNvGrpSpPr/>
+      </p:cxnSp>
+      <p:cxnSp>
+        <p:nvCxnSpPr>
+          <p:cNvPr id="17" name="Straight Arrow Connector 16">
+            <a:extLst>
+              <a:ext uri="{FF2B5EF4-FFF2-40B4-BE49-F238E27FC236}">
+                <a16:creationId xmlns:a16="http://schemas.microsoft.com/office/drawing/2014/main" id="{B588B670-9224-EF43-8A03-FB1D08885F64}"/>
+              </a:ext>
+            </a:extLst>
+          </p:cNvPr>
+          <p:cNvCxnSpPr>
+            <a:cxnSpLocks/>
+          </p:cNvCxnSpPr>
           <p:nvPr/>
-        </p:nvGrpSpPr>
-        <p:grpSpPr>
-          <a:xfrm>
-            <a:off x="1240502" y="1851213"/>
-            <a:ext cx="10128153" cy="3155575"/>
-            <a:chOff x="1174376" y="1851213"/>
-            <a:chExt cx="10128153" cy="3155575"/>
-          </a:xfrm>
-        </p:grpSpPr>
-        <p:sp>
-          <p:nvSpPr>
-            <p:cNvPr id="5" name="Rectangle 4">
-              <a:extLst>
-                <a:ext uri="{FF2B5EF4-FFF2-40B4-BE49-F238E27FC236}">
-                  <a16:creationId xmlns:a16="http://schemas.microsoft.com/office/drawing/2014/main" id="{992A223D-6A85-DF41-AA06-B2CFABE471EC}"/>
-                </a:ext>
-              </a:extLst>
-            </p:cNvPr>
-            <p:cNvSpPr/>
-            <p:nvPr/>
-          </p:nvSpPr>
-          <p:spPr>
-            <a:xfrm rot="5400000">
-              <a:off x="-98612" y="3124201"/>
-              <a:ext cx="3146612" cy="600636"/>
-            </a:xfrm>
-            <a:prstGeom prst="rect">
-              <a:avLst/>
-            </a:prstGeom>
-          </p:spPr>
-          <p:style>
-            <a:lnRef idx="2">
-              <a:schemeClr val="accent1">
-                <a:shade val="50000"/>
-              </a:schemeClr>
-            </a:lnRef>
-            <a:fillRef idx="1">
-              <a:schemeClr val="accent1"/>
-            </a:fillRef>
-            <a:effectRef idx="0">
-              <a:schemeClr val="accent1"/>
-            </a:effectRef>
-            <a:fontRef idx="minor">
-              <a:schemeClr val="lt1"/>
-            </a:fontRef>
-          </p:style>
-          <p:txBody>
-            <a:bodyPr rtlCol="0" anchor="ctr"/>
-            <a:lstStyle/>
-            <a:p>
-              <a:r>
-                <a:rPr lang="en-GB" dirty="0"/>
-                <a:t>Spring Data JDBC</a:t>
-              </a:r>
-            </a:p>
-          </p:txBody>
-        </p:sp>
-        <p:sp>
-          <p:nvSpPr>
-            <p:cNvPr id="6" name="Rectangle 5">
-              <a:extLst>
-                <a:ext uri="{FF2B5EF4-FFF2-40B4-BE49-F238E27FC236}">
-                  <a16:creationId xmlns:a16="http://schemas.microsoft.com/office/drawing/2014/main" id="{6F3BB54A-972A-E74A-A39D-29B45C9B435C}"/>
-                </a:ext>
-              </a:extLst>
-            </p:cNvPr>
-            <p:cNvSpPr/>
-            <p:nvPr/>
-          </p:nvSpPr>
-          <p:spPr>
-            <a:xfrm rot="5400000">
-              <a:off x="634274" y="3126957"/>
-              <a:ext cx="3146612" cy="600636"/>
-            </a:xfrm>
-            <a:prstGeom prst="rect">
-              <a:avLst/>
-            </a:prstGeom>
-          </p:spPr>
-          <p:style>
-            <a:lnRef idx="2">
-              <a:schemeClr val="accent1">
-                <a:shade val="50000"/>
-              </a:schemeClr>
-            </a:lnRef>
-            <a:fillRef idx="1">
-              <a:schemeClr val="accent1"/>
-            </a:fillRef>
-            <a:effectRef idx="0">
-              <a:schemeClr val="accent1"/>
-            </a:effectRef>
-            <a:fontRef idx="minor">
-              <a:schemeClr val="lt1"/>
-            </a:fontRef>
-          </p:style>
-          <p:txBody>
-            <a:bodyPr rtlCol="0" anchor="ctr"/>
-            <a:lstStyle/>
-            <a:p>
-              <a:r>
-                <a:rPr lang="en-GB" dirty="0"/>
-                <a:t>Spring Data JPA</a:t>
-              </a:r>
-            </a:p>
-          </p:txBody>
-        </p:sp>
-        <p:sp>
-          <p:nvSpPr>
-            <p:cNvPr id="7" name="Rectangle 6">
-              <a:extLst>
-                <a:ext uri="{FF2B5EF4-FFF2-40B4-BE49-F238E27FC236}">
-                  <a16:creationId xmlns:a16="http://schemas.microsoft.com/office/drawing/2014/main" id="{A27B2560-719A-E249-9867-A5A68DB63975}"/>
-                </a:ext>
-              </a:extLst>
-            </p:cNvPr>
-            <p:cNvSpPr/>
-            <p:nvPr/>
-          </p:nvSpPr>
-          <p:spPr>
-            <a:xfrm rot="5400000">
-              <a:off x="1367160" y="3127646"/>
-              <a:ext cx="3146612" cy="600636"/>
-            </a:xfrm>
-            <a:prstGeom prst="rect">
-              <a:avLst/>
-            </a:prstGeom>
-          </p:spPr>
-          <p:style>
-            <a:lnRef idx="2">
-              <a:schemeClr val="accent1">
-                <a:shade val="50000"/>
-              </a:schemeClr>
-            </a:lnRef>
-            <a:fillRef idx="1">
-              <a:schemeClr val="accent1"/>
-            </a:fillRef>
-            <a:effectRef idx="0">
-              <a:schemeClr val="accent1"/>
-            </a:effectRef>
-            <a:fontRef idx="minor">
-              <a:schemeClr val="lt1"/>
-            </a:fontRef>
-          </p:style>
-          <p:txBody>
-            <a:bodyPr rtlCol="0" anchor="ctr"/>
-            <a:lstStyle/>
-            <a:p>
-              <a:r>
-                <a:rPr lang="en-GB" dirty="0"/>
-                <a:t>Spring Data </a:t>
-              </a:r>
-              <a:r>
-                <a:rPr lang="en-US" dirty="0"/>
-                <a:t>MongoDB</a:t>
-              </a:r>
-              <a:r>
-                <a:rPr lang="en-DE" dirty="0"/>
-                <a:t> </a:t>
-              </a:r>
-              <a:endParaRPr lang="en-GB" dirty="0"/>
-            </a:p>
-          </p:txBody>
-        </p:sp>
-        <p:sp>
-          <p:nvSpPr>
-            <p:cNvPr id="8" name="Rectangle 7">
-              <a:extLst>
-                <a:ext uri="{FF2B5EF4-FFF2-40B4-BE49-F238E27FC236}">
-                  <a16:creationId xmlns:a16="http://schemas.microsoft.com/office/drawing/2014/main" id="{C2BD7ABC-79FB-D549-AC1F-BBA00AE8A0ED}"/>
-                </a:ext>
-              </a:extLst>
-            </p:cNvPr>
-            <p:cNvSpPr/>
-            <p:nvPr/>
-          </p:nvSpPr>
-          <p:spPr>
-            <a:xfrm rot="5400000">
-              <a:off x="2100046" y="3128335"/>
-              <a:ext cx="3146612" cy="600636"/>
-            </a:xfrm>
-            <a:prstGeom prst="rect">
-              <a:avLst/>
-            </a:prstGeom>
-          </p:spPr>
-          <p:style>
-            <a:lnRef idx="2">
-              <a:schemeClr val="accent1">
-                <a:shade val="50000"/>
-              </a:schemeClr>
-            </a:lnRef>
-            <a:fillRef idx="1">
-              <a:schemeClr val="accent1"/>
-            </a:fillRef>
-            <a:effectRef idx="0">
-              <a:schemeClr val="accent1"/>
-            </a:effectRef>
-            <a:fontRef idx="minor">
-              <a:schemeClr val="lt1"/>
-            </a:fontRef>
-          </p:style>
-          <p:txBody>
-            <a:bodyPr rtlCol="0" anchor="ctr"/>
-            <a:lstStyle/>
-            <a:p>
-              <a:r>
-                <a:rPr lang="en-GB" dirty="0"/>
-                <a:t>Spring Data </a:t>
-              </a:r>
-              <a:r>
-                <a:rPr lang="en-US" dirty="0"/>
-                <a:t>Redis</a:t>
-              </a:r>
-              <a:r>
-                <a:rPr lang="en-DE" dirty="0"/>
-                <a:t> </a:t>
-              </a:r>
-              <a:endParaRPr lang="en-GB" dirty="0"/>
-            </a:p>
-          </p:txBody>
-        </p:sp>
-        <p:sp>
-          <p:nvSpPr>
-            <p:cNvPr id="9" name="Rectangle 8">
-              <a:extLst>
-                <a:ext uri="{FF2B5EF4-FFF2-40B4-BE49-F238E27FC236}">
-                  <a16:creationId xmlns:a16="http://schemas.microsoft.com/office/drawing/2014/main" id="{FFEE6771-753F-B746-B532-40E08991BE39}"/>
-                </a:ext>
-              </a:extLst>
-            </p:cNvPr>
-            <p:cNvSpPr/>
-            <p:nvPr/>
-          </p:nvSpPr>
-          <p:spPr>
-            <a:xfrm rot="5400000">
-              <a:off x="2832932" y="3129024"/>
-              <a:ext cx="3146612" cy="600636"/>
-            </a:xfrm>
-            <a:prstGeom prst="rect">
-              <a:avLst/>
-            </a:prstGeom>
-          </p:spPr>
-          <p:style>
-            <a:lnRef idx="2">
-              <a:schemeClr val="accent1">
-                <a:shade val="50000"/>
-              </a:schemeClr>
-            </a:lnRef>
-            <a:fillRef idx="1">
-              <a:schemeClr val="accent1"/>
-            </a:fillRef>
-            <a:effectRef idx="0">
-              <a:schemeClr val="accent1"/>
-            </a:effectRef>
-            <a:fontRef idx="minor">
-              <a:schemeClr val="lt1"/>
-            </a:fontRef>
-          </p:style>
-          <p:txBody>
-            <a:bodyPr rtlCol="0" anchor="ctr"/>
-            <a:lstStyle/>
-            <a:p>
-              <a:r>
-                <a:rPr lang="en-GB" dirty="0"/>
-                <a:t>Spring Data </a:t>
-              </a:r>
-              <a:r>
-                <a:rPr lang="en-US" dirty="0"/>
-                <a:t>R2DBC</a:t>
-              </a:r>
-              <a:r>
-                <a:rPr lang="en-DE" dirty="0"/>
-                <a:t> </a:t>
-              </a:r>
-              <a:endParaRPr lang="en-GB" dirty="0"/>
-            </a:p>
-          </p:txBody>
-        </p:sp>
-        <p:sp>
-          <p:nvSpPr>
-            <p:cNvPr id="10" name="Rectangle 9">
-              <a:extLst>
-                <a:ext uri="{FF2B5EF4-FFF2-40B4-BE49-F238E27FC236}">
-                  <a16:creationId xmlns:a16="http://schemas.microsoft.com/office/drawing/2014/main" id="{63D5CEB3-B017-F34E-A3A9-BC20685A63A0}"/>
-                </a:ext>
-              </a:extLst>
-            </p:cNvPr>
-            <p:cNvSpPr/>
-            <p:nvPr/>
-          </p:nvSpPr>
-          <p:spPr>
-            <a:xfrm rot="5400000">
-              <a:off x="3565818" y="3129713"/>
-              <a:ext cx="3146612" cy="600636"/>
-            </a:xfrm>
-            <a:prstGeom prst="rect">
-              <a:avLst/>
-            </a:prstGeom>
-          </p:spPr>
-          <p:style>
-            <a:lnRef idx="2">
-              <a:schemeClr val="accent1">
-                <a:shade val="50000"/>
-              </a:schemeClr>
-            </a:lnRef>
-            <a:fillRef idx="1">
-              <a:schemeClr val="accent1"/>
-            </a:fillRef>
-            <a:effectRef idx="0">
-              <a:schemeClr val="accent1"/>
-            </a:effectRef>
-            <a:fontRef idx="minor">
-              <a:schemeClr val="lt1"/>
-            </a:fontRef>
-          </p:style>
-          <p:txBody>
-            <a:bodyPr rtlCol="0" anchor="ctr"/>
-            <a:lstStyle/>
-            <a:p>
-              <a:r>
-                <a:rPr lang="en-GB" dirty="0"/>
-                <a:t>Spring Data </a:t>
-              </a:r>
-              <a:r>
-                <a:rPr lang="en-US" dirty="0"/>
-                <a:t>REST</a:t>
-              </a:r>
-              <a:r>
-                <a:rPr lang="en-DE" dirty="0"/>
-                <a:t> </a:t>
-              </a:r>
-              <a:endParaRPr lang="en-GB" dirty="0"/>
-            </a:p>
-          </p:txBody>
-        </p:sp>
-        <p:sp>
-          <p:nvSpPr>
-            <p:cNvPr id="11" name="Rectangle 10">
-              <a:extLst>
-                <a:ext uri="{FF2B5EF4-FFF2-40B4-BE49-F238E27FC236}">
-                  <a16:creationId xmlns:a16="http://schemas.microsoft.com/office/drawing/2014/main" id="{EC58C01B-E886-1046-A656-BB0C7F01F3BF}"/>
-                </a:ext>
-              </a:extLst>
-            </p:cNvPr>
-            <p:cNvSpPr/>
-            <p:nvPr/>
-          </p:nvSpPr>
-          <p:spPr>
-            <a:xfrm rot="5400000">
-              <a:off x="4298704" y="3130402"/>
-              <a:ext cx="3146612" cy="600636"/>
-            </a:xfrm>
-            <a:prstGeom prst="rect">
-              <a:avLst/>
-            </a:prstGeom>
-          </p:spPr>
-          <p:style>
-            <a:lnRef idx="2">
-              <a:schemeClr val="accent1">
-                <a:shade val="50000"/>
-              </a:schemeClr>
-            </a:lnRef>
-            <a:fillRef idx="1">
-              <a:schemeClr val="accent1"/>
-            </a:fillRef>
-            <a:effectRef idx="0">
-              <a:schemeClr val="accent1"/>
-            </a:effectRef>
-            <a:fontRef idx="minor">
-              <a:schemeClr val="lt1"/>
-            </a:fontRef>
-          </p:style>
-          <p:txBody>
-            <a:bodyPr rtlCol="0" anchor="ctr"/>
-            <a:lstStyle/>
-            <a:p>
-              <a:r>
-                <a:rPr lang="en-GB" dirty="0"/>
-                <a:t>Spring Data </a:t>
-              </a:r>
-              <a:r>
-                <a:rPr lang="en-US" dirty="0"/>
-                <a:t>Apache Cassandra</a:t>
-              </a:r>
-              <a:endParaRPr lang="en-GB" dirty="0"/>
-            </a:p>
-          </p:txBody>
-        </p:sp>
-        <p:sp>
-          <p:nvSpPr>
-            <p:cNvPr id="12" name="Rectangle 11">
-              <a:extLst>
-                <a:ext uri="{FF2B5EF4-FFF2-40B4-BE49-F238E27FC236}">
-                  <a16:creationId xmlns:a16="http://schemas.microsoft.com/office/drawing/2014/main" id="{35777B07-8ECB-534B-8344-0320906FE71F}"/>
-                </a:ext>
-              </a:extLst>
-            </p:cNvPr>
-            <p:cNvSpPr/>
-            <p:nvPr/>
-          </p:nvSpPr>
-          <p:spPr>
-            <a:xfrm rot="5400000">
-              <a:off x="5031590" y="3131091"/>
-              <a:ext cx="3146612" cy="600636"/>
-            </a:xfrm>
-            <a:prstGeom prst="rect">
-              <a:avLst/>
-            </a:prstGeom>
-          </p:spPr>
-          <p:style>
-            <a:lnRef idx="2">
-              <a:schemeClr val="accent1">
-                <a:shade val="50000"/>
-              </a:schemeClr>
-            </a:lnRef>
-            <a:fillRef idx="1">
-              <a:schemeClr val="accent1"/>
-            </a:fillRef>
-            <a:effectRef idx="0">
-              <a:schemeClr val="accent1"/>
-            </a:effectRef>
-            <a:fontRef idx="minor">
-              <a:schemeClr val="lt1"/>
-            </a:fontRef>
-          </p:style>
-          <p:txBody>
-            <a:bodyPr rtlCol="0" anchor="ctr"/>
-            <a:lstStyle/>
-            <a:p>
-              <a:r>
-                <a:rPr lang="en-GB" dirty="0"/>
-                <a:t>Spring Data </a:t>
-              </a:r>
-              <a:r>
-                <a:rPr lang="en-US" dirty="0"/>
-                <a:t>Apache Geode</a:t>
-              </a:r>
-              <a:r>
-                <a:rPr lang="en-DE" dirty="0"/>
-                <a:t> </a:t>
-              </a:r>
-              <a:endParaRPr lang="en-GB" dirty="0"/>
-            </a:p>
-          </p:txBody>
-        </p:sp>
-        <p:sp>
-          <p:nvSpPr>
-            <p:cNvPr id="13" name="Rectangle 12">
-              <a:extLst>
-                <a:ext uri="{FF2B5EF4-FFF2-40B4-BE49-F238E27FC236}">
-                  <a16:creationId xmlns:a16="http://schemas.microsoft.com/office/drawing/2014/main" id="{9C5FECFE-BA2C-2D42-B80A-5FA4E49AA065}"/>
-                </a:ext>
-              </a:extLst>
-            </p:cNvPr>
-            <p:cNvSpPr/>
-            <p:nvPr/>
-          </p:nvSpPr>
-          <p:spPr>
-            <a:xfrm rot="5400000">
-              <a:off x="5764476" y="3131780"/>
-              <a:ext cx="3146612" cy="600636"/>
-            </a:xfrm>
-            <a:prstGeom prst="rect">
-              <a:avLst/>
-            </a:prstGeom>
-          </p:spPr>
-          <p:style>
-            <a:lnRef idx="2">
-              <a:schemeClr val="accent1">
-                <a:shade val="50000"/>
-              </a:schemeClr>
-            </a:lnRef>
-            <a:fillRef idx="1">
-              <a:schemeClr val="accent1"/>
-            </a:fillRef>
-            <a:effectRef idx="0">
-              <a:schemeClr val="accent1"/>
-            </a:effectRef>
-            <a:fontRef idx="minor">
-              <a:schemeClr val="lt1"/>
-            </a:fontRef>
-          </p:style>
-          <p:txBody>
-            <a:bodyPr rtlCol="0" anchor="ctr"/>
-            <a:lstStyle/>
-            <a:p>
-              <a:r>
-                <a:rPr lang="en-GB" dirty="0"/>
-                <a:t>Spring Data </a:t>
-              </a:r>
-              <a:r>
-                <a:rPr lang="en-US" dirty="0"/>
-                <a:t>Apache Solr</a:t>
-              </a:r>
-              <a:r>
-                <a:rPr lang="en-DE" dirty="0"/>
-                <a:t> </a:t>
-              </a:r>
-              <a:endParaRPr lang="en-GB" dirty="0"/>
-            </a:p>
-          </p:txBody>
-        </p:sp>
-        <p:sp>
-          <p:nvSpPr>
-            <p:cNvPr id="14" name="Rectangle 13">
-              <a:extLst>
-                <a:ext uri="{FF2B5EF4-FFF2-40B4-BE49-F238E27FC236}">
-                  <a16:creationId xmlns:a16="http://schemas.microsoft.com/office/drawing/2014/main" id="{AC885B70-0FC3-C14D-853E-231EB7A8C282}"/>
-                </a:ext>
-              </a:extLst>
-            </p:cNvPr>
-            <p:cNvSpPr/>
-            <p:nvPr/>
-          </p:nvSpPr>
-          <p:spPr>
-            <a:xfrm rot="5400000">
-              <a:off x="6497362" y="3124890"/>
-              <a:ext cx="3146612" cy="600636"/>
-            </a:xfrm>
-            <a:prstGeom prst="rect">
-              <a:avLst/>
-            </a:prstGeom>
-          </p:spPr>
-          <p:style>
-            <a:lnRef idx="2">
-              <a:schemeClr val="accent1">
-                <a:shade val="50000"/>
-              </a:schemeClr>
-            </a:lnRef>
-            <a:fillRef idx="1">
-              <a:schemeClr val="accent1"/>
-            </a:fillRef>
-            <a:effectRef idx="0">
-              <a:schemeClr val="accent1"/>
-            </a:effectRef>
-            <a:fontRef idx="minor">
-              <a:schemeClr val="lt1"/>
-            </a:fontRef>
-          </p:style>
-          <p:txBody>
-            <a:bodyPr rtlCol="0" anchor="ctr"/>
-            <a:lstStyle/>
-            <a:p>
-              <a:r>
-                <a:rPr lang="en-GB" dirty="0"/>
-                <a:t>Spring Data </a:t>
-              </a:r>
-              <a:r>
-                <a:rPr lang="en-US" dirty="0"/>
-                <a:t>Pivotal GemFire</a:t>
-              </a:r>
-              <a:r>
-                <a:rPr lang="en-DE" dirty="0"/>
-                <a:t> </a:t>
-              </a:r>
-              <a:endParaRPr lang="en-GB" dirty="0"/>
-            </a:p>
-          </p:txBody>
-        </p:sp>
-        <p:sp>
-          <p:nvSpPr>
-            <p:cNvPr id="15" name="Rectangle 14">
-              <a:extLst>
-                <a:ext uri="{FF2B5EF4-FFF2-40B4-BE49-F238E27FC236}">
-                  <a16:creationId xmlns:a16="http://schemas.microsoft.com/office/drawing/2014/main" id="{DED03243-2A65-FC4A-87B2-078AF9E7F81A}"/>
-                </a:ext>
-              </a:extLst>
-            </p:cNvPr>
-            <p:cNvSpPr/>
-            <p:nvPr/>
-          </p:nvSpPr>
-          <p:spPr>
-            <a:xfrm rot="5400000">
-              <a:off x="7230248" y="3132469"/>
-              <a:ext cx="3146612" cy="600636"/>
-            </a:xfrm>
-            <a:prstGeom prst="rect">
-              <a:avLst/>
-            </a:prstGeom>
-          </p:spPr>
-          <p:style>
-            <a:lnRef idx="2">
-              <a:schemeClr val="accent1">
-                <a:shade val="50000"/>
-              </a:schemeClr>
-            </a:lnRef>
-            <a:fillRef idx="1">
-              <a:schemeClr val="accent1"/>
-            </a:fillRef>
-            <a:effectRef idx="0">
-              <a:schemeClr val="accent1"/>
-            </a:effectRef>
-            <a:fontRef idx="minor">
-              <a:schemeClr val="lt1"/>
-            </a:fontRef>
-          </p:style>
-          <p:txBody>
-            <a:bodyPr rtlCol="0" anchor="ctr"/>
-            <a:lstStyle/>
-            <a:p>
-              <a:r>
-                <a:rPr lang="en-GB" dirty="0"/>
-                <a:t>Spring Data </a:t>
-              </a:r>
-              <a:r>
-                <a:rPr lang="en-US" dirty="0"/>
-                <a:t>Couchbase</a:t>
-              </a:r>
-              <a:endParaRPr lang="en-GB" dirty="0"/>
-            </a:p>
-          </p:txBody>
-        </p:sp>
-        <p:sp>
-          <p:nvSpPr>
-            <p:cNvPr id="16" name="Rectangle 15">
-              <a:extLst>
-                <a:ext uri="{FF2B5EF4-FFF2-40B4-BE49-F238E27FC236}">
-                  <a16:creationId xmlns:a16="http://schemas.microsoft.com/office/drawing/2014/main" id="{F0B8F35A-616B-D14C-8697-8AFDDC1E12A8}"/>
-                </a:ext>
-              </a:extLst>
-            </p:cNvPr>
-            <p:cNvSpPr/>
-            <p:nvPr/>
-          </p:nvSpPr>
-          <p:spPr>
-            <a:xfrm rot="5400000">
-              <a:off x="7963134" y="3125579"/>
-              <a:ext cx="3146612" cy="600636"/>
-            </a:xfrm>
-            <a:prstGeom prst="rect">
-              <a:avLst/>
-            </a:prstGeom>
-          </p:spPr>
-          <p:style>
-            <a:lnRef idx="2">
-              <a:schemeClr val="accent1">
-                <a:shade val="50000"/>
-              </a:schemeClr>
-            </a:lnRef>
-            <a:fillRef idx="1">
-              <a:schemeClr val="accent1"/>
-            </a:fillRef>
-            <a:effectRef idx="0">
-              <a:schemeClr val="accent1"/>
-            </a:effectRef>
-            <a:fontRef idx="minor">
-              <a:schemeClr val="lt1"/>
-            </a:fontRef>
-          </p:style>
-          <p:txBody>
-            <a:bodyPr rtlCol="0" anchor="ctr"/>
-            <a:lstStyle/>
-            <a:p>
-              <a:r>
-                <a:rPr lang="en-GB" dirty="0"/>
-                <a:t>Spring Data </a:t>
-              </a:r>
-              <a:r>
-                <a:rPr lang="en-US" dirty="0"/>
-                <a:t>Elasticsearch</a:t>
-              </a:r>
-              <a:endParaRPr lang="en-GB" dirty="0"/>
-            </a:p>
-          </p:txBody>
-        </p:sp>
-        <p:sp>
-          <p:nvSpPr>
-            <p:cNvPr id="17" name="Rectangle 16">
-              <a:extLst>
-                <a:ext uri="{FF2B5EF4-FFF2-40B4-BE49-F238E27FC236}">
-                  <a16:creationId xmlns:a16="http://schemas.microsoft.com/office/drawing/2014/main" id="{559D0BBC-AFB1-5A4C-9795-E5EE9D37B8F8}"/>
-                </a:ext>
-              </a:extLst>
-            </p:cNvPr>
-            <p:cNvSpPr/>
-            <p:nvPr/>
-          </p:nvSpPr>
-          <p:spPr>
-            <a:xfrm rot="5400000">
-              <a:off x="8696024" y="3133164"/>
-              <a:ext cx="3146612" cy="600636"/>
-            </a:xfrm>
-            <a:prstGeom prst="rect">
-              <a:avLst/>
-            </a:prstGeom>
-          </p:spPr>
-          <p:style>
-            <a:lnRef idx="2">
-              <a:schemeClr val="accent1">
-                <a:shade val="50000"/>
-              </a:schemeClr>
-            </a:lnRef>
-            <a:fillRef idx="1">
-              <a:schemeClr val="accent1"/>
-            </a:fillRef>
-            <a:effectRef idx="0">
-              <a:schemeClr val="accent1"/>
-            </a:effectRef>
-            <a:fontRef idx="minor">
-              <a:schemeClr val="lt1"/>
-            </a:fontRef>
-          </p:style>
-          <p:txBody>
-            <a:bodyPr rtlCol="0" anchor="ctr"/>
-            <a:lstStyle/>
-            <a:p>
-              <a:r>
-                <a:rPr lang="en-GB" dirty="0"/>
-                <a:t>Spring Data </a:t>
-              </a:r>
-              <a:r>
-                <a:rPr lang="en-US" dirty="0"/>
-                <a:t>Envers</a:t>
-              </a:r>
-              <a:r>
-                <a:rPr lang="en-DE" dirty="0"/>
-                <a:t> </a:t>
-              </a:r>
-              <a:endParaRPr lang="en-GB" dirty="0"/>
-            </a:p>
-          </p:txBody>
-        </p:sp>
-        <p:sp>
-          <p:nvSpPr>
-            <p:cNvPr id="19" name="Rectangle 18">
-              <a:extLst>
-                <a:ext uri="{FF2B5EF4-FFF2-40B4-BE49-F238E27FC236}">
-                  <a16:creationId xmlns:a16="http://schemas.microsoft.com/office/drawing/2014/main" id="{66FBB0F1-FB54-2A46-BD20-E7B264FB7FD2}"/>
-                </a:ext>
-              </a:extLst>
-            </p:cNvPr>
-            <p:cNvSpPr/>
-            <p:nvPr/>
-          </p:nvSpPr>
-          <p:spPr>
-            <a:xfrm rot="5400000">
-              <a:off x="9428905" y="3126268"/>
-              <a:ext cx="3146612" cy="600636"/>
-            </a:xfrm>
-            <a:prstGeom prst="rect">
-              <a:avLst/>
-            </a:prstGeom>
-          </p:spPr>
-          <p:style>
-            <a:lnRef idx="2">
-              <a:schemeClr val="accent1">
-                <a:shade val="50000"/>
-              </a:schemeClr>
-            </a:lnRef>
-            <a:fillRef idx="1">
-              <a:schemeClr val="accent1"/>
-            </a:fillRef>
-            <a:effectRef idx="0">
-              <a:schemeClr val="accent1"/>
-            </a:effectRef>
-            <a:fontRef idx="minor">
-              <a:schemeClr val="lt1"/>
-            </a:fontRef>
-          </p:style>
-          <p:txBody>
-            <a:bodyPr rtlCol="0" anchor="ctr"/>
-            <a:lstStyle/>
-            <a:p>
-              <a:r>
-                <a:rPr lang="en-GB" dirty="0"/>
-                <a:t>Spring Data </a:t>
-              </a:r>
-              <a:r>
-                <a:rPr lang="en-US" dirty="0"/>
-                <a:t>Neo4J</a:t>
-              </a:r>
-              <a:r>
-                <a:rPr lang="en-DE" dirty="0"/>
-                <a:t> </a:t>
-              </a:r>
-              <a:endParaRPr lang="en-GB" dirty="0"/>
-            </a:p>
-          </p:txBody>
-        </p:sp>
-      </p:grpSp>
-      <p:sp>
-        <p:nvSpPr>
-          <p:cNvPr id="22" name="TextBox 21">
-            <a:extLst>
-              <a:ext uri="{FF2B5EF4-FFF2-40B4-BE49-F238E27FC236}">
-                <a16:creationId xmlns:a16="http://schemas.microsoft.com/office/drawing/2014/main" id="{928509C4-DF93-7A4C-8B6E-1F08339FB6AC}"/>
+        </p:nvCxnSpPr>
+        <p:spPr>
+          <a:xfrm>
+            <a:off x="1753498" y="2822762"/>
+            <a:ext cx="4338918" cy="0"/>
+          </a:xfrm>
+          <a:prstGeom prst="straightConnector1">
+            <a:avLst/>
+          </a:prstGeom>
+          <a:ln w="38100">
+            <a:solidFill>
+              <a:schemeClr val="tx1">
+                <a:lumMod val="75000"/>
+                <a:lumOff val="25000"/>
+              </a:schemeClr>
+            </a:solidFill>
+            <a:tailEnd type="triangle"/>
+          </a:ln>
+        </p:spPr>
+        <p:style>
+          <a:lnRef idx="1">
+            <a:schemeClr val="accent1"/>
+          </a:lnRef>
+          <a:fillRef idx="0">
+            <a:schemeClr val="accent1"/>
+          </a:fillRef>
+          <a:effectRef idx="0">
+            <a:schemeClr val="accent1"/>
+          </a:effectRef>
+          <a:fontRef idx="minor">
+            <a:schemeClr val="tx1"/>
+          </a:fontRef>
+        </p:style>
+      </p:cxnSp>
+      <p:cxnSp>
+        <p:nvCxnSpPr>
+          <p:cNvPr id="20" name="Straight Arrow Connector 19">
+            <a:extLst>
+              <a:ext uri="{FF2B5EF4-FFF2-40B4-BE49-F238E27FC236}">
+                <a16:creationId xmlns:a16="http://schemas.microsoft.com/office/drawing/2014/main" id="{D2704C89-B40A-B645-81DE-1273B01F5CB0}"/>
+              </a:ext>
+            </a:extLst>
+          </p:cNvPr>
+          <p:cNvCxnSpPr>
+            <a:cxnSpLocks/>
+          </p:cNvCxnSpPr>
+          <p:nvPr/>
+        </p:nvCxnSpPr>
+        <p:spPr>
+          <a:xfrm flipV="1">
+            <a:off x="6092416" y="4509527"/>
+            <a:ext cx="2247676" cy="10086"/>
+          </a:xfrm>
+          <a:prstGeom prst="straightConnector1">
+            <a:avLst/>
+          </a:prstGeom>
+          <a:ln w="38100">
+            <a:solidFill>
+              <a:schemeClr val="tx1">
+                <a:lumMod val="75000"/>
+                <a:lumOff val="25000"/>
+              </a:schemeClr>
+            </a:solidFill>
+            <a:headEnd type="triangle" w="med" len="med"/>
+            <a:tailEnd type="none" w="med" len="med"/>
+          </a:ln>
+        </p:spPr>
+        <p:style>
+          <a:lnRef idx="1">
+            <a:schemeClr val="accent1"/>
+          </a:lnRef>
+          <a:fillRef idx="0">
+            <a:schemeClr val="accent1"/>
+          </a:fillRef>
+          <a:effectRef idx="0">
+            <a:schemeClr val="accent1"/>
+          </a:effectRef>
+          <a:fontRef idx="minor">
+            <a:schemeClr val="tx1"/>
+          </a:fontRef>
+        </p:style>
+      </p:cxnSp>
+      <p:cxnSp>
+        <p:nvCxnSpPr>
+          <p:cNvPr id="21" name="Straight Arrow Connector 20">
+            <a:extLst>
+              <a:ext uri="{FF2B5EF4-FFF2-40B4-BE49-F238E27FC236}">
+                <a16:creationId xmlns:a16="http://schemas.microsoft.com/office/drawing/2014/main" id="{AFA9AEDD-747A-B24B-9BDF-6D31D299F265}"/>
+              </a:ext>
+            </a:extLst>
+          </p:cNvPr>
+          <p:cNvCxnSpPr>
+            <a:cxnSpLocks/>
+          </p:cNvCxnSpPr>
+          <p:nvPr/>
+        </p:nvCxnSpPr>
+        <p:spPr>
+          <a:xfrm>
+            <a:off x="1753498" y="5081868"/>
+            <a:ext cx="4338918" cy="0"/>
+          </a:xfrm>
+          <a:prstGeom prst="straightConnector1">
+            <a:avLst/>
+          </a:prstGeom>
+          <a:ln w="38100">
+            <a:solidFill>
+              <a:schemeClr val="tx1">
+                <a:lumMod val="75000"/>
+                <a:lumOff val="25000"/>
+              </a:schemeClr>
+            </a:solidFill>
+            <a:headEnd type="triangle" w="med" len="med"/>
+            <a:tailEnd type="none" w="med" len="med"/>
+          </a:ln>
+        </p:spPr>
+        <p:style>
+          <a:lnRef idx="1">
+            <a:schemeClr val="accent1"/>
+          </a:lnRef>
+          <a:fillRef idx="0">
+            <a:schemeClr val="accent1"/>
+          </a:fillRef>
+          <a:effectRef idx="0">
+            <a:schemeClr val="accent1"/>
+          </a:effectRef>
+          <a:fontRef idx="minor">
+            <a:schemeClr val="tx1"/>
+          </a:fontRef>
+        </p:style>
+      </p:cxnSp>
+      <p:cxnSp>
+        <p:nvCxnSpPr>
+          <p:cNvPr id="25" name="Straight Connector 24">
+            <a:extLst>
+              <a:ext uri="{FF2B5EF4-FFF2-40B4-BE49-F238E27FC236}">
+                <a16:creationId xmlns:a16="http://schemas.microsoft.com/office/drawing/2014/main" id="{636C1109-C8EA-F145-95E4-33419C383409}"/>
+              </a:ext>
+            </a:extLst>
+          </p:cNvPr>
+          <p:cNvCxnSpPr>
+            <a:stCxn id="7" idx="2"/>
+          </p:cNvCxnSpPr>
+          <p:nvPr/>
+        </p:nvCxnSpPr>
+        <p:spPr>
+          <a:xfrm>
+            <a:off x="1753498" y="2230939"/>
+            <a:ext cx="0" cy="4376049"/>
+          </a:xfrm>
+          <a:prstGeom prst="line">
+            <a:avLst/>
+          </a:prstGeom>
+          <a:ln>
+            <a:solidFill>
+              <a:schemeClr val="tx1">
+                <a:lumMod val="75000"/>
+                <a:lumOff val="25000"/>
+              </a:schemeClr>
+            </a:solidFill>
+            <a:prstDash val="dash"/>
+          </a:ln>
+        </p:spPr>
+        <p:style>
+          <a:lnRef idx="1">
+            <a:schemeClr val="accent1"/>
+          </a:lnRef>
+          <a:fillRef idx="0">
+            <a:schemeClr val="accent1"/>
+          </a:fillRef>
+          <a:effectRef idx="0">
+            <a:schemeClr val="accent1"/>
+          </a:effectRef>
+          <a:fontRef idx="minor">
+            <a:schemeClr val="tx1"/>
+          </a:fontRef>
+        </p:style>
+      </p:cxnSp>
+      <p:cxnSp>
+        <p:nvCxnSpPr>
+          <p:cNvPr id="27" name="Straight Connector 26">
+            <a:extLst>
+              <a:ext uri="{FF2B5EF4-FFF2-40B4-BE49-F238E27FC236}">
+                <a16:creationId xmlns:a16="http://schemas.microsoft.com/office/drawing/2014/main" id="{4B8C9714-96A1-984F-A326-9AD9BA5469DD}"/>
+              </a:ext>
+            </a:extLst>
+          </p:cNvPr>
+          <p:cNvCxnSpPr/>
+          <p:nvPr/>
+        </p:nvCxnSpPr>
+        <p:spPr>
+          <a:xfrm>
+            <a:off x="6092416" y="2230939"/>
+            <a:ext cx="0" cy="4376049"/>
+          </a:xfrm>
+          <a:prstGeom prst="line">
+            <a:avLst/>
+          </a:prstGeom>
+          <a:ln>
+            <a:solidFill>
+              <a:schemeClr val="tx1">
+                <a:lumMod val="75000"/>
+                <a:lumOff val="25000"/>
+              </a:schemeClr>
+            </a:solidFill>
+            <a:prstDash val="dash"/>
+          </a:ln>
+        </p:spPr>
+        <p:style>
+          <a:lnRef idx="1">
+            <a:schemeClr val="accent1"/>
+          </a:lnRef>
+          <a:fillRef idx="0">
+            <a:schemeClr val="accent1"/>
+          </a:fillRef>
+          <a:effectRef idx="0">
+            <a:schemeClr val="accent1"/>
+          </a:effectRef>
+          <a:fontRef idx="minor">
+            <a:schemeClr val="tx1"/>
+          </a:fontRef>
+        </p:style>
+      </p:cxnSp>
+      <p:cxnSp>
+        <p:nvCxnSpPr>
+          <p:cNvPr id="28" name="Straight Connector 27">
+            <a:extLst>
+              <a:ext uri="{FF2B5EF4-FFF2-40B4-BE49-F238E27FC236}">
+                <a16:creationId xmlns:a16="http://schemas.microsoft.com/office/drawing/2014/main" id="{7E5D961D-D21D-494E-8542-9B33A81E64D1}"/>
+              </a:ext>
+            </a:extLst>
+          </p:cNvPr>
+          <p:cNvCxnSpPr/>
+          <p:nvPr/>
+        </p:nvCxnSpPr>
+        <p:spPr>
+          <a:xfrm>
+            <a:off x="8340092" y="2220854"/>
+            <a:ext cx="0" cy="4376049"/>
+          </a:xfrm>
+          <a:prstGeom prst="line">
+            <a:avLst/>
+          </a:prstGeom>
+          <a:ln>
+            <a:solidFill>
+              <a:schemeClr val="tx1">
+                <a:lumMod val="75000"/>
+                <a:lumOff val="25000"/>
+              </a:schemeClr>
+            </a:solidFill>
+            <a:prstDash val="dash"/>
+          </a:ln>
+        </p:spPr>
+        <p:style>
+          <a:lnRef idx="1">
+            <a:schemeClr val="accent1"/>
+          </a:lnRef>
+          <a:fillRef idx="0">
+            <a:schemeClr val="accent1"/>
+          </a:fillRef>
+          <a:effectRef idx="0">
+            <a:schemeClr val="accent1"/>
+          </a:effectRef>
+          <a:fontRef idx="minor">
+            <a:schemeClr val="tx1"/>
+          </a:fontRef>
+        </p:style>
+      </p:cxnSp>
+      <p:cxnSp>
+        <p:nvCxnSpPr>
+          <p:cNvPr id="29" name="Straight Connector 28">
+            <a:extLst>
+              <a:ext uri="{FF2B5EF4-FFF2-40B4-BE49-F238E27FC236}">
+                <a16:creationId xmlns:a16="http://schemas.microsoft.com/office/drawing/2014/main" id="{BBF495CB-F741-5E4E-B22C-CE8ABBCA5B22}"/>
+              </a:ext>
+            </a:extLst>
+          </p:cNvPr>
+          <p:cNvCxnSpPr/>
+          <p:nvPr/>
+        </p:nvCxnSpPr>
+        <p:spPr>
+          <a:xfrm>
+            <a:off x="10522735" y="2220853"/>
+            <a:ext cx="0" cy="4376049"/>
+          </a:xfrm>
+          <a:prstGeom prst="line">
+            <a:avLst/>
+          </a:prstGeom>
+          <a:ln>
+            <a:solidFill>
+              <a:schemeClr val="tx1">
+                <a:lumMod val="75000"/>
+                <a:lumOff val="25000"/>
+              </a:schemeClr>
+            </a:solidFill>
+            <a:prstDash val="dash"/>
+          </a:ln>
+        </p:spPr>
+        <p:style>
+          <a:lnRef idx="1">
+            <a:schemeClr val="accent1"/>
+          </a:lnRef>
+          <a:fillRef idx="0">
+            <a:schemeClr val="accent1"/>
+          </a:fillRef>
+          <a:effectRef idx="0">
+            <a:schemeClr val="accent1"/>
+          </a:effectRef>
+          <a:fontRef idx="minor">
+            <a:schemeClr val="tx1"/>
+          </a:fontRef>
+        </p:style>
+      </p:cxnSp>
+      <p:cxnSp>
+        <p:nvCxnSpPr>
+          <p:cNvPr id="32" name="Straight Arrow Connector 31">
+            <a:extLst>
+              <a:ext uri="{FF2B5EF4-FFF2-40B4-BE49-F238E27FC236}">
+                <a16:creationId xmlns:a16="http://schemas.microsoft.com/office/drawing/2014/main" id="{71050B98-9C89-D44C-9E6F-5AA685CE2612}"/>
+              </a:ext>
+            </a:extLst>
+          </p:cNvPr>
+          <p:cNvCxnSpPr>
+            <a:cxnSpLocks/>
+          </p:cNvCxnSpPr>
+          <p:nvPr/>
+        </p:nvCxnSpPr>
+        <p:spPr>
+          <a:xfrm>
+            <a:off x="8352641" y="3947272"/>
+            <a:ext cx="2170094" cy="0"/>
+          </a:xfrm>
+          <a:prstGeom prst="straightConnector1">
+            <a:avLst/>
+          </a:prstGeom>
+          <a:ln w="38100">
+            <a:solidFill>
+              <a:schemeClr val="tx1">
+                <a:lumMod val="75000"/>
+                <a:lumOff val="25000"/>
+              </a:schemeClr>
+            </a:solidFill>
+            <a:headEnd type="triangle" w="med" len="med"/>
+            <a:tailEnd type="none" w="med" len="med"/>
+          </a:ln>
+        </p:spPr>
+        <p:style>
+          <a:lnRef idx="1">
+            <a:schemeClr val="accent1"/>
+          </a:lnRef>
+          <a:fillRef idx="0">
+            <a:schemeClr val="accent1"/>
+          </a:fillRef>
+          <a:effectRef idx="0">
+            <a:schemeClr val="accent1"/>
+          </a:effectRef>
+          <a:fontRef idx="minor">
+            <a:schemeClr val="tx1"/>
+          </a:fontRef>
+        </p:style>
+      </p:cxnSp>
+      <p:sp>
+        <p:nvSpPr>
+          <p:cNvPr id="35" name="TextBox 34">
+            <a:extLst>
+              <a:ext uri="{FF2B5EF4-FFF2-40B4-BE49-F238E27FC236}">
+                <a16:creationId xmlns:a16="http://schemas.microsoft.com/office/drawing/2014/main" id="{CEC51F1D-9450-F14C-960E-BD408EC040CC}"/>
               </a:ext>
             </a:extLst>
           </p:cNvPr>
@@ -11375,8 +11985,8 @@
         </p:nvSpPr>
         <p:spPr>
           <a:xfrm>
-            <a:off x="5668213" y="939518"/>
-            <a:ext cx="1264962" cy="369332"/>
+            <a:off x="3003474" y="2453430"/>
+            <a:ext cx="1838965" cy="369332"/>
           </a:xfrm>
           <a:prstGeom prst="rect">
             <a:avLst/>
@@ -11390,8 +12000,163 @@
           <a:lstStyle/>
           <a:p>
             <a:r>
-              <a:rPr lang="en-GB" dirty="0"/>
-              <a:t>Spring Data</a:t>
+              <a:rPr lang="en-GB" dirty="0">
+                <a:latin typeface="Courier New" panose="02070309020205020404" pitchFamily="49" charset="0"/>
+                <a:cs typeface="Courier New" panose="02070309020205020404" pitchFamily="49" charset="0"/>
+              </a:rPr>
+              <a:t>GET /offices</a:t>
+            </a:r>
+          </a:p>
+        </p:txBody>
+      </p:sp>
+      <p:sp>
+        <p:nvSpPr>
+          <p:cNvPr id="37" name="TextBox 36">
+            <a:extLst>
+              <a:ext uri="{FF2B5EF4-FFF2-40B4-BE49-F238E27FC236}">
+                <a16:creationId xmlns:a16="http://schemas.microsoft.com/office/drawing/2014/main" id="{4FEF8783-5E3C-3744-81EB-1056F68841B6}"/>
+              </a:ext>
+            </a:extLst>
+          </p:cNvPr>
+          <p:cNvSpPr txBox="1"/>
+          <p:nvPr/>
+        </p:nvSpPr>
+        <p:spPr>
+          <a:xfrm>
+            <a:off x="6296772" y="3015685"/>
+            <a:ext cx="1838965" cy="369332"/>
+          </a:xfrm>
+          <a:prstGeom prst="rect">
+            <a:avLst/>
+          </a:prstGeom>
+          <a:noFill/>
+        </p:spPr>
+        <p:txBody>
+          <a:bodyPr wrap="none" rtlCol="0">
+            <a:spAutoFit/>
+          </a:bodyPr>
+          <a:lstStyle/>
+          <a:p>
+            <a:r>
+              <a:rPr lang="en-GB" dirty="0">
+                <a:latin typeface="Courier New" panose="02070309020205020404" pitchFamily="49" charset="0"/>
+                <a:cs typeface="Courier New" panose="02070309020205020404" pitchFamily="49" charset="0"/>
+              </a:rPr>
+              <a:t>Call Service</a:t>
+            </a:r>
+          </a:p>
+        </p:txBody>
+      </p:sp>
+      <p:sp>
+        <p:nvSpPr>
+          <p:cNvPr id="38" name="TextBox 37">
+            <a:extLst>
+              <a:ext uri="{FF2B5EF4-FFF2-40B4-BE49-F238E27FC236}">
+                <a16:creationId xmlns:a16="http://schemas.microsoft.com/office/drawing/2014/main" id="{D4BA6221-FE03-5541-A39F-65E467120028}"/>
+              </a:ext>
+            </a:extLst>
+          </p:cNvPr>
+          <p:cNvSpPr txBox="1"/>
+          <p:nvPr/>
+        </p:nvSpPr>
+        <p:spPr>
+          <a:xfrm>
+            <a:off x="8701515" y="3577940"/>
+            <a:ext cx="1425390" cy="369332"/>
+          </a:xfrm>
+          <a:prstGeom prst="rect">
+            <a:avLst/>
+          </a:prstGeom>
+          <a:noFill/>
+        </p:spPr>
+        <p:txBody>
+          <a:bodyPr wrap="none" rtlCol="0">
+            <a:spAutoFit/>
+          </a:bodyPr>
+          <a:lstStyle/>
+          <a:p>
+            <a:r>
+              <a:rPr lang="en-GB" dirty="0">
+                <a:latin typeface="Courier New" panose="02070309020205020404" pitchFamily="49" charset="0"/>
+                <a:cs typeface="Courier New" panose="02070309020205020404" pitchFamily="49" charset="0"/>
+              </a:rPr>
+              <a:t>Read File</a:t>
+            </a:r>
+          </a:p>
+        </p:txBody>
+      </p:sp>
+      <p:sp>
+        <p:nvSpPr>
+          <p:cNvPr id="39" name="TextBox 38">
+            <a:extLst>
+              <a:ext uri="{FF2B5EF4-FFF2-40B4-BE49-F238E27FC236}">
+                <a16:creationId xmlns:a16="http://schemas.microsoft.com/office/drawing/2014/main" id="{8BC43D35-1A82-F14B-B3E7-B7236D3D8187}"/>
+              </a:ext>
+            </a:extLst>
+          </p:cNvPr>
+          <p:cNvSpPr txBox="1"/>
+          <p:nvPr/>
+        </p:nvSpPr>
+        <p:spPr>
+          <a:xfrm>
+            <a:off x="6160378" y="4169763"/>
+            <a:ext cx="2114681" cy="369332"/>
+          </a:xfrm>
+          <a:prstGeom prst="rect">
+            <a:avLst/>
+          </a:prstGeom>
+          <a:noFill/>
+        </p:spPr>
+        <p:txBody>
+          <a:bodyPr wrap="none" rtlCol="0">
+            <a:spAutoFit/>
+          </a:bodyPr>
+          <a:lstStyle/>
+          <a:p>
+            <a:r>
+              <a:rPr lang="en-GB" dirty="0">
+                <a:latin typeface="Courier New" panose="02070309020205020404" pitchFamily="49" charset="0"/>
+                <a:cs typeface="Courier New" panose="02070309020205020404" pitchFamily="49" charset="0"/>
+              </a:rPr>
+              <a:t>Return Offices</a:t>
+            </a:r>
+          </a:p>
+        </p:txBody>
+      </p:sp>
+      <p:sp>
+        <p:nvSpPr>
+          <p:cNvPr id="40" name="TextBox 39">
+            <a:extLst>
+              <a:ext uri="{FF2B5EF4-FFF2-40B4-BE49-F238E27FC236}">
+                <a16:creationId xmlns:a16="http://schemas.microsoft.com/office/drawing/2014/main" id="{274849DF-FDAE-E447-A17E-80E539C4522B}"/>
+              </a:ext>
+            </a:extLst>
+          </p:cNvPr>
+          <p:cNvSpPr txBox="1"/>
+          <p:nvPr/>
+        </p:nvSpPr>
+        <p:spPr>
+          <a:xfrm>
+            <a:off x="2512475" y="4712535"/>
+            <a:ext cx="3079689" cy="369332"/>
+          </a:xfrm>
+          <a:prstGeom prst="rect">
+            <a:avLst/>
+          </a:prstGeom>
+          <a:noFill/>
+        </p:spPr>
+        <p:txBody>
+          <a:bodyPr wrap="none" rtlCol="0">
+            <a:spAutoFit/>
+          </a:bodyPr>
+          <a:lstStyle/>
+          <a:p>
+            <a:r>
+              <a:rPr lang="en-GB" dirty="0">
+                <a:latin typeface="Courier New" panose="02070309020205020404" pitchFamily="49" charset="0"/>
+                <a:cs typeface="Courier New" panose="02070309020205020404" pitchFamily="49" charset="0"/>
+              </a:rPr>
+              <a:t>Return Offices (JSON)</a:t>
             </a:r>
           </a:p>
         </p:txBody>
@@ -11399,7 +12164,7 @@
     </p:spTree>
     <p:extLst>
       <p:ext uri="{BB962C8B-B14F-4D97-AF65-F5344CB8AC3E}">
-        <p14:creationId xmlns:p14="http://schemas.microsoft.com/office/powerpoint/2010/main" val="3779633253"/>
+        <p14:creationId xmlns:p14="http://schemas.microsoft.com/office/powerpoint/2010/main" val="1891040498"/>
       </p:ext>
     </p:extLst>
   </p:cSld>
@@ -11702,4 +12467,299 @@
     </a:ext>
   </a:extLst>
 </a:theme>
+</file>
+
+<file path=ppt/theme/theme2.xml><?xml version="1.0" encoding="utf-8"?>
+<a:theme xmlns:a="http://schemas.openxmlformats.org/drawingml/2006/main" name="Office Theme">
+  <a:themeElements>
+    <a:clrScheme name="Office">
+      <a:dk1>
+        <a:sysClr val="windowText" lastClr="000000"/>
+      </a:dk1>
+      <a:lt1>
+        <a:sysClr val="window" lastClr="FFFFFF"/>
+      </a:lt1>
+      <a:dk2>
+        <a:srgbClr val="44546A"/>
+      </a:dk2>
+      <a:lt2>
+        <a:srgbClr val="E7E6E6"/>
+      </a:lt2>
+      <a:accent1>
+        <a:srgbClr val="4472C4"/>
+      </a:accent1>
+      <a:accent2>
+        <a:srgbClr val="ED7D31"/>
+      </a:accent2>
+      <a:accent3>
+        <a:srgbClr val="A5A5A5"/>
+      </a:accent3>
+      <a:accent4>
+        <a:srgbClr val="FFC000"/>
+      </a:accent4>
+      <a:accent5>
+        <a:srgbClr val="5B9BD5"/>
+      </a:accent5>
+      <a:accent6>
+        <a:srgbClr val="70AD47"/>
+      </a:accent6>
+      <a:hlink>
+        <a:srgbClr val="0563C1"/>
+      </a:hlink>
+      <a:folHlink>
+        <a:srgbClr val="954F72"/>
+      </a:folHlink>
+    </a:clrScheme>
+    <a:fontScheme name="Office">
+      <a:majorFont>
+        <a:latin typeface="Calibri Light" panose="020F0302020204030204"/>
+        <a:ea typeface=""/>
+        <a:cs typeface=""/>
+        <a:font script="Jpan" typeface="游ゴシック Light"/>
+        <a:font script="Hang" typeface="맑은 고딕"/>
+        <a:font script="Hans" typeface="等线 Light"/>
+        <a:font script="Hant" typeface="新細明體"/>
+        <a:font script="Arab" typeface="Times New Roman"/>
+        <a:font script="Hebr" typeface="Times New Roman"/>
+        <a:font script="Thai" typeface="Angsana New"/>
+        <a:font script="Ethi" typeface="Nyala"/>
+        <a:font script="Beng" typeface="Vrinda"/>
+        <a:font script="Gujr" typeface="Shruti"/>
+        <a:font script="Khmr" typeface="MoolBoran"/>
+        <a:font script="Knda" typeface="Tunga"/>
+        <a:font script="Guru" typeface="Raavi"/>
+        <a:font script="Cans" typeface="Euphemia"/>
+        <a:font script="Cher" typeface="Plantagenet Cherokee"/>
+        <a:font script="Yiii" typeface="Microsoft Yi Baiti"/>
+        <a:font script="Tibt" typeface="Microsoft Himalaya"/>
+        <a:font script="Thaa" typeface="MV Boli"/>
+        <a:font script="Deva" typeface="Mangal"/>
+        <a:font script="Telu" typeface="Gautami"/>
+        <a:font script="Taml" typeface="Latha"/>
+        <a:font script="Syrc" typeface="Estrangelo Edessa"/>
+        <a:font script="Orya" typeface="Kalinga"/>
+        <a:font script="Mlym" typeface="Kartika"/>
+        <a:font script="Laoo" typeface="DokChampa"/>
+        <a:font script="Sinh" typeface="Iskoola Pota"/>
+        <a:font script="Mong" typeface="Mongolian Baiti"/>
+        <a:font script="Viet" typeface="Times New Roman"/>
+        <a:font script="Uigh" typeface="Microsoft Uighur"/>
+        <a:font script="Geor" typeface="Sylfaen"/>
+        <a:font script="Armn" typeface="Arial"/>
+        <a:font script="Bugi" typeface="Leelawadee UI"/>
+        <a:font script="Bopo" typeface="Microsoft JhengHei"/>
+        <a:font script="Java" typeface="Javanese Text"/>
+        <a:font script="Lisu" typeface="Segoe UI"/>
+        <a:font script="Mymr" typeface="Myanmar Text"/>
+        <a:font script="Nkoo" typeface="Ebrima"/>
+        <a:font script="Olck" typeface="Nirmala UI"/>
+        <a:font script="Osma" typeface="Ebrima"/>
+        <a:font script="Phag" typeface="Phagspa"/>
+        <a:font script="Syrn" typeface="Estrangelo Edessa"/>
+        <a:font script="Syrj" typeface="Estrangelo Edessa"/>
+        <a:font script="Syre" typeface="Estrangelo Edessa"/>
+        <a:font script="Sora" typeface="Nirmala UI"/>
+        <a:font script="Tale" typeface="Microsoft Tai Le"/>
+        <a:font script="Talu" typeface="Microsoft New Tai Lue"/>
+        <a:font script="Tfng" typeface="Ebrima"/>
+      </a:majorFont>
+      <a:minorFont>
+        <a:latin typeface="Calibri" panose="020F0502020204030204"/>
+        <a:ea typeface=""/>
+        <a:cs typeface=""/>
+        <a:font script="Jpan" typeface="游ゴシック"/>
+        <a:font script="Hang" typeface="맑은 고딕"/>
+        <a:font script="Hans" typeface="等线"/>
+        <a:font script="Hant" typeface="新細明體"/>
+        <a:font script="Arab" typeface="Arial"/>
+        <a:font script="Hebr" typeface="Arial"/>
+        <a:font script="Thai" typeface="Cordia New"/>
+        <a:font script="Ethi" typeface="Nyala"/>
+        <a:font script="Beng" typeface="Vrinda"/>
+        <a:font script="Gujr" typeface="Shruti"/>
+        <a:font script="Khmr" typeface="DaunPenh"/>
+        <a:font script="Knda" typeface="Tunga"/>
+        <a:font script="Guru" typeface="Raavi"/>
+        <a:font script="Cans" typeface="Euphemia"/>
+        <a:font script="Cher" typeface="Plantagenet Cherokee"/>
+        <a:font script="Yiii" typeface="Microsoft Yi Baiti"/>
+        <a:font script="Tibt" typeface="Microsoft Himalaya"/>
+        <a:font script="Thaa" typeface="MV Boli"/>
+        <a:font script="Deva" typeface="Mangal"/>
+        <a:font script="Telu" typeface="Gautami"/>
+        <a:font script="Taml" typeface="Latha"/>
+        <a:font script="Syrc" typeface="Estrangelo Edessa"/>
+        <a:font script="Orya" typeface="Kalinga"/>
+        <a:font script="Mlym" typeface="Kartika"/>
+        <a:font script="Laoo" typeface="DokChampa"/>
+        <a:font script="Sinh" typeface="Iskoola Pota"/>
+        <a:font script="Mong" typeface="Mongolian Baiti"/>
+        <a:font script="Viet" typeface="Arial"/>
+        <a:font script="Uigh" typeface="Microsoft Uighur"/>
+        <a:font script="Geor" typeface="Sylfaen"/>
+        <a:font script="Armn" typeface="Arial"/>
+        <a:font script="Bugi" typeface="Leelawadee UI"/>
+        <a:font script="Bopo" typeface="Microsoft JhengHei"/>
+        <a:font script="Java" typeface="Javanese Text"/>
+        <a:font script="Lisu" typeface="Segoe UI"/>
+        <a:font script="Mymr" typeface="Myanmar Text"/>
+        <a:font script="Nkoo" typeface="Ebrima"/>
+        <a:font script="Olck" typeface="Nirmala UI"/>
+        <a:font script="Osma" typeface="Ebrima"/>
+        <a:font script="Phag" typeface="Phagspa"/>
+        <a:font script="Syrn" typeface="Estrangelo Edessa"/>
+        <a:font script="Syrj" typeface="Estrangelo Edessa"/>
+        <a:font script="Syre" typeface="Estrangelo Edessa"/>
+        <a:font script="Sora" typeface="Nirmala UI"/>
+        <a:font script="Tale" typeface="Microsoft Tai Le"/>
+        <a:font script="Talu" typeface="Microsoft New Tai Lue"/>
+        <a:font script="Tfng" typeface="Ebrima"/>
+      </a:minorFont>
+    </a:fontScheme>
+    <a:fmtScheme name="Office">
+      <a:fillStyleLst>
+        <a:solidFill>
+          <a:schemeClr val="phClr"/>
+        </a:solidFill>
+        <a:gradFill rotWithShape="1">
+          <a:gsLst>
+            <a:gs pos="0">
+              <a:schemeClr val="phClr">
+                <a:lumMod val="110000"/>
+                <a:satMod val="105000"/>
+                <a:tint val="67000"/>
+              </a:schemeClr>
+            </a:gs>
+            <a:gs pos="50000">
+              <a:schemeClr val="phClr">
+                <a:lumMod val="105000"/>
+                <a:satMod val="103000"/>
+                <a:tint val="73000"/>
+              </a:schemeClr>
+            </a:gs>
+            <a:gs pos="100000">
+              <a:schemeClr val="phClr">
+                <a:lumMod val="105000"/>
+                <a:satMod val="109000"/>
+                <a:tint val="81000"/>
+              </a:schemeClr>
+            </a:gs>
+          </a:gsLst>
+          <a:lin ang="5400000" scaled="0"/>
+        </a:gradFill>
+        <a:gradFill rotWithShape="1">
+          <a:gsLst>
+            <a:gs pos="0">
+              <a:schemeClr val="phClr">
+                <a:satMod val="103000"/>
+                <a:lumMod val="102000"/>
+                <a:tint val="94000"/>
+              </a:schemeClr>
+            </a:gs>
+            <a:gs pos="50000">
+              <a:schemeClr val="phClr">
+                <a:satMod val="110000"/>
+                <a:lumMod val="100000"/>
+                <a:shade val="100000"/>
+              </a:schemeClr>
+            </a:gs>
+            <a:gs pos="100000">
+              <a:schemeClr val="phClr">
+                <a:lumMod val="99000"/>
+                <a:satMod val="120000"/>
+                <a:shade val="78000"/>
+              </a:schemeClr>
+            </a:gs>
+          </a:gsLst>
+          <a:lin ang="5400000" scaled="0"/>
+        </a:gradFill>
+      </a:fillStyleLst>
+      <a:lnStyleLst>
+        <a:ln w="6350" cap="flat" cmpd="sng" algn="ctr">
+          <a:solidFill>
+            <a:schemeClr val="phClr"/>
+          </a:solidFill>
+          <a:prstDash val="solid"/>
+          <a:miter lim="800000"/>
+        </a:ln>
+        <a:ln w="12700" cap="flat" cmpd="sng" algn="ctr">
+          <a:solidFill>
+            <a:schemeClr val="phClr"/>
+          </a:solidFill>
+          <a:prstDash val="solid"/>
+          <a:miter lim="800000"/>
+        </a:ln>
+        <a:ln w="19050" cap="flat" cmpd="sng" algn="ctr">
+          <a:solidFill>
+            <a:schemeClr val="phClr"/>
+          </a:solidFill>
+          <a:prstDash val="solid"/>
+          <a:miter lim="800000"/>
+        </a:ln>
+      </a:lnStyleLst>
+      <a:effectStyleLst>
+        <a:effectStyle>
+          <a:effectLst/>
+        </a:effectStyle>
+        <a:effectStyle>
+          <a:effectLst/>
+        </a:effectStyle>
+        <a:effectStyle>
+          <a:effectLst>
+            <a:outerShdw blurRad="57150" dist="19050" dir="5400000" algn="ctr" rotWithShape="0">
+              <a:srgbClr val="000000">
+                <a:alpha val="63000"/>
+              </a:srgbClr>
+            </a:outerShdw>
+          </a:effectLst>
+        </a:effectStyle>
+      </a:effectStyleLst>
+      <a:bgFillStyleLst>
+        <a:solidFill>
+          <a:schemeClr val="phClr"/>
+        </a:solidFill>
+        <a:solidFill>
+          <a:schemeClr val="phClr">
+            <a:tint val="95000"/>
+            <a:satMod val="170000"/>
+          </a:schemeClr>
+        </a:solidFill>
+        <a:gradFill rotWithShape="1">
+          <a:gsLst>
+            <a:gs pos="0">
+              <a:schemeClr val="phClr">
+                <a:tint val="93000"/>
+                <a:satMod val="150000"/>
+                <a:shade val="98000"/>
+                <a:lumMod val="102000"/>
+              </a:schemeClr>
+            </a:gs>
+            <a:gs pos="50000">
+              <a:schemeClr val="phClr">
+                <a:tint val="98000"/>
+                <a:satMod val="130000"/>
+                <a:shade val="90000"/>
+                <a:lumMod val="103000"/>
+              </a:schemeClr>
+            </a:gs>
+            <a:gs pos="100000">
+              <a:schemeClr val="phClr">
+                <a:shade val="63000"/>
+                <a:satMod val="120000"/>
+              </a:schemeClr>
+            </a:gs>
+          </a:gsLst>
+          <a:lin ang="5400000" scaled="0"/>
+        </a:gradFill>
+      </a:bgFillStyleLst>
+    </a:fmtScheme>
+  </a:themeElements>
+  <a:objectDefaults/>
+  <a:extraClrSchemeLst/>
+  <a:extLst>
+    <a:ext uri="{05A4C25C-085E-4340-85A3-A5531E510DB2}">
+      <thm15:themeFamily xmlns:thm15="http://schemas.microsoft.com/office/thememl/2012/main" name="Office Theme" id="{62F939B6-93AF-4DB8-9C6B-D6C7DFDC589F}" vid="{4A3C46E8-61CC-4603-A589-7422A47A8E4A}"/>
+    </a:ext>
+  </a:extLst>
+</a:theme>
 </file>
--- a/assets/images/Images.pptx
+++ b/assets/images/Images.pptx
@@ -5,7 +5,7 @@
     <p:sldMasterId id="2147483648" r:id="rId1"/>
   </p:sldMasterIdLst>
   <p:notesMasterIdLst>
-    <p:notesMasterId r:id="rId14"/>
+    <p:notesMasterId r:id="rId17"/>
   </p:notesMasterIdLst>
   <p:sldIdLst>
     <p:sldId id="259" r:id="rId2"/>
@@ -16,10 +16,13 @@
     <p:sldId id="261" r:id="rId7"/>
     <p:sldId id="262" r:id="rId8"/>
     <p:sldId id="267" r:id="rId9"/>
-    <p:sldId id="260" r:id="rId10"/>
-    <p:sldId id="266" r:id="rId11"/>
-    <p:sldId id="264" r:id="rId12"/>
-    <p:sldId id="265" r:id="rId13"/>
+    <p:sldId id="269" r:id="rId10"/>
+    <p:sldId id="270" r:id="rId11"/>
+    <p:sldId id="271" r:id="rId12"/>
+    <p:sldId id="260" r:id="rId13"/>
+    <p:sldId id="266" r:id="rId14"/>
+    <p:sldId id="264" r:id="rId15"/>
+    <p:sldId id="265" r:id="rId16"/>
   </p:sldIdLst>
   <p:sldSz cx="12192000" cy="6858000"/>
   <p:notesSz cx="6858000" cy="9144000"/>
@@ -139,6 +142,9 @@
         </p14:section>
         <p14:section name="Primer - Demo - Contcat Us" id="{CD463FAA-F783-204C-8F4A-ACCF9AB96981}">
           <p14:sldIdLst>
+            <p14:sldId id="269"/>
+            <p14:sldId id="270"/>
+            <p14:sldId id="271"/>
             <p14:sldId id="260"/>
           </p14:sldIdLst>
         </p14:section>
@@ -4218,6 +4224,4292 @@
       </p:grpSpPr>
       <p:sp>
         <p:nvSpPr>
+          <p:cNvPr id="4" name="Rectangle 3">
+            <a:extLst>
+              <a:ext uri="{FF2B5EF4-FFF2-40B4-BE49-F238E27FC236}">
+                <a16:creationId xmlns:a16="http://schemas.microsoft.com/office/drawing/2014/main" id="{9DB614D6-11D5-C04C-8ED8-D3904D3CDE8A}"/>
+              </a:ext>
+            </a:extLst>
+          </p:cNvPr>
+          <p:cNvSpPr/>
+          <p:nvPr/>
+        </p:nvSpPr>
+        <p:spPr>
+          <a:xfrm>
+            <a:off x="452020" y="960505"/>
+            <a:ext cx="1888007" cy="446314"/>
+          </a:xfrm>
+          <a:prstGeom prst="rect">
+            <a:avLst/>
+          </a:prstGeom>
+          <a:solidFill>
+            <a:schemeClr val="accent6">
+              <a:lumMod val="75000"/>
+            </a:schemeClr>
+          </a:solidFill>
+          <a:ln>
+            <a:solidFill>
+              <a:schemeClr val="tx1">
+                <a:lumMod val="75000"/>
+                <a:lumOff val="25000"/>
+              </a:schemeClr>
+            </a:solidFill>
+          </a:ln>
+        </p:spPr>
+        <p:style>
+          <a:lnRef idx="2">
+            <a:schemeClr val="accent1">
+              <a:shade val="50000"/>
+            </a:schemeClr>
+          </a:lnRef>
+          <a:fillRef idx="1">
+            <a:schemeClr val="accent1"/>
+          </a:fillRef>
+          <a:effectRef idx="0">
+            <a:schemeClr val="accent1"/>
+          </a:effectRef>
+          <a:fontRef idx="minor">
+            <a:schemeClr val="lt1"/>
+          </a:fontRef>
+        </p:style>
+        <p:txBody>
+          <a:bodyPr rtlCol="0" anchor="ctr"/>
+          <a:lstStyle/>
+          <a:p>
+            <a:endParaRPr lang="en-GB" sz="900" dirty="0">
+              <a:solidFill>
+                <a:schemeClr val="bg1"/>
+              </a:solidFill>
+              <a:latin typeface="Courier New" panose="02070309020205020404" pitchFamily="49" charset="0"/>
+              <a:cs typeface="Courier New" panose="02070309020205020404" pitchFamily="49" charset="0"/>
+            </a:endParaRPr>
+          </a:p>
+        </p:txBody>
+      </p:sp>
+      <p:sp>
+        <p:nvSpPr>
+          <p:cNvPr id="5" name="Rectangle 4">
+            <a:extLst>
+              <a:ext uri="{FF2B5EF4-FFF2-40B4-BE49-F238E27FC236}">
+                <a16:creationId xmlns:a16="http://schemas.microsoft.com/office/drawing/2014/main" id="{5BFECFE4-8A74-7742-8D6E-2A5FF5163627}"/>
+              </a:ext>
+            </a:extLst>
+          </p:cNvPr>
+          <p:cNvSpPr/>
+          <p:nvPr/>
+        </p:nvSpPr>
+        <p:spPr>
+          <a:xfrm>
+            <a:off x="452020" y="2281436"/>
+            <a:ext cx="1888007" cy="446314"/>
+          </a:xfrm>
+          <a:prstGeom prst="rect">
+            <a:avLst/>
+          </a:prstGeom>
+          <a:solidFill>
+            <a:schemeClr val="accent5">
+              <a:lumMod val="75000"/>
+            </a:schemeClr>
+          </a:solidFill>
+          <a:ln>
+            <a:solidFill>
+              <a:schemeClr val="tx1">
+                <a:lumMod val="75000"/>
+                <a:lumOff val="25000"/>
+              </a:schemeClr>
+            </a:solidFill>
+          </a:ln>
+        </p:spPr>
+        <p:style>
+          <a:lnRef idx="2">
+            <a:schemeClr val="accent1">
+              <a:shade val="50000"/>
+            </a:schemeClr>
+          </a:lnRef>
+          <a:fillRef idx="1">
+            <a:schemeClr val="accent1"/>
+          </a:fillRef>
+          <a:effectRef idx="0">
+            <a:schemeClr val="accent1"/>
+          </a:effectRef>
+          <a:fontRef idx="minor">
+            <a:schemeClr val="lt1"/>
+          </a:fontRef>
+        </p:style>
+        <p:txBody>
+          <a:bodyPr rtlCol="0" anchor="ctr"/>
+          <a:lstStyle/>
+          <a:p>
+            <a:endParaRPr lang="en-GB" sz="900" dirty="0">
+              <a:solidFill>
+                <a:schemeClr val="bg1"/>
+              </a:solidFill>
+              <a:latin typeface="Courier New" panose="02070309020205020404" pitchFamily="49" charset="0"/>
+              <a:cs typeface="Courier New" panose="02070309020205020404" pitchFamily="49" charset="0"/>
+            </a:endParaRPr>
+          </a:p>
+        </p:txBody>
+      </p:sp>
+      <p:sp>
+        <p:nvSpPr>
+          <p:cNvPr id="6" name="Rectangle 5">
+            <a:extLst>
+              <a:ext uri="{FF2B5EF4-FFF2-40B4-BE49-F238E27FC236}">
+                <a16:creationId xmlns:a16="http://schemas.microsoft.com/office/drawing/2014/main" id="{0BCFB0DA-68B3-B946-A35F-EF853A49DC3E}"/>
+              </a:ext>
+            </a:extLst>
+          </p:cNvPr>
+          <p:cNvSpPr/>
+          <p:nvPr/>
+        </p:nvSpPr>
+        <p:spPr>
+          <a:xfrm>
+            <a:off x="452020" y="3602294"/>
+            <a:ext cx="1888007" cy="446314"/>
+          </a:xfrm>
+          <a:prstGeom prst="rect">
+            <a:avLst/>
+          </a:prstGeom>
+          <a:solidFill>
+            <a:schemeClr val="accent3">
+              <a:lumMod val="75000"/>
+            </a:schemeClr>
+          </a:solidFill>
+          <a:ln>
+            <a:solidFill>
+              <a:schemeClr val="tx1">
+                <a:lumMod val="75000"/>
+                <a:lumOff val="25000"/>
+              </a:schemeClr>
+            </a:solidFill>
+          </a:ln>
+        </p:spPr>
+        <p:style>
+          <a:lnRef idx="2">
+            <a:schemeClr val="accent1">
+              <a:shade val="50000"/>
+            </a:schemeClr>
+          </a:lnRef>
+          <a:fillRef idx="1">
+            <a:schemeClr val="accent1"/>
+          </a:fillRef>
+          <a:effectRef idx="0">
+            <a:schemeClr val="accent1"/>
+          </a:effectRef>
+          <a:fontRef idx="minor">
+            <a:schemeClr val="lt1"/>
+          </a:fontRef>
+        </p:style>
+        <p:txBody>
+          <a:bodyPr rtlCol="0" anchor="ctr"/>
+          <a:lstStyle/>
+          <a:p>
+            <a:endParaRPr lang="en-GB" sz="900" dirty="0">
+              <a:solidFill>
+                <a:schemeClr val="bg1"/>
+              </a:solidFill>
+              <a:latin typeface="Courier New" panose="02070309020205020404" pitchFamily="49" charset="0"/>
+              <a:cs typeface="Courier New" panose="02070309020205020404" pitchFamily="49" charset="0"/>
+            </a:endParaRPr>
+          </a:p>
+        </p:txBody>
+      </p:sp>
+      <p:sp>
+        <p:nvSpPr>
+          <p:cNvPr id="7" name="Rectangle 6">
+            <a:extLst>
+              <a:ext uri="{FF2B5EF4-FFF2-40B4-BE49-F238E27FC236}">
+                <a16:creationId xmlns:a16="http://schemas.microsoft.com/office/drawing/2014/main" id="{EEB2D9F9-FD99-144C-A145-7ACAAEADDFE5}"/>
+              </a:ext>
+            </a:extLst>
+          </p:cNvPr>
+          <p:cNvSpPr/>
+          <p:nvPr/>
+        </p:nvSpPr>
+        <p:spPr>
+          <a:xfrm>
+            <a:off x="452020" y="4923298"/>
+            <a:ext cx="1888007" cy="446314"/>
+          </a:xfrm>
+          <a:prstGeom prst="rect">
+            <a:avLst/>
+          </a:prstGeom>
+          <a:solidFill>
+            <a:schemeClr val="accent1">
+              <a:lumMod val="75000"/>
+            </a:schemeClr>
+          </a:solidFill>
+          <a:ln>
+            <a:solidFill>
+              <a:schemeClr val="tx1">
+                <a:lumMod val="75000"/>
+                <a:lumOff val="25000"/>
+              </a:schemeClr>
+            </a:solidFill>
+          </a:ln>
+        </p:spPr>
+        <p:style>
+          <a:lnRef idx="2">
+            <a:schemeClr val="accent1">
+              <a:shade val="50000"/>
+            </a:schemeClr>
+          </a:lnRef>
+          <a:fillRef idx="1">
+            <a:schemeClr val="accent1"/>
+          </a:fillRef>
+          <a:effectRef idx="0">
+            <a:schemeClr val="accent1"/>
+          </a:effectRef>
+          <a:fontRef idx="minor">
+            <a:schemeClr val="lt1"/>
+          </a:fontRef>
+        </p:style>
+        <p:txBody>
+          <a:bodyPr rtlCol="0" anchor="ctr"/>
+          <a:lstStyle/>
+          <a:p>
+            <a:endParaRPr lang="en-GB" sz="900" dirty="0">
+              <a:solidFill>
+                <a:schemeClr val="bg1"/>
+              </a:solidFill>
+              <a:latin typeface="Courier New" panose="02070309020205020404" pitchFamily="49" charset="0"/>
+              <a:cs typeface="Courier New" panose="02070309020205020404" pitchFamily="49" charset="0"/>
+            </a:endParaRPr>
+          </a:p>
+        </p:txBody>
+      </p:sp>
+      <p:sp>
+        <p:nvSpPr>
+          <p:cNvPr id="8" name="Rectangle 7">
+            <a:extLst>
+              <a:ext uri="{FF2B5EF4-FFF2-40B4-BE49-F238E27FC236}">
+                <a16:creationId xmlns:a16="http://schemas.microsoft.com/office/drawing/2014/main" id="{C7183D38-6A9A-B54B-9AB8-CC060C578B2F}"/>
+              </a:ext>
+            </a:extLst>
+          </p:cNvPr>
+          <p:cNvSpPr/>
+          <p:nvPr/>
+        </p:nvSpPr>
+        <p:spPr>
+          <a:xfrm>
+            <a:off x="2920861" y="3602294"/>
+            <a:ext cx="1888007" cy="446314"/>
+          </a:xfrm>
+          <a:prstGeom prst="rect">
+            <a:avLst/>
+          </a:prstGeom>
+          <a:solidFill>
+            <a:schemeClr val="accent3">
+              <a:lumMod val="60000"/>
+              <a:lumOff val="40000"/>
+            </a:schemeClr>
+          </a:solidFill>
+          <a:ln>
+            <a:solidFill>
+              <a:schemeClr val="tx1">
+                <a:lumMod val="75000"/>
+                <a:lumOff val="25000"/>
+              </a:schemeClr>
+            </a:solidFill>
+          </a:ln>
+        </p:spPr>
+        <p:style>
+          <a:lnRef idx="2">
+            <a:schemeClr val="accent1">
+              <a:shade val="50000"/>
+            </a:schemeClr>
+          </a:lnRef>
+          <a:fillRef idx="1">
+            <a:schemeClr val="accent1"/>
+          </a:fillRef>
+          <a:effectRef idx="0">
+            <a:schemeClr val="accent1"/>
+          </a:effectRef>
+          <a:fontRef idx="minor">
+            <a:schemeClr val="lt1"/>
+          </a:fontRef>
+        </p:style>
+        <p:txBody>
+          <a:bodyPr rtlCol="0" anchor="ctr"/>
+          <a:lstStyle/>
+          <a:p>
+            <a:endParaRPr lang="en-GB" sz="900" dirty="0">
+              <a:solidFill>
+                <a:schemeClr val="bg1"/>
+              </a:solidFill>
+              <a:latin typeface="Courier New" panose="02070309020205020404" pitchFamily="49" charset="0"/>
+              <a:cs typeface="Courier New" panose="02070309020205020404" pitchFamily="49" charset="0"/>
+            </a:endParaRPr>
+          </a:p>
+        </p:txBody>
+      </p:sp>
+      <p:sp>
+        <p:nvSpPr>
+          <p:cNvPr id="9" name="Rectangle 8">
+            <a:extLst>
+              <a:ext uri="{FF2B5EF4-FFF2-40B4-BE49-F238E27FC236}">
+                <a16:creationId xmlns:a16="http://schemas.microsoft.com/office/drawing/2014/main" id="{A62B1077-F72B-194C-9D6B-8D45BDE2AE2B}"/>
+              </a:ext>
+            </a:extLst>
+          </p:cNvPr>
+          <p:cNvSpPr/>
+          <p:nvPr/>
+        </p:nvSpPr>
+        <p:spPr>
+          <a:xfrm>
+            <a:off x="2914725" y="4923298"/>
+            <a:ext cx="1888007" cy="446314"/>
+          </a:xfrm>
+          <a:prstGeom prst="rect">
+            <a:avLst/>
+          </a:prstGeom>
+          <a:solidFill>
+            <a:schemeClr val="accent1">
+              <a:lumMod val="60000"/>
+              <a:lumOff val="40000"/>
+            </a:schemeClr>
+          </a:solidFill>
+          <a:ln>
+            <a:solidFill>
+              <a:schemeClr val="tx1">
+                <a:lumMod val="75000"/>
+                <a:lumOff val="25000"/>
+              </a:schemeClr>
+            </a:solidFill>
+          </a:ln>
+        </p:spPr>
+        <p:style>
+          <a:lnRef idx="2">
+            <a:schemeClr val="accent1">
+              <a:shade val="50000"/>
+            </a:schemeClr>
+          </a:lnRef>
+          <a:fillRef idx="1">
+            <a:schemeClr val="accent1"/>
+          </a:fillRef>
+          <a:effectRef idx="0">
+            <a:schemeClr val="accent1"/>
+          </a:effectRef>
+          <a:fontRef idx="minor">
+            <a:schemeClr val="lt1"/>
+          </a:fontRef>
+        </p:style>
+        <p:txBody>
+          <a:bodyPr rtlCol="0" anchor="ctr"/>
+          <a:lstStyle/>
+          <a:p>
+            <a:endParaRPr lang="en-GB" sz="900" dirty="0">
+              <a:solidFill>
+                <a:schemeClr val="bg1"/>
+              </a:solidFill>
+              <a:latin typeface="Courier New" panose="02070309020205020404" pitchFamily="49" charset="0"/>
+              <a:cs typeface="Courier New" panose="02070309020205020404" pitchFamily="49" charset="0"/>
+            </a:endParaRPr>
+          </a:p>
+        </p:txBody>
+      </p:sp>
+      <p:sp>
+        <p:nvSpPr>
+          <p:cNvPr id="10" name="Rectangle 9">
+            <a:extLst>
+              <a:ext uri="{FF2B5EF4-FFF2-40B4-BE49-F238E27FC236}">
+                <a16:creationId xmlns:a16="http://schemas.microsoft.com/office/drawing/2014/main" id="{09B73A7B-8777-8245-91A8-D4ECEF75CD11}"/>
+              </a:ext>
+            </a:extLst>
+          </p:cNvPr>
+          <p:cNvSpPr/>
+          <p:nvPr/>
+        </p:nvSpPr>
+        <p:spPr>
+          <a:xfrm>
+            <a:off x="5380498" y="3602294"/>
+            <a:ext cx="1888007" cy="446314"/>
+          </a:xfrm>
+          <a:prstGeom prst="rect">
+            <a:avLst/>
+          </a:prstGeom>
+          <a:solidFill>
+            <a:schemeClr val="accent3">
+              <a:lumMod val="40000"/>
+              <a:lumOff val="60000"/>
+            </a:schemeClr>
+          </a:solidFill>
+          <a:ln>
+            <a:solidFill>
+              <a:schemeClr val="tx1">
+                <a:lumMod val="75000"/>
+                <a:lumOff val="25000"/>
+              </a:schemeClr>
+            </a:solidFill>
+          </a:ln>
+        </p:spPr>
+        <p:style>
+          <a:lnRef idx="2">
+            <a:schemeClr val="accent1">
+              <a:shade val="50000"/>
+            </a:schemeClr>
+          </a:lnRef>
+          <a:fillRef idx="1">
+            <a:schemeClr val="accent1"/>
+          </a:fillRef>
+          <a:effectRef idx="0">
+            <a:schemeClr val="accent1"/>
+          </a:effectRef>
+          <a:fontRef idx="minor">
+            <a:schemeClr val="lt1"/>
+          </a:fontRef>
+        </p:style>
+        <p:txBody>
+          <a:bodyPr rtlCol="0" anchor="ctr"/>
+          <a:lstStyle/>
+          <a:p>
+            <a:endParaRPr lang="en-GB" sz="900" dirty="0">
+              <a:solidFill>
+                <a:schemeClr val="bg1"/>
+              </a:solidFill>
+              <a:latin typeface="Courier New" panose="02070309020205020404" pitchFamily="49" charset="0"/>
+              <a:cs typeface="Courier New" panose="02070309020205020404" pitchFamily="49" charset="0"/>
+            </a:endParaRPr>
+          </a:p>
+        </p:txBody>
+      </p:sp>
+      <p:sp>
+        <p:nvSpPr>
+          <p:cNvPr id="11" name="Rectangle 10">
+            <a:extLst>
+              <a:ext uri="{FF2B5EF4-FFF2-40B4-BE49-F238E27FC236}">
+                <a16:creationId xmlns:a16="http://schemas.microsoft.com/office/drawing/2014/main" id="{79A7A465-ADA6-4B42-8783-74E41F7AC3D6}"/>
+              </a:ext>
+            </a:extLst>
+          </p:cNvPr>
+          <p:cNvSpPr/>
+          <p:nvPr/>
+        </p:nvSpPr>
+        <p:spPr>
+          <a:xfrm>
+            <a:off x="5377430" y="4923298"/>
+            <a:ext cx="1888007" cy="446314"/>
+          </a:xfrm>
+          <a:prstGeom prst="rect">
+            <a:avLst/>
+          </a:prstGeom>
+          <a:solidFill>
+            <a:schemeClr val="accent1">
+              <a:lumMod val="40000"/>
+              <a:lumOff val="60000"/>
+            </a:schemeClr>
+          </a:solidFill>
+          <a:ln>
+            <a:solidFill>
+              <a:schemeClr val="tx1">
+                <a:lumMod val="75000"/>
+                <a:lumOff val="25000"/>
+              </a:schemeClr>
+            </a:solidFill>
+          </a:ln>
+        </p:spPr>
+        <p:style>
+          <a:lnRef idx="2">
+            <a:schemeClr val="accent1">
+              <a:shade val="50000"/>
+            </a:schemeClr>
+          </a:lnRef>
+          <a:fillRef idx="1">
+            <a:schemeClr val="accent1"/>
+          </a:fillRef>
+          <a:effectRef idx="0">
+            <a:schemeClr val="accent1"/>
+          </a:effectRef>
+          <a:fontRef idx="minor">
+            <a:schemeClr val="lt1"/>
+          </a:fontRef>
+        </p:style>
+        <p:txBody>
+          <a:bodyPr rtlCol="0" anchor="ctr"/>
+          <a:lstStyle/>
+          <a:p>
+            <a:endParaRPr lang="en-GB" sz="900" dirty="0">
+              <a:solidFill>
+                <a:schemeClr val="bg1"/>
+              </a:solidFill>
+              <a:latin typeface="Courier New" panose="02070309020205020404" pitchFamily="49" charset="0"/>
+              <a:cs typeface="Courier New" panose="02070309020205020404" pitchFamily="49" charset="0"/>
+            </a:endParaRPr>
+          </a:p>
+        </p:txBody>
+      </p:sp>
+      <p:sp>
+        <p:nvSpPr>
+          <p:cNvPr id="12" name="Rectangle 11">
+            <a:extLst>
+              <a:ext uri="{FF2B5EF4-FFF2-40B4-BE49-F238E27FC236}">
+                <a16:creationId xmlns:a16="http://schemas.microsoft.com/office/drawing/2014/main" id="{8502EC85-5091-F444-B905-64C0E52D7EA4}"/>
+              </a:ext>
+            </a:extLst>
+          </p:cNvPr>
+          <p:cNvSpPr/>
+          <p:nvPr/>
+        </p:nvSpPr>
+        <p:spPr>
+          <a:xfrm>
+            <a:off x="7840135" y="3602294"/>
+            <a:ext cx="1888007" cy="446314"/>
+          </a:xfrm>
+          <a:prstGeom prst="rect">
+            <a:avLst/>
+          </a:prstGeom>
+          <a:solidFill>
+            <a:schemeClr val="accent3">
+              <a:lumMod val="20000"/>
+              <a:lumOff val="80000"/>
+            </a:schemeClr>
+          </a:solidFill>
+          <a:ln>
+            <a:solidFill>
+              <a:schemeClr val="tx1">
+                <a:lumMod val="75000"/>
+                <a:lumOff val="25000"/>
+              </a:schemeClr>
+            </a:solidFill>
+          </a:ln>
+        </p:spPr>
+        <p:style>
+          <a:lnRef idx="2">
+            <a:schemeClr val="accent1">
+              <a:shade val="50000"/>
+            </a:schemeClr>
+          </a:lnRef>
+          <a:fillRef idx="1">
+            <a:schemeClr val="accent1"/>
+          </a:fillRef>
+          <a:effectRef idx="0">
+            <a:schemeClr val="accent1"/>
+          </a:effectRef>
+          <a:fontRef idx="minor">
+            <a:schemeClr val="lt1"/>
+          </a:fontRef>
+        </p:style>
+        <p:txBody>
+          <a:bodyPr rtlCol="0" anchor="ctr"/>
+          <a:lstStyle/>
+          <a:p>
+            <a:endParaRPr lang="en-GB" sz="900" dirty="0">
+              <a:solidFill>
+                <a:schemeClr val="bg1"/>
+              </a:solidFill>
+              <a:latin typeface="Courier New" panose="02070309020205020404" pitchFamily="49" charset="0"/>
+              <a:cs typeface="Courier New" panose="02070309020205020404" pitchFamily="49" charset="0"/>
+            </a:endParaRPr>
+          </a:p>
+        </p:txBody>
+      </p:sp>
+      <p:sp>
+        <p:nvSpPr>
+          <p:cNvPr id="13" name="Rectangle 12">
+            <a:extLst>
+              <a:ext uri="{FF2B5EF4-FFF2-40B4-BE49-F238E27FC236}">
+                <a16:creationId xmlns:a16="http://schemas.microsoft.com/office/drawing/2014/main" id="{D0CF8E13-F17C-FF43-877F-2E7A1DFA593F}"/>
+              </a:ext>
+            </a:extLst>
+          </p:cNvPr>
+          <p:cNvSpPr/>
+          <p:nvPr/>
+        </p:nvSpPr>
+        <p:spPr>
+          <a:xfrm>
+            <a:off x="7840135" y="4923298"/>
+            <a:ext cx="1888007" cy="446314"/>
+          </a:xfrm>
+          <a:prstGeom prst="rect">
+            <a:avLst/>
+          </a:prstGeom>
+          <a:solidFill>
+            <a:schemeClr val="accent1">
+              <a:lumMod val="20000"/>
+              <a:lumOff val="80000"/>
+            </a:schemeClr>
+          </a:solidFill>
+          <a:ln>
+            <a:solidFill>
+              <a:schemeClr val="tx1">
+                <a:lumMod val="75000"/>
+                <a:lumOff val="25000"/>
+              </a:schemeClr>
+            </a:solidFill>
+          </a:ln>
+        </p:spPr>
+        <p:style>
+          <a:lnRef idx="2">
+            <a:schemeClr val="accent1">
+              <a:shade val="50000"/>
+            </a:schemeClr>
+          </a:lnRef>
+          <a:fillRef idx="1">
+            <a:schemeClr val="accent1"/>
+          </a:fillRef>
+          <a:effectRef idx="0">
+            <a:schemeClr val="accent1"/>
+          </a:effectRef>
+          <a:fontRef idx="minor">
+            <a:schemeClr val="lt1"/>
+          </a:fontRef>
+        </p:style>
+        <p:txBody>
+          <a:bodyPr rtlCol="0" anchor="ctr"/>
+          <a:lstStyle/>
+          <a:p>
+            <a:endParaRPr lang="en-GB" sz="900" dirty="0">
+              <a:solidFill>
+                <a:schemeClr val="bg1"/>
+              </a:solidFill>
+              <a:latin typeface="Courier New" panose="02070309020205020404" pitchFamily="49" charset="0"/>
+              <a:cs typeface="Courier New" panose="02070309020205020404" pitchFamily="49" charset="0"/>
+            </a:endParaRPr>
+          </a:p>
+        </p:txBody>
+      </p:sp>
+      <p:cxnSp>
+        <p:nvCxnSpPr>
+          <p:cNvPr id="15" name="Straight Arrow Connector 14">
+            <a:extLst>
+              <a:ext uri="{FF2B5EF4-FFF2-40B4-BE49-F238E27FC236}">
+                <a16:creationId xmlns:a16="http://schemas.microsoft.com/office/drawing/2014/main" id="{CE8E0CDF-6EBA-BC48-B3E4-BBD23DF3873F}"/>
+              </a:ext>
+            </a:extLst>
+          </p:cNvPr>
+          <p:cNvCxnSpPr>
+            <a:cxnSpLocks/>
+          </p:cNvCxnSpPr>
+          <p:nvPr/>
+        </p:nvCxnSpPr>
+        <p:spPr>
+          <a:xfrm>
+            <a:off x="1396023" y="1406819"/>
+            <a:ext cx="0" cy="874617"/>
+          </a:xfrm>
+          <a:prstGeom prst="straightConnector1">
+            <a:avLst/>
+          </a:prstGeom>
+          <a:ln w="12700">
+            <a:solidFill>
+              <a:schemeClr val="tx1">
+                <a:lumMod val="75000"/>
+                <a:lumOff val="25000"/>
+              </a:schemeClr>
+            </a:solidFill>
+            <a:tailEnd type="triangle"/>
+          </a:ln>
+        </p:spPr>
+        <p:style>
+          <a:lnRef idx="1">
+            <a:schemeClr val="accent1"/>
+          </a:lnRef>
+          <a:fillRef idx="0">
+            <a:schemeClr val="accent1"/>
+          </a:fillRef>
+          <a:effectRef idx="0">
+            <a:schemeClr val="accent1"/>
+          </a:effectRef>
+          <a:fontRef idx="minor">
+            <a:schemeClr val="tx1"/>
+          </a:fontRef>
+        </p:style>
+      </p:cxnSp>
+      <p:cxnSp>
+        <p:nvCxnSpPr>
+          <p:cNvPr id="17" name="Straight Arrow Connector 16">
+            <a:extLst>
+              <a:ext uri="{FF2B5EF4-FFF2-40B4-BE49-F238E27FC236}">
+                <a16:creationId xmlns:a16="http://schemas.microsoft.com/office/drawing/2014/main" id="{18263169-8B78-FF42-B2A3-7891969BF081}"/>
+              </a:ext>
+            </a:extLst>
+          </p:cNvPr>
+          <p:cNvCxnSpPr>
+            <a:cxnSpLocks/>
+          </p:cNvCxnSpPr>
+          <p:nvPr/>
+        </p:nvCxnSpPr>
+        <p:spPr>
+          <a:xfrm>
+            <a:off x="1386820" y="2727750"/>
+            <a:ext cx="0" cy="874544"/>
+          </a:xfrm>
+          <a:prstGeom prst="straightConnector1">
+            <a:avLst/>
+          </a:prstGeom>
+          <a:ln w="12700">
+            <a:solidFill>
+              <a:schemeClr val="tx1">
+                <a:lumMod val="75000"/>
+                <a:lumOff val="25000"/>
+              </a:schemeClr>
+            </a:solidFill>
+            <a:tailEnd type="triangle"/>
+          </a:ln>
+        </p:spPr>
+        <p:style>
+          <a:lnRef idx="1">
+            <a:schemeClr val="accent1"/>
+          </a:lnRef>
+          <a:fillRef idx="0">
+            <a:schemeClr val="accent1"/>
+          </a:fillRef>
+          <a:effectRef idx="0">
+            <a:schemeClr val="accent1"/>
+          </a:effectRef>
+          <a:fontRef idx="minor">
+            <a:schemeClr val="tx1"/>
+          </a:fontRef>
+        </p:style>
+      </p:cxnSp>
+      <p:cxnSp>
+        <p:nvCxnSpPr>
+          <p:cNvPr id="20" name="Straight Arrow Connector 19">
+            <a:extLst>
+              <a:ext uri="{FF2B5EF4-FFF2-40B4-BE49-F238E27FC236}">
+                <a16:creationId xmlns:a16="http://schemas.microsoft.com/office/drawing/2014/main" id="{CA16F982-D9E1-2E4A-A18B-40F55D4451E6}"/>
+              </a:ext>
+            </a:extLst>
+          </p:cNvPr>
+          <p:cNvCxnSpPr>
+            <a:cxnSpLocks/>
+          </p:cNvCxnSpPr>
+          <p:nvPr/>
+        </p:nvCxnSpPr>
+        <p:spPr>
+          <a:xfrm>
+            <a:off x="1386819" y="4048608"/>
+            <a:ext cx="0" cy="874690"/>
+          </a:xfrm>
+          <a:prstGeom prst="straightConnector1">
+            <a:avLst/>
+          </a:prstGeom>
+          <a:ln w="12700">
+            <a:solidFill>
+              <a:schemeClr val="tx1">
+                <a:lumMod val="75000"/>
+                <a:lumOff val="25000"/>
+              </a:schemeClr>
+            </a:solidFill>
+            <a:tailEnd type="triangle"/>
+          </a:ln>
+        </p:spPr>
+        <p:style>
+          <a:lnRef idx="1">
+            <a:schemeClr val="accent1"/>
+          </a:lnRef>
+          <a:fillRef idx="0">
+            <a:schemeClr val="accent1"/>
+          </a:fillRef>
+          <a:effectRef idx="0">
+            <a:schemeClr val="accent1"/>
+          </a:effectRef>
+          <a:fontRef idx="minor">
+            <a:schemeClr val="tx1"/>
+          </a:fontRef>
+        </p:style>
+      </p:cxnSp>
+      <p:cxnSp>
+        <p:nvCxnSpPr>
+          <p:cNvPr id="24" name="Curved Connector 23">
+            <a:extLst>
+              <a:ext uri="{FF2B5EF4-FFF2-40B4-BE49-F238E27FC236}">
+                <a16:creationId xmlns:a16="http://schemas.microsoft.com/office/drawing/2014/main" id="{863E019A-1F27-F141-8FEA-8243A0260B48}"/>
+              </a:ext>
+            </a:extLst>
+          </p:cNvPr>
+          <p:cNvCxnSpPr>
+            <a:stCxn id="5" idx="3"/>
+            <a:endCxn id="8" idx="0"/>
+          </p:cNvCxnSpPr>
+          <p:nvPr/>
+        </p:nvCxnSpPr>
+        <p:spPr>
+          <a:xfrm>
+            <a:off x="2340027" y="2504593"/>
+            <a:ext cx="1524838" cy="1097701"/>
+          </a:xfrm>
+          <a:prstGeom prst="curvedConnector2">
+            <a:avLst/>
+          </a:prstGeom>
+          <a:ln w="12700">
+            <a:solidFill>
+              <a:schemeClr val="tx1">
+                <a:lumMod val="75000"/>
+                <a:lumOff val="25000"/>
+              </a:schemeClr>
+            </a:solidFill>
+            <a:tailEnd type="triangle"/>
+          </a:ln>
+        </p:spPr>
+        <p:style>
+          <a:lnRef idx="1">
+            <a:schemeClr val="accent1"/>
+          </a:lnRef>
+          <a:fillRef idx="0">
+            <a:schemeClr val="accent1"/>
+          </a:fillRef>
+          <a:effectRef idx="0">
+            <a:schemeClr val="accent1"/>
+          </a:effectRef>
+          <a:fontRef idx="minor">
+            <a:schemeClr val="tx1"/>
+          </a:fontRef>
+        </p:style>
+      </p:cxnSp>
+      <p:cxnSp>
+        <p:nvCxnSpPr>
+          <p:cNvPr id="25" name="Curved Connector 24">
+            <a:extLst>
+              <a:ext uri="{FF2B5EF4-FFF2-40B4-BE49-F238E27FC236}">
+                <a16:creationId xmlns:a16="http://schemas.microsoft.com/office/drawing/2014/main" id="{9BDAAE95-FB62-2B48-A48C-948CEFA56260}"/>
+              </a:ext>
+            </a:extLst>
+          </p:cNvPr>
+          <p:cNvCxnSpPr>
+            <a:cxnSpLocks/>
+            <a:stCxn id="4" idx="3"/>
+          </p:cNvCxnSpPr>
+          <p:nvPr/>
+        </p:nvCxnSpPr>
+        <p:spPr>
+          <a:xfrm>
+            <a:off x="2340027" y="1183662"/>
+            <a:ext cx="1524837" cy="2382124"/>
+          </a:xfrm>
+          <a:prstGeom prst="curvedConnector2">
+            <a:avLst/>
+          </a:prstGeom>
+          <a:ln w="12700">
+            <a:solidFill>
+              <a:schemeClr val="tx1">
+                <a:lumMod val="75000"/>
+                <a:lumOff val="25000"/>
+              </a:schemeClr>
+            </a:solidFill>
+            <a:tailEnd type="triangle"/>
+          </a:ln>
+        </p:spPr>
+        <p:style>
+          <a:lnRef idx="1">
+            <a:schemeClr val="accent1"/>
+          </a:lnRef>
+          <a:fillRef idx="0">
+            <a:schemeClr val="accent1"/>
+          </a:fillRef>
+          <a:effectRef idx="0">
+            <a:schemeClr val="accent1"/>
+          </a:effectRef>
+          <a:fontRef idx="minor">
+            <a:schemeClr val="tx1"/>
+          </a:fontRef>
+        </p:style>
+      </p:cxnSp>
+      <p:cxnSp>
+        <p:nvCxnSpPr>
+          <p:cNvPr id="28" name="Curved Connector 27">
+            <a:extLst>
+              <a:ext uri="{FF2B5EF4-FFF2-40B4-BE49-F238E27FC236}">
+                <a16:creationId xmlns:a16="http://schemas.microsoft.com/office/drawing/2014/main" id="{FBFDB019-38CC-D442-9036-9CEE3A3F9B94}"/>
+              </a:ext>
+            </a:extLst>
+          </p:cNvPr>
+          <p:cNvCxnSpPr>
+            <a:cxnSpLocks/>
+            <a:stCxn id="4" idx="3"/>
+            <a:endCxn id="10" idx="0"/>
+          </p:cNvCxnSpPr>
+          <p:nvPr/>
+        </p:nvCxnSpPr>
+        <p:spPr>
+          <a:xfrm>
+            <a:off x="2340027" y="1183662"/>
+            <a:ext cx="3984475" cy="2418632"/>
+          </a:xfrm>
+          <a:prstGeom prst="curvedConnector2">
+            <a:avLst/>
+          </a:prstGeom>
+          <a:ln w="12700">
+            <a:solidFill>
+              <a:schemeClr val="tx1">
+                <a:lumMod val="75000"/>
+                <a:lumOff val="25000"/>
+              </a:schemeClr>
+            </a:solidFill>
+            <a:tailEnd type="triangle"/>
+          </a:ln>
+        </p:spPr>
+        <p:style>
+          <a:lnRef idx="1">
+            <a:schemeClr val="accent1"/>
+          </a:lnRef>
+          <a:fillRef idx="0">
+            <a:schemeClr val="accent1"/>
+          </a:fillRef>
+          <a:effectRef idx="0">
+            <a:schemeClr val="accent1"/>
+          </a:effectRef>
+          <a:fontRef idx="minor">
+            <a:schemeClr val="tx1"/>
+          </a:fontRef>
+        </p:style>
+      </p:cxnSp>
+      <p:cxnSp>
+        <p:nvCxnSpPr>
+          <p:cNvPr id="31" name="Curved Connector 30">
+            <a:extLst>
+              <a:ext uri="{FF2B5EF4-FFF2-40B4-BE49-F238E27FC236}">
+                <a16:creationId xmlns:a16="http://schemas.microsoft.com/office/drawing/2014/main" id="{5A09CE64-EB75-FF44-8969-1A5933BE1B84}"/>
+              </a:ext>
+            </a:extLst>
+          </p:cNvPr>
+          <p:cNvCxnSpPr>
+            <a:cxnSpLocks/>
+            <a:stCxn id="4" idx="3"/>
+            <a:endCxn id="12" idx="0"/>
+          </p:cNvCxnSpPr>
+          <p:nvPr/>
+        </p:nvCxnSpPr>
+        <p:spPr>
+          <a:xfrm>
+            <a:off x="2340027" y="1183662"/>
+            <a:ext cx="6444112" cy="2418632"/>
+          </a:xfrm>
+          <a:prstGeom prst="curvedConnector2">
+            <a:avLst/>
+          </a:prstGeom>
+          <a:ln w="12700">
+            <a:solidFill>
+              <a:schemeClr val="tx1">
+                <a:lumMod val="75000"/>
+                <a:lumOff val="25000"/>
+              </a:schemeClr>
+            </a:solidFill>
+            <a:tailEnd type="triangle"/>
+          </a:ln>
+        </p:spPr>
+        <p:style>
+          <a:lnRef idx="1">
+            <a:schemeClr val="accent1"/>
+          </a:lnRef>
+          <a:fillRef idx="0">
+            <a:schemeClr val="accent1"/>
+          </a:fillRef>
+          <a:effectRef idx="0">
+            <a:schemeClr val="accent1"/>
+          </a:effectRef>
+          <a:fontRef idx="minor">
+            <a:schemeClr val="tx1"/>
+          </a:fontRef>
+        </p:style>
+      </p:cxnSp>
+      <p:cxnSp>
+        <p:nvCxnSpPr>
+          <p:cNvPr id="34" name="Curved Connector 33">
+            <a:extLst>
+              <a:ext uri="{FF2B5EF4-FFF2-40B4-BE49-F238E27FC236}">
+                <a16:creationId xmlns:a16="http://schemas.microsoft.com/office/drawing/2014/main" id="{AEBDF3BC-F6A1-D14A-8DA6-F45F6788DF2A}"/>
+              </a:ext>
+            </a:extLst>
+          </p:cNvPr>
+          <p:cNvCxnSpPr>
+            <a:cxnSpLocks/>
+            <a:stCxn id="5" idx="3"/>
+            <a:endCxn id="10" idx="0"/>
+          </p:cNvCxnSpPr>
+          <p:nvPr/>
+        </p:nvCxnSpPr>
+        <p:spPr>
+          <a:xfrm>
+            <a:off x="2340027" y="2504593"/>
+            <a:ext cx="3984475" cy="1097701"/>
+          </a:xfrm>
+          <a:prstGeom prst="curvedConnector2">
+            <a:avLst/>
+          </a:prstGeom>
+          <a:ln w="12700">
+            <a:solidFill>
+              <a:schemeClr val="tx1">
+                <a:lumMod val="75000"/>
+                <a:lumOff val="25000"/>
+              </a:schemeClr>
+            </a:solidFill>
+            <a:tailEnd type="triangle"/>
+          </a:ln>
+        </p:spPr>
+        <p:style>
+          <a:lnRef idx="1">
+            <a:schemeClr val="accent1"/>
+          </a:lnRef>
+          <a:fillRef idx="0">
+            <a:schemeClr val="accent1"/>
+          </a:fillRef>
+          <a:effectRef idx="0">
+            <a:schemeClr val="accent1"/>
+          </a:effectRef>
+          <a:fontRef idx="minor">
+            <a:schemeClr val="tx1"/>
+          </a:fontRef>
+        </p:style>
+      </p:cxnSp>
+      <p:cxnSp>
+        <p:nvCxnSpPr>
+          <p:cNvPr id="37" name="Curved Connector 36">
+            <a:extLst>
+              <a:ext uri="{FF2B5EF4-FFF2-40B4-BE49-F238E27FC236}">
+                <a16:creationId xmlns:a16="http://schemas.microsoft.com/office/drawing/2014/main" id="{6E56493A-916E-3B4B-90D1-C7E5E346878C}"/>
+              </a:ext>
+            </a:extLst>
+          </p:cNvPr>
+          <p:cNvCxnSpPr>
+            <a:cxnSpLocks/>
+            <a:stCxn id="5" idx="3"/>
+            <a:endCxn id="12" idx="0"/>
+          </p:cNvCxnSpPr>
+          <p:nvPr/>
+        </p:nvCxnSpPr>
+        <p:spPr>
+          <a:xfrm>
+            <a:off x="2340027" y="2504593"/>
+            <a:ext cx="6444112" cy="1097701"/>
+          </a:xfrm>
+          <a:prstGeom prst="curvedConnector2">
+            <a:avLst/>
+          </a:prstGeom>
+          <a:ln w="12700">
+            <a:solidFill>
+              <a:schemeClr val="tx1">
+                <a:lumMod val="75000"/>
+                <a:lumOff val="25000"/>
+              </a:schemeClr>
+            </a:solidFill>
+            <a:tailEnd type="triangle"/>
+          </a:ln>
+        </p:spPr>
+        <p:style>
+          <a:lnRef idx="1">
+            <a:schemeClr val="accent1"/>
+          </a:lnRef>
+          <a:fillRef idx="0">
+            <a:schemeClr val="accent1"/>
+          </a:fillRef>
+          <a:effectRef idx="0">
+            <a:schemeClr val="accent1"/>
+          </a:effectRef>
+          <a:fontRef idx="minor">
+            <a:schemeClr val="tx1"/>
+          </a:fontRef>
+        </p:style>
+      </p:cxnSp>
+      <p:sp>
+        <p:nvSpPr>
+          <p:cNvPr id="40" name="TextBox 39">
+            <a:extLst>
+              <a:ext uri="{FF2B5EF4-FFF2-40B4-BE49-F238E27FC236}">
+                <a16:creationId xmlns:a16="http://schemas.microsoft.com/office/drawing/2014/main" id="{D63B5692-7BE5-884A-8E34-BF2A8048B2C7}"/>
+              </a:ext>
+            </a:extLst>
+          </p:cNvPr>
+          <p:cNvSpPr txBox="1"/>
+          <p:nvPr/>
+        </p:nvSpPr>
+        <p:spPr>
+          <a:xfrm>
+            <a:off x="4156000" y="1688947"/>
+            <a:ext cx="4330866" cy="369332"/>
+          </a:xfrm>
+          <a:prstGeom prst="rect">
+            <a:avLst/>
+          </a:prstGeom>
+          <a:solidFill>
+            <a:schemeClr val="bg1"/>
+          </a:solidFill>
+          <a:ln w="38100">
+            <a:solidFill>
+              <a:srgbClr val="FFFFFF">
+                <a:alpha val="50196"/>
+              </a:srgbClr>
+            </a:solidFill>
+          </a:ln>
+        </p:spPr>
+        <p:txBody>
+          <a:bodyPr wrap="none" rtlCol="0">
+            <a:spAutoFit/>
+          </a:bodyPr>
+          <a:lstStyle/>
+          <a:p>
+            <a:r>
+              <a:rPr lang="en-GB" dirty="0"/>
+              <a:t>The existing intermediate images are reused</a:t>
+            </a:r>
+          </a:p>
+        </p:txBody>
+      </p:sp>
+      <p:sp>
+        <p:nvSpPr>
+          <p:cNvPr id="41" name="TextBox 40">
+            <a:extLst>
+              <a:ext uri="{FF2B5EF4-FFF2-40B4-BE49-F238E27FC236}">
+                <a16:creationId xmlns:a16="http://schemas.microsoft.com/office/drawing/2014/main" id="{856B9F48-A1E8-2243-8CC8-E61363CCE27A}"/>
+              </a:ext>
+            </a:extLst>
+          </p:cNvPr>
+          <p:cNvSpPr txBox="1"/>
+          <p:nvPr/>
+        </p:nvSpPr>
+        <p:spPr>
+          <a:xfrm>
+            <a:off x="860585" y="5874970"/>
+            <a:ext cx="1052468" cy="369332"/>
+          </a:xfrm>
+          <a:prstGeom prst="rect">
+            <a:avLst/>
+          </a:prstGeom>
+          <a:noFill/>
+        </p:spPr>
+        <p:txBody>
+          <a:bodyPr wrap="none" rtlCol="0">
+            <a:spAutoFit/>
+          </a:bodyPr>
+          <a:lstStyle/>
+          <a:p>
+            <a:r>
+              <a:rPr lang="en-GB" dirty="0"/>
+              <a:t>Version 1</a:t>
+            </a:r>
+          </a:p>
+        </p:txBody>
+      </p:sp>
+      <p:sp>
+        <p:nvSpPr>
+          <p:cNvPr id="42" name="TextBox 41">
+            <a:extLst>
+              <a:ext uri="{FF2B5EF4-FFF2-40B4-BE49-F238E27FC236}">
+                <a16:creationId xmlns:a16="http://schemas.microsoft.com/office/drawing/2014/main" id="{AE87BAB6-B18F-1E47-A9C9-14358441DB76}"/>
+              </a:ext>
+            </a:extLst>
+          </p:cNvPr>
+          <p:cNvSpPr txBox="1"/>
+          <p:nvPr/>
+        </p:nvSpPr>
+        <p:spPr>
+          <a:xfrm>
+            <a:off x="3338630" y="5874970"/>
+            <a:ext cx="1052468" cy="369332"/>
+          </a:xfrm>
+          <a:prstGeom prst="rect">
+            <a:avLst/>
+          </a:prstGeom>
+          <a:noFill/>
+        </p:spPr>
+        <p:txBody>
+          <a:bodyPr wrap="none" rtlCol="0">
+            <a:spAutoFit/>
+          </a:bodyPr>
+          <a:lstStyle/>
+          <a:p>
+            <a:r>
+              <a:rPr lang="en-GB" dirty="0"/>
+              <a:t>Version 2</a:t>
+            </a:r>
+          </a:p>
+        </p:txBody>
+      </p:sp>
+      <p:sp>
+        <p:nvSpPr>
+          <p:cNvPr id="43" name="TextBox 42">
+            <a:extLst>
+              <a:ext uri="{FF2B5EF4-FFF2-40B4-BE49-F238E27FC236}">
+                <a16:creationId xmlns:a16="http://schemas.microsoft.com/office/drawing/2014/main" id="{8AEDE4BC-7101-554B-AEF3-6E78A899EE1E}"/>
+              </a:ext>
+            </a:extLst>
+          </p:cNvPr>
+          <p:cNvSpPr txBox="1"/>
+          <p:nvPr/>
+        </p:nvSpPr>
+        <p:spPr>
+          <a:xfrm>
+            <a:off x="5798267" y="5874970"/>
+            <a:ext cx="1052468" cy="369332"/>
+          </a:xfrm>
+          <a:prstGeom prst="rect">
+            <a:avLst/>
+          </a:prstGeom>
+          <a:noFill/>
+        </p:spPr>
+        <p:txBody>
+          <a:bodyPr wrap="none" rtlCol="0">
+            <a:spAutoFit/>
+          </a:bodyPr>
+          <a:lstStyle/>
+          <a:p>
+            <a:r>
+              <a:rPr lang="en-GB" dirty="0"/>
+              <a:t>Version 3</a:t>
+            </a:r>
+          </a:p>
+        </p:txBody>
+      </p:sp>
+      <p:sp>
+        <p:nvSpPr>
+          <p:cNvPr id="44" name="TextBox 43">
+            <a:extLst>
+              <a:ext uri="{FF2B5EF4-FFF2-40B4-BE49-F238E27FC236}">
+                <a16:creationId xmlns:a16="http://schemas.microsoft.com/office/drawing/2014/main" id="{AC989D8A-63BF-1948-A6E7-B98332FE226A}"/>
+              </a:ext>
+            </a:extLst>
+          </p:cNvPr>
+          <p:cNvSpPr txBox="1"/>
+          <p:nvPr/>
+        </p:nvSpPr>
+        <p:spPr>
+          <a:xfrm>
+            <a:off x="8257904" y="5874970"/>
+            <a:ext cx="1052468" cy="369332"/>
+          </a:xfrm>
+          <a:prstGeom prst="rect">
+            <a:avLst/>
+          </a:prstGeom>
+          <a:noFill/>
+        </p:spPr>
+        <p:txBody>
+          <a:bodyPr wrap="none" rtlCol="0">
+            <a:spAutoFit/>
+          </a:bodyPr>
+          <a:lstStyle/>
+          <a:p>
+            <a:r>
+              <a:rPr lang="en-GB" dirty="0"/>
+              <a:t>Version 4</a:t>
+            </a:r>
+          </a:p>
+        </p:txBody>
+      </p:sp>
+      <p:cxnSp>
+        <p:nvCxnSpPr>
+          <p:cNvPr id="45" name="Straight Arrow Connector 44">
+            <a:extLst>
+              <a:ext uri="{FF2B5EF4-FFF2-40B4-BE49-F238E27FC236}">
+                <a16:creationId xmlns:a16="http://schemas.microsoft.com/office/drawing/2014/main" id="{D5BBFC69-9461-564D-AA5D-08EDC47BFE9B}"/>
+              </a:ext>
+            </a:extLst>
+          </p:cNvPr>
+          <p:cNvCxnSpPr>
+            <a:cxnSpLocks/>
+            <a:stCxn id="8" idx="2"/>
+            <a:endCxn id="9" idx="0"/>
+          </p:cNvCxnSpPr>
+          <p:nvPr/>
+        </p:nvCxnSpPr>
+        <p:spPr>
+          <a:xfrm flipH="1">
+            <a:off x="3858729" y="4048608"/>
+            <a:ext cx="6136" cy="874690"/>
+          </a:xfrm>
+          <a:prstGeom prst="straightConnector1">
+            <a:avLst/>
+          </a:prstGeom>
+          <a:ln w="12700">
+            <a:solidFill>
+              <a:schemeClr val="tx1">
+                <a:lumMod val="75000"/>
+                <a:lumOff val="25000"/>
+              </a:schemeClr>
+            </a:solidFill>
+            <a:tailEnd type="triangle"/>
+          </a:ln>
+        </p:spPr>
+        <p:style>
+          <a:lnRef idx="1">
+            <a:schemeClr val="accent1"/>
+          </a:lnRef>
+          <a:fillRef idx="0">
+            <a:schemeClr val="accent1"/>
+          </a:fillRef>
+          <a:effectRef idx="0">
+            <a:schemeClr val="accent1"/>
+          </a:effectRef>
+          <a:fontRef idx="minor">
+            <a:schemeClr val="tx1"/>
+          </a:fontRef>
+        </p:style>
+      </p:cxnSp>
+      <p:cxnSp>
+        <p:nvCxnSpPr>
+          <p:cNvPr id="48" name="Straight Arrow Connector 47">
+            <a:extLst>
+              <a:ext uri="{FF2B5EF4-FFF2-40B4-BE49-F238E27FC236}">
+                <a16:creationId xmlns:a16="http://schemas.microsoft.com/office/drawing/2014/main" id="{C92928E7-E16A-0D4F-9FD9-985543E1C454}"/>
+              </a:ext>
+            </a:extLst>
+          </p:cNvPr>
+          <p:cNvCxnSpPr>
+            <a:cxnSpLocks/>
+            <a:stCxn id="10" idx="2"/>
+            <a:endCxn id="11" idx="0"/>
+          </p:cNvCxnSpPr>
+          <p:nvPr/>
+        </p:nvCxnSpPr>
+        <p:spPr>
+          <a:xfrm flipH="1">
+            <a:off x="6321434" y="4048608"/>
+            <a:ext cx="3068" cy="874690"/>
+          </a:xfrm>
+          <a:prstGeom prst="straightConnector1">
+            <a:avLst/>
+          </a:prstGeom>
+          <a:ln w="12700">
+            <a:solidFill>
+              <a:schemeClr val="tx1">
+                <a:lumMod val="75000"/>
+                <a:lumOff val="25000"/>
+              </a:schemeClr>
+            </a:solidFill>
+            <a:tailEnd type="triangle"/>
+          </a:ln>
+        </p:spPr>
+        <p:style>
+          <a:lnRef idx="1">
+            <a:schemeClr val="accent1"/>
+          </a:lnRef>
+          <a:fillRef idx="0">
+            <a:schemeClr val="accent1"/>
+          </a:fillRef>
+          <a:effectRef idx="0">
+            <a:schemeClr val="accent1"/>
+          </a:effectRef>
+          <a:fontRef idx="minor">
+            <a:schemeClr val="tx1"/>
+          </a:fontRef>
+        </p:style>
+      </p:cxnSp>
+      <p:cxnSp>
+        <p:nvCxnSpPr>
+          <p:cNvPr id="51" name="Straight Arrow Connector 50">
+            <a:extLst>
+              <a:ext uri="{FF2B5EF4-FFF2-40B4-BE49-F238E27FC236}">
+                <a16:creationId xmlns:a16="http://schemas.microsoft.com/office/drawing/2014/main" id="{9F9FE7B8-DD02-9844-A162-0C4A4E4DC0C8}"/>
+              </a:ext>
+            </a:extLst>
+          </p:cNvPr>
+          <p:cNvCxnSpPr>
+            <a:cxnSpLocks/>
+            <a:stCxn id="12" idx="2"/>
+            <a:endCxn id="13" idx="0"/>
+          </p:cNvCxnSpPr>
+          <p:nvPr/>
+        </p:nvCxnSpPr>
+        <p:spPr>
+          <a:xfrm>
+            <a:off x="8784139" y="4048608"/>
+            <a:ext cx="0" cy="874690"/>
+          </a:xfrm>
+          <a:prstGeom prst="straightConnector1">
+            <a:avLst/>
+          </a:prstGeom>
+          <a:ln w="12700">
+            <a:solidFill>
+              <a:schemeClr val="tx1">
+                <a:lumMod val="75000"/>
+                <a:lumOff val="25000"/>
+              </a:schemeClr>
+            </a:solidFill>
+            <a:tailEnd type="triangle"/>
+          </a:ln>
+        </p:spPr>
+        <p:style>
+          <a:lnRef idx="1">
+            <a:schemeClr val="accent1"/>
+          </a:lnRef>
+          <a:fillRef idx="0">
+            <a:schemeClr val="accent1"/>
+          </a:fillRef>
+          <a:effectRef idx="0">
+            <a:schemeClr val="accent1"/>
+          </a:effectRef>
+          <a:fontRef idx="minor">
+            <a:schemeClr val="tx1"/>
+          </a:fontRef>
+        </p:style>
+      </p:cxnSp>
+      <p:sp>
+        <p:nvSpPr>
+          <p:cNvPr id="54" name="TextBox 53">
+            <a:extLst>
+              <a:ext uri="{FF2B5EF4-FFF2-40B4-BE49-F238E27FC236}">
+                <a16:creationId xmlns:a16="http://schemas.microsoft.com/office/drawing/2014/main" id="{00BC0490-40EB-AB41-9573-F26A3EDAE20A}"/>
+              </a:ext>
+            </a:extLst>
+          </p:cNvPr>
+          <p:cNvSpPr txBox="1"/>
+          <p:nvPr/>
+        </p:nvSpPr>
+        <p:spPr>
+          <a:xfrm>
+            <a:off x="9368185" y="2241692"/>
+            <a:ext cx="2757147" cy="923330"/>
+          </a:xfrm>
+          <a:prstGeom prst="rect">
+            <a:avLst/>
+          </a:prstGeom>
+          <a:noFill/>
+        </p:spPr>
+        <p:txBody>
+          <a:bodyPr wrap="square" rtlCol="0">
+            <a:spAutoFit/>
+          </a:bodyPr>
+          <a:lstStyle/>
+          <a:p>
+            <a:r>
+              <a:rPr lang="en-GB" dirty="0"/>
+              <a:t>The </a:t>
+            </a:r>
+            <a:r>
+              <a:rPr lang="en-GB" i="1" dirty="0"/>
+              <a:t>application.jar</a:t>
+            </a:r>
+            <a:r>
+              <a:rPr lang="en-GB" dirty="0"/>
+              <a:t> file contains our code together with the dependencies</a:t>
+            </a:r>
+          </a:p>
+        </p:txBody>
+      </p:sp>
+      <p:cxnSp>
+        <p:nvCxnSpPr>
+          <p:cNvPr id="56" name="Curved Connector 55">
+            <a:extLst>
+              <a:ext uri="{FF2B5EF4-FFF2-40B4-BE49-F238E27FC236}">
+                <a16:creationId xmlns:a16="http://schemas.microsoft.com/office/drawing/2014/main" id="{026DB1A5-0A14-4F47-A989-1CBB5E0D43C9}"/>
+              </a:ext>
+            </a:extLst>
+          </p:cNvPr>
+          <p:cNvCxnSpPr>
+            <a:stCxn id="54" idx="2"/>
+          </p:cNvCxnSpPr>
+          <p:nvPr/>
+        </p:nvCxnSpPr>
+        <p:spPr>
+          <a:xfrm rot="5400000">
+            <a:off x="9942378" y="3021069"/>
+            <a:ext cx="660429" cy="948335"/>
+          </a:xfrm>
+          <a:prstGeom prst="curvedConnector2">
+            <a:avLst/>
+          </a:prstGeom>
+          <a:ln w="12700">
+            <a:solidFill>
+              <a:srgbClr val="404040"/>
+            </a:solidFill>
+            <a:tailEnd type="triangle"/>
+          </a:ln>
+        </p:spPr>
+        <p:style>
+          <a:lnRef idx="1">
+            <a:schemeClr val="accent1"/>
+          </a:lnRef>
+          <a:fillRef idx="0">
+            <a:schemeClr val="accent1"/>
+          </a:fillRef>
+          <a:effectRef idx="0">
+            <a:schemeClr val="accent1"/>
+          </a:effectRef>
+          <a:fontRef idx="minor">
+            <a:schemeClr val="tx1"/>
+          </a:fontRef>
+        </p:style>
+      </p:cxnSp>
+    </p:spTree>
+    <p:extLst>
+      <p:ext uri="{BB962C8B-B14F-4D97-AF65-F5344CB8AC3E}">
+        <p14:creationId xmlns:p14="http://schemas.microsoft.com/office/powerpoint/2010/main" val="2104029516"/>
+      </p:ext>
+    </p:extLst>
+  </p:cSld>
+  <p:clrMapOvr>
+    <a:masterClrMapping/>
+  </p:clrMapOvr>
+</p:sld>
+</file>
+
+<file path=ppt/slides/slide11.xml><?xml version="1.0" encoding="utf-8"?>
+<p:sld xmlns:a="http://schemas.openxmlformats.org/drawingml/2006/main" xmlns:r="http://schemas.openxmlformats.org/officeDocument/2006/relationships" xmlns:p="http://schemas.openxmlformats.org/presentationml/2006/main">
+  <p:cSld>
+    <p:spTree>
+      <p:nvGrpSpPr>
+        <p:cNvPr id="1" name=""/>
+        <p:cNvGrpSpPr/>
+        <p:nvPr/>
+      </p:nvGrpSpPr>
+      <p:grpSpPr>
+        <a:xfrm>
+          <a:off x="0" y="0"/>
+          <a:ext cx="0" cy="0"/>
+          <a:chOff x="0" y="0"/>
+          <a:chExt cx="0" cy="0"/>
+        </a:xfrm>
+      </p:grpSpPr>
+      <p:sp>
+        <p:nvSpPr>
+          <p:cNvPr id="57" name="Rectangle 56">
+            <a:extLst>
+              <a:ext uri="{FF2B5EF4-FFF2-40B4-BE49-F238E27FC236}">
+                <a16:creationId xmlns:a16="http://schemas.microsoft.com/office/drawing/2014/main" id="{15FCEA56-2B25-3246-8B05-8386E50B044E}"/>
+              </a:ext>
+            </a:extLst>
+          </p:cNvPr>
+          <p:cNvSpPr/>
+          <p:nvPr/>
+        </p:nvSpPr>
+        <p:spPr>
+          <a:xfrm>
+            <a:off x="1712260" y="2671483"/>
+            <a:ext cx="1945342" cy="1649506"/>
+          </a:xfrm>
+          <a:prstGeom prst="rect">
+            <a:avLst/>
+          </a:prstGeom>
+          <a:solidFill>
+            <a:schemeClr val="tx2">
+              <a:lumMod val="20000"/>
+              <a:lumOff val="80000"/>
+            </a:schemeClr>
+          </a:solidFill>
+          <a:ln>
+            <a:solidFill>
+              <a:schemeClr val="bg2">
+                <a:lumMod val="75000"/>
+              </a:schemeClr>
+            </a:solidFill>
+          </a:ln>
+        </p:spPr>
+        <p:style>
+          <a:lnRef idx="2">
+            <a:schemeClr val="accent1">
+              <a:shade val="50000"/>
+            </a:schemeClr>
+          </a:lnRef>
+          <a:fillRef idx="1">
+            <a:schemeClr val="accent1"/>
+          </a:fillRef>
+          <a:effectRef idx="0">
+            <a:schemeClr val="accent1"/>
+          </a:effectRef>
+          <a:fontRef idx="minor">
+            <a:schemeClr val="lt1"/>
+          </a:fontRef>
+        </p:style>
+        <p:txBody>
+          <a:bodyPr rtlCol="0" anchor="ctr"/>
+          <a:lstStyle/>
+          <a:p>
+            <a:pPr algn="ctr"/>
+            <a:endParaRPr lang="en-GB"/>
+          </a:p>
+        </p:txBody>
+      </p:sp>
+      <p:sp>
+        <p:nvSpPr>
+          <p:cNvPr id="4" name="Rectangle 3">
+            <a:extLst>
+              <a:ext uri="{FF2B5EF4-FFF2-40B4-BE49-F238E27FC236}">
+                <a16:creationId xmlns:a16="http://schemas.microsoft.com/office/drawing/2014/main" id="{9DB614D6-11D5-C04C-8ED8-D3904D3CDE8A}"/>
+              </a:ext>
+            </a:extLst>
+          </p:cNvPr>
+          <p:cNvSpPr/>
+          <p:nvPr/>
+        </p:nvSpPr>
+        <p:spPr>
+          <a:xfrm>
+            <a:off x="1782648" y="799141"/>
+            <a:ext cx="1800000" cy="450000"/>
+          </a:xfrm>
+          <a:prstGeom prst="rect">
+            <a:avLst/>
+          </a:prstGeom>
+          <a:solidFill>
+            <a:schemeClr val="accent6">
+              <a:lumMod val="75000"/>
+            </a:schemeClr>
+          </a:solidFill>
+          <a:ln>
+            <a:solidFill>
+              <a:schemeClr val="tx1">
+                <a:lumMod val="75000"/>
+                <a:lumOff val="25000"/>
+              </a:schemeClr>
+            </a:solidFill>
+          </a:ln>
+        </p:spPr>
+        <p:style>
+          <a:lnRef idx="2">
+            <a:schemeClr val="accent1">
+              <a:shade val="50000"/>
+            </a:schemeClr>
+          </a:lnRef>
+          <a:fillRef idx="1">
+            <a:schemeClr val="accent1"/>
+          </a:fillRef>
+          <a:effectRef idx="0">
+            <a:schemeClr val="accent1"/>
+          </a:effectRef>
+          <a:fontRef idx="minor">
+            <a:schemeClr val="lt1"/>
+          </a:fontRef>
+        </p:style>
+        <p:txBody>
+          <a:bodyPr rtlCol="0" anchor="ctr"/>
+          <a:lstStyle/>
+          <a:p>
+            <a:endParaRPr lang="en-GB" sz="900" dirty="0">
+              <a:solidFill>
+                <a:schemeClr val="bg1"/>
+              </a:solidFill>
+              <a:latin typeface="Courier New" panose="02070309020205020404" pitchFamily="49" charset="0"/>
+              <a:cs typeface="Courier New" panose="02070309020205020404" pitchFamily="49" charset="0"/>
+            </a:endParaRPr>
+          </a:p>
+        </p:txBody>
+      </p:sp>
+      <p:sp>
+        <p:nvSpPr>
+          <p:cNvPr id="5" name="Rectangle 4">
+            <a:extLst>
+              <a:ext uri="{FF2B5EF4-FFF2-40B4-BE49-F238E27FC236}">
+                <a16:creationId xmlns:a16="http://schemas.microsoft.com/office/drawing/2014/main" id="{5BFECFE4-8A74-7742-8D6E-2A5FF5163627}"/>
+              </a:ext>
+            </a:extLst>
+          </p:cNvPr>
+          <p:cNvSpPr/>
+          <p:nvPr/>
+        </p:nvSpPr>
+        <p:spPr>
+          <a:xfrm>
+            <a:off x="1782648" y="1789839"/>
+            <a:ext cx="1800000" cy="450000"/>
+          </a:xfrm>
+          <a:prstGeom prst="rect">
+            <a:avLst/>
+          </a:prstGeom>
+          <a:solidFill>
+            <a:schemeClr val="accent5">
+              <a:lumMod val="75000"/>
+            </a:schemeClr>
+          </a:solidFill>
+          <a:ln>
+            <a:solidFill>
+              <a:schemeClr val="tx1">
+                <a:lumMod val="75000"/>
+                <a:lumOff val="25000"/>
+              </a:schemeClr>
+            </a:solidFill>
+          </a:ln>
+        </p:spPr>
+        <p:style>
+          <a:lnRef idx="2">
+            <a:schemeClr val="accent1">
+              <a:shade val="50000"/>
+            </a:schemeClr>
+          </a:lnRef>
+          <a:fillRef idx="1">
+            <a:schemeClr val="accent1"/>
+          </a:fillRef>
+          <a:effectRef idx="0">
+            <a:schemeClr val="accent1"/>
+          </a:effectRef>
+          <a:fontRef idx="minor">
+            <a:schemeClr val="lt1"/>
+          </a:fontRef>
+        </p:style>
+        <p:txBody>
+          <a:bodyPr rtlCol="0" anchor="ctr"/>
+          <a:lstStyle/>
+          <a:p>
+            <a:endParaRPr lang="en-GB" sz="900" dirty="0">
+              <a:solidFill>
+                <a:schemeClr val="bg1"/>
+              </a:solidFill>
+              <a:latin typeface="Courier New" panose="02070309020205020404" pitchFamily="49" charset="0"/>
+              <a:cs typeface="Courier New" panose="02070309020205020404" pitchFamily="49" charset="0"/>
+            </a:endParaRPr>
+          </a:p>
+        </p:txBody>
+      </p:sp>
+      <p:sp>
+        <p:nvSpPr>
+          <p:cNvPr id="6" name="Rectangle 5">
+            <a:extLst>
+              <a:ext uri="{FF2B5EF4-FFF2-40B4-BE49-F238E27FC236}">
+                <a16:creationId xmlns:a16="http://schemas.microsoft.com/office/drawing/2014/main" id="{0BCFB0DA-68B3-B946-A35F-EF853A49DC3E}"/>
+              </a:ext>
+            </a:extLst>
+          </p:cNvPr>
+          <p:cNvSpPr/>
+          <p:nvPr/>
+        </p:nvSpPr>
+        <p:spPr>
+          <a:xfrm>
+            <a:off x="1782648" y="3771235"/>
+            <a:ext cx="1800000" cy="450000"/>
+          </a:xfrm>
+          <a:prstGeom prst="rect">
+            <a:avLst/>
+          </a:prstGeom>
+          <a:solidFill>
+            <a:schemeClr val="accent3">
+              <a:lumMod val="75000"/>
+            </a:schemeClr>
+          </a:solidFill>
+          <a:ln>
+            <a:solidFill>
+              <a:schemeClr val="tx1">
+                <a:lumMod val="75000"/>
+                <a:lumOff val="25000"/>
+              </a:schemeClr>
+            </a:solidFill>
+          </a:ln>
+        </p:spPr>
+        <p:style>
+          <a:lnRef idx="2">
+            <a:schemeClr val="accent1">
+              <a:shade val="50000"/>
+            </a:schemeClr>
+          </a:lnRef>
+          <a:fillRef idx="1">
+            <a:schemeClr val="accent1"/>
+          </a:fillRef>
+          <a:effectRef idx="0">
+            <a:schemeClr val="accent1"/>
+          </a:effectRef>
+          <a:fontRef idx="minor">
+            <a:schemeClr val="lt1"/>
+          </a:fontRef>
+        </p:style>
+        <p:txBody>
+          <a:bodyPr rtlCol="0" anchor="ctr"/>
+          <a:lstStyle/>
+          <a:p>
+            <a:endParaRPr lang="en-GB" sz="900" dirty="0">
+              <a:solidFill>
+                <a:schemeClr val="bg1"/>
+              </a:solidFill>
+              <a:latin typeface="Courier New" panose="02070309020205020404" pitchFamily="49" charset="0"/>
+              <a:cs typeface="Courier New" panose="02070309020205020404" pitchFamily="49" charset="0"/>
+            </a:endParaRPr>
+          </a:p>
+        </p:txBody>
+      </p:sp>
+      <p:sp>
+        <p:nvSpPr>
+          <p:cNvPr id="7" name="Rectangle 6">
+            <a:extLst>
+              <a:ext uri="{FF2B5EF4-FFF2-40B4-BE49-F238E27FC236}">
+                <a16:creationId xmlns:a16="http://schemas.microsoft.com/office/drawing/2014/main" id="{EEB2D9F9-FD99-144C-A145-7ACAAEADDFE5}"/>
+              </a:ext>
+            </a:extLst>
+          </p:cNvPr>
+          <p:cNvSpPr/>
+          <p:nvPr/>
+        </p:nvSpPr>
+        <p:spPr>
+          <a:xfrm>
+            <a:off x="1782648" y="4761934"/>
+            <a:ext cx="1800000" cy="450000"/>
+          </a:xfrm>
+          <a:prstGeom prst="rect">
+            <a:avLst/>
+          </a:prstGeom>
+          <a:solidFill>
+            <a:schemeClr val="accent1">
+              <a:lumMod val="75000"/>
+            </a:schemeClr>
+          </a:solidFill>
+          <a:ln>
+            <a:solidFill>
+              <a:schemeClr val="tx1">
+                <a:lumMod val="75000"/>
+                <a:lumOff val="25000"/>
+              </a:schemeClr>
+            </a:solidFill>
+          </a:ln>
+        </p:spPr>
+        <p:style>
+          <a:lnRef idx="2">
+            <a:schemeClr val="accent1">
+              <a:shade val="50000"/>
+            </a:schemeClr>
+          </a:lnRef>
+          <a:fillRef idx="1">
+            <a:schemeClr val="accent1"/>
+          </a:fillRef>
+          <a:effectRef idx="0">
+            <a:schemeClr val="accent1"/>
+          </a:effectRef>
+          <a:fontRef idx="minor">
+            <a:schemeClr val="lt1"/>
+          </a:fontRef>
+        </p:style>
+        <p:txBody>
+          <a:bodyPr rtlCol="0" anchor="ctr"/>
+          <a:lstStyle/>
+          <a:p>
+            <a:endParaRPr lang="en-GB" sz="900" dirty="0">
+              <a:solidFill>
+                <a:schemeClr val="bg1"/>
+              </a:solidFill>
+              <a:latin typeface="Courier New" panose="02070309020205020404" pitchFamily="49" charset="0"/>
+              <a:cs typeface="Courier New" panose="02070309020205020404" pitchFamily="49" charset="0"/>
+            </a:endParaRPr>
+          </a:p>
+        </p:txBody>
+      </p:sp>
+      <p:sp>
+        <p:nvSpPr>
+          <p:cNvPr id="8" name="Rectangle 7">
+            <a:extLst>
+              <a:ext uri="{FF2B5EF4-FFF2-40B4-BE49-F238E27FC236}">
+                <a16:creationId xmlns:a16="http://schemas.microsoft.com/office/drawing/2014/main" id="{C7183D38-6A9A-B54B-9AB8-CC060C578B2F}"/>
+              </a:ext>
+            </a:extLst>
+          </p:cNvPr>
+          <p:cNvSpPr/>
+          <p:nvPr/>
+        </p:nvSpPr>
+        <p:spPr>
+          <a:xfrm>
+            <a:off x="3986308" y="3775116"/>
+            <a:ext cx="1800000" cy="446314"/>
+          </a:xfrm>
+          <a:prstGeom prst="rect">
+            <a:avLst/>
+          </a:prstGeom>
+          <a:solidFill>
+            <a:schemeClr val="accent3">
+              <a:lumMod val="60000"/>
+              <a:lumOff val="40000"/>
+            </a:schemeClr>
+          </a:solidFill>
+          <a:ln>
+            <a:solidFill>
+              <a:schemeClr val="tx1">
+                <a:lumMod val="75000"/>
+                <a:lumOff val="25000"/>
+              </a:schemeClr>
+            </a:solidFill>
+          </a:ln>
+        </p:spPr>
+        <p:style>
+          <a:lnRef idx="2">
+            <a:schemeClr val="accent1">
+              <a:shade val="50000"/>
+            </a:schemeClr>
+          </a:lnRef>
+          <a:fillRef idx="1">
+            <a:schemeClr val="accent1"/>
+          </a:fillRef>
+          <a:effectRef idx="0">
+            <a:schemeClr val="accent1"/>
+          </a:effectRef>
+          <a:fontRef idx="minor">
+            <a:schemeClr val="lt1"/>
+          </a:fontRef>
+        </p:style>
+        <p:txBody>
+          <a:bodyPr rtlCol="0" anchor="ctr"/>
+          <a:lstStyle/>
+          <a:p>
+            <a:endParaRPr lang="en-GB" sz="900" dirty="0">
+              <a:solidFill>
+                <a:schemeClr val="bg1"/>
+              </a:solidFill>
+              <a:latin typeface="Courier New" panose="02070309020205020404" pitchFamily="49" charset="0"/>
+              <a:cs typeface="Courier New" panose="02070309020205020404" pitchFamily="49" charset="0"/>
+            </a:endParaRPr>
+          </a:p>
+        </p:txBody>
+      </p:sp>
+      <p:sp>
+        <p:nvSpPr>
+          <p:cNvPr id="9" name="Rectangle 8">
+            <a:extLst>
+              <a:ext uri="{FF2B5EF4-FFF2-40B4-BE49-F238E27FC236}">
+                <a16:creationId xmlns:a16="http://schemas.microsoft.com/office/drawing/2014/main" id="{A62B1077-F72B-194C-9D6B-8D45BDE2AE2B}"/>
+              </a:ext>
+            </a:extLst>
+          </p:cNvPr>
+          <p:cNvSpPr/>
+          <p:nvPr/>
+        </p:nvSpPr>
+        <p:spPr>
+          <a:xfrm>
+            <a:off x="3986308" y="4774785"/>
+            <a:ext cx="1800000" cy="446314"/>
+          </a:xfrm>
+          <a:prstGeom prst="rect">
+            <a:avLst/>
+          </a:prstGeom>
+          <a:solidFill>
+            <a:schemeClr val="accent1">
+              <a:lumMod val="60000"/>
+              <a:lumOff val="40000"/>
+            </a:schemeClr>
+          </a:solidFill>
+          <a:ln>
+            <a:solidFill>
+              <a:schemeClr val="tx1">
+                <a:lumMod val="75000"/>
+                <a:lumOff val="25000"/>
+              </a:schemeClr>
+            </a:solidFill>
+          </a:ln>
+        </p:spPr>
+        <p:style>
+          <a:lnRef idx="2">
+            <a:schemeClr val="accent1">
+              <a:shade val="50000"/>
+            </a:schemeClr>
+          </a:lnRef>
+          <a:fillRef idx="1">
+            <a:schemeClr val="accent1"/>
+          </a:fillRef>
+          <a:effectRef idx="0">
+            <a:schemeClr val="accent1"/>
+          </a:effectRef>
+          <a:fontRef idx="minor">
+            <a:schemeClr val="lt1"/>
+          </a:fontRef>
+        </p:style>
+        <p:txBody>
+          <a:bodyPr rtlCol="0" anchor="ctr"/>
+          <a:lstStyle/>
+          <a:p>
+            <a:endParaRPr lang="en-GB" sz="900" dirty="0">
+              <a:solidFill>
+                <a:schemeClr val="bg1"/>
+              </a:solidFill>
+              <a:latin typeface="Courier New" panose="02070309020205020404" pitchFamily="49" charset="0"/>
+              <a:cs typeface="Courier New" panose="02070309020205020404" pitchFamily="49" charset="0"/>
+            </a:endParaRPr>
+          </a:p>
+        </p:txBody>
+      </p:sp>
+      <p:sp>
+        <p:nvSpPr>
+          <p:cNvPr id="10" name="Rectangle 9">
+            <a:extLst>
+              <a:ext uri="{FF2B5EF4-FFF2-40B4-BE49-F238E27FC236}">
+                <a16:creationId xmlns:a16="http://schemas.microsoft.com/office/drawing/2014/main" id="{09B73A7B-8777-8245-91A8-D4ECEF75CD11}"/>
+              </a:ext>
+            </a:extLst>
+          </p:cNvPr>
+          <p:cNvSpPr/>
+          <p:nvPr/>
+        </p:nvSpPr>
+        <p:spPr>
+          <a:xfrm>
+            <a:off x="6189968" y="3784087"/>
+            <a:ext cx="1800000" cy="446314"/>
+          </a:xfrm>
+          <a:prstGeom prst="rect">
+            <a:avLst/>
+          </a:prstGeom>
+          <a:solidFill>
+            <a:schemeClr val="accent3">
+              <a:lumMod val="40000"/>
+              <a:lumOff val="60000"/>
+            </a:schemeClr>
+          </a:solidFill>
+          <a:ln>
+            <a:solidFill>
+              <a:schemeClr val="tx1">
+                <a:lumMod val="75000"/>
+                <a:lumOff val="25000"/>
+              </a:schemeClr>
+            </a:solidFill>
+          </a:ln>
+        </p:spPr>
+        <p:style>
+          <a:lnRef idx="2">
+            <a:schemeClr val="accent1">
+              <a:shade val="50000"/>
+            </a:schemeClr>
+          </a:lnRef>
+          <a:fillRef idx="1">
+            <a:schemeClr val="accent1"/>
+          </a:fillRef>
+          <a:effectRef idx="0">
+            <a:schemeClr val="accent1"/>
+          </a:effectRef>
+          <a:fontRef idx="minor">
+            <a:schemeClr val="lt1"/>
+          </a:fontRef>
+        </p:style>
+        <p:txBody>
+          <a:bodyPr rtlCol="0" anchor="ctr"/>
+          <a:lstStyle/>
+          <a:p>
+            <a:endParaRPr lang="en-GB" sz="900" dirty="0">
+              <a:solidFill>
+                <a:schemeClr val="bg1"/>
+              </a:solidFill>
+              <a:latin typeface="Courier New" panose="02070309020205020404" pitchFamily="49" charset="0"/>
+              <a:cs typeface="Courier New" panose="02070309020205020404" pitchFamily="49" charset="0"/>
+            </a:endParaRPr>
+          </a:p>
+        </p:txBody>
+      </p:sp>
+      <p:sp>
+        <p:nvSpPr>
+          <p:cNvPr id="11" name="Rectangle 10">
+            <a:extLst>
+              <a:ext uri="{FF2B5EF4-FFF2-40B4-BE49-F238E27FC236}">
+                <a16:creationId xmlns:a16="http://schemas.microsoft.com/office/drawing/2014/main" id="{79A7A465-ADA6-4B42-8783-74E41F7AC3D6}"/>
+              </a:ext>
+            </a:extLst>
+          </p:cNvPr>
+          <p:cNvSpPr/>
+          <p:nvPr/>
+        </p:nvSpPr>
+        <p:spPr>
+          <a:xfrm>
+            <a:off x="6189968" y="4761934"/>
+            <a:ext cx="1800000" cy="446314"/>
+          </a:xfrm>
+          <a:prstGeom prst="rect">
+            <a:avLst/>
+          </a:prstGeom>
+          <a:solidFill>
+            <a:schemeClr val="accent1">
+              <a:lumMod val="40000"/>
+              <a:lumOff val="60000"/>
+            </a:schemeClr>
+          </a:solidFill>
+          <a:ln>
+            <a:solidFill>
+              <a:schemeClr val="tx1">
+                <a:lumMod val="75000"/>
+                <a:lumOff val="25000"/>
+              </a:schemeClr>
+            </a:solidFill>
+          </a:ln>
+        </p:spPr>
+        <p:style>
+          <a:lnRef idx="2">
+            <a:schemeClr val="accent1">
+              <a:shade val="50000"/>
+            </a:schemeClr>
+          </a:lnRef>
+          <a:fillRef idx="1">
+            <a:schemeClr val="accent1"/>
+          </a:fillRef>
+          <a:effectRef idx="0">
+            <a:schemeClr val="accent1"/>
+          </a:effectRef>
+          <a:fontRef idx="minor">
+            <a:schemeClr val="lt1"/>
+          </a:fontRef>
+        </p:style>
+        <p:txBody>
+          <a:bodyPr rtlCol="0" anchor="ctr"/>
+          <a:lstStyle/>
+          <a:p>
+            <a:endParaRPr lang="en-GB" sz="900" dirty="0">
+              <a:solidFill>
+                <a:schemeClr val="bg1"/>
+              </a:solidFill>
+              <a:latin typeface="Courier New" panose="02070309020205020404" pitchFamily="49" charset="0"/>
+              <a:cs typeface="Courier New" panose="02070309020205020404" pitchFamily="49" charset="0"/>
+            </a:endParaRPr>
+          </a:p>
+        </p:txBody>
+      </p:sp>
+      <p:sp>
+        <p:nvSpPr>
+          <p:cNvPr id="12" name="Rectangle 11">
+            <a:extLst>
+              <a:ext uri="{FF2B5EF4-FFF2-40B4-BE49-F238E27FC236}">
+                <a16:creationId xmlns:a16="http://schemas.microsoft.com/office/drawing/2014/main" id="{8502EC85-5091-F444-B905-64C0E52D7EA4}"/>
+              </a:ext>
+            </a:extLst>
+          </p:cNvPr>
+          <p:cNvSpPr/>
+          <p:nvPr/>
+        </p:nvSpPr>
+        <p:spPr>
+          <a:xfrm>
+            <a:off x="8393628" y="3771235"/>
+            <a:ext cx="1800000" cy="446314"/>
+          </a:xfrm>
+          <a:prstGeom prst="rect">
+            <a:avLst/>
+          </a:prstGeom>
+          <a:solidFill>
+            <a:schemeClr val="accent3">
+              <a:lumMod val="20000"/>
+              <a:lumOff val="80000"/>
+            </a:schemeClr>
+          </a:solidFill>
+          <a:ln>
+            <a:solidFill>
+              <a:schemeClr val="tx1">
+                <a:lumMod val="75000"/>
+                <a:lumOff val="25000"/>
+              </a:schemeClr>
+            </a:solidFill>
+          </a:ln>
+        </p:spPr>
+        <p:style>
+          <a:lnRef idx="2">
+            <a:schemeClr val="accent1">
+              <a:shade val="50000"/>
+            </a:schemeClr>
+          </a:lnRef>
+          <a:fillRef idx="1">
+            <a:schemeClr val="accent1"/>
+          </a:fillRef>
+          <a:effectRef idx="0">
+            <a:schemeClr val="accent1"/>
+          </a:effectRef>
+          <a:fontRef idx="minor">
+            <a:schemeClr val="lt1"/>
+          </a:fontRef>
+        </p:style>
+        <p:txBody>
+          <a:bodyPr rtlCol="0" anchor="ctr"/>
+          <a:lstStyle/>
+          <a:p>
+            <a:endParaRPr lang="en-GB" sz="900" dirty="0">
+              <a:solidFill>
+                <a:schemeClr val="bg1"/>
+              </a:solidFill>
+              <a:latin typeface="Courier New" panose="02070309020205020404" pitchFamily="49" charset="0"/>
+              <a:cs typeface="Courier New" panose="02070309020205020404" pitchFamily="49" charset="0"/>
+            </a:endParaRPr>
+          </a:p>
+        </p:txBody>
+      </p:sp>
+      <p:sp>
+        <p:nvSpPr>
+          <p:cNvPr id="13" name="Rectangle 12">
+            <a:extLst>
+              <a:ext uri="{FF2B5EF4-FFF2-40B4-BE49-F238E27FC236}">
+                <a16:creationId xmlns:a16="http://schemas.microsoft.com/office/drawing/2014/main" id="{D0CF8E13-F17C-FF43-877F-2E7A1DFA593F}"/>
+              </a:ext>
+            </a:extLst>
+          </p:cNvPr>
+          <p:cNvSpPr/>
+          <p:nvPr/>
+        </p:nvSpPr>
+        <p:spPr>
+          <a:xfrm>
+            <a:off x="8393628" y="4760090"/>
+            <a:ext cx="1800000" cy="446314"/>
+          </a:xfrm>
+          <a:prstGeom prst="rect">
+            <a:avLst/>
+          </a:prstGeom>
+          <a:solidFill>
+            <a:schemeClr val="accent1">
+              <a:lumMod val="20000"/>
+              <a:lumOff val="80000"/>
+            </a:schemeClr>
+          </a:solidFill>
+          <a:ln>
+            <a:solidFill>
+              <a:schemeClr val="tx1">
+                <a:lumMod val="75000"/>
+                <a:lumOff val="25000"/>
+              </a:schemeClr>
+            </a:solidFill>
+          </a:ln>
+        </p:spPr>
+        <p:style>
+          <a:lnRef idx="2">
+            <a:schemeClr val="accent1">
+              <a:shade val="50000"/>
+            </a:schemeClr>
+          </a:lnRef>
+          <a:fillRef idx="1">
+            <a:schemeClr val="accent1"/>
+          </a:fillRef>
+          <a:effectRef idx="0">
+            <a:schemeClr val="accent1"/>
+          </a:effectRef>
+          <a:fontRef idx="minor">
+            <a:schemeClr val="lt1"/>
+          </a:fontRef>
+        </p:style>
+        <p:txBody>
+          <a:bodyPr rtlCol="0" anchor="ctr"/>
+          <a:lstStyle/>
+          <a:p>
+            <a:endParaRPr lang="en-GB" sz="900" dirty="0">
+              <a:solidFill>
+                <a:schemeClr val="bg1"/>
+              </a:solidFill>
+              <a:latin typeface="Courier New" panose="02070309020205020404" pitchFamily="49" charset="0"/>
+              <a:cs typeface="Courier New" panose="02070309020205020404" pitchFamily="49" charset="0"/>
+            </a:endParaRPr>
+          </a:p>
+        </p:txBody>
+      </p:sp>
+      <p:cxnSp>
+        <p:nvCxnSpPr>
+          <p:cNvPr id="15" name="Straight Arrow Connector 14">
+            <a:extLst>
+              <a:ext uri="{FF2B5EF4-FFF2-40B4-BE49-F238E27FC236}">
+                <a16:creationId xmlns:a16="http://schemas.microsoft.com/office/drawing/2014/main" id="{CE8E0CDF-6EBA-BC48-B3E4-BBD23DF3873F}"/>
+              </a:ext>
+            </a:extLst>
+          </p:cNvPr>
+          <p:cNvCxnSpPr>
+            <a:cxnSpLocks/>
+            <a:stCxn id="4" idx="2"/>
+            <a:endCxn id="5" idx="0"/>
+          </p:cNvCxnSpPr>
+          <p:nvPr/>
+        </p:nvCxnSpPr>
+        <p:spPr>
+          <a:xfrm>
+            <a:off x="2682648" y="1249141"/>
+            <a:ext cx="0" cy="540698"/>
+          </a:xfrm>
+          <a:prstGeom prst="straightConnector1">
+            <a:avLst/>
+          </a:prstGeom>
+          <a:ln w="12700">
+            <a:solidFill>
+              <a:schemeClr val="tx1">
+                <a:lumMod val="75000"/>
+                <a:lumOff val="25000"/>
+              </a:schemeClr>
+            </a:solidFill>
+            <a:tailEnd type="triangle"/>
+          </a:ln>
+        </p:spPr>
+        <p:style>
+          <a:lnRef idx="1">
+            <a:schemeClr val="accent1"/>
+          </a:lnRef>
+          <a:fillRef idx="0">
+            <a:schemeClr val="accent1"/>
+          </a:fillRef>
+          <a:effectRef idx="0">
+            <a:schemeClr val="accent1"/>
+          </a:effectRef>
+          <a:fontRef idx="minor">
+            <a:schemeClr val="tx1"/>
+          </a:fontRef>
+        </p:style>
+      </p:cxnSp>
+      <p:cxnSp>
+        <p:nvCxnSpPr>
+          <p:cNvPr id="17" name="Straight Arrow Connector 16">
+            <a:extLst>
+              <a:ext uri="{FF2B5EF4-FFF2-40B4-BE49-F238E27FC236}">
+                <a16:creationId xmlns:a16="http://schemas.microsoft.com/office/drawing/2014/main" id="{18263169-8B78-FF42-B2A3-7891969BF081}"/>
+              </a:ext>
+            </a:extLst>
+          </p:cNvPr>
+          <p:cNvCxnSpPr>
+            <a:cxnSpLocks/>
+            <a:stCxn id="5" idx="2"/>
+            <a:endCxn id="32" idx="0"/>
+          </p:cNvCxnSpPr>
+          <p:nvPr/>
+        </p:nvCxnSpPr>
+        <p:spPr>
+          <a:xfrm>
+            <a:off x="2682648" y="2239839"/>
+            <a:ext cx="0" cy="540698"/>
+          </a:xfrm>
+          <a:prstGeom prst="straightConnector1">
+            <a:avLst/>
+          </a:prstGeom>
+          <a:ln w="12700">
+            <a:solidFill>
+              <a:schemeClr val="tx1">
+                <a:lumMod val="75000"/>
+                <a:lumOff val="25000"/>
+              </a:schemeClr>
+            </a:solidFill>
+            <a:tailEnd type="triangle"/>
+          </a:ln>
+        </p:spPr>
+        <p:style>
+          <a:lnRef idx="1">
+            <a:schemeClr val="accent1"/>
+          </a:lnRef>
+          <a:fillRef idx="0">
+            <a:schemeClr val="accent1"/>
+          </a:fillRef>
+          <a:effectRef idx="0">
+            <a:schemeClr val="accent1"/>
+          </a:effectRef>
+          <a:fontRef idx="minor">
+            <a:schemeClr val="tx1"/>
+          </a:fontRef>
+        </p:style>
+      </p:cxnSp>
+      <p:cxnSp>
+        <p:nvCxnSpPr>
+          <p:cNvPr id="20" name="Straight Arrow Connector 19">
+            <a:extLst>
+              <a:ext uri="{FF2B5EF4-FFF2-40B4-BE49-F238E27FC236}">
+                <a16:creationId xmlns:a16="http://schemas.microsoft.com/office/drawing/2014/main" id="{CA16F982-D9E1-2E4A-A18B-40F55D4451E6}"/>
+              </a:ext>
+            </a:extLst>
+          </p:cNvPr>
+          <p:cNvCxnSpPr>
+            <a:cxnSpLocks/>
+            <a:stCxn id="6" idx="2"/>
+            <a:endCxn id="7" idx="0"/>
+          </p:cNvCxnSpPr>
+          <p:nvPr/>
+        </p:nvCxnSpPr>
+        <p:spPr>
+          <a:xfrm>
+            <a:off x="2682648" y="4221235"/>
+            <a:ext cx="0" cy="540699"/>
+          </a:xfrm>
+          <a:prstGeom prst="straightConnector1">
+            <a:avLst/>
+          </a:prstGeom>
+          <a:ln w="12700">
+            <a:solidFill>
+              <a:schemeClr val="tx1">
+                <a:lumMod val="75000"/>
+                <a:lumOff val="25000"/>
+              </a:schemeClr>
+            </a:solidFill>
+            <a:tailEnd type="triangle"/>
+          </a:ln>
+        </p:spPr>
+        <p:style>
+          <a:lnRef idx="1">
+            <a:schemeClr val="accent1"/>
+          </a:lnRef>
+          <a:fillRef idx="0">
+            <a:schemeClr val="accent1"/>
+          </a:fillRef>
+          <a:effectRef idx="0">
+            <a:schemeClr val="accent1"/>
+          </a:effectRef>
+          <a:fontRef idx="minor">
+            <a:schemeClr val="tx1"/>
+          </a:fontRef>
+        </p:style>
+      </p:cxnSp>
+      <p:cxnSp>
+        <p:nvCxnSpPr>
+          <p:cNvPr id="24" name="Curved Connector 23">
+            <a:extLst>
+              <a:ext uri="{FF2B5EF4-FFF2-40B4-BE49-F238E27FC236}">
+                <a16:creationId xmlns:a16="http://schemas.microsoft.com/office/drawing/2014/main" id="{863E019A-1F27-F141-8FEA-8243A0260B48}"/>
+              </a:ext>
+            </a:extLst>
+          </p:cNvPr>
+          <p:cNvCxnSpPr>
+            <a:cxnSpLocks/>
+            <a:stCxn id="5" idx="3"/>
+            <a:endCxn id="8" idx="0"/>
+          </p:cNvCxnSpPr>
+          <p:nvPr/>
+        </p:nvCxnSpPr>
+        <p:spPr>
+          <a:xfrm>
+            <a:off x="3582648" y="2014839"/>
+            <a:ext cx="1303660" cy="1760277"/>
+          </a:xfrm>
+          <a:prstGeom prst="curvedConnector2">
+            <a:avLst/>
+          </a:prstGeom>
+          <a:ln w="12700">
+            <a:solidFill>
+              <a:schemeClr val="tx1">
+                <a:lumMod val="75000"/>
+                <a:lumOff val="25000"/>
+              </a:schemeClr>
+            </a:solidFill>
+            <a:tailEnd type="triangle"/>
+          </a:ln>
+        </p:spPr>
+        <p:style>
+          <a:lnRef idx="1">
+            <a:schemeClr val="accent1"/>
+          </a:lnRef>
+          <a:fillRef idx="0">
+            <a:schemeClr val="accent1"/>
+          </a:fillRef>
+          <a:effectRef idx="0">
+            <a:schemeClr val="accent1"/>
+          </a:effectRef>
+          <a:fontRef idx="minor">
+            <a:schemeClr val="tx1"/>
+          </a:fontRef>
+        </p:style>
+      </p:cxnSp>
+      <p:cxnSp>
+        <p:nvCxnSpPr>
+          <p:cNvPr id="25" name="Curved Connector 24">
+            <a:extLst>
+              <a:ext uri="{FF2B5EF4-FFF2-40B4-BE49-F238E27FC236}">
+                <a16:creationId xmlns:a16="http://schemas.microsoft.com/office/drawing/2014/main" id="{9BDAAE95-FB62-2B48-A48C-948CEFA56260}"/>
+              </a:ext>
+            </a:extLst>
+          </p:cNvPr>
+          <p:cNvCxnSpPr>
+            <a:cxnSpLocks/>
+            <a:stCxn id="4" idx="3"/>
+            <a:endCxn id="8" idx="0"/>
+          </p:cNvCxnSpPr>
+          <p:nvPr/>
+        </p:nvCxnSpPr>
+        <p:spPr>
+          <a:xfrm>
+            <a:off x="3582648" y="1024141"/>
+            <a:ext cx="1303660" cy="2750975"/>
+          </a:xfrm>
+          <a:prstGeom prst="curvedConnector2">
+            <a:avLst/>
+          </a:prstGeom>
+          <a:ln w="12700">
+            <a:solidFill>
+              <a:schemeClr val="tx1">
+                <a:lumMod val="75000"/>
+                <a:lumOff val="25000"/>
+              </a:schemeClr>
+            </a:solidFill>
+            <a:tailEnd type="triangle"/>
+          </a:ln>
+        </p:spPr>
+        <p:style>
+          <a:lnRef idx="1">
+            <a:schemeClr val="accent1"/>
+          </a:lnRef>
+          <a:fillRef idx="0">
+            <a:schemeClr val="accent1"/>
+          </a:fillRef>
+          <a:effectRef idx="0">
+            <a:schemeClr val="accent1"/>
+          </a:effectRef>
+          <a:fontRef idx="minor">
+            <a:schemeClr val="tx1"/>
+          </a:fontRef>
+        </p:style>
+      </p:cxnSp>
+      <p:cxnSp>
+        <p:nvCxnSpPr>
+          <p:cNvPr id="28" name="Curved Connector 27">
+            <a:extLst>
+              <a:ext uri="{FF2B5EF4-FFF2-40B4-BE49-F238E27FC236}">
+                <a16:creationId xmlns:a16="http://schemas.microsoft.com/office/drawing/2014/main" id="{FBFDB019-38CC-D442-9036-9CEE3A3F9B94}"/>
+              </a:ext>
+            </a:extLst>
+          </p:cNvPr>
+          <p:cNvCxnSpPr>
+            <a:cxnSpLocks/>
+            <a:stCxn id="4" idx="3"/>
+            <a:endCxn id="10" idx="0"/>
+          </p:cNvCxnSpPr>
+          <p:nvPr/>
+        </p:nvCxnSpPr>
+        <p:spPr>
+          <a:xfrm>
+            <a:off x="3582648" y="1024141"/>
+            <a:ext cx="3507320" cy="2759946"/>
+          </a:xfrm>
+          <a:prstGeom prst="curvedConnector2">
+            <a:avLst/>
+          </a:prstGeom>
+          <a:ln w="12700">
+            <a:solidFill>
+              <a:schemeClr val="tx1">
+                <a:lumMod val="75000"/>
+                <a:lumOff val="25000"/>
+              </a:schemeClr>
+            </a:solidFill>
+            <a:tailEnd type="triangle"/>
+          </a:ln>
+        </p:spPr>
+        <p:style>
+          <a:lnRef idx="1">
+            <a:schemeClr val="accent1"/>
+          </a:lnRef>
+          <a:fillRef idx="0">
+            <a:schemeClr val="accent1"/>
+          </a:fillRef>
+          <a:effectRef idx="0">
+            <a:schemeClr val="accent1"/>
+          </a:effectRef>
+          <a:fontRef idx="minor">
+            <a:schemeClr val="tx1"/>
+          </a:fontRef>
+        </p:style>
+      </p:cxnSp>
+      <p:cxnSp>
+        <p:nvCxnSpPr>
+          <p:cNvPr id="31" name="Curved Connector 30">
+            <a:extLst>
+              <a:ext uri="{FF2B5EF4-FFF2-40B4-BE49-F238E27FC236}">
+                <a16:creationId xmlns:a16="http://schemas.microsoft.com/office/drawing/2014/main" id="{5A09CE64-EB75-FF44-8969-1A5933BE1B84}"/>
+              </a:ext>
+            </a:extLst>
+          </p:cNvPr>
+          <p:cNvCxnSpPr>
+            <a:cxnSpLocks/>
+            <a:stCxn id="4" idx="3"/>
+            <a:endCxn id="12" idx="0"/>
+          </p:cNvCxnSpPr>
+          <p:nvPr/>
+        </p:nvCxnSpPr>
+        <p:spPr>
+          <a:xfrm>
+            <a:off x="3582648" y="1024141"/>
+            <a:ext cx="5710980" cy="2747094"/>
+          </a:xfrm>
+          <a:prstGeom prst="curvedConnector2">
+            <a:avLst/>
+          </a:prstGeom>
+          <a:ln w="12700">
+            <a:solidFill>
+              <a:schemeClr val="tx1">
+                <a:lumMod val="75000"/>
+                <a:lumOff val="25000"/>
+              </a:schemeClr>
+            </a:solidFill>
+            <a:tailEnd type="triangle"/>
+          </a:ln>
+        </p:spPr>
+        <p:style>
+          <a:lnRef idx="1">
+            <a:schemeClr val="accent1"/>
+          </a:lnRef>
+          <a:fillRef idx="0">
+            <a:schemeClr val="accent1"/>
+          </a:fillRef>
+          <a:effectRef idx="0">
+            <a:schemeClr val="accent1"/>
+          </a:effectRef>
+          <a:fontRef idx="minor">
+            <a:schemeClr val="tx1"/>
+          </a:fontRef>
+        </p:style>
+      </p:cxnSp>
+      <p:cxnSp>
+        <p:nvCxnSpPr>
+          <p:cNvPr id="34" name="Curved Connector 33">
+            <a:extLst>
+              <a:ext uri="{FF2B5EF4-FFF2-40B4-BE49-F238E27FC236}">
+                <a16:creationId xmlns:a16="http://schemas.microsoft.com/office/drawing/2014/main" id="{AEBDF3BC-F6A1-D14A-8DA6-F45F6788DF2A}"/>
+              </a:ext>
+            </a:extLst>
+          </p:cNvPr>
+          <p:cNvCxnSpPr>
+            <a:cxnSpLocks/>
+            <a:stCxn id="5" idx="3"/>
+            <a:endCxn id="10" idx="0"/>
+          </p:cNvCxnSpPr>
+          <p:nvPr/>
+        </p:nvCxnSpPr>
+        <p:spPr>
+          <a:xfrm>
+            <a:off x="3582648" y="2014839"/>
+            <a:ext cx="3507320" cy="1769248"/>
+          </a:xfrm>
+          <a:prstGeom prst="curvedConnector2">
+            <a:avLst/>
+          </a:prstGeom>
+          <a:ln w="12700">
+            <a:solidFill>
+              <a:schemeClr val="tx1">
+                <a:lumMod val="75000"/>
+                <a:lumOff val="25000"/>
+              </a:schemeClr>
+            </a:solidFill>
+            <a:tailEnd type="triangle"/>
+          </a:ln>
+        </p:spPr>
+        <p:style>
+          <a:lnRef idx="1">
+            <a:schemeClr val="accent1"/>
+          </a:lnRef>
+          <a:fillRef idx="0">
+            <a:schemeClr val="accent1"/>
+          </a:fillRef>
+          <a:effectRef idx="0">
+            <a:schemeClr val="accent1"/>
+          </a:effectRef>
+          <a:fontRef idx="minor">
+            <a:schemeClr val="tx1"/>
+          </a:fontRef>
+        </p:style>
+      </p:cxnSp>
+      <p:cxnSp>
+        <p:nvCxnSpPr>
+          <p:cNvPr id="37" name="Curved Connector 36">
+            <a:extLst>
+              <a:ext uri="{FF2B5EF4-FFF2-40B4-BE49-F238E27FC236}">
+                <a16:creationId xmlns:a16="http://schemas.microsoft.com/office/drawing/2014/main" id="{6E56493A-916E-3B4B-90D1-C7E5E346878C}"/>
+              </a:ext>
+            </a:extLst>
+          </p:cNvPr>
+          <p:cNvCxnSpPr>
+            <a:cxnSpLocks/>
+            <a:stCxn id="5" idx="3"/>
+            <a:endCxn id="12" idx="0"/>
+          </p:cNvCxnSpPr>
+          <p:nvPr/>
+        </p:nvCxnSpPr>
+        <p:spPr>
+          <a:xfrm>
+            <a:off x="3582648" y="2014839"/>
+            <a:ext cx="5710980" cy="1756396"/>
+          </a:xfrm>
+          <a:prstGeom prst="curvedConnector2">
+            <a:avLst/>
+          </a:prstGeom>
+          <a:ln w="12700">
+            <a:solidFill>
+              <a:schemeClr val="tx1">
+                <a:lumMod val="75000"/>
+                <a:lumOff val="25000"/>
+              </a:schemeClr>
+            </a:solidFill>
+            <a:tailEnd type="triangle"/>
+          </a:ln>
+        </p:spPr>
+        <p:style>
+          <a:lnRef idx="1">
+            <a:schemeClr val="accent1"/>
+          </a:lnRef>
+          <a:fillRef idx="0">
+            <a:schemeClr val="accent1"/>
+          </a:fillRef>
+          <a:effectRef idx="0">
+            <a:schemeClr val="accent1"/>
+          </a:effectRef>
+          <a:fontRef idx="minor">
+            <a:schemeClr val="tx1"/>
+          </a:fontRef>
+        </p:style>
+      </p:cxnSp>
+      <p:sp>
+        <p:nvSpPr>
+          <p:cNvPr id="40" name="TextBox 39">
+            <a:extLst>
+              <a:ext uri="{FF2B5EF4-FFF2-40B4-BE49-F238E27FC236}">
+                <a16:creationId xmlns:a16="http://schemas.microsoft.com/office/drawing/2014/main" id="{D63B5692-7BE5-884A-8E34-BF2A8048B2C7}"/>
+              </a:ext>
+            </a:extLst>
+          </p:cNvPr>
+          <p:cNvSpPr txBox="1"/>
+          <p:nvPr/>
+        </p:nvSpPr>
+        <p:spPr>
+          <a:xfrm>
+            <a:off x="5455883" y="1527583"/>
+            <a:ext cx="4330866" cy="369332"/>
+          </a:xfrm>
+          <a:prstGeom prst="rect">
+            <a:avLst/>
+          </a:prstGeom>
+          <a:solidFill>
+            <a:schemeClr val="bg1"/>
+          </a:solidFill>
+          <a:ln w="38100">
+            <a:solidFill>
+              <a:srgbClr val="FFFFFF">
+                <a:alpha val="50196"/>
+              </a:srgbClr>
+            </a:solidFill>
+          </a:ln>
+        </p:spPr>
+        <p:txBody>
+          <a:bodyPr wrap="none" rtlCol="0">
+            <a:spAutoFit/>
+          </a:bodyPr>
+          <a:lstStyle/>
+          <a:p>
+            <a:r>
+              <a:rPr lang="en-GB" dirty="0"/>
+              <a:t>The existing intermediate images are reused</a:t>
+            </a:r>
+          </a:p>
+        </p:txBody>
+      </p:sp>
+      <p:sp>
+        <p:nvSpPr>
+          <p:cNvPr id="41" name="TextBox 40">
+            <a:extLst>
+              <a:ext uri="{FF2B5EF4-FFF2-40B4-BE49-F238E27FC236}">
+                <a16:creationId xmlns:a16="http://schemas.microsoft.com/office/drawing/2014/main" id="{856B9F48-A1E8-2243-8CC8-E61363CCE27A}"/>
+              </a:ext>
+            </a:extLst>
+          </p:cNvPr>
+          <p:cNvSpPr txBox="1"/>
+          <p:nvPr/>
+        </p:nvSpPr>
+        <p:spPr>
+          <a:xfrm>
+            <a:off x="2160468" y="5713606"/>
+            <a:ext cx="1052468" cy="369332"/>
+          </a:xfrm>
+          <a:prstGeom prst="rect">
+            <a:avLst/>
+          </a:prstGeom>
+          <a:noFill/>
+        </p:spPr>
+        <p:txBody>
+          <a:bodyPr wrap="none" rtlCol="0">
+            <a:spAutoFit/>
+          </a:bodyPr>
+          <a:lstStyle/>
+          <a:p>
+            <a:r>
+              <a:rPr lang="en-GB" dirty="0"/>
+              <a:t>Version 1</a:t>
+            </a:r>
+          </a:p>
+        </p:txBody>
+      </p:sp>
+      <p:sp>
+        <p:nvSpPr>
+          <p:cNvPr id="42" name="TextBox 41">
+            <a:extLst>
+              <a:ext uri="{FF2B5EF4-FFF2-40B4-BE49-F238E27FC236}">
+                <a16:creationId xmlns:a16="http://schemas.microsoft.com/office/drawing/2014/main" id="{AE87BAB6-B18F-1E47-A9C9-14358441DB76}"/>
+              </a:ext>
+            </a:extLst>
+          </p:cNvPr>
+          <p:cNvSpPr txBox="1"/>
+          <p:nvPr/>
+        </p:nvSpPr>
+        <p:spPr>
+          <a:xfrm>
+            <a:off x="4360074" y="5713606"/>
+            <a:ext cx="1052468" cy="369332"/>
+          </a:xfrm>
+          <a:prstGeom prst="rect">
+            <a:avLst/>
+          </a:prstGeom>
+          <a:noFill/>
+        </p:spPr>
+        <p:txBody>
+          <a:bodyPr wrap="none" rtlCol="0">
+            <a:spAutoFit/>
+          </a:bodyPr>
+          <a:lstStyle/>
+          <a:p>
+            <a:r>
+              <a:rPr lang="en-GB" dirty="0"/>
+              <a:t>Version 2</a:t>
+            </a:r>
+          </a:p>
+        </p:txBody>
+      </p:sp>
+      <p:sp>
+        <p:nvSpPr>
+          <p:cNvPr id="43" name="TextBox 42">
+            <a:extLst>
+              <a:ext uri="{FF2B5EF4-FFF2-40B4-BE49-F238E27FC236}">
+                <a16:creationId xmlns:a16="http://schemas.microsoft.com/office/drawing/2014/main" id="{8AEDE4BC-7101-554B-AEF3-6E78A899EE1E}"/>
+              </a:ext>
+            </a:extLst>
+          </p:cNvPr>
+          <p:cNvSpPr txBox="1"/>
+          <p:nvPr/>
+        </p:nvSpPr>
+        <p:spPr>
+          <a:xfrm>
+            <a:off x="6559680" y="5713606"/>
+            <a:ext cx="1052468" cy="369332"/>
+          </a:xfrm>
+          <a:prstGeom prst="rect">
+            <a:avLst/>
+          </a:prstGeom>
+          <a:noFill/>
+        </p:spPr>
+        <p:txBody>
+          <a:bodyPr wrap="none" rtlCol="0">
+            <a:spAutoFit/>
+          </a:bodyPr>
+          <a:lstStyle/>
+          <a:p>
+            <a:r>
+              <a:rPr lang="en-GB" dirty="0"/>
+              <a:t>Version 3</a:t>
+            </a:r>
+          </a:p>
+        </p:txBody>
+      </p:sp>
+      <p:sp>
+        <p:nvSpPr>
+          <p:cNvPr id="44" name="TextBox 43">
+            <a:extLst>
+              <a:ext uri="{FF2B5EF4-FFF2-40B4-BE49-F238E27FC236}">
+                <a16:creationId xmlns:a16="http://schemas.microsoft.com/office/drawing/2014/main" id="{AC989D8A-63BF-1948-A6E7-B98332FE226A}"/>
+              </a:ext>
+            </a:extLst>
+          </p:cNvPr>
+          <p:cNvSpPr txBox="1"/>
+          <p:nvPr/>
+        </p:nvSpPr>
+        <p:spPr>
+          <a:xfrm>
+            <a:off x="8767394" y="5713606"/>
+            <a:ext cx="1052468" cy="369332"/>
+          </a:xfrm>
+          <a:prstGeom prst="rect">
+            <a:avLst/>
+          </a:prstGeom>
+          <a:noFill/>
+        </p:spPr>
+        <p:txBody>
+          <a:bodyPr wrap="none" rtlCol="0">
+            <a:spAutoFit/>
+          </a:bodyPr>
+          <a:lstStyle/>
+          <a:p>
+            <a:r>
+              <a:rPr lang="en-GB" dirty="0"/>
+              <a:t>Version 4</a:t>
+            </a:r>
+          </a:p>
+        </p:txBody>
+      </p:sp>
+      <p:cxnSp>
+        <p:nvCxnSpPr>
+          <p:cNvPr id="45" name="Straight Arrow Connector 44">
+            <a:extLst>
+              <a:ext uri="{FF2B5EF4-FFF2-40B4-BE49-F238E27FC236}">
+                <a16:creationId xmlns:a16="http://schemas.microsoft.com/office/drawing/2014/main" id="{D5BBFC69-9461-564D-AA5D-08EDC47BFE9B}"/>
+              </a:ext>
+            </a:extLst>
+          </p:cNvPr>
+          <p:cNvCxnSpPr>
+            <a:cxnSpLocks/>
+            <a:stCxn id="8" idx="2"/>
+            <a:endCxn id="9" idx="0"/>
+          </p:cNvCxnSpPr>
+          <p:nvPr/>
+        </p:nvCxnSpPr>
+        <p:spPr>
+          <a:xfrm>
+            <a:off x="4886308" y="4221430"/>
+            <a:ext cx="0" cy="553355"/>
+          </a:xfrm>
+          <a:prstGeom prst="straightConnector1">
+            <a:avLst/>
+          </a:prstGeom>
+          <a:ln w="12700">
+            <a:solidFill>
+              <a:schemeClr val="tx1">
+                <a:lumMod val="75000"/>
+                <a:lumOff val="25000"/>
+              </a:schemeClr>
+            </a:solidFill>
+            <a:tailEnd type="triangle"/>
+          </a:ln>
+        </p:spPr>
+        <p:style>
+          <a:lnRef idx="1">
+            <a:schemeClr val="accent1"/>
+          </a:lnRef>
+          <a:fillRef idx="0">
+            <a:schemeClr val="accent1"/>
+          </a:fillRef>
+          <a:effectRef idx="0">
+            <a:schemeClr val="accent1"/>
+          </a:effectRef>
+          <a:fontRef idx="minor">
+            <a:schemeClr val="tx1"/>
+          </a:fontRef>
+        </p:style>
+      </p:cxnSp>
+      <p:cxnSp>
+        <p:nvCxnSpPr>
+          <p:cNvPr id="48" name="Straight Arrow Connector 47">
+            <a:extLst>
+              <a:ext uri="{FF2B5EF4-FFF2-40B4-BE49-F238E27FC236}">
+                <a16:creationId xmlns:a16="http://schemas.microsoft.com/office/drawing/2014/main" id="{C92928E7-E16A-0D4F-9FD9-985543E1C454}"/>
+              </a:ext>
+            </a:extLst>
+          </p:cNvPr>
+          <p:cNvCxnSpPr>
+            <a:cxnSpLocks/>
+            <a:stCxn id="10" idx="2"/>
+            <a:endCxn id="11" idx="0"/>
+          </p:cNvCxnSpPr>
+          <p:nvPr/>
+        </p:nvCxnSpPr>
+        <p:spPr>
+          <a:xfrm>
+            <a:off x="7089968" y="4230401"/>
+            <a:ext cx="0" cy="531533"/>
+          </a:xfrm>
+          <a:prstGeom prst="straightConnector1">
+            <a:avLst/>
+          </a:prstGeom>
+          <a:ln w="12700">
+            <a:solidFill>
+              <a:schemeClr val="tx1">
+                <a:lumMod val="75000"/>
+                <a:lumOff val="25000"/>
+              </a:schemeClr>
+            </a:solidFill>
+            <a:tailEnd type="triangle"/>
+          </a:ln>
+        </p:spPr>
+        <p:style>
+          <a:lnRef idx="1">
+            <a:schemeClr val="accent1"/>
+          </a:lnRef>
+          <a:fillRef idx="0">
+            <a:schemeClr val="accent1"/>
+          </a:fillRef>
+          <a:effectRef idx="0">
+            <a:schemeClr val="accent1"/>
+          </a:effectRef>
+          <a:fontRef idx="minor">
+            <a:schemeClr val="tx1"/>
+          </a:fontRef>
+        </p:style>
+      </p:cxnSp>
+      <p:cxnSp>
+        <p:nvCxnSpPr>
+          <p:cNvPr id="51" name="Straight Arrow Connector 50">
+            <a:extLst>
+              <a:ext uri="{FF2B5EF4-FFF2-40B4-BE49-F238E27FC236}">
+                <a16:creationId xmlns:a16="http://schemas.microsoft.com/office/drawing/2014/main" id="{9F9FE7B8-DD02-9844-A162-0C4A4E4DC0C8}"/>
+              </a:ext>
+            </a:extLst>
+          </p:cNvPr>
+          <p:cNvCxnSpPr>
+            <a:cxnSpLocks/>
+            <a:stCxn id="12" idx="2"/>
+            <a:endCxn id="13" idx="0"/>
+          </p:cNvCxnSpPr>
+          <p:nvPr/>
+        </p:nvCxnSpPr>
+        <p:spPr>
+          <a:xfrm>
+            <a:off x="9293628" y="4217549"/>
+            <a:ext cx="0" cy="542541"/>
+          </a:xfrm>
+          <a:prstGeom prst="straightConnector1">
+            <a:avLst/>
+          </a:prstGeom>
+          <a:ln w="12700">
+            <a:solidFill>
+              <a:schemeClr val="tx1">
+                <a:lumMod val="75000"/>
+                <a:lumOff val="25000"/>
+              </a:schemeClr>
+            </a:solidFill>
+            <a:tailEnd type="triangle"/>
+          </a:ln>
+        </p:spPr>
+        <p:style>
+          <a:lnRef idx="1">
+            <a:schemeClr val="accent1"/>
+          </a:lnRef>
+          <a:fillRef idx="0">
+            <a:schemeClr val="accent1"/>
+          </a:fillRef>
+          <a:effectRef idx="0">
+            <a:schemeClr val="accent1"/>
+          </a:effectRef>
+          <a:fontRef idx="minor">
+            <a:schemeClr val="tx1"/>
+          </a:fontRef>
+        </p:style>
+      </p:cxnSp>
+      <p:sp>
+        <p:nvSpPr>
+          <p:cNvPr id="54" name="TextBox 53">
+            <a:extLst>
+              <a:ext uri="{FF2B5EF4-FFF2-40B4-BE49-F238E27FC236}">
+                <a16:creationId xmlns:a16="http://schemas.microsoft.com/office/drawing/2014/main" id="{00BC0490-40EB-AB41-9573-F26A3EDAE20A}"/>
+              </a:ext>
+            </a:extLst>
+          </p:cNvPr>
+          <p:cNvSpPr txBox="1"/>
+          <p:nvPr/>
+        </p:nvSpPr>
+        <p:spPr>
+          <a:xfrm>
+            <a:off x="9786749" y="2594304"/>
+            <a:ext cx="2479750" cy="923330"/>
+          </a:xfrm>
+          <a:prstGeom prst="rect">
+            <a:avLst/>
+          </a:prstGeom>
+          <a:noFill/>
+        </p:spPr>
+        <p:txBody>
+          <a:bodyPr wrap="square" rtlCol="0">
+            <a:spAutoFit/>
+          </a:bodyPr>
+          <a:lstStyle/>
+          <a:p>
+            <a:r>
+              <a:rPr lang="en-GB" dirty="0"/>
+              <a:t>The layer contains our code together </a:t>
+            </a:r>
+            <a:r>
+              <a:rPr lang="en-GB" b="1" dirty="0"/>
+              <a:t>without</a:t>
+            </a:r>
+            <a:r>
+              <a:rPr lang="en-GB" dirty="0"/>
+              <a:t> the dependencies</a:t>
+            </a:r>
+          </a:p>
+        </p:txBody>
+      </p:sp>
+      <p:cxnSp>
+        <p:nvCxnSpPr>
+          <p:cNvPr id="56" name="Curved Connector 55">
+            <a:extLst>
+              <a:ext uri="{FF2B5EF4-FFF2-40B4-BE49-F238E27FC236}">
+                <a16:creationId xmlns:a16="http://schemas.microsoft.com/office/drawing/2014/main" id="{026DB1A5-0A14-4F47-A989-1CBB5E0D43C9}"/>
+              </a:ext>
+            </a:extLst>
+          </p:cNvPr>
+          <p:cNvCxnSpPr>
+            <a:cxnSpLocks/>
+            <a:stCxn id="54" idx="2"/>
+          </p:cNvCxnSpPr>
+          <p:nvPr/>
+        </p:nvCxnSpPr>
+        <p:spPr>
+          <a:xfrm rot="5400000">
+            <a:off x="10436661" y="3417281"/>
+            <a:ext cx="489611" cy="690316"/>
+          </a:xfrm>
+          <a:prstGeom prst="curvedConnector2">
+            <a:avLst/>
+          </a:prstGeom>
+          <a:ln w="12700">
+            <a:solidFill>
+              <a:srgbClr val="404040"/>
+            </a:solidFill>
+            <a:tailEnd type="triangle"/>
+          </a:ln>
+        </p:spPr>
+        <p:style>
+          <a:lnRef idx="1">
+            <a:schemeClr val="accent1"/>
+          </a:lnRef>
+          <a:fillRef idx="0">
+            <a:schemeClr val="accent1"/>
+          </a:fillRef>
+          <a:effectRef idx="0">
+            <a:schemeClr val="accent1"/>
+          </a:effectRef>
+          <a:fontRef idx="minor">
+            <a:schemeClr val="tx1"/>
+          </a:fontRef>
+        </p:style>
+      </p:cxnSp>
+      <p:sp>
+        <p:nvSpPr>
+          <p:cNvPr id="32" name="Rectangle 31">
+            <a:extLst>
+              <a:ext uri="{FF2B5EF4-FFF2-40B4-BE49-F238E27FC236}">
+                <a16:creationId xmlns:a16="http://schemas.microsoft.com/office/drawing/2014/main" id="{0F9F04A3-9944-7A42-BCFE-4BF68BB113BD}"/>
+              </a:ext>
+            </a:extLst>
+          </p:cNvPr>
+          <p:cNvSpPr/>
+          <p:nvPr/>
+        </p:nvSpPr>
+        <p:spPr>
+          <a:xfrm>
+            <a:off x="1782648" y="2780537"/>
+            <a:ext cx="1800000" cy="450000"/>
+          </a:xfrm>
+          <a:prstGeom prst="rect">
+            <a:avLst/>
+          </a:prstGeom>
+          <a:solidFill>
+            <a:srgbClr val="D883FF"/>
+          </a:solidFill>
+          <a:ln>
+            <a:solidFill>
+              <a:schemeClr val="tx1">
+                <a:lumMod val="75000"/>
+                <a:lumOff val="25000"/>
+              </a:schemeClr>
+            </a:solidFill>
+          </a:ln>
+        </p:spPr>
+        <p:style>
+          <a:lnRef idx="2">
+            <a:schemeClr val="accent1">
+              <a:shade val="50000"/>
+            </a:schemeClr>
+          </a:lnRef>
+          <a:fillRef idx="1">
+            <a:schemeClr val="accent1"/>
+          </a:fillRef>
+          <a:effectRef idx="0">
+            <a:schemeClr val="accent1"/>
+          </a:effectRef>
+          <a:fontRef idx="minor">
+            <a:schemeClr val="lt1"/>
+          </a:fontRef>
+        </p:style>
+        <p:txBody>
+          <a:bodyPr rtlCol="0" anchor="ctr"/>
+          <a:lstStyle/>
+          <a:p>
+            <a:endParaRPr lang="en-GB" sz="900" dirty="0">
+              <a:solidFill>
+                <a:schemeClr val="bg1"/>
+              </a:solidFill>
+              <a:latin typeface="Courier New" panose="02070309020205020404" pitchFamily="49" charset="0"/>
+              <a:cs typeface="Courier New" panose="02070309020205020404" pitchFamily="49" charset="0"/>
+            </a:endParaRPr>
+          </a:p>
+        </p:txBody>
+      </p:sp>
+      <p:cxnSp>
+        <p:nvCxnSpPr>
+          <p:cNvPr id="52" name="Straight Arrow Connector 51">
+            <a:extLst>
+              <a:ext uri="{FF2B5EF4-FFF2-40B4-BE49-F238E27FC236}">
+                <a16:creationId xmlns:a16="http://schemas.microsoft.com/office/drawing/2014/main" id="{BB10E5A2-7FA0-7946-B366-7FB9F47AB4EA}"/>
+              </a:ext>
+            </a:extLst>
+          </p:cNvPr>
+          <p:cNvCxnSpPr>
+            <a:cxnSpLocks/>
+            <a:stCxn id="32" idx="2"/>
+            <a:endCxn id="6" idx="0"/>
+          </p:cNvCxnSpPr>
+          <p:nvPr/>
+        </p:nvCxnSpPr>
+        <p:spPr>
+          <a:xfrm>
+            <a:off x="2682648" y="3230537"/>
+            <a:ext cx="0" cy="540698"/>
+          </a:xfrm>
+          <a:prstGeom prst="straightConnector1">
+            <a:avLst/>
+          </a:prstGeom>
+          <a:ln w="12700">
+            <a:solidFill>
+              <a:schemeClr val="tx1">
+                <a:lumMod val="75000"/>
+                <a:lumOff val="25000"/>
+              </a:schemeClr>
+            </a:solidFill>
+            <a:tailEnd type="triangle"/>
+          </a:ln>
+        </p:spPr>
+        <p:style>
+          <a:lnRef idx="1">
+            <a:schemeClr val="accent1"/>
+          </a:lnRef>
+          <a:fillRef idx="0">
+            <a:schemeClr val="accent1"/>
+          </a:fillRef>
+          <a:effectRef idx="0">
+            <a:schemeClr val="accent1"/>
+          </a:effectRef>
+          <a:fontRef idx="minor">
+            <a:schemeClr val="tx1"/>
+          </a:fontRef>
+        </p:style>
+      </p:cxnSp>
+      <p:cxnSp>
+        <p:nvCxnSpPr>
+          <p:cNvPr id="67" name="Curved Connector 66">
+            <a:extLst>
+              <a:ext uri="{FF2B5EF4-FFF2-40B4-BE49-F238E27FC236}">
+                <a16:creationId xmlns:a16="http://schemas.microsoft.com/office/drawing/2014/main" id="{465D175E-9792-134E-8757-E666F204EBEE}"/>
+              </a:ext>
+            </a:extLst>
+          </p:cNvPr>
+          <p:cNvCxnSpPr>
+            <a:cxnSpLocks/>
+            <a:stCxn id="32" idx="3"/>
+            <a:endCxn id="8" idx="0"/>
+          </p:cNvCxnSpPr>
+          <p:nvPr/>
+        </p:nvCxnSpPr>
+        <p:spPr>
+          <a:xfrm>
+            <a:off x="3582648" y="3005537"/>
+            <a:ext cx="1303660" cy="769579"/>
+          </a:xfrm>
+          <a:prstGeom prst="curvedConnector2">
+            <a:avLst/>
+          </a:prstGeom>
+          <a:ln w="12700">
+            <a:solidFill>
+              <a:schemeClr val="tx1">
+                <a:lumMod val="75000"/>
+                <a:lumOff val="25000"/>
+              </a:schemeClr>
+            </a:solidFill>
+            <a:tailEnd type="triangle"/>
+          </a:ln>
+        </p:spPr>
+        <p:style>
+          <a:lnRef idx="1">
+            <a:schemeClr val="accent1"/>
+          </a:lnRef>
+          <a:fillRef idx="0">
+            <a:schemeClr val="accent1"/>
+          </a:fillRef>
+          <a:effectRef idx="0">
+            <a:schemeClr val="accent1"/>
+          </a:effectRef>
+          <a:fontRef idx="minor">
+            <a:schemeClr val="tx1"/>
+          </a:fontRef>
+        </p:style>
+      </p:cxnSp>
+      <p:cxnSp>
+        <p:nvCxnSpPr>
+          <p:cNvPr id="70" name="Curved Connector 69">
+            <a:extLst>
+              <a:ext uri="{FF2B5EF4-FFF2-40B4-BE49-F238E27FC236}">
+                <a16:creationId xmlns:a16="http://schemas.microsoft.com/office/drawing/2014/main" id="{360CD16D-6CED-DE47-B5ED-01A0BDDA9030}"/>
+              </a:ext>
+            </a:extLst>
+          </p:cNvPr>
+          <p:cNvCxnSpPr>
+            <a:cxnSpLocks/>
+            <a:stCxn id="32" idx="3"/>
+            <a:endCxn id="10" idx="0"/>
+          </p:cNvCxnSpPr>
+          <p:nvPr/>
+        </p:nvCxnSpPr>
+        <p:spPr>
+          <a:xfrm>
+            <a:off x="3582648" y="3005537"/>
+            <a:ext cx="3507320" cy="778550"/>
+          </a:xfrm>
+          <a:prstGeom prst="curvedConnector2">
+            <a:avLst/>
+          </a:prstGeom>
+          <a:ln w="12700">
+            <a:solidFill>
+              <a:schemeClr val="tx1">
+                <a:lumMod val="75000"/>
+                <a:lumOff val="25000"/>
+              </a:schemeClr>
+            </a:solidFill>
+            <a:tailEnd type="triangle"/>
+          </a:ln>
+        </p:spPr>
+        <p:style>
+          <a:lnRef idx="1">
+            <a:schemeClr val="accent1"/>
+          </a:lnRef>
+          <a:fillRef idx="0">
+            <a:schemeClr val="accent1"/>
+          </a:fillRef>
+          <a:effectRef idx="0">
+            <a:schemeClr val="accent1"/>
+          </a:effectRef>
+          <a:fontRef idx="minor">
+            <a:schemeClr val="tx1"/>
+          </a:fontRef>
+        </p:style>
+      </p:cxnSp>
+      <p:cxnSp>
+        <p:nvCxnSpPr>
+          <p:cNvPr id="73" name="Curved Connector 72">
+            <a:extLst>
+              <a:ext uri="{FF2B5EF4-FFF2-40B4-BE49-F238E27FC236}">
+                <a16:creationId xmlns:a16="http://schemas.microsoft.com/office/drawing/2014/main" id="{4FF4C22C-F285-7D4E-826A-BD24685974E7}"/>
+              </a:ext>
+            </a:extLst>
+          </p:cNvPr>
+          <p:cNvCxnSpPr>
+            <a:cxnSpLocks/>
+            <a:stCxn id="32" idx="3"/>
+            <a:endCxn id="12" idx="0"/>
+          </p:cNvCxnSpPr>
+          <p:nvPr/>
+        </p:nvCxnSpPr>
+        <p:spPr>
+          <a:xfrm>
+            <a:off x="3582648" y="3005537"/>
+            <a:ext cx="5710980" cy="765698"/>
+          </a:xfrm>
+          <a:prstGeom prst="curvedConnector2">
+            <a:avLst/>
+          </a:prstGeom>
+          <a:ln w="12700">
+            <a:solidFill>
+              <a:schemeClr val="tx1">
+                <a:lumMod val="75000"/>
+                <a:lumOff val="25000"/>
+              </a:schemeClr>
+            </a:solidFill>
+            <a:tailEnd type="triangle"/>
+          </a:ln>
+        </p:spPr>
+        <p:style>
+          <a:lnRef idx="1">
+            <a:schemeClr val="accent1"/>
+          </a:lnRef>
+          <a:fillRef idx="0">
+            <a:schemeClr val="accent1"/>
+          </a:fillRef>
+          <a:effectRef idx="0">
+            <a:schemeClr val="accent1"/>
+          </a:effectRef>
+          <a:fontRef idx="minor">
+            <a:schemeClr val="tx1"/>
+          </a:fontRef>
+        </p:style>
+      </p:cxnSp>
+      <p:sp>
+        <p:nvSpPr>
+          <p:cNvPr id="83" name="TextBox 82">
+            <a:extLst>
+              <a:ext uri="{FF2B5EF4-FFF2-40B4-BE49-F238E27FC236}">
+                <a16:creationId xmlns:a16="http://schemas.microsoft.com/office/drawing/2014/main" id="{BA3006C2-3464-BE43-858B-479599C334AB}"/>
+              </a:ext>
+            </a:extLst>
+          </p:cNvPr>
+          <p:cNvSpPr txBox="1"/>
+          <p:nvPr/>
+        </p:nvSpPr>
+        <p:spPr>
+          <a:xfrm>
+            <a:off x="50699" y="2671483"/>
+            <a:ext cx="1642267" cy="646331"/>
+          </a:xfrm>
+          <a:prstGeom prst="rect">
+            <a:avLst/>
+          </a:prstGeom>
+          <a:noFill/>
+        </p:spPr>
+        <p:txBody>
+          <a:bodyPr wrap="square" rtlCol="0">
+            <a:spAutoFit/>
+          </a:bodyPr>
+          <a:lstStyle/>
+          <a:p>
+            <a:pPr algn="r"/>
+            <a:r>
+              <a:rPr lang="en-GB" dirty="0"/>
+              <a:t>The application dependencies</a:t>
+            </a:r>
+          </a:p>
+        </p:txBody>
+      </p:sp>
+      <p:sp>
+        <p:nvSpPr>
+          <p:cNvPr id="84" name="TextBox 83">
+            <a:extLst>
+              <a:ext uri="{FF2B5EF4-FFF2-40B4-BE49-F238E27FC236}">
+                <a16:creationId xmlns:a16="http://schemas.microsoft.com/office/drawing/2014/main" id="{11ECF04E-54D4-F147-8EDE-6258CA5AAD60}"/>
+              </a:ext>
+            </a:extLst>
+          </p:cNvPr>
+          <p:cNvSpPr txBox="1"/>
+          <p:nvPr/>
+        </p:nvSpPr>
+        <p:spPr>
+          <a:xfrm>
+            <a:off x="41318" y="3671226"/>
+            <a:ext cx="1642267" cy="646331"/>
+          </a:xfrm>
+          <a:prstGeom prst="rect">
+            <a:avLst/>
+          </a:prstGeom>
+          <a:noFill/>
+        </p:spPr>
+        <p:txBody>
+          <a:bodyPr wrap="square" rtlCol="0">
+            <a:spAutoFit/>
+          </a:bodyPr>
+          <a:lstStyle/>
+          <a:p>
+            <a:pPr algn="r"/>
+            <a:r>
+              <a:rPr lang="en-GB" dirty="0"/>
+              <a:t>The application code</a:t>
+            </a:r>
+          </a:p>
+        </p:txBody>
+      </p:sp>
+    </p:spTree>
+    <p:extLst>
+      <p:ext uri="{BB962C8B-B14F-4D97-AF65-F5344CB8AC3E}">
+        <p14:creationId xmlns:p14="http://schemas.microsoft.com/office/powerpoint/2010/main" val="311568570"/>
+      </p:ext>
+    </p:extLst>
+  </p:cSld>
+  <p:clrMapOvr>
+    <a:masterClrMapping/>
+  </p:clrMapOvr>
+</p:sld>
+</file>
+
+<file path=ppt/slides/slide12.xml><?xml version="1.0" encoding="utf-8"?>
+<p:sld xmlns:a="http://schemas.openxmlformats.org/drawingml/2006/main" xmlns:r="http://schemas.openxmlformats.org/officeDocument/2006/relationships" xmlns:p="http://schemas.openxmlformats.org/presentationml/2006/main">
+  <p:cSld>
+    <p:spTree>
+      <p:nvGrpSpPr>
+        <p:cNvPr id="1" name=""/>
+        <p:cNvGrpSpPr/>
+        <p:nvPr/>
+      </p:nvGrpSpPr>
+      <p:grpSpPr>
+        <a:xfrm>
+          <a:off x="0" y="0"/>
+          <a:ext cx="0" cy="0"/>
+          <a:chOff x="0" y="0"/>
+          <a:chExt cx="0" cy="0"/>
+        </a:xfrm>
+      </p:grpSpPr>
+      <p:pic>
+        <p:nvPicPr>
+          <p:cNvPr id="1026" name="Picture 2" descr="Files And Folders, Csv, Comma Separated Values, Csv File ...">
+            <a:extLst>
+              <a:ext uri="{FF2B5EF4-FFF2-40B4-BE49-F238E27FC236}">
+                <a16:creationId xmlns:a16="http://schemas.microsoft.com/office/drawing/2014/main" id="{1AF7294B-7DBD-6649-BCDE-D01C025A47ED}"/>
+              </a:ext>
+            </a:extLst>
+          </p:cNvPr>
+          <p:cNvPicPr>
+            <a:picLocks noChangeAspect="1" noChangeArrowheads="1"/>
+          </p:cNvPicPr>
+          <p:nvPr/>
+        </p:nvPicPr>
+        <p:blipFill>
+          <a:blip r:embed="rId2">
+            <a:extLst>
+              <a:ext uri="{28A0092B-C50C-407E-A947-70E740481C1C}">
+                <a14:useLocalDpi xmlns:a14="http://schemas.microsoft.com/office/drawing/2010/main" val="0"/>
+              </a:ext>
+            </a:extLst>
+          </a:blip>
+          <a:srcRect/>
+          <a:stretch>
+            <a:fillRect/>
+          </a:stretch>
+        </p:blipFill>
+        <p:spPr bwMode="auto">
+          <a:xfrm>
+            <a:off x="9731075" y="671379"/>
+            <a:ext cx="1559560" cy="1559560"/>
+          </a:xfrm>
+          <a:prstGeom prst="rect">
+            <a:avLst/>
+          </a:prstGeom>
+          <a:noFill/>
+          <a:extLst>
+            <a:ext uri="{909E8E84-426E-40DD-AFC4-6F175D3DCCD1}">
+              <a14:hiddenFill xmlns:a14="http://schemas.microsoft.com/office/drawing/2010/main">
+                <a:solidFill>
+                  <a:srgbClr val="FFFFFF"/>
+                </a:solidFill>
+              </a14:hiddenFill>
+            </a:ext>
+          </a:extLst>
+        </p:spPr>
+      </p:pic>
+      <p:sp>
+        <p:nvSpPr>
+          <p:cNvPr id="4" name="Rectangle 3">
+            <a:extLst>
+              <a:ext uri="{FF2B5EF4-FFF2-40B4-BE49-F238E27FC236}">
+                <a16:creationId xmlns:a16="http://schemas.microsoft.com/office/drawing/2014/main" id="{EF3F1165-72B7-E94E-9C13-4BF99BC1DA2F}"/>
+              </a:ext>
+            </a:extLst>
+          </p:cNvPr>
+          <p:cNvSpPr/>
+          <p:nvPr/>
+        </p:nvSpPr>
+        <p:spPr>
+          <a:xfrm>
+            <a:off x="7581116" y="671379"/>
+            <a:ext cx="1543050" cy="1559560"/>
+          </a:xfrm>
+          <a:prstGeom prst="rect">
+            <a:avLst/>
+          </a:prstGeom>
+        </p:spPr>
+        <p:style>
+          <a:lnRef idx="2">
+            <a:schemeClr val="accent1">
+              <a:shade val="50000"/>
+            </a:schemeClr>
+          </a:lnRef>
+          <a:fillRef idx="1">
+            <a:schemeClr val="accent1"/>
+          </a:fillRef>
+          <a:effectRef idx="0">
+            <a:schemeClr val="accent1"/>
+          </a:effectRef>
+          <a:fontRef idx="minor">
+            <a:schemeClr val="lt1"/>
+          </a:fontRef>
+        </p:style>
+        <p:txBody>
+          <a:bodyPr rtlCol="0" anchor="ctr"/>
+          <a:lstStyle/>
+          <a:p>
+            <a:pPr algn="ctr"/>
+            <a:r>
+              <a:rPr lang="en-GB" dirty="0"/>
+              <a:t>Service</a:t>
+            </a:r>
+          </a:p>
+        </p:txBody>
+      </p:sp>
+      <p:sp>
+        <p:nvSpPr>
+          <p:cNvPr id="6" name="Rectangle 5">
+            <a:extLst>
+              <a:ext uri="{FF2B5EF4-FFF2-40B4-BE49-F238E27FC236}">
+                <a16:creationId xmlns:a16="http://schemas.microsoft.com/office/drawing/2014/main" id="{272CD65E-60D8-A74B-8507-B059CF328F82}"/>
+              </a:ext>
+            </a:extLst>
+          </p:cNvPr>
+          <p:cNvSpPr/>
+          <p:nvPr/>
+        </p:nvSpPr>
+        <p:spPr>
+          <a:xfrm>
+            <a:off x="5324475" y="671379"/>
+            <a:ext cx="1543050" cy="1559560"/>
+          </a:xfrm>
+          <a:prstGeom prst="rect">
+            <a:avLst/>
+          </a:prstGeom>
+        </p:spPr>
+        <p:style>
+          <a:lnRef idx="2">
+            <a:schemeClr val="accent1">
+              <a:shade val="50000"/>
+            </a:schemeClr>
+          </a:lnRef>
+          <a:fillRef idx="1">
+            <a:schemeClr val="accent1"/>
+          </a:fillRef>
+          <a:effectRef idx="0">
+            <a:schemeClr val="accent1"/>
+          </a:effectRef>
+          <a:fontRef idx="minor">
+            <a:schemeClr val="lt1"/>
+          </a:fontRef>
+        </p:style>
+        <p:txBody>
+          <a:bodyPr rtlCol="0" anchor="ctr"/>
+          <a:lstStyle/>
+          <a:p>
+            <a:pPr algn="ctr"/>
+            <a:r>
+              <a:rPr lang="en-GB" dirty="0"/>
+              <a:t>Controller</a:t>
+            </a:r>
+          </a:p>
+        </p:txBody>
+      </p:sp>
+      <p:sp>
+        <p:nvSpPr>
+          <p:cNvPr id="7" name="Rectangle 6">
+            <a:extLst>
+              <a:ext uri="{FF2B5EF4-FFF2-40B4-BE49-F238E27FC236}">
+                <a16:creationId xmlns:a16="http://schemas.microsoft.com/office/drawing/2014/main" id="{BA352B75-F667-B940-AE22-BC91B0A0FDD1}"/>
+              </a:ext>
+            </a:extLst>
+          </p:cNvPr>
+          <p:cNvSpPr/>
+          <p:nvPr/>
+        </p:nvSpPr>
+        <p:spPr>
+          <a:xfrm>
+            <a:off x="981973" y="671379"/>
+            <a:ext cx="1543050" cy="1559560"/>
+          </a:xfrm>
+          <a:prstGeom prst="rect">
+            <a:avLst/>
+          </a:prstGeom>
+        </p:spPr>
+        <p:style>
+          <a:lnRef idx="2">
+            <a:schemeClr val="accent1">
+              <a:shade val="50000"/>
+            </a:schemeClr>
+          </a:lnRef>
+          <a:fillRef idx="1">
+            <a:schemeClr val="accent1"/>
+          </a:fillRef>
+          <a:effectRef idx="0">
+            <a:schemeClr val="accent1"/>
+          </a:effectRef>
+          <a:fontRef idx="minor">
+            <a:schemeClr val="lt1"/>
+          </a:fontRef>
+        </p:style>
+        <p:txBody>
+          <a:bodyPr rtlCol="0" anchor="ctr"/>
+          <a:lstStyle/>
+          <a:p>
+            <a:pPr algn="ctr"/>
+            <a:r>
+              <a:rPr lang="en-GB" dirty="0"/>
+              <a:t>Consumer</a:t>
+            </a:r>
+          </a:p>
+        </p:txBody>
+      </p:sp>
+      <p:cxnSp>
+        <p:nvCxnSpPr>
+          <p:cNvPr id="14" name="Straight Arrow Connector 13">
+            <a:extLst>
+              <a:ext uri="{FF2B5EF4-FFF2-40B4-BE49-F238E27FC236}">
+                <a16:creationId xmlns:a16="http://schemas.microsoft.com/office/drawing/2014/main" id="{4B43E974-66BA-0049-98F8-EB14DF95A56C}"/>
+              </a:ext>
+            </a:extLst>
+          </p:cNvPr>
+          <p:cNvCxnSpPr>
+            <a:cxnSpLocks/>
+          </p:cNvCxnSpPr>
+          <p:nvPr/>
+        </p:nvCxnSpPr>
+        <p:spPr>
+          <a:xfrm>
+            <a:off x="6092416" y="3385017"/>
+            <a:ext cx="2247676" cy="0"/>
+          </a:xfrm>
+          <a:prstGeom prst="straightConnector1">
+            <a:avLst/>
+          </a:prstGeom>
+          <a:ln w="38100">
+            <a:solidFill>
+              <a:schemeClr val="tx1">
+                <a:lumMod val="75000"/>
+                <a:lumOff val="25000"/>
+              </a:schemeClr>
+            </a:solidFill>
+            <a:tailEnd type="triangle"/>
+          </a:ln>
+        </p:spPr>
+        <p:style>
+          <a:lnRef idx="1">
+            <a:schemeClr val="accent1"/>
+          </a:lnRef>
+          <a:fillRef idx="0">
+            <a:schemeClr val="accent1"/>
+          </a:fillRef>
+          <a:effectRef idx="0">
+            <a:schemeClr val="accent1"/>
+          </a:effectRef>
+          <a:fontRef idx="minor">
+            <a:schemeClr val="tx1"/>
+          </a:fontRef>
+        </p:style>
+      </p:cxnSp>
+      <p:cxnSp>
+        <p:nvCxnSpPr>
+          <p:cNvPr id="17" name="Straight Arrow Connector 16">
+            <a:extLst>
+              <a:ext uri="{FF2B5EF4-FFF2-40B4-BE49-F238E27FC236}">
+                <a16:creationId xmlns:a16="http://schemas.microsoft.com/office/drawing/2014/main" id="{B588B670-9224-EF43-8A03-FB1D08885F64}"/>
+              </a:ext>
+            </a:extLst>
+          </p:cNvPr>
+          <p:cNvCxnSpPr>
+            <a:cxnSpLocks/>
+          </p:cNvCxnSpPr>
+          <p:nvPr/>
+        </p:nvCxnSpPr>
+        <p:spPr>
+          <a:xfrm>
+            <a:off x="1753498" y="2822762"/>
+            <a:ext cx="4338918" cy="0"/>
+          </a:xfrm>
+          <a:prstGeom prst="straightConnector1">
+            <a:avLst/>
+          </a:prstGeom>
+          <a:ln w="38100">
+            <a:solidFill>
+              <a:schemeClr val="tx1">
+                <a:lumMod val="75000"/>
+                <a:lumOff val="25000"/>
+              </a:schemeClr>
+            </a:solidFill>
+            <a:tailEnd type="triangle"/>
+          </a:ln>
+        </p:spPr>
+        <p:style>
+          <a:lnRef idx="1">
+            <a:schemeClr val="accent1"/>
+          </a:lnRef>
+          <a:fillRef idx="0">
+            <a:schemeClr val="accent1"/>
+          </a:fillRef>
+          <a:effectRef idx="0">
+            <a:schemeClr val="accent1"/>
+          </a:effectRef>
+          <a:fontRef idx="minor">
+            <a:schemeClr val="tx1"/>
+          </a:fontRef>
+        </p:style>
+      </p:cxnSp>
+      <p:cxnSp>
+        <p:nvCxnSpPr>
+          <p:cNvPr id="20" name="Straight Arrow Connector 19">
+            <a:extLst>
+              <a:ext uri="{FF2B5EF4-FFF2-40B4-BE49-F238E27FC236}">
+                <a16:creationId xmlns:a16="http://schemas.microsoft.com/office/drawing/2014/main" id="{D2704C89-B40A-B645-81DE-1273B01F5CB0}"/>
+              </a:ext>
+            </a:extLst>
+          </p:cNvPr>
+          <p:cNvCxnSpPr>
+            <a:cxnSpLocks/>
+          </p:cNvCxnSpPr>
+          <p:nvPr/>
+        </p:nvCxnSpPr>
+        <p:spPr>
+          <a:xfrm flipV="1">
+            <a:off x="6092416" y="4509527"/>
+            <a:ext cx="2247676" cy="10086"/>
+          </a:xfrm>
+          <a:prstGeom prst="straightConnector1">
+            <a:avLst/>
+          </a:prstGeom>
+          <a:ln w="38100">
+            <a:solidFill>
+              <a:schemeClr val="tx1">
+                <a:lumMod val="75000"/>
+                <a:lumOff val="25000"/>
+              </a:schemeClr>
+            </a:solidFill>
+            <a:headEnd type="triangle" w="med" len="med"/>
+            <a:tailEnd type="none" w="med" len="med"/>
+          </a:ln>
+        </p:spPr>
+        <p:style>
+          <a:lnRef idx="1">
+            <a:schemeClr val="accent1"/>
+          </a:lnRef>
+          <a:fillRef idx="0">
+            <a:schemeClr val="accent1"/>
+          </a:fillRef>
+          <a:effectRef idx="0">
+            <a:schemeClr val="accent1"/>
+          </a:effectRef>
+          <a:fontRef idx="minor">
+            <a:schemeClr val="tx1"/>
+          </a:fontRef>
+        </p:style>
+      </p:cxnSp>
+      <p:cxnSp>
+        <p:nvCxnSpPr>
+          <p:cNvPr id="21" name="Straight Arrow Connector 20">
+            <a:extLst>
+              <a:ext uri="{FF2B5EF4-FFF2-40B4-BE49-F238E27FC236}">
+                <a16:creationId xmlns:a16="http://schemas.microsoft.com/office/drawing/2014/main" id="{AFA9AEDD-747A-B24B-9BDF-6D31D299F265}"/>
+              </a:ext>
+            </a:extLst>
+          </p:cNvPr>
+          <p:cNvCxnSpPr>
+            <a:cxnSpLocks/>
+          </p:cNvCxnSpPr>
+          <p:nvPr/>
+        </p:nvCxnSpPr>
+        <p:spPr>
+          <a:xfrm>
+            <a:off x="1753498" y="5081868"/>
+            <a:ext cx="4338918" cy="0"/>
+          </a:xfrm>
+          <a:prstGeom prst="straightConnector1">
+            <a:avLst/>
+          </a:prstGeom>
+          <a:ln w="38100">
+            <a:solidFill>
+              <a:schemeClr val="tx1">
+                <a:lumMod val="75000"/>
+                <a:lumOff val="25000"/>
+              </a:schemeClr>
+            </a:solidFill>
+            <a:headEnd type="triangle" w="med" len="med"/>
+            <a:tailEnd type="none" w="med" len="med"/>
+          </a:ln>
+        </p:spPr>
+        <p:style>
+          <a:lnRef idx="1">
+            <a:schemeClr val="accent1"/>
+          </a:lnRef>
+          <a:fillRef idx="0">
+            <a:schemeClr val="accent1"/>
+          </a:fillRef>
+          <a:effectRef idx="0">
+            <a:schemeClr val="accent1"/>
+          </a:effectRef>
+          <a:fontRef idx="minor">
+            <a:schemeClr val="tx1"/>
+          </a:fontRef>
+        </p:style>
+      </p:cxnSp>
+      <p:cxnSp>
+        <p:nvCxnSpPr>
+          <p:cNvPr id="25" name="Straight Connector 24">
+            <a:extLst>
+              <a:ext uri="{FF2B5EF4-FFF2-40B4-BE49-F238E27FC236}">
+                <a16:creationId xmlns:a16="http://schemas.microsoft.com/office/drawing/2014/main" id="{636C1109-C8EA-F145-95E4-33419C383409}"/>
+              </a:ext>
+            </a:extLst>
+          </p:cNvPr>
+          <p:cNvCxnSpPr>
+            <a:stCxn id="7" idx="2"/>
+          </p:cNvCxnSpPr>
+          <p:nvPr/>
+        </p:nvCxnSpPr>
+        <p:spPr>
+          <a:xfrm>
+            <a:off x="1753498" y="2230939"/>
+            <a:ext cx="0" cy="4376049"/>
+          </a:xfrm>
+          <a:prstGeom prst="line">
+            <a:avLst/>
+          </a:prstGeom>
+          <a:ln>
+            <a:solidFill>
+              <a:schemeClr val="tx1">
+                <a:lumMod val="75000"/>
+                <a:lumOff val="25000"/>
+              </a:schemeClr>
+            </a:solidFill>
+            <a:prstDash val="dash"/>
+          </a:ln>
+        </p:spPr>
+        <p:style>
+          <a:lnRef idx="1">
+            <a:schemeClr val="accent1"/>
+          </a:lnRef>
+          <a:fillRef idx="0">
+            <a:schemeClr val="accent1"/>
+          </a:fillRef>
+          <a:effectRef idx="0">
+            <a:schemeClr val="accent1"/>
+          </a:effectRef>
+          <a:fontRef idx="minor">
+            <a:schemeClr val="tx1"/>
+          </a:fontRef>
+        </p:style>
+      </p:cxnSp>
+      <p:cxnSp>
+        <p:nvCxnSpPr>
+          <p:cNvPr id="27" name="Straight Connector 26">
+            <a:extLst>
+              <a:ext uri="{FF2B5EF4-FFF2-40B4-BE49-F238E27FC236}">
+                <a16:creationId xmlns:a16="http://schemas.microsoft.com/office/drawing/2014/main" id="{4B8C9714-96A1-984F-A326-9AD9BA5469DD}"/>
+              </a:ext>
+            </a:extLst>
+          </p:cNvPr>
+          <p:cNvCxnSpPr/>
+          <p:nvPr/>
+        </p:nvCxnSpPr>
+        <p:spPr>
+          <a:xfrm>
+            <a:off x="6092416" y="2230939"/>
+            <a:ext cx="0" cy="4376049"/>
+          </a:xfrm>
+          <a:prstGeom prst="line">
+            <a:avLst/>
+          </a:prstGeom>
+          <a:ln>
+            <a:solidFill>
+              <a:schemeClr val="tx1">
+                <a:lumMod val="75000"/>
+                <a:lumOff val="25000"/>
+              </a:schemeClr>
+            </a:solidFill>
+            <a:prstDash val="dash"/>
+          </a:ln>
+        </p:spPr>
+        <p:style>
+          <a:lnRef idx="1">
+            <a:schemeClr val="accent1"/>
+          </a:lnRef>
+          <a:fillRef idx="0">
+            <a:schemeClr val="accent1"/>
+          </a:fillRef>
+          <a:effectRef idx="0">
+            <a:schemeClr val="accent1"/>
+          </a:effectRef>
+          <a:fontRef idx="minor">
+            <a:schemeClr val="tx1"/>
+          </a:fontRef>
+        </p:style>
+      </p:cxnSp>
+      <p:cxnSp>
+        <p:nvCxnSpPr>
+          <p:cNvPr id="28" name="Straight Connector 27">
+            <a:extLst>
+              <a:ext uri="{FF2B5EF4-FFF2-40B4-BE49-F238E27FC236}">
+                <a16:creationId xmlns:a16="http://schemas.microsoft.com/office/drawing/2014/main" id="{7E5D961D-D21D-494E-8542-9B33A81E64D1}"/>
+              </a:ext>
+            </a:extLst>
+          </p:cNvPr>
+          <p:cNvCxnSpPr/>
+          <p:nvPr/>
+        </p:nvCxnSpPr>
+        <p:spPr>
+          <a:xfrm>
+            <a:off x="8340092" y="2220854"/>
+            <a:ext cx="0" cy="4376049"/>
+          </a:xfrm>
+          <a:prstGeom prst="line">
+            <a:avLst/>
+          </a:prstGeom>
+          <a:ln>
+            <a:solidFill>
+              <a:schemeClr val="tx1">
+                <a:lumMod val="75000"/>
+                <a:lumOff val="25000"/>
+              </a:schemeClr>
+            </a:solidFill>
+            <a:prstDash val="dash"/>
+          </a:ln>
+        </p:spPr>
+        <p:style>
+          <a:lnRef idx="1">
+            <a:schemeClr val="accent1"/>
+          </a:lnRef>
+          <a:fillRef idx="0">
+            <a:schemeClr val="accent1"/>
+          </a:fillRef>
+          <a:effectRef idx="0">
+            <a:schemeClr val="accent1"/>
+          </a:effectRef>
+          <a:fontRef idx="minor">
+            <a:schemeClr val="tx1"/>
+          </a:fontRef>
+        </p:style>
+      </p:cxnSp>
+      <p:cxnSp>
+        <p:nvCxnSpPr>
+          <p:cNvPr id="29" name="Straight Connector 28">
+            <a:extLst>
+              <a:ext uri="{FF2B5EF4-FFF2-40B4-BE49-F238E27FC236}">
+                <a16:creationId xmlns:a16="http://schemas.microsoft.com/office/drawing/2014/main" id="{BBF495CB-F741-5E4E-B22C-CE8ABBCA5B22}"/>
+              </a:ext>
+            </a:extLst>
+          </p:cNvPr>
+          <p:cNvCxnSpPr/>
+          <p:nvPr/>
+        </p:nvCxnSpPr>
+        <p:spPr>
+          <a:xfrm>
+            <a:off x="10522735" y="2220853"/>
+            <a:ext cx="0" cy="4376049"/>
+          </a:xfrm>
+          <a:prstGeom prst="line">
+            <a:avLst/>
+          </a:prstGeom>
+          <a:ln>
+            <a:solidFill>
+              <a:schemeClr val="tx1">
+                <a:lumMod val="75000"/>
+                <a:lumOff val="25000"/>
+              </a:schemeClr>
+            </a:solidFill>
+            <a:prstDash val="dash"/>
+          </a:ln>
+        </p:spPr>
+        <p:style>
+          <a:lnRef idx="1">
+            <a:schemeClr val="accent1"/>
+          </a:lnRef>
+          <a:fillRef idx="0">
+            <a:schemeClr val="accent1"/>
+          </a:fillRef>
+          <a:effectRef idx="0">
+            <a:schemeClr val="accent1"/>
+          </a:effectRef>
+          <a:fontRef idx="minor">
+            <a:schemeClr val="tx1"/>
+          </a:fontRef>
+        </p:style>
+      </p:cxnSp>
+      <p:cxnSp>
+        <p:nvCxnSpPr>
+          <p:cNvPr id="32" name="Straight Arrow Connector 31">
+            <a:extLst>
+              <a:ext uri="{FF2B5EF4-FFF2-40B4-BE49-F238E27FC236}">
+                <a16:creationId xmlns:a16="http://schemas.microsoft.com/office/drawing/2014/main" id="{71050B98-9C89-D44C-9E6F-5AA685CE2612}"/>
+              </a:ext>
+            </a:extLst>
+          </p:cNvPr>
+          <p:cNvCxnSpPr>
+            <a:cxnSpLocks/>
+          </p:cNvCxnSpPr>
+          <p:nvPr/>
+        </p:nvCxnSpPr>
+        <p:spPr>
+          <a:xfrm>
+            <a:off x="8352641" y="3947272"/>
+            <a:ext cx="2170094" cy="0"/>
+          </a:xfrm>
+          <a:prstGeom prst="straightConnector1">
+            <a:avLst/>
+          </a:prstGeom>
+          <a:ln w="38100">
+            <a:solidFill>
+              <a:schemeClr val="tx1">
+                <a:lumMod val="75000"/>
+                <a:lumOff val="25000"/>
+              </a:schemeClr>
+            </a:solidFill>
+            <a:headEnd type="triangle" w="med" len="med"/>
+            <a:tailEnd type="none" w="med" len="med"/>
+          </a:ln>
+        </p:spPr>
+        <p:style>
+          <a:lnRef idx="1">
+            <a:schemeClr val="accent1"/>
+          </a:lnRef>
+          <a:fillRef idx="0">
+            <a:schemeClr val="accent1"/>
+          </a:fillRef>
+          <a:effectRef idx="0">
+            <a:schemeClr val="accent1"/>
+          </a:effectRef>
+          <a:fontRef idx="minor">
+            <a:schemeClr val="tx1"/>
+          </a:fontRef>
+        </p:style>
+      </p:cxnSp>
+      <p:sp>
+        <p:nvSpPr>
+          <p:cNvPr id="35" name="TextBox 34">
+            <a:extLst>
+              <a:ext uri="{FF2B5EF4-FFF2-40B4-BE49-F238E27FC236}">
+                <a16:creationId xmlns:a16="http://schemas.microsoft.com/office/drawing/2014/main" id="{CEC51F1D-9450-F14C-960E-BD408EC040CC}"/>
+              </a:ext>
+            </a:extLst>
+          </p:cNvPr>
+          <p:cNvSpPr txBox="1"/>
+          <p:nvPr/>
+        </p:nvSpPr>
+        <p:spPr>
+          <a:xfrm>
+            <a:off x="3003474" y="2453430"/>
+            <a:ext cx="1838965" cy="369332"/>
+          </a:xfrm>
+          <a:prstGeom prst="rect">
+            <a:avLst/>
+          </a:prstGeom>
+          <a:noFill/>
+        </p:spPr>
+        <p:txBody>
+          <a:bodyPr wrap="none" rtlCol="0">
+            <a:spAutoFit/>
+          </a:bodyPr>
+          <a:lstStyle/>
+          <a:p>
+            <a:r>
+              <a:rPr lang="en-GB" dirty="0">
+                <a:latin typeface="Courier New" panose="02070309020205020404" pitchFamily="49" charset="0"/>
+                <a:cs typeface="Courier New" panose="02070309020205020404" pitchFamily="49" charset="0"/>
+              </a:rPr>
+              <a:t>GET /offices</a:t>
+            </a:r>
+          </a:p>
+        </p:txBody>
+      </p:sp>
+      <p:sp>
+        <p:nvSpPr>
+          <p:cNvPr id="37" name="TextBox 36">
+            <a:extLst>
+              <a:ext uri="{FF2B5EF4-FFF2-40B4-BE49-F238E27FC236}">
+                <a16:creationId xmlns:a16="http://schemas.microsoft.com/office/drawing/2014/main" id="{4FEF8783-5E3C-3744-81EB-1056F68841B6}"/>
+              </a:ext>
+            </a:extLst>
+          </p:cNvPr>
+          <p:cNvSpPr txBox="1"/>
+          <p:nvPr/>
+        </p:nvSpPr>
+        <p:spPr>
+          <a:xfrm>
+            <a:off x="6296772" y="3015685"/>
+            <a:ext cx="1838965" cy="369332"/>
+          </a:xfrm>
+          <a:prstGeom prst="rect">
+            <a:avLst/>
+          </a:prstGeom>
+          <a:noFill/>
+        </p:spPr>
+        <p:txBody>
+          <a:bodyPr wrap="none" rtlCol="0">
+            <a:spAutoFit/>
+          </a:bodyPr>
+          <a:lstStyle/>
+          <a:p>
+            <a:r>
+              <a:rPr lang="en-GB" dirty="0">
+                <a:latin typeface="Courier New" panose="02070309020205020404" pitchFamily="49" charset="0"/>
+                <a:cs typeface="Courier New" panose="02070309020205020404" pitchFamily="49" charset="0"/>
+              </a:rPr>
+              <a:t>Call Service</a:t>
+            </a:r>
+          </a:p>
+        </p:txBody>
+      </p:sp>
+      <p:sp>
+        <p:nvSpPr>
+          <p:cNvPr id="38" name="TextBox 37">
+            <a:extLst>
+              <a:ext uri="{FF2B5EF4-FFF2-40B4-BE49-F238E27FC236}">
+                <a16:creationId xmlns:a16="http://schemas.microsoft.com/office/drawing/2014/main" id="{D4BA6221-FE03-5541-A39F-65E467120028}"/>
+              </a:ext>
+            </a:extLst>
+          </p:cNvPr>
+          <p:cNvSpPr txBox="1"/>
+          <p:nvPr/>
+        </p:nvSpPr>
+        <p:spPr>
+          <a:xfrm>
+            <a:off x="8701515" y="3577940"/>
+            <a:ext cx="1425390" cy="369332"/>
+          </a:xfrm>
+          <a:prstGeom prst="rect">
+            <a:avLst/>
+          </a:prstGeom>
+          <a:noFill/>
+        </p:spPr>
+        <p:txBody>
+          <a:bodyPr wrap="none" rtlCol="0">
+            <a:spAutoFit/>
+          </a:bodyPr>
+          <a:lstStyle/>
+          <a:p>
+            <a:r>
+              <a:rPr lang="en-GB" dirty="0">
+                <a:latin typeface="Courier New" panose="02070309020205020404" pitchFamily="49" charset="0"/>
+                <a:cs typeface="Courier New" panose="02070309020205020404" pitchFamily="49" charset="0"/>
+              </a:rPr>
+              <a:t>Read File</a:t>
+            </a:r>
+          </a:p>
+        </p:txBody>
+      </p:sp>
+      <p:sp>
+        <p:nvSpPr>
+          <p:cNvPr id="39" name="TextBox 38">
+            <a:extLst>
+              <a:ext uri="{FF2B5EF4-FFF2-40B4-BE49-F238E27FC236}">
+                <a16:creationId xmlns:a16="http://schemas.microsoft.com/office/drawing/2014/main" id="{8BC43D35-1A82-F14B-B3E7-B7236D3D8187}"/>
+              </a:ext>
+            </a:extLst>
+          </p:cNvPr>
+          <p:cNvSpPr txBox="1"/>
+          <p:nvPr/>
+        </p:nvSpPr>
+        <p:spPr>
+          <a:xfrm>
+            <a:off x="6160378" y="4169763"/>
+            <a:ext cx="2114681" cy="369332"/>
+          </a:xfrm>
+          <a:prstGeom prst="rect">
+            <a:avLst/>
+          </a:prstGeom>
+          <a:noFill/>
+        </p:spPr>
+        <p:txBody>
+          <a:bodyPr wrap="none" rtlCol="0">
+            <a:spAutoFit/>
+          </a:bodyPr>
+          <a:lstStyle/>
+          <a:p>
+            <a:r>
+              <a:rPr lang="en-GB" dirty="0">
+                <a:latin typeface="Courier New" panose="02070309020205020404" pitchFamily="49" charset="0"/>
+                <a:cs typeface="Courier New" panose="02070309020205020404" pitchFamily="49" charset="0"/>
+              </a:rPr>
+              <a:t>Return Offices</a:t>
+            </a:r>
+          </a:p>
+        </p:txBody>
+      </p:sp>
+      <p:sp>
+        <p:nvSpPr>
+          <p:cNvPr id="40" name="TextBox 39">
+            <a:extLst>
+              <a:ext uri="{FF2B5EF4-FFF2-40B4-BE49-F238E27FC236}">
+                <a16:creationId xmlns:a16="http://schemas.microsoft.com/office/drawing/2014/main" id="{274849DF-FDAE-E447-A17E-80E539C4522B}"/>
+              </a:ext>
+            </a:extLst>
+          </p:cNvPr>
+          <p:cNvSpPr txBox="1"/>
+          <p:nvPr/>
+        </p:nvSpPr>
+        <p:spPr>
+          <a:xfrm>
+            <a:off x="2512475" y="4712535"/>
+            <a:ext cx="3079689" cy="369332"/>
+          </a:xfrm>
+          <a:prstGeom prst="rect">
+            <a:avLst/>
+          </a:prstGeom>
+          <a:noFill/>
+        </p:spPr>
+        <p:txBody>
+          <a:bodyPr wrap="none" rtlCol="0">
+            <a:spAutoFit/>
+          </a:bodyPr>
+          <a:lstStyle/>
+          <a:p>
+            <a:r>
+              <a:rPr lang="en-GB" dirty="0">
+                <a:latin typeface="Courier New" panose="02070309020205020404" pitchFamily="49" charset="0"/>
+                <a:cs typeface="Courier New" panose="02070309020205020404" pitchFamily="49" charset="0"/>
+              </a:rPr>
+              <a:t>Return Offices (JSON)</a:t>
+            </a:r>
+          </a:p>
+        </p:txBody>
+      </p:sp>
+    </p:spTree>
+    <p:extLst>
+      <p:ext uri="{BB962C8B-B14F-4D97-AF65-F5344CB8AC3E}">
+        <p14:creationId xmlns:p14="http://schemas.microsoft.com/office/powerpoint/2010/main" val="1891040498"/>
+      </p:ext>
+    </p:extLst>
+  </p:cSld>
+  <p:clrMapOvr>
+    <a:masterClrMapping/>
+  </p:clrMapOvr>
+</p:sld>
+</file>
+
+<file path=ppt/slides/slide13.xml><?xml version="1.0" encoding="utf-8"?>
+<p:sld xmlns:a="http://schemas.openxmlformats.org/drawingml/2006/main" xmlns:r="http://schemas.openxmlformats.org/officeDocument/2006/relationships" xmlns:p="http://schemas.openxmlformats.org/presentationml/2006/main">
+  <p:cSld>
+    <p:spTree>
+      <p:nvGrpSpPr>
+        <p:cNvPr id="1" name=""/>
+        <p:cNvGrpSpPr/>
+        <p:nvPr/>
+      </p:nvGrpSpPr>
+      <p:grpSpPr>
+        <a:xfrm>
+          <a:off x="0" y="0"/>
+          <a:ext cx="0" cy="0"/>
+          <a:chOff x="0" y="0"/>
+          <a:chExt cx="0" cy="0"/>
+        </a:xfrm>
+      </p:grpSpPr>
+      <p:sp>
+        <p:nvSpPr>
           <p:cNvPr id="4" name="Left Brace 3">
             <a:extLst>
               <a:ext uri="{FF2B5EF4-FFF2-40B4-BE49-F238E27FC236}">
@@ -5105,7 +9397,7 @@
 </p:sld>
 </file>
 
-<file path=ppt/slides/slide11.xml><?xml version="1.0" encoding="utf-8"?>
+<file path=ppt/slides/slide14.xml><?xml version="1.0" encoding="utf-8"?>
 <p:sld xmlns:a="http://schemas.openxmlformats.org/drawingml/2006/main" xmlns:r="http://schemas.openxmlformats.org/officeDocument/2006/relationships" xmlns:p="http://schemas.openxmlformats.org/presentationml/2006/main">
   <p:cSld>
     <p:spTree>
@@ -5311,7 +9603,7 @@
 </p:sld>
 </file>
 
-<file path=ppt/slides/slide12.xml><?xml version="1.0" encoding="utf-8"?>
+<file path=ppt/slides/slide15.xml><?xml version="1.0" encoding="utf-8"?>
 <p:sld xmlns:a="http://schemas.openxmlformats.org/drawingml/2006/main" xmlns:r="http://schemas.openxmlformats.org/officeDocument/2006/relationships" xmlns:p="http://schemas.openxmlformats.org/presentationml/2006/main">
   <p:cSld>
     <p:spTree>
@@ -11357,206 +15649,12 @@
           <a:chExt cx="0" cy="0"/>
         </a:xfrm>
       </p:grpSpPr>
-      <p:pic>
-        <p:nvPicPr>
-          <p:cNvPr id="1026" name="Picture 2" descr="Files And Folders, Csv, Comma Separated Values, Csv File ...">
-            <a:extLst>
-              <a:ext uri="{FF2B5EF4-FFF2-40B4-BE49-F238E27FC236}">
-                <a16:creationId xmlns:a16="http://schemas.microsoft.com/office/drawing/2014/main" id="{1AF7294B-7DBD-6649-BCDE-D01C025A47ED}"/>
-              </a:ext>
-            </a:extLst>
-          </p:cNvPr>
-          <p:cNvPicPr>
-            <a:picLocks noChangeAspect="1" noChangeArrowheads="1"/>
-          </p:cNvPicPr>
-          <p:nvPr/>
-        </p:nvPicPr>
-        <p:blipFill>
-          <a:blip r:embed="rId2">
-            <a:extLst>
-              <a:ext uri="{28A0092B-C50C-407E-A947-70E740481C1C}">
-                <a14:useLocalDpi xmlns:a14="http://schemas.microsoft.com/office/drawing/2010/main" val="0"/>
-              </a:ext>
-            </a:extLst>
-          </a:blip>
-          <a:srcRect/>
-          <a:stretch>
-            <a:fillRect/>
-          </a:stretch>
-        </p:blipFill>
-        <p:spPr bwMode="auto">
-          <a:xfrm>
-            <a:off x="9731075" y="671379"/>
-            <a:ext cx="1559560" cy="1559560"/>
-          </a:xfrm>
-          <a:prstGeom prst="rect">
-            <a:avLst/>
-          </a:prstGeom>
-          <a:noFill/>
-          <a:extLst>
-            <a:ext uri="{909E8E84-426E-40DD-AFC4-6F175D3DCCD1}">
-              <a14:hiddenFill xmlns:a14="http://schemas.microsoft.com/office/drawing/2010/main">
-                <a:solidFill>
-                  <a:srgbClr val="FFFFFF"/>
-                </a:solidFill>
-              </a14:hiddenFill>
-            </a:ext>
-          </a:extLst>
-        </p:spPr>
-      </p:pic>
-      <p:sp>
-        <p:nvSpPr>
-          <p:cNvPr id="4" name="Rectangle 3">
-            <a:extLst>
-              <a:ext uri="{FF2B5EF4-FFF2-40B4-BE49-F238E27FC236}">
-                <a16:creationId xmlns:a16="http://schemas.microsoft.com/office/drawing/2014/main" id="{EF3F1165-72B7-E94E-9C13-4BF99BC1DA2F}"/>
-              </a:ext>
-            </a:extLst>
-          </p:cNvPr>
-          <p:cNvSpPr/>
-          <p:nvPr/>
-        </p:nvSpPr>
-        <p:spPr>
-          <a:xfrm>
-            <a:off x="7581116" y="671379"/>
-            <a:ext cx="1543050" cy="1559560"/>
-          </a:xfrm>
-          <a:prstGeom prst="rect">
-            <a:avLst/>
-          </a:prstGeom>
-        </p:spPr>
-        <p:style>
-          <a:lnRef idx="2">
-            <a:schemeClr val="accent1">
-              <a:shade val="50000"/>
-            </a:schemeClr>
-          </a:lnRef>
-          <a:fillRef idx="1">
-            <a:schemeClr val="accent1"/>
-          </a:fillRef>
-          <a:effectRef idx="0">
-            <a:schemeClr val="accent1"/>
-          </a:effectRef>
-          <a:fontRef idx="minor">
-            <a:schemeClr val="lt1"/>
-          </a:fontRef>
-        </p:style>
-        <p:txBody>
-          <a:bodyPr rtlCol="0" anchor="ctr"/>
-          <a:lstStyle/>
-          <a:p>
-            <a:pPr algn="ctr"/>
-            <a:r>
-              <a:rPr lang="en-GB" dirty="0"/>
-              <a:t>Service</a:t>
-            </a:r>
-          </a:p>
-        </p:txBody>
-      </p:sp>
-      <p:sp>
-        <p:nvSpPr>
-          <p:cNvPr id="6" name="Rectangle 5">
-            <a:extLst>
-              <a:ext uri="{FF2B5EF4-FFF2-40B4-BE49-F238E27FC236}">
-                <a16:creationId xmlns:a16="http://schemas.microsoft.com/office/drawing/2014/main" id="{272CD65E-60D8-A74B-8507-B059CF328F82}"/>
-              </a:ext>
-            </a:extLst>
-          </p:cNvPr>
-          <p:cNvSpPr/>
-          <p:nvPr/>
-        </p:nvSpPr>
-        <p:spPr>
-          <a:xfrm>
-            <a:off x="5324475" y="671379"/>
-            <a:ext cx="1543050" cy="1559560"/>
-          </a:xfrm>
-          <a:prstGeom prst="rect">
-            <a:avLst/>
-          </a:prstGeom>
-        </p:spPr>
-        <p:style>
-          <a:lnRef idx="2">
-            <a:schemeClr val="accent1">
-              <a:shade val="50000"/>
-            </a:schemeClr>
-          </a:lnRef>
-          <a:fillRef idx="1">
-            <a:schemeClr val="accent1"/>
-          </a:fillRef>
-          <a:effectRef idx="0">
-            <a:schemeClr val="accent1"/>
-          </a:effectRef>
-          <a:fontRef idx="minor">
-            <a:schemeClr val="lt1"/>
-          </a:fontRef>
-        </p:style>
-        <p:txBody>
-          <a:bodyPr rtlCol="0" anchor="ctr"/>
-          <a:lstStyle/>
-          <a:p>
-            <a:pPr algn="ctr"/>
-            <a:r>
-              <a:rPr lang="en-GB" dirty="0"/>
-              <a:t>Controller</a:t>
-            </a:r>
-          </a:p>
-        </p:txBody>
-      </p:sp>
-      <p:sp>
-        <p:nvSpPr>
-          <p:cNvPr id="7" name="Rectangle 6">
-            <a:extLst>
-              <a:ext uri="{FF2B5EF4-FFF2-40B4-BE49-F238E27FC236}">
-                <a16:creationId xmlns:a16="http://schemas.microsoft.com/office/drawing/2014/main" id="{BA352B75-F667-B940-AE22-BC91B0A0FDD1}"/>
-              </a:ext>
-            </a:extLst>
-          </p:cNvPr>
-          <p:cNvSpPr/>
-          <p:nvPr/>
-        </p:nvSpPr>
-        <p:spPr>
-          <a:xfrm>
-            <a:off x="981973" y="671379"/>
-            <a:ext cx="1543050" cy="1559560"/>
-          </a:xfrm>
-          <a:prstGeom prst="rect">
-            <a:avLst/>
-          </a:prstGeom>
-        </p:spPr>
-        <p:style>
-          <a:lnRef idx="2">
-            <a:schemeClr val="accent1">
-              <a:shade val="50000"/>
-            </a:schemeClr>
-          </a:lnRef>
-          <a:fillRef idx="1">
-            <a:schemeClr val="accent1"/>
-          </a:fillRef>
-          <a:effectRef idx="0">
-            <a:schemeClr val="accent1"/>
-          </a:effectRef>
-          <a:fontRef idx="minor">
-            <a:schemeClr val="lt1"/>
-          </a:fontRef>
-        </p:style>
-        <p:txBody>
-          <a:bodyPr rtlCol="0" anchor="ctr"/>
-          <a:lstStyle/>
-          <a:p>
-            <a:pPr algn="ctr"/>
-            <a:r>
-              <a:rPr lang="en-GB" dirty="0"/>
-              <a:t>Consumer</a:t>
-            </a:r>
-          </a:p>
-        </p:txBody>
-      </p:sp>
       <p:cxnSp>
         <p:nvCxnSpPr>
-          <p:cNvPr id="14" name="Straight Arrow Connector 13">
-            <a:extLst>
-              <a:ext uri="{FF2B5EF4-FFF2-40B4-BE49-F238E27FC236}">
-                <a16:creationId xmlns:a16="http://schemas.microsoft.com/office/drawing/2014/main" id="{4B43E974-66BA-0049-98F8-EB14DF95A56C}"/>
+          <p:cNvPr id="26" name="Straight Connector 25">
+            <a:extLst>
+              <a:ext uri="{FF2B5EF4-FFF2-40B4-BE49-F238E27FC236}">
+                <a16:creationId xmlns:a16="http://schemas.microsoft.com/office/drawing/2014/main" id="{B4E63344-BAA0-C448-BB6D-3BE0EC00AE19}"/>
               </a:ext>
             </a:extLst>
           </p:cNvPr>
@@ -11567,20 +15665,20 @@
         </p:nvCxnSpPr>
         <p:spPr>
           <a:xfrm>
-            <a:off x="6092416" y="3385017"/>
-            <a:ext cx="2247676" cy="0"/>
-          </a:xfrm>
-          <a:prstGeom prst="straightConnector1">
-            <a:avLst/>
-          </a:prstGeom>
-          <a:ln w="38100">
+            <a:off x="4670607" y="430306"/>
+            <a:ext cx="0" cy="6194612"/>
+          </a:xfrm>
+          <a:prstGeom prst="line">
+            <a:avLst/>
+          </a:prstGeom>
+          <a:ln>
             <a:solidFill>
               <a:schemeClr val="tx1">
                 <a:lumMod val="75000"/>
                 <a:lumOff val="25000"/>
               </a:schemeClr>
             </a:solidFill>
-            <a:tailEnd type="triangle"/>
+            <a:prstDash val="dash"/>
           </a:ln>
         </p:spPr>
         <p:style>
@@ -11600,10 +15698,10 @@
       </p:cxnSp>
       <p:cxnSp>
         <p:nvCxnSpPr>
-          <p:cNvPr id="17" name="Straight Arrow Connector 16">
-            <a:extLst>
-              <a:ext uri="{FF2B5EF4-FFF2-40B4-BE49-F238E27FC236}">
-                <a16:creationId xmlns:a16="http://schemas.microsoft.com/office/drawing/2014/main" id="{B588B670-9224-EF43-8A03-FB1D08885F64}"/>
+          <p:cNvPr id="37" name="Straight Connector 36">
+            <a:extLst>
+              <a:ext uri="{FF2B5EF4-FFF2-40B4-BE49-F238E27FC236}">
+                <a16:creationId xmlns:a16="http://schemas.microsoft.com/office/drawing/2014/main" id="{48F03F53-3104-2747-AD2E-DABC40F907E5}"/>
               </a:ext>
             </a:extLst>
           </p:cNvPr>
@@ -11614,13 +15712,782 @@
         </p:nvCxnSpPr>
         <p:spPr>
           <a:xfrm>
-            <a:off x="1753498" y="2822762"/>
-            <a:ext cx="4338918" cy="0"/>
-          </a:xfrm>
-          <a:prstGeom prst="straightConnector1">
-            <a:avLst/>
-          </a:prstGeom>
-          <a:ln w="38100">
+            <a:off x="8889245" y="430306"/>
+            <a:ext cx="0" cy="6194612"/>
+          </a:xfrm>
+          <a:prstGeom prst="line">
+            <a:avLst/>
+          </a:prstGeom>
+          <a:ln>
+            <a:solidFill>
+              <a:schemeClr val="tx1">
+                <a:lumMod val="75000"/>
+                <a:lumOff val="25000"/>
+              </a:schemeClr>
+            </a:solidFill>
+            <a:prstDash val="dash"/>
+          </a:ln>
+        </p:spPr>
+        <p:style>
+          <a:lnRef idx="1">
+            <a:schemeClr val="accent1"/>
+          </a:lnRef>
+          <a:fillRef idx="0">
+            <a:schemeClr val="accent1"/>
+          </a:fillRef>
+          <a:effectRef idx="0">
+            <a:schemeClr val="accent1"/>
+          </a:effectRef>
+          <a:fontRef idx="minor">
+            <a:schemeClr val="tx1"/>
+          </a:fontRef>
+        </p:style>
+      </p:cxnSp>
+      <p:sp>
+        <p:nvSpPr>
+          <p:cNvPr id="4" name="Rectangle 3">
+            <a:extLst>
+              <a:ext uri="{FF2B5EF4-FFF2-40B4-BE49-F238E27FC236}">
+                <a16:creationId xmlns:a16="http://schemas.microsoft.com/office/drawing/2014/main" id="{D7EED4F8-254C-6E49-8F0D-2FFD1334D45B}"/>
+              </a:ext>
+            </a:extLst>
+          </p:cNvPr>
+          <p:cNvSpPr/>
+          <p:nvPr/>
+        </p:nvSpPr>
+        <p:spPr>
+          <a:xfrm>
+            <a:off x="9044302" y="1337023"/>
+            <a:ext cx="1800000" cy="446314"/>
+          </a:xfrm>
+          <a:prstGeom prst="rect">
+            <a:avLst/>
+          </a:prstGeom>
+          <a:solidFill>
+            <a:schemeClr val="accent6">
+              <a:lumMod val="75000"/>
+            </a:schemeClr>
+          </a:solidFill>
+        </p:spPr>
+        <p:style>
+          <a:lnRef idx="2">
+            <a:schemeClr val="accent1">
+              <a:shade val="50000"/>
+            </a:schemeClr>
+          </a:lnRef>
+          <a:fillRef idx="1">
+            <a:schemeClr val="accent1"/>
+          </a:fillRef>
+          <a:effectRef idx="0">
+            <a:schemeClr val="accent1"/>
+          </a:effectRef>
+          <a:fontRef idx="minor">
+            <a:schemeClr val="lt1"/>
+          </a:fontRef>
+        </p:style>
+        <p:txBody>
+          <a:bodyPr rtlCol="0" anchor="ctr"/>
+          <a:lstStyle/>
+          <a:p>
+            <a:pPr algn="ctr"/>
+            <a:endParaRPr lang="en-GB"/>
+          </a:p>
+        </p:txBody>
+      </p:sp>
+      <p:sp>
+        <p:nvSpPr>
+          <p:cNvPr id="5" name="Rectangle 4">
+            <a:extLst>
+              <a:ext uri="{FF2B5EF4-FFF2-40B4-BE49-F238E27FC236}">
+                <a16:creationId xmlns:a16="http://schemas.microsoft.com/office/drawing/2014/main" id="{03698F7D-B159-804D-89CF-FDF6E9737634}"/>
+              </a:ext>
+            </a:extLst>
+          </p:cNvPr>
+          <p:cNvSpPr/>
+          <p:nvPr/>
+        </p:nvSpPr>
+        <p:spPr>
+          <a:xfrm>
+            <a:off x="4814039" y="2657954"/>
+            <a:ext cx="1800000" cy="446314"/>
+          </a:xfrm>
+          <a:prstGeom prst="rect">
+            <a:avLst/>
+          </a:prstGeom>
+          <a:solidFill>
+            <a:schemeClr val="accent5">
+              <a:lumMod val="75000"/>
+            </a:schemeClr>
+          </a:solidFill>
+        </p:spPr>
+        <p:style>
+          <a:lnRef idx="2">
+            <a:schemeClr val="accent1">
+              <a:shade val="50000"/>
+            </a:schemeClr>
+          </a:lnRef>
+          <a:fillRef idx="1">
+            <a:schemeClr val="accent1"/>
+          </a:fillRef>
+          <a:effectRef idx="0">
+            <a:schemeClr val="accent1"/>
+          </a:effectRef>
+          <a:fontRef idx="minor">
+            <a:schemeClr val="lt1"/>
+          </a:fontRef>
+        </p:style>
+        <p:txBody>
+          <a:bodyPr rtlCol="0" anchor="ctr"/>
+          <a:lstStyle/>
+          <a:p>
+            <a:pPr algn="ctr"/>
+            <a:endParaRPr lang="en-GB"/>
+          </a:p>
+        </p:txBody>
+      </p:sp>
+      <p:sp>
+        <p:nvSpPr>
+          <p:cNvPr id="6" name="Rectangle 5">
+            <a:extLst>
+              <a:ext uri="{FF2B5EF4-FFF2-40B4-BE49-F238E27FC236}">
+                <a16:creationId xmlns:a16="http://schemas.microsoft.com/office/drawing/2014/main" id="{59B9917D-3002-3541-8D0A-59761E90FCC6}"/>
+              </a:ext>
+            </a:extLst>
+          </p:cNvPr>
+          <p:cNvSpPr/>
+          <p:nvPr/>
+        </p:nvSpPr>
+        <p:spPr>
+          <a:xfrm>
+            <a:off x="6934187" y="2657954"/>
+            <a:ext cx="1800000" cy="446314"/>
+          </a:xfrm>
+          <a:prstGeom prst="rect">
+            <a:avLst/>
+          </a:prstGeom>
+          <a:solidFill>
+            <a:schemeClr val="accent6">
+              <a:lumMod val="75000"/>
+            </a:schemeClr>
+          </a:solidFill>
+        </p:spPr>
+        <p:style>
+          <a:lnRef idx="2">
+            <a:schemeClr val="accent1">
+              <a:shade val="50000"/>
+            </a:schemeClr>
+          </a:lnRef>
+          <a:fillRef idx="1">
+            <a:schemeClr val="accent1"/>
+          </a:fillRef>
+          <a:effectRef idx="0">
+            <a:schemeClr val="accent1"/>
+          </a:effectRef>
+          <a:fontRef idx="minor">
+            <a:schemeClr val="lt1"/>
+          </a:fontRef>
+        </p:style>
+        <p:txBody>
+          <a:bodyPr rtlCol="0" anchor="ctr"/>
+          <a:lstStyle/>
+          <a:p>
+            <a:pPr algn="ctr"/>
+            <a:endParaRPr lang="en-GB"/>
+          </a:p>
+        </p:txBody>
+      </p:sp>
+      <p:sp>
+        <p:nvSpPr>
+          <p:cNvPr id="10" name="TextBox 9">
+            <a:extLst>
+              <a:ext uri="{FF2B5EF4-FFF2-40B4-BE49-F238E27FC236}">
+                <a16:creationId xmlns:a16="http://schemas.microsoft.com/office/drawing/2014/main" id="{4F2C4C3C-84BE-C047-BEE2-AED410FC0E4F}"/>
+              </a:ext>
+            </a:extLst>
+          </p:cNvPr>
+          <p:cNvSpPr txBox="1"/>
+          <p:nvPr/>
+        </p:nvSpPr>
+        <p:spPr>
+          <a:xfrm>
+            <a:off x="6624072" y="2696445"/>
+            <a:ext cx="300082" cy="369332"/>
+          </a:xfrm>
+          <a:prstGeom prst="rect">
+            <a:avLst/>
+          </a:prstGeom>
+          <a:noFill/>
+        </p:spPr>
+        <p:txBody>
+          <a:bodyPr wrap="none" rtlCol="0">
+            <a:spAutoFit/>
+          </a:bodyPr>
+          <a:lstStyle/>
+          <a:p>
+            <a:r>
+              <a:rPr lang="en-GB" dirty="0"/>
+              <a:t>+</a:t>
+            </a:r>
+          </a:p>
+        </p:txBody>
+      </p:sp>
+      <p:sp>
+        <p:nvSpPr>
+          <p:cNvPr id="11" name="Rectangle 10">
+            <a:extLst>
+              <a:ext uri="{FF2B5EF4-FFF2-40B4-BE49-F238E27FC236}">
+                <a16:creationId xmlns:a16="http://schemas.microsoft.com/office/drawing/2014/main" id="{C98D8FEA-C354-5A46-8AA9-49CFCB51BD59}"/>
+              </a:ext>
+            </a:extLst>
+          </p:cNvPr>
+          <p:cNvSpPr/>
+          <p:nvPr/>
+        </p:nvSpPr>
+        <p:spPr>
+          <a:xfrm>
+            <a:off x="9054334" y="2657954"/>
+            <a:ext cx="1800000" cy="446314"/>
+          </a:xfrm>
+          <a:prstGeom prst="rect">
+            <a:avLst/>
+          </a:prstGeom>
+          <a:solidFill>
+            <a:schemeClr val="accent4">
+              <a:lumMod val="75000"/>
+            </a:schemeClr>
+          </a:solidFill>
+        </p:spPr>
+        <p:style>
+          <a:lnRef idx="2">
+            <a:schemeClr val="accent1">
+              <a:shade val="50000"/>
+            </a:schemeClr>
+          </a:lnRef>
+          <a:fillRef idx="1">
+            <a:schemeClr val="accent1"/>
+          </a:fillRef>
+          <a:effectRef idx="0">
+            <a:schemeClr val="accent1"/>
+          </a:effectRef>
+          <a:fontRef idx="minor">
+            <a:schemeClr val="lt1"/>
+          </a:fontRef>
+        </p:style>
+        <p:txBody>
+          <a:bodyPr rtlCol="0" anchor="ctr"/>
+          <a:lstStyle/>
+          <a:p>
+            <a:pPr algn="ctr"/>
+            <a:endParaRPr lang="en-GB"/>
+          </a:p>
+        </p:txBody>
+      </p:sp>
+      <p:sp>
+        <p:nvSpPr>
+          <p:cNvPr id="12" name="TextBox 11">
+            <a:extLst>
+              <a:ext uri="{FF2B5EF4-FFF2-40B4-BE49-F238E27FC236}">
+                <a16:creationId xmlns:a16="http://schemas.microsoft.com/office/drawing/2014/main" id="{896795EF-7BE9-6046-A32C-D39F3A70C4F9}"/>
+              </a:ext>
+            </a:extLst>
+          </p:cNvPr>
+          <p:cNvSpPr txBox="1"/>
+          <p:nvPr/>
+        </p:nvSpPr>
+        <p:spPr>
+          <a:xfrm>
+            <a:off x="8744220" y="2696445"/>
+            <a:ext cx="300082" cy="369332"/>
+          </a:xfrm>
+          <a:prstGeom prst="rect">
+            <a:avLst/>
+          </a:prstGeom>
+          <a:noFill/>
+        </p:spPr>
+        <p:txBody>
+          <a:bodyPr wrap="none" rtlCol="0">
+            <a:spAutoFit/>
+          </a:bodyPr>
+          <a:lstStyle/>
+          <a:p>
+            <a:r>
+              <a:rPr lang="en-GB" dirty="0"/>
+              <a:t>=</a:t>
+            </a:r>
+          </a:p>
+        </p:txBody>
+      </p:sp>
+      <p:sp>
+        <p:nvSpPr>
+          <p:cNvPr id="13" name="Rectangle 12">
+            <a:extLst>
+              <a:ext uri="{FF2B5EF4-FFF2-40B4-BE49-F238E27FC236}">
+                <a16:creationId xmlns:a16="http://schemas.microsoft.com/office/drawing/2014/main" id="{964CA0FD-CDFC-ED48-86E1-CD2FC04BB77C}"/>
+              </a:ext>
+            </a:extLst>
+          </p:cNvPr>
+          <p:cNvSpPr/>
+          <p:nvPr/>
+        </p:nvSpPr>
+        <p:spPr>
+          <a:xfrm>
+            <a:off x="4814039" y="3978885"/>
+            <a:ext cx="1800000" cy="446314"/>
+          </a:xfrm>
+          <a:prstGeom prst="rect">
+            <a:avLst/>
+          </a:prstGeom>
+          <a:solidFill>
+            <a:schemeClr val="accent3">
+              <a:lumMod val="75000"/>
+            </a:schemeClr>
+          </a:solidFill>
+        </p:spPr>
+        <p:style>
+          <a:lnRef idx="2">
+            <a:schemeClr val="accent1">
+              <a:shade val="50000"/>
+            </a:schemeClr>
+          </a:lnRef>
+          <a:fillRef idx="1">
+            <a:schemeClr val="accent1"/>
+          </a:fillRef>
+          <a:effectRef idx="0">
+            <a:schemeClr val="accent1"/>
+          </a:effectRef>
+          <a:fontRef idx="minor">
+            <a:schemeClr val="lt1"/>
+          </a:fontRef>
+        </p:style>
+        <p:txBody>
+          <a:bodyPr rtlCol="0" anchor="ctr"/>
+          <a:lstStyle/>
+          <a:p>
+            <a:pPr algn="ctr"/>
+            <a:endParaRPr lang="en-GB"/>
+          </a:p>
+        </p:txBody>
+      </p:sp>
+      <p:sp>
+        <p:nvSpPr>
+          <p:cNvPr id="14" name="Rectangle 13">
+            <a:extLst>
+              <a:ext uri="{FF2B5EF4-FFF2-40B4-BE49-F238E27FC236}">
+                <a16:creationId xmlns:a16="http://schemas.microsoft.com/office/drawing/2014/main" id="{3F2AB00D-ED15-9A40-BC11-9C7A4577A846}"/>
+              </a:ext>
+            </a:extLst>
+          </p:cNvPr>
+          <p:cNvSpPr/>
+          <p:nvPr/>
+        </p:nvSpPr>
+        <p:spPr>
+          <a:xfrm>
+            <a:off x="6934187" y="3978885"/>
+            <a:ext cx="1800000" cy="446314"/>
+          </a:xfrm>
+          <a:prstGeom prst="rect">
+            <a:avLst/>
+          </a:prstGeom>
+          <a:solidFill>
+            <a:schemeClr val="accent4">
+              <a:lumMod val="75000"/>
+            </a:schemeClr>
+          </a:solidFill>
+        </p:spPr>
+        <p:style>
+          <a:lnRef idx="2">
+            <a:schemeClr val="accent1">
+              <a:shade val="50000"/>
+            </a:schemeClr>
+          </a:lnRef>
+          <a:fillRef idx="1">
+            <a:schemeClr val="accent1"/>
+          </a:fillRef>
+          <a:effectRef idx="0">
+            <a:schemeClr val="accent1"/>
+          </a:effectRef>
+          <a:fontRef idx="minor">
+            <a:schemeClr val="lt1"/>
+          </a:fontRef>
+        </p:style>
+        <p:txBody>
+          <a:bodyPr rtlCol="0" anchor="ctr"/>
+          <a:lstStyle/>
+          <a:p>
+            <a:pPr algn="ctr"/>
+            <a:endParaRPr lang="en-GB"/>
+          </a:p>
+        </p:txBody>
+      </p:sp>
+      <p:sp>
+        <p:nvSpPr>
+          <p:cNvPr id="15" name="TextBox 14">
+            <a:extLst>
+              <a:ext uri="{FF2B5EF4-FFF2-40B4-BE49-F238E27FC236}">
+                <a16:creationId xmlns:a16="http://schemas.microsoft.com/office/drawing/2014/main" id="{4CC763C5-9376-2047-9FB9-494B70D3DB9D}"/>
+              </a:ext>
+            </a:extLst>
+          </p:cNvPr>
+          <p:cNvSpPr txBox="1"/>
+          <p:nvPr/>
+        </p:nvSpPr>
+        <p:spPr>
+          <a:xfrm>
+            <a:off x="6624072" y="4017376"/>
+            <a:ext cx="300082" cy="369332"/>
+          </a:xfrm>
+          <a:prstGeom prst="rect">
+            <a:avLst/>
+          </a:prstGeom>
+          <a:noFill/>
+        </p:spPr>
+        <p:txBody>
+          <a:bodyPr wrap="none" rtlCol="0">
+            <a:spAutoFit/>
+          </a:bodyPr>
+          <a:lstStyle/>
+          <a:p>
+            <a:r>
+              <a:rPr lang="en-GB" dirty="0"/>
+              <a:t>+</a:t>
+            </a:r>
+          </a:p>
+        </p:txBody>
+      </p:sp>
+      <p:sp>
+        <p:nvSpPr>
+          <p:cNvPr id="16" name="Rectangle 15">
+            <a:extLst>
+              <a:ext uri="{FF2B5EF4-FFF2-40B4-BE49-F238E27FC236}">
+                <a16:creationId xmlns:a16="http://schemas.microsoft.com/office/drawing/2014/main" id="{8412F3F9-2BE5-9A48-945A-A5A8B136F6FB}"/>
+              </a:ext>
+            </a:extLst>
+          </p:cNvPr>
+          <p:cNvSpPr/>
+          <p:nvPr/>
+        </p:nvSpPr>
+        <p:spPr>
+          <a:xfrm>
+            <a:off x="9054334" y="3978885"/>
+            <a:ext cx="1800000" cy="446314"/>
+          </a:xfrm>
+          <a:prstGeom prst="rect">
+            <a:avLst/>
+          </a:prstGeom>
+          <a:solidFill>
+            <a:schemeClr val="accent2">
+              <a:lumMod val="75000"/>
+            </a:schemeClr>
+          </a:solidFill>
+        </p:spPr>
+        <p:style>
+          <a:lnRef idx="2">
+            <a:schemeClr val="accent1">
+              <a:shade val="50000"/>
+            </a:schemeClr>
+          </a:lnRef>
+          <a:fillRef idx="1">
+            <a:schemeClr val="accent1"/>
+          </a:fillRef>
+          <a:effectRef idx="0">
+            <a:schemeClr val="accent1"/>
+          </a:effectRef>
+          <a:fontRef idx="minor">
+            <a:schemeClr val="lt1"/>
+          </a:fontRef>
+        </p:style>
+        <p:txBody>
+          <a:bodyPr rtlCol="0" anchor="ctr"/>
+          <a:lstStyle/>
+          <a:p>
+            <a:pPr algn="ctr"/>
+            <a:endParaRPr lang="en-GB"/>
+          </a:p>
+        </p:txBody>
+      </p:sp>
+      <p:sp>
+        <p:nvSpPr>
+          <p:cNvPr id="17" name="TextBox 16">
+            <a:extLst>
+              <a:ext uri="{FF2B5EF4-FFF2-40B4-BE49-F238E27FC236}">
+                <a16:creationId xmlns:a16="http://schemas.microsoft.com/office/drawing/2014/main" id="{940871FA-A434-344C-AF9A-90A75A50E19A}"/>
+              </a:ext>
+            </a:extLst>
+          </p:cNvPr>
+          <p:cNvSpPr txBox="1"/>
+          <p:nvPr/>
+        </p:nvSpPr>
+        <p:spPr>
+          <a:xfrm>
+            <a:off x="8744220" y="4017376"/>
+            <a:ext cx="300082" cy="369332"/>
+          </a:xfrm>
+          <a:prstGeom prst="rect">
+            <a:avLst/>
+          </a:prstGeom>
+          <a:noFill/>
+        </p:spPr>
+        <p:txBody>
+          <a:bodyPr wrap="none" rtlCol="0">
+            <a:spAutoFit/>
+          </a:bodyPr>
+          <a:lstStyle/>
+          <a:p>
+            <a:r>
+              <a:rPr lang="en-GB" dirty="0"/>
+              <a:t>=</a:t>
+            </a:r>
+          </a:p>
+        </p:txBody>
+      </p:sp>
+      <p:sp>
+        <p:nvSpPr>
+          <p:cNvPr id="21" name="Rectangle 20">
+            <a:extLst>
+              <a:ext uri="{FF2B5EF4-FFF2-40B4-BE49-F238E27FC236}">
+                <a16:creationId xmlns:a16="http://schemas.microsoft.com/office/drawing/2014/main" id="{6D5A33C1-30E3-CA47-85F0-E265AD6EB1B5}"/>
+              </a:ext>
+            </a:extLst>
+          </p:cNvPr>
+          <p:cNvSpPr/>
+          <p:nvPr/>
+        </p:nvSpPr>
+        <p:spPr>
+          <a:xfrm>
+            <a:off x="4814039" y="5299816"/>
+            <a:ext cx="1800000" cy="446314"/>
+          </a:xfrm>
+          <a:prstGeom prst="rect">
+            <a:avLst/>
+          </a:prstGeom>
+          <a:solidFill>
+            <a:schemeClr val="accent1">
+              <a:lumMod val="75000"/>
+            </a:schemeClr>
+          </a:solidFill>
+        </p:spPr>
+        <p:style>
+          <a:lnRef idx="2">
+            <a:schemeClr val="accent1">
+              <a:shade val="50000"/>
+            </a:schemeClr>
+          </a:lnRef>
+          <a:fillRef idx="1">
+            <a:schemeClr val="accent1"/>
+          </a:fillRef>
+          <a:effectRef idx="0">
+            <a:schemeClr val="accent1"/>
+          </a:effectRef>
+          <a:fontRef idx="minor">
+            <a:schemeClr val="lt1"/>
+          </a:fontRef>
+        </p:style>
+        <p:txBody>
+          <a:bodyPr rtlCol="0" anchor="ctr"/>
+          <a:lstStyle/>
+          <a:p>
+            <a:pPr algn="ctr"/>
+            <a:endParaRPr lang="en-GB"/>
+          </a:p>
+        </p:txBody>
+      </p:sp>
+      <p:sp>
+        <p:nvSpPr>
+          <p:cNvPr id="22" name="Rectangle 21">
+            <a:extLst>
+              <a:ext uri="{FF2B5EF4-FFF2-40B4-BE49-F238E27FC236}">
+                <a16:creationId xmlns:a16="http://schemas.microsoft.com/office/drawing/2014/main" id="{8CC83B01-F587-E148-8EF5-2C3FEC47E1CE}"/>
+              </a:ext>
+            </a:extLst>
+          </p:cNvPr>
+          <p:cNvSpPr/>
+          <p:nvPr/>
+        </p:nvSpPr>
+        <p:spPr>
+          <a:xfrm>
+            <a:off x="6934187" y="5299816"/>
+            <a:ext cx="1800000" cy="446314"/>
+          </a:xfrm>
+          <a:prstGeom prst="rect">
+            <a:avLst/>
+          </a:prstGeom>
+          <a:solidFill>
+            <a:schemeClr val="accent2">
+              <a:lumMod val="75000"/>
+            </a:schemeClr>
+          </a:solidFill>
+        </p:spPr>
+        <p:style>
+          <a:lnRef idx="2">
+            <a:schemeClr val="accent1">
+              <a:shade val="50000"/>
+            </a:schemeClr>
+          </a:lnRef>
+          <a:fillRef idx="1">
+            <a:schemeClr val="accent1"/>
+          </a:fillRef>
+          <a:effectRef idx="0">
+            <a:schemeClr val="accent1"/>
+          </a:effectRef>
+          <a:fontRef idx="minor">
+            <a:schemeClr val="lt1"/>
+          </a:fontRef>
+        </p:style>
+        <p:txBody>
+          <a:bodyPr rtlCol="0" anchor="ctr"/>
+          <a:lstStyle/>
+          <a:p>
+            <a:pPr algn="ctr"/>
+            <a:endParaRPr lang="en-GB"/>
+          </a:p>
+        </p:txBody>
+      </p:sp>
+      <p:sp>
+        <p:nvSpPr>
+          <p:cNvPr id="23" name="TextBox 22">
+            <a:extLst>
+              <a:ext uri="{FF2B5EF4-FFF2-40B4-BE49-F238E27FC236}">
+                <a16:creationId xmlns:a16="http://schemas.microsoft.com/office/drawing/2014/main" id="{B9B33217-19D7-7B45-A42F-5BFB567FCE13}"/>
+              </a:ext>
+            </a:extLst>
+          </p:cNvPr>
+          <p:cNvSpPr txBox="1"/>
+          <p:nvPr/>
+        </p:nvSpPr>
+        <p:spPr>
+          <a:xfrm>
+            <a:off x="6624072" y="5338307"/>
+            <a:ext cx="300082" cy="369332"/>
+          </a:xfrm>
+          <a:prstGeom prst="rect">
+            <a:avLst/>
+          </a:prstGeom>
+          <a:noFill/>
+        </p:spPr>
+        <p:txBody>
+          <a:bodyPr wrap="none" rtlCol="0">
+            <a:spAutoFit/>
+          </a:bodyPr>
+          <a:lstStyle/>
+          <a:p>
+            <a:r>
+              <a:rPr lang="en-GB" dirty="0"/>
+              <a:t>+</a:t>
+            </a:r>
+          </a:p>
+        </p:txBody>
+      </p:sp>
+      <p:sp>
+        <p:nvSpPr>
+          <p:cNvPr id="24" name="Rectangle 23">
+            <a:extLst>
+              <a:ext uri="{FF2B5EF4-FFF2-40B4-BE49-F238E27FC236}">
+                <a16:creationId xmlns:a16="http://schemas.microsoft.com/office/drawing/2014/main" id="{CFBE67C0-F650-E246-826B-95DE02F3C412}"/>
+              </a:ext>
+            </a:extLst>
+          </p:cNvPr>
+          <p:cNvSpPr/>
+          <p:nvPr/>
+        </p:nvSpPr>
+        <p:spPr>
+          <a:xfrm>
+            <a:off x="9054334" y="5299816"/>
+            <a:ext cx="1800000" cy="446314"/>
+          </a:xfrm>
+          <a:prstGeom prst="rect">
+            <a:avLst/>
+          </a:prstGeom>
+          <a:solidFill>
+            <a:schemeClr val="tx2">
+              <a:lumMod val="75000"/>
+            </a:schemeClr>
+          </a:solidFill>
+        </p:spPr>
+        <p:style>
+          <a:lnRef idx="2">
+            <a:schemeClr val="accent1">
+              <a:shade val="50000"/>
+            </a:schemeClr>
+          </a:lnRef>
+          <a:fillRef idx="1">
+            <a:schemeClr val="accent1"/>
+          </a:fillRef>
+          <a:effectRef idx="0">
+            <a:schemeClr val="accent1"/>
+          </a:effectRef>
+          <a:fontRef idx="minor">
+            <a:schemeClr val="lt1"/>
+          </a:fontRef>
+        </p:style>
+        <p:txBody>
+          <a:bodyPr rtlCol="0" anchor="ctr"/>
+          <a:lstStyle/>
+          <a:p>
+            <a:pPr algn="ctr"/>
+            <a:endParaRPr lang="en-GB"/>
+          </a:p>
+        </p:txBody>
+      </p:sp>
+      <p:sp>
+        <p:nvSpPr>
+          <p:cNvPr id="25" name="TextBox 24">
+            <a:extLst>
+              <a:ext uri="{FF2B5EF4-FFF2-40B4-BE49-F238E27FC236}">
+                <a16:creationId xmlns:a16="http://schemas.microsoft.com/office/drawing/2014/main" id="{3A71BCAB-6D88-464A-A1D7-C59E9891A6C1}"/>
+              </a:ext>
+            </a:extLst>
+          </p:cNvPr>
+          <p:cNvSpPr txBox="1"/>
+          <p:nvPr/>
+        </p:nvSpPr>
+        <p:spPr>
+          <a:xfrm>
+            <a:off x="8744220" y="5338307"/>
+            <a:ext cx="300082" cy="369332"/>
+          </a:xfrm>
+          <a:prstGeom prst="rect">
+            <a:avLst/>
+          </a:prstGeom>
+          <a:noFill/>
+        </p:spPr>
+        <p:txBody>
+          <a:bodyPr wrap="none" rtlCol="0">
+            <a:spAutoFit/>
+          </a:bodyPr>
+          <a:lstStyle/>
+          <a:p>
+            <a:r>
+              <a:rPr lang="en-GB" dirty="0"/>
+              <a:t>=</a:t>
+            </a:r>
+          </a:p>
+        </p:txBody>
+      </p:sp>
+      <p:cxnSp>
+        <p:nvCxnSpPr>
+          <p:cNvPr id="27" name="Curved Connector 26">
+            <a:extLst>
+              <a:ext uri="{FF2B5EF4-FFF2-40B4-BE49-F238E27FC236}">
+                <a16:creationId xmlns:a16="http://schemas.microsoft.com/office/drawing/2014/main" id="{3E1BDEFE-6D43-6046-8E21-86D111D32E85}"/>
+              </a:ext>
+            </a:extLst>
+          </p:cNvPr>
+          <p:cNvCxnSpPr>
+            <a:cxnSpLocks/>
+            <a:stCxn id="11" idx="2"/>
+            <a:endCxn id="14" idx="0"/>
+          </p:cNvCxnSpPr>
+          <p:nvPr/>
+        </p:nvCxnSpPr>
+        <p:spPr>
+          <a:xfrm rot="5400000">
+            <a:off x="8456953" y="2481503"/>
+            <a:ext cx="874617" cy="2120147"/>
+          </a:xfrm>
+          <a:prstGeom prst="curvedConnector3">
+            <a:avLst/>
+          </a:prstGeom>
+          <a:ln w="12700">
             <a:solidFill>
               <a:schemeClr val="tx1">
                 <a:lumMod val="75000"/>
@@ -11647,35 +16514,38 @@
       </p:cxnSp>
       <p:cxnSp>
         <p:nvCxnSpPr>
-          <p:cNvPr id="20" name="Straight Arrow Connector 19">
-            <a:extLst>
-              <a:ext uri="{FF2B5EF4-FFF2-40B4-BE49-F238E27FC236}">
-                <a16:creationId xmlns:a16="http://schemas.microsoft.com/office/drawing/2014/main" id="{D2704C89-B40A-B645-81DE-1273B01F5CB0}"/>
+          <p:cNvPr id="28" name="Curved Connector 27">
+            <a:extLst>
+              <a:ext uri="{FF2B5EF4-FFF2-40B4-BE49-F238E27FC236}">
+                <a16:creationId xmlns:a16="http://schemas.microsoft.com/office/drawing/2014/main" id="{F74B0729-A913-9243-9C97-B72FA176B78E}"/>
               </a:ext>
             </a:extLst>
           </p:cNvPr>
           <p:cNvCxnSpPr>
             <a:cxnSpLocks/>
+            <a:stCxn id="16" idx="2"/>
+            <a:endCxn id="22" idx="0"/>
           </p:cNvCxnSpPr>
           <p:nvPr/>
         </p:nvCxnSpPr>
         <p:spPr>
-          <a:xfrm flipV="1">
-            <a:off x="6092416" y="4509527"/>
-            <a:ext cx="2247676" cy="10086"/>
-          </a:xfrm>
-          <a:prstGeom prst="straightConnector1">
-            <a:avLst/>
-          </a:prstGeom>
-          <a:ln w="38100">
+          <a:xfrm rot="5400000">
+            <a:off x="8456953" y="3802434"/>
+            <a:ext cx="874617" cy="2120147"/>
+          </a:xfrm>
+          <a:prstGeom prst="curvedConnector3">
+            <a:avLst>
+              <a:gd name="adj1" fmla="val 50000"/>
+            </a:avLst>
+          </a:prstGeom>
+          <a:ln w="12700">
             <a:solidFill>
               <a:schemeClr val="tx1">
                 <a:lumMod val="75000"/>
                 <a:lumOff val="25000"/>
               </a:schemeClr>
             </a:solidFill>
-            <a:headEnd type="triangle" w="med" len="med"/>
-            <a:tailEnd type="none" w="med" len="med"/>
+            <a:tailEnd type="triangle"/>
           </a:ln>
         </p:spPr>
         <p:style>
@@ -11693,37 +16563,345 @@
           </a:fontRef>
         </p:style>
       </p:cxnSp>
-      <p:cxnSp>
-        <p:nvCxnSpPr>
-          <p:cNvPr id="21" name="Straight Arrow Connector 20">
-            <a:extLst>
-              <a:ext uri="{FF2B5EF4-FFF2-40B4-BE49-F238E27FC236}">
-                <a16:creationId xmlns:a16="http://schemas.microsoft.com/office/drawing/2014/main" id="{AFA9AEDD-747A-B24B-9BDF-6D31D299F265}"/>
-              </a:ext>
-            </a:extLst>
-          </p:cNvPr>
-          <p:cNvCxnSpPr>
-            <a:cxnSpLocks/>
-          </p:cNvCxnSpPr>
-          <p:nvPr/>
-        </p:nvCxnSpPr>
-        <p:spPr>
-          <a:xfrm>
-            <a:off x="1753498" y="5081868"/>
-            <a:ext cx="4338918" cy="0"/>
-          </a:xfrm>
-          <a:prstGeom prst="straightConnector1">
-            <a:avLst/>
-          </a:prstGeom>
-          <a:ln w="38100">
+      <p:sp>
+        <p:nvSpPr>
+          <p:cNvPr id="33" name="Rectangle 32">
+            <a:extLst>
+              <a:ext uri="{FF2B5EF4-FFF2-40B4-BE49-F238E27FC236}">
+                <a16:creationId xmlns:a16="http://schemas.microsoft.com/office/drawing/2014/main" id="{CA9CBFC7-0177-0A44-80B9-5329E708FB8A}"/>
+              </a:ext>
+            </a:extLst>
+          </p:cNvPr>
+          <p:cNvSpPr/>
+          <p:nvPr/>
+        </p:nvSpPr>
+        <p:spPr>
+          <a:xfrm>
+            <a:off x="344443" y="1337023"/>
+            <a:ext cx="4191936" cy="446314"/>
+          </a:xfrm>
+          <a:prstGeom prst="rect">
+            <a:avLst/>
+          </a:prstGeom>
+          <a:solidFill>
+            <a:schemeClr val="accent6">
+              <a:lumMod val="75000"/>
+            </a:schemeClr>
+          </a:solidFill>
+          <a:ln>
             <a:solidFill>
               <a:schemeClr val="tx1">
                 <a:lumMod val="75000"/>
                 <a:lumOff val="25000"/>
               </a:schemeClr>
             </a:solidFill>
-            <a:headEnd type="triangle" w="med" len="med"/>
-            <a:tailEnd type="none" w="med" len="med"/>
+          </a:ln>
+        </p:spPr>
+        <p:style>
+          <a:lnRef idx="2">
+            <a:schemeClr val="accent1">
+              <a:shade val="50000"/>
+            </a:schemeClr>
+          </a:lnRef>
+          <a:fillRef idx="1">
+            <a:schemeClr val="accent1"/>
+          </a:fillRef>
+          <a:effectRef idx="0">
+            <a:schemeClr val="accent1"/>
+          </a:effectRef>
+          <a:fontRef idx="minor">
+            <a:schemeClr val="lt1"/>
+          </a:fontRef>
+        </p:style>
+        <p:txBody>
+          <a:bodyPr rtlCol="0" anchor="ctr"/>
+          <a:lstStyle/>
+          <a:p>
+            <a:r>
+              <a:rPr lang="en-GB" sz="1100" b="1" dirty="0">
+                <a:solidFill>
+                  <a:schemeClr val="bg1"/>
+                </a:solidFill>
+                <a:latin typeface="Courier New" panose="02070309020205020404" pitchFamily="49" charset="0"/>
+                <a:cs typeface="Courier New" panose="02070309020205020404" pitchFamily="49" charset="0"/>
+              </a:rPr>
+              <a:t>FROM</a:t>
+            </a:r>
+            <a:r>
+              <a:rPr lang="en-GB" sz="1100" dirty="0">
+                <a:solidFill>
+                  <a:schemeClr val="bg1"/>
+                </a:solidFill>
+                <a:latin typeface="Courier New" panose="02070309020205020404" pitchFamily="49" charset="0"/>
+                <a:cs typeface="Courier New" panose="02070309020205020404" pitchFamily="49" charset="0"/>
+              </a:rPr>
+              <a:t> adoptopenjdk/openjdk14:jre-14.0.1_7-alpine</a:t>
+            </a:r>
+          </a:p>
+        </p:txBody>
+      </p:sp>
+      <p:sp>
+        <p:nvSpPr>
+          <p:cNvPr id="34" name="Rectangle 33">
+            <a:extLst>
+              <a:ext uri="{FF2B5EF4-FFF2-40B4-BE49-F238E27FC236}">
+                <a16:creationId xmlns:a16="http://schemas.microsoft.com/office/drawing/2014/main" id="{9E1AB184-AA86-7647-A1C7-2C4C641AFDBA}"/>
+              </a:ext>
+            </a:extLst>
+          </p:cNvPr>
+          <p:cNvSpPr/>
+          <p:nvPr/>
+        </p:nvSpPr>
+        <p:spPr>
+          <a:xfrm>
+            <a:off x="344443" y="2657954"/>
+            <a:ext cx="4191936" cy="446314"/>
+          </a:xfrm>
+          <a:prstGeom prst="rect">
+            <a:avLst/>
+          </a:prstGeom>
+          <a:solidFill>
+            <a:schemeClr val="accent5">
+              <a:lumMod val="75000"/>
+            </a:schemeClr>
+          </a:solidFill>
+          <a:ln>
+            <a:solidFill>
+              <a:schemeClr val="tx1">
+                <a:lumMod val="75000"/>
+                <a:lumOff val="25000"/>
+              </a:schemeClr>
+            </a:solidFill>
+          </a:ln>
+        </p:spPr>
+        <p:style>
+          <a:lnRef idx="2">
+            <a:schemeClr val="accent1">
+              <a:shade val="50000"/>
+            </a:schemeClr>
+          </a:lnRef>
+          <a:fillRef idx="1">
+            <a:schemeClr val="accent1"/>
+          </a:fillRef>
+          <a:effectRef idx="0">
+            <a:schemeClr val="accent1"/>
+          </a:effectRef>
+          <a:fontRef idx="minor">
+            <a:schemeClr val="lt1"/>
+          </a:fontRef>
+        </p:style>
+        <p:txBody>
+          <a:bodyPr rtlCol="0" anchor="ctr"/>
+          <a:lstStyle/>
+          <a:p>
+            <a:r>
+              <a:rPr lang="en-GB" sz="1100" b="1" dirty="0">
+                <a:solidFill>
+                  <a:schemeClr val="bg1"/>
+                </a:solidFill>
+                <a:latin typeface="Courier New" panose="02070309020205020404" pitchFamily="49" charset="0"/>
+                <a:cs typeface="Courier New" panose="02070309020205020404" pitchFamily="49" charset="0"/>
+              </a:rPr>
+              <a:t>WORKDIR</a:t>
+            </a:r>
+            <a:r>
+              <a:rPr lang="en-GB" sz="1100" dirty="0">
+                <a:solidFill>
+                  <a:schemeClr val="bg1"/>
+                </a:solidFill>
+                <a:latin typeface="Courier New" panose="02070309020205020404" pitchFamily="49" charset="0"/>
+                <a:cs typeface="Courier New" panose="02070309020205020404" pitchFamily="49" charset="0"/>
+              </a:rPr>
+              <a:t> /opt/app</a:t>
+            </a:r>
+          </a:p>
+        </p:txBody>
+      </p:sp>
+      <p:sp>
+        <p:nvSpPr>
+          <p:cNvPr id="35" name="Rectangle 34">
+            <a:extLst>
+              <a:ext uri="{FF2B5EF4-FFF2-40B4-BE49-F238E27FC236}">
+                <a16:creationId xmlns:a16="http://schemas.microsoft.com/office/drawing/2014/main" id="{91F41E0D-452E-5141-A83B-002B2536543C}"/>
+              </a:ext>
+            </a:extLst>
+          </p:cNvPr>
+          <p:cNvSpPr/>
+          <p:nvPr/>
+        </p:nvSpPr>
+        <p:spPr>
+          <a:xfrm>
+            <a:off x="344443" y="3978812"/>
+            <a:ext cx="4191936" cy="446314"/>
+          </a:xfrm>
+          <a:prstGeom prst="rect">
+            <a:avLst/>
+          </a:prstGeom>
+          <a:solidFill>
+            <a:schemeClr val="accent3">
+              <a:lumMod val="75000"/>
+            </a:schemeClr>
+          </a:solidFill>
+          <a:ln>
+            <a:solidFill>
+              <a:schemeClr val="tx1">
+                <a:lumMod val="75000"/>
+                <a:lumOff val="25000"/>
+              </a:schemeClr>
+            </a:solidFill>
+          </a:ln>
+        </p:spPr>
+        <p:style>
+          <a:lnRef idx="2">
+            <a:schemeClr val="accent1">
+              <a:shade val="50000"/>
+            </a:schemeClr>
+          </a:lnRef>
+          <a:fillRef idx="1">
+            <a:schemeClr val="accent1"/>
+          </a:fillRef>
+          <a:effectRef idx="0">
+            <a:schemeClr val="accent1"/>
+          </a:effectRef>
+          <a:fontRef idx="minor">
+            <a:schemeClr val="lt1"/>
+          </a:fontRef>
+        </p:style>
+        <p:txBody>
+          <a:bodyPr rtlCol="0" anchor="ctr"/>
+          <a:lstStyle/>
+          <a:p>
+            <a:r>
+              <a:rPr lang="en-GB" sz="1100" b="1" dirty="0">
+                <a:solidFill>
+                  <a:schemeClr val="bg1"/>
+                </a:solidFill>
+                <a:latin typeface="Courier New" panose="02070309020205020404" pitchFamily="49" charset="0"/>
+                <a:cs typeface="Courier New" panose="02070309020205020404" pitchFamily="49" charset="0"/>
+              </a:rPr>
+              <a:t>ADD</a:t>
+            </a:r>
+            <a:r>
+              <a:rPr lang="en-GB" sz="1100" dirty="0">
+                <a:solidFill>
+                  <a:schemeClr val="bg1"/>
+                </a:solidFill>
+                <a:latin typeface="Courier New" panose="02070309020205020404" pitchFamily="49" charset="0"/>
+                <a:cs typeface="Courier New" panose="02070309020205020404" pitchFamily="49" charset="0"/>
+              </a:rPr>
+              <a:t> ./build/libs/*.jar ./application.jar</a:t>
+            </a:r>
+          </a:p>
+        </p:txBody>
+      </p:sp>
+      <p:sp>
+        <p:nvSpPr>
+          <p:cNvPr id="36" name="Rectangle 35">
+            <a:extLst>
+              <a:ext uri="{FF2B5EF4-FFF2-40B4-BE49-F238E27FC236}">
+                <a16:creationId xmlns:a16="http://schemas.microsoft.com/office/drawing/2014/main" id="{D452236F-ADA6-1A4C-A0B9-B05412FBD8BF}"/>
+              </a:ext>
+            </a:extLst>
+          </p:cNvPr>
+          <p:cNvSpPr/>
+          <p:nvPr/>
+        </p:nvSpPr>
+        <p:spPr>
+          <a:xfrm>
+            <a:off x="344443" y="5299816"/>
+            <a:ext cx="4191936" cy="446314"/>
+          </a:xfrm>
+          <a:prstGeom prst="rect">
+            <a:avLst/>
+          </a:prstGeom>
+          <a:solidFill>
+            <a:schemeClr val="accent1">
+              <a:lumMod val="75000"/>
+            </a:schemeClr>
+          </a:solidFill>
+          <a:ln>
+            <a:solidFill>
+              <a:schemeClr val="tx1">
+                <a:lumMod val="75000"/>
+                <a:lumOff val="25000"/>
+              </a:schemeClr>
+            </a:solidFill>
+          </a:ln>
+        </p:spPr>
+        <p:style>
+          <a:lnRef idx="2">
+            <a:schemeClr val="accent1">
+              <a:shade val="50000"/>
+            </a:schemeClr>
+          </a:lnRef>
+          <a:fillRef idx="1">
+            <a:schemeClr val="accent1"/>
+          </a:fillRef>
+          <a:effectRef idx="0">
+            <a:schemeClr val="accent1"/>
+          </a:effectRef>
+          <a:fontRef idx="minor">
+            <a:schemeClr val="lt1"/>
+          </a:fontRef>
+        </p:style>
+        <p:txBody>
+          <a:bodyPr rtlCol="0" anchor="ctr"/>
+          <a:lstStyle/>
+          <a:p>
+            <a:r>
+              <a:rPr lang="en-GB" sz="1100" b="1" dirty="0">
+                <a:solidFill>
+                  <a:schemeClr val="bg1"/>
+                </a:solidFill>
+                <a:latin typeface="Courier New" panose="02070309020205020404" pitchFamily="49" charset="0"/>
+                <a:cs typeface="Courier New" panose="02070309020205020404" pitchFamily="49" charset="0"/>
+              </a:rPr>
+              <a:t>CMD</a:t>
+            </a:r>
+            <a:r>
+              <a:rPr lang="en-GB" sz="1100" dirty="0">
+                <a:solidFill>
+                  <a:schemeClr val="bg1"/>
+                </a:solidFill>
+                <a:latin typeface="Courier New" panose="02070309020205020404" pitchFamily="49" charset="0"/>
+                <a:cs typeface="Courier New" panose="02070309020205020404" pitchFamily="49" charset="0"/>
+              </a:rPr>
+              <a:t> ["java", "-jar", "application.jar"]</a:t>
+            </a:r>
+          </a:p>
+        </p:txBody>
+      </p:sp>
+      <p:cxnSp>
+        <p:nvCxnSpPr>
+          <p:cNvPr id="3" name="Curved Connector 2">
+            <a:extLst>
+              <a:ext uri="{FF2B5EF4-FFF2-40B4-BE49-F238E27FC236}">
+                <a16:creationId xmlns:a16="http://schemas.microsoft.com/office/drawing/2014/main" id="{B7DFD106-892D-6546-8A52-62AE1B69FCD4}"/>
+              </a:ext>
+            </a:extLst>
+          </p:cNvPr>
+          <p:cNvCxnSpPr>
+            <a:stCxn id="4" idx="2"/>
+            <a:endCxn id="6" idx="0"/>
+          </p:cNvCxnSpPr>
+          <p:nvPr/>
+        </p:nvCxnSpPr>
+        <p:spPr>
+          <a:xfrm rot="5400000">
+            <a:off x="8451937" y="1165588"/>
+            <a:ext cx="874617" cy="2110115"/>
+          </a:xfrm>
+          <a:prstGeom prst="curvedConnector3">
+            <a:avLst/>
+          </a:prstGeom>
+          <a:ln w="12700">
+            <a:solidFill>
+              <a:schemeClr val="tx1">
+                <a:lumMod val="75000"/>
+                <a:lumOff val="25000"/>
+              </a:schemeClr>
+            </a:solidFill>
+            <a:tailEnd type="triangle"/>
           </a:ln>
         </p:spPr>
         <p:style>
@@ -11741,26 +16919,129 @@
           </a:fontRef>
         </p:style>
       </p:cxnSp>
-      <p:cxnSp>
-        <p:nvCxnSpPr>
-          <p:cNvPr id="25" name="Straight Connector 24">
-            <a:extLst>
-              <a:ext uri="{FF2B5EF4-FFF2-40B4-BE49-F238E27FC236}">
-                <a16:creationId xmlns:a16="http://schemas.microsoft.com/office/drawing/2014/main" id="{636C1109-C8EA-F145-95E4-33419C383409}"/>
-              </a:ext>
-            </a:extLst>
-          </p:cNvPr>
-          <p:cNvCxnSpPr>
-            <a:stCxn id="7" idx="2"/>
-          </p:cNvCxnSpPr>
-          <p:nvPr/>
-        </p:nvCxnSpPr>
-        <p:spPr>
-          <a:xfrm>
-            <a:off x="1753498" y="2230939"/>
-            <a:ext cx="0" cy="4376049"/>
-          </a:xfrm>
-          <a:prstGeom prst="line">
+      <p:sp>
+        <p:nvSpPr>
+          <p:cNvPr id="18" name="TextBox 17">
+            <a:extLst>
+              <a:ext uri="{FF2B5EF4-FFF2-40B4-BE49-F238E27FC236}">
+                <a16:creationId xmlns:a16="http://schemas.microsoft.com/office/drawing/2014/main" id="{6819A2CD-CF32-064F-8CD3-52B20C0A30CE}"/>
+              </a:ext>
+            </a:extLst>
+          </p:cNvPr>
+          <p:cNvSpPr txBox="1"/>
+          <p:nvPr/>
+        </p:nvSpPr>
+        <p:spPr>
+          <a:xfrm>
+            <a:off x="1736341" y="531329"/>
+            <a:ext cx="1860381" cy="369332"/>
+          </a:xfrm>
+          <a:prstGeom prst="rect">
+            <a:avLst/>
+          </a:prstGeom>
+          <a:noFill/>
+        </p:spPr>
+        <p:txBody>
+          <a:bodyPr wrap="none" rtlCol="0">
+            <a:spAutoFit/>
+          </a:bodyPr>
+          <a:lstStyle/>
+          <a:p>
+            <a:r>
+              <a:rPr lang="en-GB" dirty="0"/>
+              <a:t>Docker Command</a:t>
+            </a:r>
+          </a:p>
+        </p:txBody>
+      </p:sp>
+      <p:sp>
+        <p:nvSpPr>
+          <p:cNvPr id="19" name="TextBox 18">
+            <a:extLst>
+              <a:ext uri="{FF2B5EF4-FFF2-40B4-BE49-F238E27FC236}">
+                <a16:creationId xmlns:a16="http://schemas.microsoft.com/office/drawing/2014/main" id="{67E11339-3DCF-E640-A3BE-8F9F108CD95B}"/>
+              </a:ext>
+            </a:extLst>
+          </p:cNvPr>
+          <p:cNvSpPr txBox="1"/>
+          <p:nvPr/>
+        </p:nvSpPr>
+        <p:spPr>
+          <a:xfrm>
+            <a:off x="9601451" y="531329"/>
+            <a:ext cx="685701" cy="369332"/>
+          </a:xfrm>
+          <a:prstGeom prst="rect">
+            <a:avLst/>
+          </a:prstGeom>
+          <a:noFill/>
+        </p:spPr>
+        <p:txBody>
+          <a:bodyPr wrap="none" rtlCol="0">
+            <a:spAutoFit/>
+          </a:bodyPr>
+          <a:lstStyle/>
+          <a:p>
+            <a:r>
+              <a:rPr lang="en-GB" dirty="0"/>
+              <a:t>Layer</a:t>
+            </a:r>
+          </a:p>
+        </p:txBody>
+      </p:sp>
+      <p:sp>
+        <p:nvSpPr>
+          <p:cNvPr id="31" name="TextBox 30">
+            <a:extLst>
+              <a:ext uri="{FF2B5EF4-FFF2-40B4-BE49-F238E27FC236}">
+                <a16:creationId xmlns:a16="http://schemas.microsoft.com/office/drawing/2014/main" id="{EE6E8899-6461-B240-8176-A4BF1FB94EE1}"/>
+              </a:ext>
+            </a:extLst>
+          </p:cNvPr>
+          <p:cNvSpPr txBox="1"/>
+          <p:nvPr/>
+        </p:nvSpPr>
+        <p:spPr>
+          <a:xfrm>
+            <a:off x="5384982" y="531329"/>
+            <a:ext cx="2778261" cy="369332"/>
+          </a:xfrm>
+          <a:prstGeom prst="rect">
+            <a:avLst/>
+          </a:prstGeom>
+          <a:noFill/>
+        </p:spPr>
+        <p:txBody>
+          <a:bodyPr wrap="none" rtlCol="0">
+            <a:spAutoFit/>
+          </a:bodyPr>
+          <a:lstStyle/>
+          <a:p>
+            <a:r>
+              <a:rPr lang="en-GB" dirty="0"/>
+              <a:t>Builds on the previous layer</a:t>
+            </a:r>
+          </a:p>
+        </p:txBody>
+      </p:sp>
+      <p:sp>
+        <p:nvSpPr>
+          <p:cNvPr id="29" name="Left Brace 28">
+            <a:extLst>
+              <a:ext uri="{FF2B5EF4-FFF2-40B4-BE49-F238E27FC236}">
+                <a16:creationId xmlns:a16="http://schemas.microsoft.com/office/drawing/2014/main" id="{B5830641-39E6-6144-A84B-266EDB0936BC}"/>
+              </a:ext>
+            </a:extLst>
+          </p:cNvPr>
+          <p:cNvSpPr/>
+          <p:nvPr/>
+        </p:nvSpPr>
+        <p:spPr>
+          <a:xfrm rot="10800000">
+            <a:off x="10814082" y="1249060"/>
+            <a:ext cx="657415" cy="3287082"/>
+          </a:xfrm>
+          <a:prstGeom prst="leftBrace">
             <a:avLst/>
           </a:prstGeom>
           <a:ln>
@@ -11770,7 +17051,129 @@
                 <a:lumOff val="25000"/>
               </a:schemeClr>
             </a:solidFill>
-            <a:prstDash val="dash"/>
+          </a:ln>
+        </p:spPr>
+        <p:style>
+          <a:lnRef idx="1">
+            <a:schemeClr val="accent1"/>
+          </a:lnRef>
+          <a:fillRef idx="0">
+            <a:schemeClr val="accent1"/>
+          </a:fillRef>
+          <a:effectRef idx="0">
+            <a:schemeClr val="accent1"/>
+          </a:effectRef>
+          <a:fontRef idx="minor">
+            <a:schemeClr val="tx1"/>
+          </a:fontRef>
+        </p:style>
+        <p:txBody>
+          <a:bodyPr rtlCol="0" anchor="ctr"/>
+          <a:lstStyle/>
+          <a:p>
+            <a:pPr algn="ctr"/>
+            <a:endParaRPr lang="en-GB"/>
+          </a:p>
+        </p:txBody>
+      </p:sp>
+      <p:sp>
+        <p:nvSpPr>
+          <p:cNvPr id="30" name="TextBox 29">
+            <a:extLst>
+              <a:ext uri="{FF2B5EF4-FFF2-40B4-BE49-F238E27FC236}">
+                <a16:creationId xmlns:a16="http://schemas.microsoft.com/office/drawing/2014/main" id="{20D78786-F621-0F4A-A5B2-1C26EB2510A7}"/>
+              </a:ext>
+            </a:extLst>
+          </p:cNvPr>
+          <p:cNvSpPr txBox="1"/>
+          <p:nvPr/>
+        </p:nvSpPr>
+        <p:spPr>
+          <a:xfrm rot="5400000">
+            <a:off x="10597187" y="2614721"/>
+            <a:ext cx="2117952" cy="369332"/>
+          </a:xfrm>
+          <a:prstGeom prst="rect">
+            <a:avLst/>
+          </a:prstGeom>
+          <a:noFill/>
+        </p:spPr>
+        <p:txBody>
+          <a:bodyPr wrap="none" rtlCol="0">
+            <a:spAutoFit/>
+          </a:bodyPr>
+          <a:lstStyle/>
+          <a:p>
+            <a:r>
+              <a:rPr lang="en-GB" dirty="0"/>
+              <a:t>Intermediate images</a:t>
+            </a:r>
+          </a:p>
+        </p:txBody>
+      </p:sp>
+      <p:sp>
+        <p:nvSpPr>
+          <p:cNvPr id="32" name="TextBox 31">
+            <a:extLst>
+              <a:ext uri="{FF2B5EF4-FFF2-40B4-BE49-F238E27FC236}">
+                <a16:creationId xmlns:a16="http://schemas.microsoft.com/office/drawing/2014/main" id="{55977FE0-8076-694D-ABB9-FC6D94E74884}"/>
+              </a:ext>
+            </a:extLst>
+          </p:cNvPr>
+          <p:cNvSpPr txBox="1"/>
+          <p:nvPr/>
+        </p:nvSpPr>
+        <p:spPr>
+          <a:xfrm>
+            <a:off x="10404217" y="6140472"/>
+            <a:ext cx="1251946" cy="369332"/>
+          </a:xfrm>
+          <a:prstGeom prst="rect">
+            <a:avLst/>
+          </a:prstGeom>
+          <a:noFill/>
+        </p:spPr>
+        <p:txBody>
+          <a:bodyPr wrap="none" rtlCol="0">
+            <a:spAutoFit/>
+          </a:bodyPr>
+          <a:lstStyle/>
+          <a:p>
+            <a:r>
+              <a:rPr lang="en-GB" dirty="0"/>
+              <a:t>Final image</a:t>
+            </a:r>
+          </a:p>
+        </p:txBody>
+      </p:sp>
+      <p:cxnSp>
+        <p:nvCxnSpPr>
+          <p:cNvPr id="39" name="Straight Arrow Connector 38">
+            <a:extLst>
+              <a:ext uri="{FF2B5EF4-FFF2-40B4-BE49-F238E27FC236}">
+                <a16:creationId xmlns:a16="http://schemas.microsoft.com/office/drawing/2014/main" id="{3B1182ED-EB3C-0B46-8232-2C4A0EE8D9BE}"/>
+              </a:ext>
+            </a:extLst>
+          </p:cNvPr>
+          <p:cNvCxnSpPr/>
+          <p:nvPr/>
+        </p:nvCxnSpPr>
+        <p:spPr>
+          <a:xfrm flipH="1" flipV="1">
+            <a:off x="10479741" y="5827059"/>
+            <a:ext cx="268941" cy="313413"/>
+          </a:xfrm>
+          <a:prstGeom prst="straightConnector1">
+            <a:avLst/>
+          </a:prstGeom>
+          <a:ln>
+            <a:solidFill>
+              <a:schemeClr val="tx1">
+                <a:lumMod val="75000"/>
+                <a:lumOff val="25000"/>
+              </a:schemeClr>
+            </a:solidFill>
+            <a:tailEnd type="triangle"/>
           </a:ln>
         </p:spPr>
         <p:style>
@@ -11788,383 +17191,10 @@
           </a:fontRef>
         </p:style>
       </p:cxnSp>
-      <p:cxnSp>
-        <p:nvCxnSpPr>
-          <p:cNvPr id="27" name="Straight Connector 26">
-            <a:extLst>
-              <a:ext uri="{FF2B5EF4-FFF2-40B4-BE49-F238E27FC236}">
-                <a16:creationId xmlns:a16="http://schemas.microsoft.com/office/drawing/2014/main" id="{4B8C9714-96A1-984F-A326-9AD9BA5469DD}"/>
-              </a:ext>
-            </a:extLst>
-          </p:cNvPr>
-          <p:cNvCxnSpPr/>
-          <p:nvPr/>
-        </p:nvCxnSpPr>
-        <p:spPr>
-          <a:xfrm>
-            <a:off x="6092416" y="2230939"/>
-            <a:ext cx="0" cy="4376049"/>
-          </a:xfrm>
-          <a:prstGeom prst="line">
-            <a:avLst/>
-          </a:prstGeom>
-          <a:ln>
-            <a:solidFill>
-              <a:schemeClr val="tx1">
-                <a:lumMod val="75000"/>
-                <a:lumOff val="25000"/>
-              </a:schemeClr>
-            </a:solidFill>
-            <a:prstDash val="dash"/>
-          </a:ln>
-        </p:spPr>
-        <p:style>
-          <a:lnRef idx="1">
-            <a:schemeClr val="accent1"/>
-          </a:lnRef>
-          <a:fillRef idx="0">
-            <a:schemeClr val="accent1"/>
-          </a:fillRef>
-          <a:effectRef idx="0">
-            <a:schemeClr val="accent1"/>
-          </a:effectRef>
-          <a:fontRef idx="minor">
-            <a:schemeClr val="tx1"/>
-          </a:fontRef>
-        </p:style>
-      </p:cxnSp>
-      <p:cxnSp>
-        <p:nvCxnSpPr>
-          <p:cNvPr id="28" name="Straight Connector 27">
-            <a:extLst>
-              <a:ext uri="{FF2B5EF4-FFF2-40B4-BE49-F238E27FC236}">
-                <a16:creationId xmlns:a16="http://schemas.microsoft.com/office/drawing/2014/main" id="{7E5D961D-D21D-494E-8542-9B33A81E64D1}"/>
-              </a:ext>
-            </a:extLst>
-          </p:cNvPr>
-          <p:cNvCxnSpPr/>
-          <p:nvPr/>
-        </p:nvCxnSpPr>
-        <p:spPr>
-          <a:xfrm>
-            <a:off x="8340092" y="2220854"/>
-            <a:ext cx="0" cy="4376049"/>
-          </a:xfrm>
-          <a:prstGeom prst="line">
-            <a:avLst/>
-          </a:prstGeom>
-          <a:ln>
-            <a:solidFill>
-              <a:schemeClr val="tx1">
-                <a:lumMod val="75000"/>
-                <a:lumOff val="25000"/>
-              </a:schemeClr>
-            </a:solidFill>
-            <a:prstDash val="dash"/>
-          </a:ln>
-        </p:spPr>
-        <p:style>
-          <a:lnRef idx="1">
-            <a:schemeClr val="accent1"/>
-          </a:lnRef>
-          <a:fillRef idx="0">
-            <a:schemeClr val="accent1"/>
-          </a:fillRef>
-          <a:effectRef idx="0">
-            <a:schemeClr val="accent1"/>
-          </a:effectRef>
-          <a:fontRef idx="minor">
-            <a:schemeClr val="tx1"/>
-          </a:fontRef>
-        </p:style>
-      </p:cxnSp>
-      <p:cxnSp>
-        <p:nvCxnSpPr>
-          <p:cNvPr id="29" name="Straight Connector 28">
-            <a:extLst>
-              <a:ext uri="{FF2B5EF4-FFF2-40B4-BE49-F238E27FC236}">
-                <a16:creationId xmlns:a16="http://schemas.microsoft.com/office/drawing/2014/main" id="{BBF495CB-F741-5E4E-B22C-CE8ABBCA5B22}"/>
-              </a:ext>
-            </a:extLst>
-          </p:cNvPr>
-          <p:cNvCxnSpPr/>
-          <p:nvPr/>
-        </p:nvCxnSpPr>
-        <p:spPr>
-          <a:xfrm>
-            <a:off x="10522735" y="2220853"/>
-            <a:ext cx="0" cy="4376049"/>
-          </a:xfrm>
-          <a:prstGeom prst="line">
-            <a:avLst/>
-          </a:prstGeom>
-          <a:ln>
-            <a:solidFill>
-              <a:schemeClr val="tx1">
-                <a:lumMod val="75000"/>
-                <a:lumOff val="25000"/>
-              </a:schemeClr>
-            </a:solidFill>
-            <a:prstDash val="dash"/>
-          </a:ln>
-        </p:spPr>
-        <p:style>
-          <a:lnRef idx="1">
-            <a:schemeClr val="accent1"/>
-          </a:lnRef>
-          <a:fillRef idx="0">
-            <a:schemeClr val="accent1"/>
-          </a:fillRef>
-          <a:effectRef idx="0">
-            <a:schemeClr val="accent1"/>
-          </a:effectRef>
-          <a:fontRef idx="minor">
-            <a:schemeClr val="tx1"/>
-          </a:fontRef>
-        </p:style>
-      </p:cxnSp>
-      <p:cxnSp>
-        <p:nvCxnSpPr>
-          <p:cNvPr id="32" name="Straight Arrow Connector 31">
-            <a:extLst>
-              <a:ext uri="{FF2B5EF4-FFF2-40B4-BE49-F238E27FC236}">
-                <a16:creationId xmlns:a16="http://schemas.microsoft.com/office/drawing/2014/main" id="{71050B98-9C89-D44C-9E6F-5AA685CE2612}"/>
-              </a:ext>
-            </a:extLst>
-          </p:cNvPr>
-          <p:cNvCxnSpPr>
-            <a:cxnSpLocks/>
-          </p:cNvCxnSpPr>
-          <p:nvPr/>
-        </p:nvCxnSpPr>
-        <p:spPr>
-          <a:xfrm>
-            <a:off x="8352641" y="3947272"/>
-            <a:ext cx="2170094" cy="0"/>
-          </a:xfrm>
-          <a:prstGeom prst="straightConnector1">
-            <a:avLst/>
-          </a:prstGeom>
-          <a:ln w="38100">
-            <a:solidFill>
-              <a:schemeClr val="tx1">
-                <a:lumMod val="75000"/>
-                <a:lumOff val="25000"/>
-              </a:schemeClr>
-            </a:solidFill>
-            <a:headEnd type="triangle" w="med" len="med"/>
-            <a:tailEnd type="none" w="med" len="med"/>
-          </a:ln>
-        </p:spPr>
-        <p:style>
-          <a:lnRef idx="1">
-            <a:schemeClr val="accent1"/>
-          </a:lnRef>
-          <a:fillRef idx="0">
-            <a:schemeClr val="accent1"/>
-          </a:fillRef>
-          <a:effectRef idx="0">
-            <a:schemeClr val="accent1"/>
-          </a:effectRef>
-          <a:fontRef idx="minor">
-            <a:schemeClr val="tx1"/>
-          </a:fontRef>
-        </p:style>
-      </p:cxnSp>
-      <p:sp>
-        <p:nvSpPr>
-          <p:cNvPr id="35" name="TextBox 34">
-            <a:extLst>
-              <a:ext uri="{FF2B5EF4-FFF2-40B4-BE49-F238E27FC236}">
-                <a16:creationId xmlns:a16="http://schemas.microsoft.com/office/drawing/2014/main" id="{CEC51F1D-9450-F14C-960E-BD408EC040CC}"/>
-              </a:ext>
-            </a:extLst>
-          </p:cNvPr>
-          <p:cNvSpPr txBox="1"/>
-          <p:nvPr/>
-        </p:nvSpPr>
-        <p:spPr>
-          <a:xfrm>
-            <a:off x="3003474" y="2453430"/>
-            <a:ext cx="1838965" cy="369332"/>
-          </a:xfrm>
-          <a:prstGeom prst="rect">
-            <a:avLst/>
-          </a:prstGeom>
-          <a:noFill/>
-        </p:spPr>
-        <p:txBody>
-          <a:bodyPr wrap="none" rtlCol="0">
-            <a:spAutoFit/>
-          </a:bodyPr>
-          <a:lstStyle/>
-          <a:p>
-            <a:r>
-              <a:rPr lang="en-GB" dirty="0">
-                <a:latin typeface="Courier New" panose="02070309020205020404" pitchFamily="49" charset="0"/>
-                <a:cs typeface="Courier New" panose="02070309020205020404" pitchFamily="49" charset="0"/>
-              </a:rPr>
-              <a:t>GET /offices</a:t>
-            </a:r>
-          </a:p>
-        </p:txBody>
-      </p:sp>
-      <p:sp>
-        <p:nvSpPr>
-          <p:cNvPr id="37" name="TextBox 36">
-            <a:extLst>
-              <a:ext uri="{FF2B5EF4-FFF2-40B4-BE49-F238E27FC236}">
-                <a16:creationId xmlns:a16="http://schemas.microsoft.com/office/drawing/2014/main" id="{4FEF8783-5E3C-3744-81EB-1056F68841B6}"/>
-              </a:ext>
-            </a:extLst>
-          </p:cNvPr>
-          <p:cNvSpPr txBox="1"/>
-          <p:nvPr/>
-        </p:nvSpPr>
-        <p:spPr>
-          <a:xfrm>
-            <a:off x="6296772" y="3015685"/>
-            <a:ext cx="1838965" cy="369332"/>
-          </a:xfrm>
-          <a:prstGeom prst="rect">
-            <a:avLst/>
-          </a:prstGeom>
-          <a:noFill/>
-        </p:spPr>
-        <p:txBody>
-          <a:bodyPr wrap="none" rtlCol="0">
-            <a:spAutoFit/>
-          </a:bodyPr>
-          <a:lstStyle/>
-          <a:p>
-            <a:r>
-              <a:rPr lang="en-GB" dirty="0">
-                <a:latin typeface="Courier New" panose="02070309020205020404" pitchFamily="49" charset="0"/>
-                <a:cs typeface="Courier New" panose="02070309020205020404" pitchFamily="49" charset="0"/>
-              </a:rPr>
-              <a:t>Call Service</a:t>
-            </a:r>
-          </a:p>
-        </p:txBody>
-      </p:sp>
-      <p:sp>
-        <p:nvSpPr>
-          <p:cNvPr id="38" name="TextBox 37">
-            <a:extLst>
-              <a:ext uri="{FF2B5EF4-FFF2-40B4-BE49-F238E27FC236}">
-                <a16:creationId xmlns:a16="http://schemas.microsoft.com/office/drawing/2014/main" id="{D4BA6221-FE03-5541-A39F-65E467120028}"/>
-              </a:ext>
-            </a:extLst>
-          </p:cNvPr>
-          <p:cNvSpPr txBox="1"/>
-          <p:nvPr/>
-        </p:nvSpPr>
-        <p:spPr>
-          <a:xfrm>
-            <a:off x="8701515" y="3577940"/>
-            <a:ext cx="1425390" cy="369332"/>
-          </a:xfrm>
-          <a:prstGeom prst="rect">
-            <a:avLst/>
-          </a:prstGeom>
-          <a:noFill/>
-        </p:spPr>
-        <p:txBody>
-          <a:bodyPr wrap="none" rtlCol="0">
-            <a:spAutoFit/>
-          </a:bodyPr>
-          <a:lstStyle/>
-          <a:p>
-            <a:r>
-              <a:rPr lang="en-GB" dirty="0">
-                <a:latin typeface="Courier New" panose="02070309020205020404" pitchFamily="49" charset="0"/>
-                <a:cs typeface="Courier New" panose="02070309020205020404" pitchFamily="49" charset="0"/>
-              </a:rPr>
-              <a:t>Read File</a:t>
-            </a:r>
-          </a:p>
-        </p:txBody>
-      </p:sp>
-      <p:sp>
-        <p:nvSpPr>
-          <p:cNvPr id="39" name="TextBox 38">
-            <a:extLst>
-              <a:ext uri="{FF2B5EF4-FFF2-40B4-BE49-F238E27FC236}">
-                <a16:creationId xmlns:a16="http://schemas.microsoft.com/office/drawing/2014/main" id="{8BC43D35-1A82-F14B-B3E7-B7236D3D8187}"/>
-              </a:ext>
-            </a:extLst>
-          </p:cNvPr>
-          <p:cNvSpPr txBox="1"/>
-          <p:nvPr/>
-        </p:nvSpPr>
-        <p:spPr>
-          <a:xfrm>
-            <a:off x="6160378" y="4169763"/>
-            <a:ext cx="2114681" cy="369332"/>
-          </a:xfrm>
-          <a:prstGeom prst="rect">
-            <a:avLst/>
-          </a:prstGeom>
-          <a:noFill/>
-        </p:spPr>
-        <p:txBody>
-          <a:bodyPr wrap="none" rtlCol="0">
-            <a:spAutoFit/>
-          </a:bodyPr>
-          <a:lstStyle/>
-          <a:p>
-            <a:r>
-              <a:rPr lang="en-GB" dirty="0">
-                <a:latin typeface="Courier New" panose="02070309020205020404" pitchFamily="49" charset="0"/>
-                <a:cs typeface="Courier New" panose="02070309020205020404" pitchFamily="49" charset="0"/>
-              </a:rPr>
-              <a:t>Return Offices</a:t>
-            </a:r>
-          </a:p>
-        </p:txBody>
-      </p:sp>
-      <p:sp>
-        <p:nvSpPr>
-          <p:cNvPr id="40" name="TextBox 39">
-            <a:extLst>
-              <a:ext uri="{FF2B5EF4-FFF2-40B4-BE49-F238E27FC236}">
-                <a16:creationId xmlns:a16="http://schemas.microsoft.com/office/drawing/2014/main" id="{274849DF-FDAE-E447-A17E-80E539C4522B}"/>
-              </a:ext>
-            </a:extLst>
-          </p:cNvPr>
-          <p:cNvSpPr txBox="1"/>
-          <p:nvPr/>
-        </p:nvSpPr>
-        <p:spPr>
-          <a:xfrm>
-            <a:off x="2512475" y="4712535"/>
-            <a:ext cx="3079689" cy="369332"/>
-          </a:xfrm>
-          <a:prstGeom prst="rect">
-            <a:avLst/>
-          </a:prstGeom>
-          <a:noFill/>
-        </p:spPr>
-        <p:txBody>
-          <a:bodyPr wrap="none" rtlCol="0">
-            <a:spAutoFit/>
-          </a:bodyPr>
-          <a:lstStyle/>
-          <a:p>
-            <a:r>
-              <a:rPr lang="en-GB" dirty="0">
-                <a:latin typeface="Courier New" panose="02070309020205020404" pitchFamily="49" charset="0"/>
-                <a:cs typeface="Courier New" panose="02070309020205020404" pitchFamily="49" charset="0"/>
-              </a:rPr>
-              <a:t>Return Offices (JSON)</a:t>
-            </a:r>
-          </a:p>
-        </p:txBody>
-      </p:sp>
     </p:spTree>
     <p:extLst>
       <p:ext uri="{BB962C8B-B14F-4D97-AF65-F5344CB8AC3E}">
-        <p14:creationId xmlns:p14="http://schemas.microsoft.com/office/powerpoint/2010/main" val="1891040498"/>
+        <p14:creationId xmlns:p14="http://schemas.microsoft.com/office/powerpoint/2010/main" val="3326443834"/>
       </p:ext>
     </p:extLst>
   </p:cSld>
